--- a/Poster.pptx
+++ b/Poster.pptx
@@ -4038,7 +4038,7 @@
         </p:nvSpPr>
         <p:spPr>
           <a:xfrm>
-            <a:off x="419100" y="10822519"/>
+            <a:off x="415282" y="8861556"/>
             <a:ext cx="8487833" cy="838200"/>
           </a:xfrm>
           <a:prstGeom prst="rect">
@@ -4106,11 +4106,4547 @@
           <a:lstStyle/>
           <a:p>
             <a:r>
-              <a:rPr lang="en-US" sz="2200" dirty="0">
+              <a:rPr lang="en-US" sz="2200">
                 <a:latin typeface="Georgia" panose="02040502050405020303" pitchFamily="18" charset="0"/>
               </a:rPr>
               <a:t>Problem: </a:t>
             </a:r>
+            <a:endParaRPr lang="en-US" sz="2200" dirty="0">
+              <a:latin typeface="Georgia" panose="02040502050405020303" pitchFamily="18" charset="0"/>
+            </a:endParaRPr>
+          </a:p>
+        </p:txBody>
+      </p:sp>
+      <p:graphicFrame>
+        <p:nvGraphicFramePr>
+          <p:cNvPr id="3" name="Table 3">
+            <a:extLst>
+              <a:ext uri="{FF2B5EF4-FFF2-40B4-BE49-F238E27FC236}">
+                <a16:creationId xmlns:a16="http://schemas.microsoft.com/office/drawing/2014/main" id="{81A59186-9D1C-4191-BEB2-3D14E096AF63}"/>
+              </a:ext>
+            </a:extLst>
+          </p:cNvPr>
+          <p:cNvGraphicFramePr>
+            <a:graphicFrameLocks noGrp="1"/>
+          </p:cNvGraphicFramePr>
+          <p:nvPr>
+            <p:extLst>
+              <p:ext uri="{D42A27DB-BD31-4B8C-83A1-F6EECF244321}">
+                <p14:modId xmlns:p14="http://schemas.microsoft.com/office/powerpoint/2010/main" val="2911948730"/>
+              </p:ext>
+            </p:extLst>
+          </p:nvPr>
+        </p:nvGraphicFramePr>
+        <p:xfrm>
+          <a:off x="9601777" y="14298654"/>
+          <a:ext cx="8887881" cy="1280160"/>
+        </p:xfrm>
+        <a:graphic>
+          <a:graphicData uri="http://schemas.openxmlformats.org/drawingml/2006/table">
+            <a:tbl>
+              <a:tblPr firstRow="1" bandRow="1">
+                <a:tableStyleId>{5940675A-B579-460E-94D1-54222C63F5DA}</a:tableStyleId>
+              </a:tblPr>
+              <a:tblGrid>
+                <a:gridCol w="2962627">
+                  <a:extLst>
+                    <a:ext uri="{9D8B030D-6E8A-4147-A177-3AD203B41FA5}">
+                      <a16:colId xmlns:a16="http://schemas.microsoft.com/office/drawing/2014/main" val="350977906"/>
+                    </a:ext>
+                  </a:extLst>
+                </a:gridCol>
+                <a:gridCol w="2962627">
+                  <a:extLst>
+                    <a:ext uri="{9D8B030D-6E8A-4147-A177-3AD203B41FA5}">
+                      <a16:colId xmlns:a16="http://schemas.microsoft.com/office/drawing/2014/main" val="1761163539"/>
+                    </a:ext>
+                  </a:extLst>
+                </a:gridCol>
+                <a:gridCol w="2962627">
+                  <a:extLst>
+                    <a:ext uri="{9D8B030D-6E8A-4147-A177-3AD203B41FA5}">
+                      <a16:colId xmlns:a16="http://schemas.microsoft.com/office/drawing/2014/main" val="4241348643"/>
+                    </a:ext>
+                  </a:extLst>
+                </a:gridCol>
+              </a:tblGrid>
+              <a:tr h="370840">
+                <a:tc>
+                  <a:txBody>
+                    <a:bodyPr/>
+                    <a:lstStyle/>
+                    <a:p>
+                      <a:endParaRPr lang="en-US" sz="2200" dirty="0">
+                        <a:latin typeface="Georgia" panose="02040502050405020303" pitchFamily="18" charset="0"/>
+                      </a:endParaRPr>
+                    </a:p>
+                  </a:txBody>
+                  <a:tcPr>
+                    <a:solidFill>
+                      <a:srgbClr val="8C1515"/>
+                    </a:solidFill>
+                  </a:tcPr>
+                </a:tc>
+                <a:tc>
+                  <a:txBody>
+                    <a:bodyPr/>
+                    <a:lstStyle/>
+                    <a:p>
+                      <a:r>
+                        <a:rPr lang="en-US" sz="2200" dirty="0">
+                          <a:solidFill>
+                            <a:schemeClr val="bg1"/>
+                          </a:solidFill>
+                          <a:latin typeface="Georgia" panose="02040502050405020303" pitchFamily="18" charset="0"/>
+                        </a:rPr>
+                        <a:t>Answered</a:t>
+                      </a:r>
+                    </a:p>
+                  </a:txBody>
+                  <a:tcPr>
+                    <a:solidFill>
+                      <a:srgbClr val="8C1515"/>
+                    </a:solidFill>
+                  </a:tcPr>
+                </a:tc>
+                <a:tc>
+                  <a:txBody>
+                    <a:bodyPr/>
+                    <a:lstStyle/>
+                    <a:p>
+                      <a:r>
+                        <a:rPr lang="en-US" sz="2200" dirty="0">
+                          <a:solidFill>
+                            <a:schemeClr val="bg1"/>
+                          </a:solidFill>
+                          <a:latin typeface="Georgia" panose="02040502050405020303" pitchFamily="18" charset="0"/>
+                        </a:rPr>
+                        <a:t>Not Answered</a:t>
+                      </a:r>
+                    </a:p>
+                  </a:txBody>
+                  <a:tcPr>
+                    <a:solidFill>
+                      <a:srgbClr val="8C1515"/>
+                    </a:solidFill>
+                  </a:tcPr>
+                </a:tc>
+                <a:extLst>
+                  <a:ext uri="{0D108BD9-81ED-4DB2-BD59-A6C34878D82A}">
+                    <a16:rowId xmlns:a16="http://schemas.microsoft.com/office/drawing/2014/main" val="2292895033"/>
+                  </a:ext>
+                </a:extLst>
+              </a:tr>
+              <a:tr h="370840">
+                <a:tc>
+                  <a:txBody>
+                    <a:bodyPr/>
+                    <a:lstStyle/>
+                    <a:p>
+                      <a:r>
+                        <a:rPr lang="en-US" sz="2200" dirty="0">
+                          <a:solidFill>
+                            <a:schemeClr val="bg1"/>
+                          </a:solidFill>
+                          <a:latin typeface="Georgia" panose="02040502050405020303" pitchFamily="18" charset="0"/>
+                        </a:rPr>
+                        <a:t>Has Answer</a:t>
+                      </a:r>
+                    </a:p>
+                  </a:txBody>
+                  <a:tcPr>
+                    <a:solidFill>
+                      <a:srgbClr val="8C1515"/>
+                    </a:solidFill>
+                  </a:tcPr>
+                </a:tc>
+                <a:tc>
+                  <a:txBody>
+                    <a:bodyPr/>
+                    <a:lstStyle/>
+                    <a:p>
+                      <a:r>
+                        <a:rPr lang="en-US" sz="2200" dirty="0">
+                          <a:latin typeface="Georgia" panose="02040502050405020303" pitchFamily="18" charset="0"/>
+                        </a:rPr>
+                        <a:t>2361 (39.67%)</a:t>
+                      </a:r>
+                    </a:p>
+                  </a:txBody>
+                  <a:tcPr/>
+                </a:tc>
+                <a:tc>
+                  <a:txBody>
+                    <a:bodyPr/>
+                    <a:lstStyle/>
+                    <a:p>
+                      <a:r>
+                        <a:rPr lang="en-US" sz="2200" dirty="0">
+                          <a:latin typeface="Georgia" panose="02040502050405020303" pitchFamily="18" charset="0"/>
+                        </a:rPr>
+                        <a:t>487 (8.18%)</a:t>
+                      </a:r>
+                    </a:p>
+                  </a:txBody>
+                  <a:tcPr/>
+                </a:tc>
+                <a:extLst>
+                  <a:ext uri="{0D108BD9-81ED-4DB2-BD59-A6C34878D82A}">
+                    <a16:rowId xmlns:a16="http://schemas.microsoft.com/office/drawing/2014/main" val="3463151102"/>
+                  </a:ext>
+                </a:extLst>
+              </a:tr>
+              <a:tr h="370840">
+                <a:tc>
+                  <a:txBody>
+                    <a:bodyPr/>
+                    <a:lstStyle/>
+                    <a:p>
+                      <a:r>
+                        <a:rPr lang="en-US" sz="2200" dirty="0">
+                          <a:solidFill>
+                            <a:schemeClr val="bg1"/>
+                          </a:solidFill>
+                          <a:latin typeface="Georgia" panose="02040502050405020303" pitchFamily="18" charset="0"/>
+                        </a:rPr>
+                        <a:t>No Answer</a:t>
+                      </a:r>
+                    </a:p>
+                  </a:txBody>
+                  <a:tcPr>
+                    <a:solidFill>
+                      <a:srgbClr val="8C1515"/>
+                    </a:solidFill>
+                  </a:tcPr>
+                </a:tc>
+                <a:tc>
+                  <a:txBody>
+                    <a:bodyPr/>
+                    <a:lstStyle/>
+                    <a:p>
+                      <a:r>
+                        <a:rPr lang="en-US" sz="2200" dirty="0">
+                          <a:latin typeface="Georgia" panose="02040502050405020303" pitchFamily="18" charset="0"/>
+                        </a:rPr>
+                        <a:t>912 (15.33%)</a:t>
+                      </a:r>
+                    </a:p>
+                  </a:txBody>
+                  <a:tcPr/>
+                </a:tc>
+                <a:tc>
+                  <a:txBody>
+                    <a:bodyPr/>
+                    <a:lstStyle/>
+                    <a:p>
+                      <a:r>
+                        <a:rPr lang="en-US" sz="2200" dirty="0">
+                          <a:latin typeface="Georgia" panose="02040502050405020303" pitchFamily="18" charset="0"/>
+                        </a:rPr>
+                        <a:t>2191 (36.82%)</a:t>
+                      </a:r>
+                    </a:p>
+                  </a:txBody>
+                  <a:tcPr/>
+                </a:tc>
+                <a:extLst>
+                  <a:ext uri="{0D108BD9-81ED-4DB2-BD59-A6C34878D82A}">
+                    <a16:rowId xmlns:a16="http://schemas.microsoft.com/office/drawing/2014/main" val="4004913990"/>
+                  </a:ext>
+                </a:extLst>
+              </a:tr>
+            </a:tbl>
+          </a:graphicData>
+        </a:graphic>
+      </p:graphicFrame>
+      <p:sp>
+        <p:nvSpPr>
+          <p:cNvPr id="155" name="TextBox 154">
+            <a:extLst>
+              <a:ext uri="{FF2B5EF4-FFF2-40B4-BE49-F238E27FC236}">
+                <a16:creationId xmlns:a16="http://schemas.microsoft.com/office/drawing/2014/main" id="{2941EE87-2ECB-455D-B4C5-753C93819AAE}"/>
+              </a:ext>
+            </a:extLst>
+          </p:cNvPr>
+          <p:cNvSpPr txBox="1"/>
+          <p:nvPr/>
+        </p:nvSpPr>
+        <p:spPr>
+          <a:xfrm>
+            <a:off x="415281" y="9779004"/>
+            <a:ext cx="8487833" cy="3139321"/>
+          </a:xfrm>
+          <a:prstGeom prst="rect">
+            <a:avLst/>
+          </a:prstGeom>
+          <a:noFill/>
+        </p:spPr>
+        <p:txBody>
+          <a:bodyPr wrap="square">
+            <a:spAutoFit/>
+          </a:bodyPr>
+          <a:lstStyle/>
+          <a:p>
+            <a:pPr rtl="0">
+              <a:spcBef>
+                <a:spcPts val="0"/>
+              </a:spcBef>
+              <a:spcAft>
+                <a:spcPts val="0"/>
+              </a:spcAft>
+            </a:pPr>
+            <a:r>
+              <a:rPr lang="en-US" sz="2200" dirty="0">
+                <a:solidFill>
+                  <a:srgbClr val="000000"/>
+                </a:solidFill>
+                <a:latin typeface="Georgia" panose="02040502050405020303" pitchFamily="18" charset="0"/>
+              </a:rPr>
+              <a:t>Our b</a:t>
+            </a:r>
+            <a:r>
+              <a:rPr lang="en-US" sz="2200" b="0" i="0" u="none" strike="noStrike" dirty="0">
+                <a:solidFill>
+                  <a:srgbClr val="000000"/>
+                </a:solidFill>
+                <a:effectLst/>
+                <a:latin typeface="Georgia" panose="02040502050405020303" pitchFamily="18" charset="0"/>
+              </a:rPr>
+              <a:t>est performing model: </a:t>
+            </a:r>
+          </a:p>
+          <a:p>
+            <a:pPr rtl="0">
+              <a:spcBef>
+                <a:spcPts val="0"/>
+              </a:spcBef>
+              <a:spcAft>
+                <a:spcPts val="0"/>
+              </a:spcAft>
+            </a:pPr>
+            <a:r>
+              <a:rPr lang="en-US" sz="2200" b="0" i="0" u="none" strike="noStrike" dirty="0">
+                <a:solidFill>
+                  <a:srgbClr val="000000"/>
+                </a:solidFill>
+                <a:effectLst/>
+                <a:latin typeface="Georgia" panose="02040502050405020303" pitchFamily="18" charset="0"/>
+              </a:rPr>
+              <a:t>	Transformer-based model </a:t>
+            </a:r>
+            <a:r>
+              <a:rPr lang="en-US" sz="2200" dirty="0">
+                <a:solidFill>
+                  <a:srgbClr val="000000"/>
+                </a:solidFill>
+                <a:latin typeface="Georgia" panose="02040502050405020303" pitchFamily="18" charset="0"/>
+              </a:rPr>
+              <a:t>adapted from </a:t>
+            </a:r>
+            <a:r>
+              <a:rPr lang="en-US" sz="2200" dirty="0" err="1">
+                <a:solidFill>
+                  <a:srgbClr val="000000"/>
+                </a:solidFill>
+                <a:latin typeface="Georgia" panose="02040502050405020303" pitchFamily="18" charset="0"/>
+              </a:rPr>
+              <a:t>QANet</a:t>
+            </a:r>
+            <a:r>
+              <a:rPr lang="en-US" sz="2200" dirty="0">
+                <a:solidFill>
+                  <a:srgbClr val="000000"/>
+                </a:solidFill>
+                <a:latin typeface="Georgia" panose="02040502050405020303" pitchFamily="18" charset="0"/>
+              </a:rPr>
+              <a:t> by </a:t>
+            </a:r>
+            <a:r>
+              <a:rPr lang="en-US" sz="2200" b="0" i="0" u="none" strike="noStrike" dirty="0">
+                <a:solidFill>
+                  <a:srgbClr val="000000"/>
+                </a:solidFill>
+                <a:effectLst/>
+                <a:latin typeface="Georgia" panose="02040502050405020303" pitchFamily="18" charset="0"/>
+              </a:rPr>
+              <a:t>Yu et al.[1]. </a:t>
+            </a:r>
+          </a:p>
+          <a:p>
+            <a:pPr rtl="0">
+              <a:spcBef>
+                <a:spcPts val="0"/>
+              </a:spcBef>
+              <a:spcAft>
+                <a:spcPts val="0"/>
+              </a:spcAft>
+            </a:pPr>
+            <a:r>
+              <a:rPr lang="en-US" sz="2200" dirty="0" err="1">
+                <a:solidFill>
+                  <a:srgbClr val="000000"/>
+                </a:solidFill>
+                <a:latin typeface="Georgia" panose="02040502050405020303" pitchFamily="18" charset="0"/>
+              </a:rPr>
+              <a:t>Args</a:t>
+            </a:r>
+            <a:r>
+              <a:rPr lang="en-US" sz="2200" dirty="0">
+                <a:solidFill>
+                  <a:srgbClr val="000000"/>
+                </a:solidFill>
+                <a:latin typeface="Georgia" panose="02040502050405020303" pitchFamily="18" charset="0"/>
+              </a:rPr>
+              <a:t>:</a:t>
+            </a:r>
+          </a:p>
+          <a:p>
+            <a:pPr rtl="0">
+              <a:spcBef>
+                <a:spcPts val="0"/>
+              </a:spcBef>
+              <a:spcAft>
+                <a:spcPts val="0"/>
+              </a:spcAft>
+            </a:pPr>
+            <a:r>
+              <a:rPr lang="en-US" sz="2200" dirty="0">
+                <a:solidFill>
+                  <a:srgbClr val="000000"/>
+                </a:solidFill>
+                <a:latin typeface="Georgia" panose="02040502050405020303" pitchFamily="18" charset="0"/>
+              </a:rPr>
+              <a:t>	Batch size: 32</a:t>
+            </a:r>
+          </a:p>
+          <a:p>
+            <a:pPr rtl="0">
+              <a:spcBef>
+                <a:spcPts val="0"/>
+              </a:spcBef>
+              <a:spcAft>
+                <a:spcPts val="0"/>
+              </a:spcAft>
+            </a:pPr>
+            <a:r>
+              <a:rPr lang="en-US" sz="2200" dirty="0">
+                <a:solidFill>
+                  <a:srgbClr val="000000"/>
+                </a:solidFill>
+                <a:latin typeface="Georgia" panose="02040502050405020303" pitchFamily="18" charset="0"/>
+              </a:rPr>
+              <a:t>	Hidden size: 128</a:t>
+            </a:r>
+          </a:p>
+          <a:p>
+            <a:pPr rtl="0">
+              <a:spcBef>
+                <a:spcPts val="0"/>
+              </a:spcBef>
+              <a:spcAft>
+                <a:spcPts val="0"/>
+              </a:spcAft>
+            </a:pPr>
+            <a:r>
+              <a:rPr lang="en-US" sz="2200" dirty="0">
+                <a:solidFill>
+                  <a:srgbClr val="000000"/>
+                </a:solidFill>
+                <a:latin typeface="Georgia" panose="02040502050405020303" pitchFamily="18" charset="0"/>
+              </a:rPr>
+              <a:t>	</a:t>
+            </a:r>
+            <a:r>
+              <a:rPr lang="en-US" sz="2200" b="1" dirty="0">
+                <a:solidFill>
+                  <a:srgbClr val="000000"/>
+                </a:solidFill>
+                <a:latin typeface="Georgia" panose="02040502050405020303" pitchFamily="18" charset="0"/>
+              </a:rPr>
+              <a:t>Dropout prob: 0.1</a:t>
+            </a:r>
+          </a:p>
+          <a:p>
+            <a:pPr rtl="0">
+              <a:spcBef>
+                <a:spcPts val="0"/>
+              </a:spcBef>
+              <a:spcAft>
+                <a:spcPts val="0"/>
+              </a:spcAft>
+            </a:pPr>
+            <a:r>
+              <a:rPr lang="en-US" sz="2200" b="1" dirty="0">
+                <a:solidFill>
+                  <a:srgbClr val="000000"/>
+                </a:solidFill>
+                <a:latin typeface="Georgia" panose="02040502050405020303" pitchFamily="18" charset="0"/>
+              </a:rPr>
+              <a:t>	Learning rate: </a:t>
+            </a:r>
+          </a:p>
+          <a:p>
+            <a:pPr rtl="0">
+              <a:spcBef>
+                <a:spcPts val="0"/>
+              </a:spcBef>
+              <a:spcAft>
+                <a:spcPts val="0"/>
+              </a:spcAft>
+            </a:pPr>
+            <a:r>
+              <a:rPr lang="en-US" sz="2200" b="1" dirty="0">
+                <a:solidFill>
+                  <a:srgbClr val="000000"/>
+                </a:solidFill>
+                <a:latin typeface="Georgia" panose="02040502050405020303" pitchFamily="18" charset="0"/>
+              </a:rPr>
+              <a:t>	</a:t>
+            </a:r>
+            <a:r>
+              <a:rPr lang="en-US" sz="2200" dirty="0">
+                <a:solidFill>
+                  <a:srgbClr val="000000"/>
+                </a:solidFill>
+                <a:latin typeface="Georgia" panose="02040502050405020303" pitchFamily="18" charset="0"/>
+              </a:rPr>
+              <a:t>Optimizer: Adam</a:t>
+            </a:r>
+          </a:p>
+          <a:p>
+            <a:pPr rtl="0">
+              <a:spcBef>
+                <a:spcPts val="0"/>
+              </a:spcBef>
+              <a:spcAft>
+                <a:spcPts val="0"/>
+              </a:spcAft>
+            </a:pPr>
+            <a:endParaRPr lang="en-US" sz="2200" dirty="0">
+              <a:solidFill>
+                <a:srgbClr val="000000"/>
+              </a:solidFill>
+              <a:latin typeface="Georgia" panose="02040502050405020303" pitchFamily="18" charset="0"/>
+            </a:endParaRPr>
+          </a:p>
+        </p:txBody>
+      </p:sp>
+      <p:grpSp>
+        <p:nvGrpSpPr>
+          <p:cNvPr id="6" name="Group 5">
+            <a:extLst>
+              <a:ext uri="{FF2B5EF4-FFF2-40B4-BE49-F238E27FC236}">
+                <a16:creationId xmlns:a16="http://schemas.microsoft.com/office/drawing/2014/main" id="{DA792B28-B2D8-4718-91FE-1FDECC5FF509}"/>
+              </a:ext>
+            </a:extLst>
+          </p:cNvPr>
+          <p:cNvGrpSpPr/>
+          <p:nvPr/>
+        </p:nvGrpSpPr>
+        <p:grpSpPr>
+          <a:xfrm>
+            <a:off x="384775" y="13473664"/>
+            <a:ext cx="8528451" cy="8175602"/>
+            <a:chOff x="384775" y="13473664"/>
+            <a:chExt cx="8528451" cy="8175602"/>
+          </a:xfrm>
+        </p:grpSpPr>
+        <p:sp>
+          <p:nvSpPr>
+            <p:cNvPr id="210" name="Speech Bubble: Rectangle with Corners Rounded 1">
+              <a:extLst>
+                <a:ext uri="{FF2B5EF4-FFF2-40B4-BE49-F238E27FC236}">
+                  <a16:creationId xmlns:a16="http://schemas.microsoft.com/office/drawing/2014/main" id="{BB64DC17-463D-4D9B-B5F3-82861AE0A153}"/>
+                </a:ext>
+              </a:extLst>
+            </p:cNvPr>
+            <p:cNvSpPr/>
+            <p:nvPr/>
+          </p:nvSpPr>
+          <p:spPr>
+            <a:xfrm>
+              <a:off x="3503293" y="13720288"/>
+              <a:ext cx="5174603" cy="5638263"/>
+            </a:xfrm>
+            <a:custGeom>
+              <a:avLst/>
+              <a:gdLst>
+                <a:gd name="connsiteX0" fmla="*/ 0 w 3705593"/>
+                <a:gd name="connsiteY0" fmla="*/ 617611 h 5952513"/>
+                <a:gd name="connsiteX1" fmla="*/ 617611 w 3705593"/>
+                <a:gd name="connsiteY1" fmla="*/ 0 h 5952513"/>
+                <a:gd name="connsiteX2" fmla="*/ 617599 w 3705593"/>
+                <a:gd name="connsiteY2" fmla="*/ 0 h 5952513"/>
+                <a:gd name="connsiteX3" fmla="*/ 617599 w 3705593"/>
+                <a:gd name="connsiteY3" fmla="*/ 0 h 5952513"/>
+                <a:gd name="connsiteX4" fmla="*/ 1543997 w 3705593"/>
+                <a:gd name="connsiteY4" fmla="*/ 0 h 5952513"/>
+                <a:gd name="connsiteX5" fmla="*/ 3087982 w 3705593"/>
+                <a:gd name="connsiteY5" fmla="*/ 0 h 5952513"/>
+                <a:gd name="connsiteX6" fmla="*/ 3705593 w 3705593"/>
+                <a:gd name="connsiteY6" fmla="*/ 617611 h 5952513"/>
+                <a:gd name="connsiteX7" fmla="*/ 3705593 w 3705593"/>
+                <a:gd name="connsiteY7" fmla="*/ 3472299 h 5952513"/>
+                <a:gd name="connsiteX8" fmla="*/ 3705593 w 3705593"/>
+                <a:gd name="connsiteY8" fmla="*/ 3472299 h 5952513"/>
+                <a:gd name="connsiteX9" fmla="*/ 3705593 w 3705593"/>
+                <a:gd name="connsiteY9" fmla="*/ 4960428 h 5952513"/>
+                <a:gd name="connsiteX10" fmla="*/ 3705593 w 3705593"/>
+                <a:gd name="connsiteY10" fmla="*/ 5334902 h 5952513"/>
+                <a:gd name="connsiteX11" fmla="*/ 3087982 w 3705593"/>
+                <a:gd name="connsiteY11" fmla="*/ 5952513 h 5952513"/>
+                <a:gd name="connsiteX12" fmla="*/ 1543997 w 3705593"/>
+                <a:gd name="connsiteY12" fmla="*/ 5952513 h 5952513"/>
+                <a:gd name="connsiteX13" fmla="*/ 617599 w 3705593"/>
+                <a:gd name="connsiteY13" fmla="*/ 5952513 h 5952513"/>
+                <a:gd name="connsiteX14" fmla="*/ 617599 w 3705593"/>
+                <a:gd name="connsiteY14" fmla="*/ 5952513 h 5952513"/>
+                <a:gd name="connsiteX15" fmla="*/ 617611 w 3705593"/>
+                <a:gd name="connsiteY15" fmla="*/ 5952513 h 5952513"/>
+                <a:gd name="connsiteX16" fmla="*/ 0 w 3705593"/>
+                <a:gd name="connsiteY16" fmla="*/ 5334902 h 5952513"/>
+                <a:gd name="connsiteX17" fmla="*/ 0 w 3705593"/>
+                <a:gd name="connsiteY17" fmla="*/ 4960428 h 5952513"/>
+                <a:gd name="connsiteX18" fmla="*/ -1439030 w 3705593"/>
+                <a:gd name="connsiteY18" fmla="*/ 3534245 h 5952513"/>
+                <a:gd name="connsiteX19" fmla="*/ 0 w 3705593"/>
+                <a:gd name="connsiteY19" fmla="*/ 3472299 h 5952513"/>
+                <a:gd name="connsiteX20" fmla="*/ 0 w 3705593"/>
+                <a:gd name="connsiteY20" fmla="*/ 617611 h 5952513"/>
+                <a:gd name="connsiteX0" fmla="*/ 1439030 w 5144623"/>
+                <a:gd name="connsiteY0" fmla="*/ 617611 h 5952513"/>
+                <a:gd name="connsiteX1" fmla="*/ 2056641 w 5144623"/>
+                <a:gd name="connsiteY1" fmla="*/ 0 h 5952513"/>
+                <a:gd name="connsiteX2" fmla="*/ 2056629 w 5144623"/>
+                <a:gd name="connsiteY2" fmla="*/ 0 h 5952513"/>
+                <a:gd name="connsiteX3" fmla="*/ 2056629 w 5144623"/>
+                <a:gd name="connsiteY3" fmla="*/ 0 h 5952513"/>
+                <a:gd name="connsiteX4" fmla="*/ 2983027 w 5144623"/>
+                <a:gd name="connsiteY4" fmla="*/ 0 h 5952513"/>
+                <a:gd name="connsiteX5" fmla="*/ 4527012 w 5144623"/>
+                <a:gd name="connsiteY5" fmla="*/ 0 h 5952513"/>
+                <a:gd name="connsiteX6" fmla="*/ 5144623 w 5144623"/>
+                <a:gd name="connsiteY6" fmla="*/ 617611 h 5952513"/>
+                <a:gd name="connsiteX7" fmla="*/ 5144623 w 5144623"/>
+                <a:gd name="connsiteY7" fmla="*/ 3472299 h 5952513"/>
+                <a:gd name="connsiteX8" fmla="*/ 5144623 w 5144623"/>
+                <a:gd name="connsiteY8" fmla="*/ 3472299 h 5952513"/>
+                <a:gd name="connsiteX9" fmla="*/ 5144623 w 5144623"/>
+                <a:gd name="connsiteY9" fmla="*/ 4960428 h 5952513"/>
+                <a:gd name="connsiteX10" fmla="*/ 5144623 w 5144623"/>
+                <a:gd name="connsiteY10" fmla="*/ 5334902 h 5952513"/>
+                <a:gd name="connsiteX11" fmla="*/ 4527012 w 5144623"/>
+                <a:gd name="connsiteY11" fmla="*/ 5952513 h 5952513"/>
+                <a:gd name="connsiteX12" fmla="*/ 2983027 w 5144623"/>
+                <a:gd name="connsiteY12" fmla="*/ 5952513 h 5952513"/>
+                <a:gd name="connsiteX13" fmla="*/ 2056629 w 5144623"/>
+                <a:gd name="connsiteY13" fmla="*/ 5952513 h 5952513"/>
+                <a:gd name="connsiteX14" fmla="*/ 2056629 w 5144623"/>
+                <a:gd name="connsiteY14" fmla="*/ 5952513 h 5952513"/>
+                <a:gd name="connsiteX15" fmla="*/ 2056641 w 5144623"/>
+                <a:gd name="connsiteY15" fmla="*/ 5952513 h 5952513"/>
+                <a:gd name="connsiteX16" fmla="*/ 1439030 w 5144623"/>
+                <a:gd name="connsiteY16" fmla="*/ 5334902 h 5952513"/>
+                <a:gd name="connsiteX17" fmla="*/ 1439030 w 5144623"/>
+                <a:gd name="connsiteY17" fmla="*/ 4960428 h 5952513"/>
+                <a:gd name="connsiteX18" fmla="*/ 0 w 5144623"/>
+                <a:gd name="connsiteY18" fmla="*/ 3534245 h 5952513"/>
+                <a:gd name="connsiteX19" fmla="*/ 1439030 w 5144623"/>
+                <a:gd name="connsiteY19" fmla="*/ 3472299 h 5952513"/>
+                <a:gd name="connsiteX20" fmla="*/ 1439030 w 5144623"/>
+                <a:gd name="connsiteY20" fmla="*/ 617611 h 5952513"/>
+                <a:gd name="connsiteX0" fmla="*/ 1439030 w 5144623"/>
+                <a:gd name="connsiteY0" fmla="*/ 617611 h 5952513"/>
+                <a:gd name="connsiteX1" fmla="*/ 2056641 w 5144623"/>
+                <a:gd name="connsiteY1" fmla="*/ 0 h 5952513"/>
+                <a:gd name="connsiteX2" fmla="*/ 2056629 w 5144623"/>
+                <a:gd name="connsiteY2" fmla="*/ 0 h 5952513"/>
+                <a:gd name="connsiteX3" fmla="*/ 2056629 w 5144623"/>
+                <a:gd name="connsiteY3" fmla="*/ 0 h 5952513"/>
+                <a:gd name="connsiteX4" fmla="*/ 2983027 w 5144623"/>
+                <a:gd name="connsiteY4" fmla="*/ 0 h 5952513"/>
+                <a:gd name="connsiteX5" fmla="*/ 4527012 w 5144623"/>
+                <a:gd name="connsiteY5" fmla="*/ 0 h 5952513"/>
+                <a:gd name="connsiteX6" fmla="*/ 5144623 w 5144623"/>
+                <a:gd name="connsiteY6" fmla="*/ 617611 h 5952513"/>
+                <a:gd name="connsiteX7" fmla="*/ 5144623 w 5144623"/>
+                <a:gd name="connsiteY7" fmla="*/ 3472299 h 5952513"/>
+                <a:gd name="connsiteX8" fmla="*/ 5144623 w 5144623"/>
+                <a:gd name="connsiteY8" fmla="*/ 3472299 h 5952513"/>
+                <a:gd name="connsiteX9" fmla="*/ 5144623 w 5144623"/>
+                <a:gd name="connsiteY9" fmla="*/ 4960428 h 5952513"/>
+                <a:gd name="connsiteX10" fmla="*/ 5144623 w 5144623"/>
+                <a:gd name="connsiteY10" fmla="*/ 5334902 h 5952513"/>
+                <a:gd name="connsiteX11" fmla="*/ 4527012 w 5144623"/>
+                <a:gd name="connsiteY11" fmla="*/ 5952513 h 5952513"/>
+                <a:gd name="connsiteX12" fmla="*/ 2983027 w 5144623"/>
+                <a:gd name="connsiteY12" fmla="*/ 5952513 h 5952513"/>
+                <a:gd name="connsiteX13" fmla="*/ 2056629 w 5144623"/>
+                <a:gd name="connsiteY13" fmla="*/ 5952513 h 5952513"/>
+                <a:gd name="connsiteX14" fmla="*/ 2056629 w 5144623"/>
+                <a:gd name="connsiteY14" fmla="*/ 5952513 h 5952513"/>
+                <a:gd name="connsiteX15" fmla="*/ 2056641 w 5144623"/>
+                <a:gd name="connsiteY15" fmla="*/ 5952513 h 5952513"/>
+                <a:gd name="connsiteX16" fmla="*/ 1439030 w 5144623"/>
+                <a:gd name="connsiteY16" fmla="*/ 5334902 h 5952513"/>
+                <a:gd name="connsiteX17" fmla="*/ 1439030 w 5144623"/>
+                <a:gd name="connsiteY17" fmla="*/ 4960428 h 5952513"/>
+                <a:gd name="connsiteX18" fmla="*/ 0 w 5144623"/>
+                <a:gd name="connsiteY18" fmla="*/ 3534245 h 5952513"/>
+                <a:gd name="connsiteX19" fmla="*/ 1439030 w 5144623"/>
+                <a:gd name="connsiteY19" fmla="*/ 3374863 h 5952513"/>
+                <a:gd name="connsiteX20" fmla="*/ 1439030 w 5144623"/>
+                <a:gd name="connsiteY20" fmla="*/ 617611 h 5952513"/>
+                <a:gd name="connsiteX0" fmla="*/ 1439030 w 5144623"/>
+                <a:gd name="connsiteY0" fmla="*/ 617611 h 5952513"/>
+                <a:gd name="connsiteX1" fmla="*/ 2056641 w 5144623"/>
+                <a:gd name="connsiteY1" fmla="*/ 0 h 5952513"/>
+                <a:gd name="connsiteX2" fmla="*/ 2056629 w 5144623"/>
+                <a:gd name="connsiteY2" fmla="*/ 0 h 5952513"/>
+                <a:gd name="connsiteX3" fmla="*/ 2056629 w 5144623"/>
+                <a:gd name="connsiteY3" fmla="*/ 0 h 5952513"/>
+                <a:gd name="connsiteX4" fmla="*/ 2983027 w 5144623"/>
+                <a:gd name="connsiteY4" fmla="*/ 0 h 5952513"/>
+                <a:gd name="connsiteX5" fmla="*/ 4527012 w 5144623"/>
+                <a:gd name="connsiteY5" fmla="*/ 0 h 5952513"/>
+                <a:gd name="connsiteX6" fmla="*/ 5144623 w 5144623"/>
+                <a:gd name="connsiteY6" fmla="*/ 617611 h 5952513"/>
+                <a:gd name="connsiteX7" fmla="*/ 5144623 w 5144623"/>
+                <a:gd name="connsiteY7" fmla="*/ 3472299 h 5952513"/>
+                <a:gd name="connsiteX8" fmla="*/ 5144623 w 5144623"/>
+                <a:gd name="connsiteY8" fmla="*/ 3472299 h 5952513"/>
+                <a:gd name="connsiteX9" fmla="*/ 5144623 w 5144623"/>
+                <a:gd name="connsiteY9" fmla="*/ 4960428 h 5952513"/>
+                <a:gd name="connsiteX10" fmla="*/ 5144623 w 5144623"/>
+                <a:gd name="connsiteY10" fmla="*/ 5334902 h 5952513"/>
+                <a:gd name="connsiteX11" fmla="*/ 4527012 w 5144623"/>
+                <a:gd name="connsiteY11" fmla="*/ 5952513 h 5952513"/>
+                <a:gd name="connsiteX12" fmla="*/ 2983027 w 5144623"/>
+                <a:gd name="connsiteY12" fmla="*/ 5952513 h 5952513"/>
+                <a:gd name="connsiteX13" fmla="*/ 2056629 w 5144623"/>
+                <a:gd name="connsiteY13" fmla="*/ 5952513 h 5952513"/>
+                <a:gd name="connsiteX14" fmla="*/ 2056629 w 5144623"/>
+                <a:gd name="connsiteY14" fmla="*/ 5952513 h 5952513"/>
+                <a:gd name="connsiteX15" fmla="*/ 2056641 w 5144623"/>
+                <a:gd name="connsiteY15" fmla="*/ 5952513 h 5952513"/>
+                <a:gd name="connsiteX16" fmla="*/ 1439030 w 5144623"/>
+                <a:gd name="connsiteY16" fmla="*/ 5334902 h 5952513"/>
+                <a:gd name="connsiteX17" fmla="*/ 1431535 w 5144623"/>
+                <a:gd name="connsiteY17" fmla="*/ 3656284 h 5952513"/>
+                <a:gd name="connsiteX18" fmla="*/ 0 w 5144623"/>
+                <a:gd name="connsiteY18" fmla="*/ 3534245 h 5952513"/>
+                <a:gd name="connsiteX19" fmla="*/ 1439030 w 5144623"/>
+                <a:gd name="connsiteY19" fmla="*/ 3374863 h 5952513"/>
+                <a:gd name="connsiteX20" fmla="*/ 1439030 w 5144623"/>
+                <a:gd name="connsiteY20" fmla="*/ 617611 h 5952513"/>
+                <a:gd name="connsiteX0" fmla="*/ 1439030 w 5144623"/>
+                <a:gd name="connsiteY0" fmla="*/ 617611 h 5952513"/>
+                <a:gd name="connsiteX1" fmla="*/ 2056641 w 5144623"/>
+                <a:gd name="connsiteY1" fmla="*/ 0 h 5952513"/>
+                <a:gd name="connsiteX2" fmla="*/ 2056629 w 5144623"/>
+                <a:gd name="connsiteY2" fmla="*/ 0 h 5952513"/>
+                <a:gd name="connsiteX3" fmla="*/ 2056629 w 5144623"/>
+                <a:gd name="connsiteY3" fmla="*/ 0 h 5952513"/>
+                <a:gd name="connsiteX4" fmla="*/ 2983027 w 5144623"/>
+                <a:gd name="connsiteY4" fmla="*/ 0 h 5952513"/>
+                <a:gd name="connsiteX5" fmla="*/ 4527012 w 5144623"/>
+                <a:gd name="connsiteY5" fmla="*/ 0 h 5952513"/>
+                <a:gd name="connsiteX6" fmla="*/ 5144623 w 5144623"/>
+                <a:gd name="connsiteY6" fmla="*/ 617611 h 5952513"/>
+                <a:gd name="connsiteX7" fmla="*/ 5144623 w 5144623"/>
+                <a:gd name="connsiteY7" fmla="*/ 3472299 h 5952513"/>
+                <a:gd name="connsiteX8" fmla="*/ 5144623 w 5144623"/>
+                <a:gd name="connsiteY8" fmla="*/ 3472299 h 5952513"/>
+                <a:gd name="connsiteX9" fmla="*/ 5144623 w 5144623"/>
+                <a:gd name="connsiteY9" fmla="*/ 4960428 h 5952513"/>
+                <a:gd name="connsiteX10" fmla="*/ 5144623 w 5144623"/>
+                <a:gd name="connsiteY10" fmla="*/ 5334902 h 5952513"/>
+                <a:gd name="connsiteX11" fmla="*/ 4527012 w 5144623"/>
+                <a:gd name="connsiteY11" fmla="*/ 5952513 h 5952513"/>
+                <a:gd name="connsiteX12" fmla="*/ 2983027 w 5144623"/>
+                <a:gd name="connsiteY12" fmla="*/ 5952513 h 5952513"/>
+                <a:gd name="connsiteX13" fmla="*/ 2056629 w 5144623"/>
+                <a:gd name="connsiteY13" fmla="*/ 5952513 h 5952513"/>
+                <a:gd name="connsiteX14" fmla="*/ 2056629 w 5144623"/>
+                <a:gd name="connsiteY14" fmla="*/ 5952513 h 5952513"/>
+                <a:gd name="connsiteX15" fmla="*/ 2056641 w 5144623"/>
+                <a:gd name="connsiteY15" fmla="*/ 5952513 h 5952513"/>
+                <a:gd name="connsiteX16" fmla="*/ 1439030 w 5144623"/>
+                <a:gd name="connsiteY16" fmla="*/ 5334902 h 5952513"/>
+                <a:gd name="connsiteX17" fmla="*/ 1431535 w 5144623"/>
+                <a:gd name="connsiteY17" fmla="*/ 3893670 h 5952513"/>
+                <a:gd name="connsiteX18" fmla="*/ 0 w 5144623"/>
+                <a:gd name="connsiteY18" fmla="*/ 3534245 h 5952513"/>
+                <a:gd name="connsiteX19" fmla="*/ 1439030 w 5144623"/>
+                <a:gd name="connsiteY19" fmla="*/ 3374863 h 5952513"/>
+                <a:gd name="connsiteX20" fmla="*/ 1439030 w 5144623"/>
+                <a:gd name="connsiteY20" fmla="*/ 617611 h 5952513"/>
+                <a:gd name="connsiteX0" fmla="*/ 1439030 w 5144623"/>
+                <a:gd name="connsiteY0" fmla="*/ 617611 h 5952513"/>
+                <a:gd name="connsiteX1" fmla="*/ 2056641 w 5144623"/>
+                <a:gd name="connsiteY1" fmla="*/ 0 h 5952513"/>
+                <a:gd name="connsiteX2" fmla="*/ 2056629 w 5144623"/>
+                <a:gd name="connsiteY2" fmla="*/ 0 h 5952513"/>
+                <a:gd name="connsiteX3" fmla="*/ 2056629 w 5144623"/>
+                <a:gd name="connsiteY3" fmla="*/ 0 h 5952513"/>
+                <a:gd name="connsiteX4" fmla="*/ 2983027 w 5144623"/>
+                <a:gd name="connsiteY4" fmla="*/ 0 h 5952513"/>
+                <a:gd name="connsiteX5" fmla="*/ 4527012 w 5144623"/>
+                <a:gd name="connsiteY5" fmla="*/ 0 h 5952513"/>
+                <a:gd name="connsiteX6" fmla="*/ 5144623 w 5144623"/>
+                <a:gd name="connsiteY6" fmla="*/ 617611 h 5952513"/>
+                <a:gd name="connsiteX7" fmla="*/ 5144623 w 5144623"/>
+                <a:gd name="connsiteY7" fmla="*/ 3472299 h 5952513"/>
+                <a:gd name="connsiteX8" fmla="*/ 5144623 w 5144623"/>
+                <a:gd name="connsiteY8" fmla="*/ 3472299 h 5952513"/>
+                <a:gd name="connsiteX9" fmla="*/ 5144623 w 5144623"/>
+                <a:gd name="connsiteY9" fmla="*/ 4960428 h 5952513"/>
+                <a:gd name="connsiteX10" fmla="*/ 5144623 w 5144623"/>
+                <a:gd name="connsiteY10" fmla="*/ 5334902 h 5952513"/>
+                <a:gd name="connsiteX11" fmla="*/ 4527012 w 5144623"/>
+                <a:gd name="connsiteY11" fmla="*/ 5952513 h 5952513"/>
+                <a:gd name="connsiteX12" fmla="*/ 2983027 w 5144623"/>
+                <a:gd name="connsiteY12" fmla="*/ 5952513 h 5952513"/>
+                <a:gd name="connsiteX13" fmla="*/ 2056629 w 5144623"/>
+                <a:gd name="connsiteY13" fmla="*/ 5952513 h 5952513"/>
+                <a:gd name="connsiteX14" fmla="*/ 2056629 w 5144623"/>
+                <a:gd name="connsiteY14" fmla="*/ 5952513 h 5952513"/>
+                <a:gd name="connsiteX15" fmla="*/ 2056641 w 5144623"/>
+                <a:gd name="connsiteY15" fmla="*/ 5952513 h 5952513"/>
+                <a:gd name="connsiteX16" fmla="*/ 1439030 w 5144623"/>
+                <a:gd name="connsiteY16" fmla="*/ 5334902 h 5952513"/>
+                <a:gd name="connsiteX17" fmla="*/ 1431535 w 5144623"/>
+                <a:gd name="connsiteY17" fmla="*/ 3893670 h 5952513"/>
+                <a:gd name="connsiteX18" fmla="*/ 0 w 5144623"/>
+                <a:gd name="connsiteY18" fmla="*/ 3534245 h 5952513"/>
+                <a:gd name="connsiteX19" fmla="*/ 1439030 w 5144623"/>
+                <a:gd name="connsiteY19" fmla="*/ 3596422 h 5952513"/>
+                <a:gd name="connsiteX20" fmla="*/ 1439030 w 5144623"/>
+                <a:gd name="connsiteY20" fmla="*/ 617611 h 5952513"/>
+                <a:gd name="connsiteX0" fmla="*/ 1461515 w 5167108"/>
+                <a:gd name="connsiteY0" fmla="*/ 617611 h 5952513"/>
+                <a:gd name="connsiteX1" fmla="*/ 2079126 w 5167108"/>
+                <a:gd name="connsiteY1" fmla="*/ 0 h 5952513"/>
+                <a:gd name="connsiteX2" fmla="*/ 2079114 w 5167108"/>
+                <a:gd name="connsiteY2" fmla="*/ 0 h 5952513"/>
+                <a:gd name="connsiteX3" fmla="*/ 2079114 w 5167108"/>
+                <a:gd name="connsiteY3" fmla="*/ 0 h 5952513"/>
+                <a:gd name="connsiteX4" fmla="*/ 3005512 w 5167108"/>
+                <a:gd name="connsiteY4" fmla="*/ 0 h 5952513"/>
+                <a:gd name="connsiteX5" fmla="*/ 4549497 w 5167108"/>
+                <a:gd name="connsiteY5" fmla="*/ 0 h 5952513"/>
+                <a:gd name="connsiteX6" fmla="*/ 5167108 w 5167108"/>
+                <a:gd name="connsiteY6" fmla="*/ 617611 h 5952513"/>
+                <a:gd name="connsiteX7" fmla="*/ 5167108 w 5167108"/>
+                <a:gd name="connsiteY7" fmla="*/ 3472299 h 5952513"/>
+                <a:gd name="connsiteX8" fmla="*/ 5167108 w 5167108"/>
+                <a:gd name="connsiteY8" fmla="*/ 3472299 h 5952513"/>
+                <a:gd name="connsiteX9" fmla="*/ 5167108 w 5167108"/>
+                <a:gd name="connsiteY9" fmla="*/ 4960428 h 5952513"/>
+                <a:gd name="connsiteX10" fmla="*/ 5167108 w 5167108"/>
+                <a:gd name="connsiteY10" fmla="*/ 5334902 h 5952513"/>
+                <a:gd name="connsiteX11" fmla="*/ 4549497 w 5167108"/>
+                <a:gd name="connsiteY11" fmla="*/ 5952513 h 5952513"/>
+                <a:gd name="connsiteX12" fmla="*/ 3005512 w 5167108"/>
+                <a:gd name="connsiteY12" fmla="*/ 5952513 h 5952513"/>
+                <a:gd name="connsiteX13" fmla="*/ 2079114 w 5167108"/>
+                <a:gd name="connsiteY13" fmla="*/ 5952513 h 5952513"/>
+                <a:gd name="connsiteX14" fmla="*/ 2079114 w 5167108"/>
+                <a:gd name="connsiteY14" fmla="*/ 5952513 h 5952513"/>
+                <a:gd name="connsiteX15" fmla="*/ 2079126 w 5167108"/>
+                <a:gd name="connsiteY15" fmla="*/ 5952513 h 5952513"/>
+                <a:gd name="connsiteX16" fmla="*/ 1461515 w 5167108"/>
+                <a:gd name="connsiteY16" fmla="*/ 5334902 h 5952513"/>
+                <a:gd name="connsiteX17" fmla="*/ 1454020 w 5167108"/>
+                <a:gd name="connsiteY17" fmla="*/ 3893670 h 5952513"/>
+                <a:gd name="connsiteX18" fmla="*/ 0 w 5167108"/>
+                <a:gd name="connsiteY18" fmla="*/ 3676675 h 5952513"/>
+                <a:gd name="connsiteX19" fmla="*/ 1461515 w 5167108"/>
+                <a:gd name="connsiteY19" fmla="*/ 3596422 h 5952513"/>
+                <a:gd name="connsiteX20" fmla="*/ 1461515 w 5167108"/>
+                <a:gd name="connsiteY20" fmla="*/ 617611 h 5952513"/>
+                <a:gd name="connsiteX0" fmla="*/ 1461515 w 5167108"/>
+                <a:gd name="connsiteY0" fmla="*/ 617611 h 5952513"/>
+                <a:gd name="connsiteX1" fmla="*/ 2079126 w 5167108"/>
+                <a:gd name="connsiteY1" fmla="*/ 0 h 5952513"/>
+                <a:gd name="connsiteX2" fmla="*/ 2079114 w 5167108"/>
+                <a:gd name="connsiteY2" fmla="*/ 0 h 5952513"/>
+                <a:gd name="connsiteX3" fmla="*/ 2079114 w 5167108"/>
+                <a:gd name="connsiteY3" fmla="*/ 0 h 5952513"/>
+                <a:gd name="connsiteX4" fmla="*/ 3005512 w 5167108"/>
+                <a:gd name="connsiteY4" fmla="*/ 0 h 5952513"/>
+                <a:gd name="connsiteX5" fmla="*/ 4549497 w 5167108"/>
+                <a:gd name="connsiteY5" fmla="*/ 0 h 5952513"/>
+                <a:gd name="connsiteX6" fmla="*/ 5167108 w 5167108"/>
+                <a:gd name="connsiteY6" fmla="*/ 617611 h 5952513"/>
+                <a:gd name="connsiteX7" fmla="*/ 5167108 w 5167108"/>
+                <a:gd name="connsiteY7" fmla="*/ 3472299 h 5952513"/>
+                <a:gd name="connsiteX8" fmla="*/ 5167108 w 5167108"/>
+                <a:gd name="connsiteY8" fmla="*/ 3472299 h 5952513"/>
+                <a:gd name="connsiteX9" fmla="*/ 5167108 w 5167108"/>
+                <a:gd name="connsiteY9" fmla="*/ 4960428 h 5952513"/>
+                <a:gd name="connsiteX10" fmla="*/ 5167108 w 5167108"/>
+                <a:gd name="connsiteY10" fmla="*/ 5334902 h 5952513"/>
+                <a:gd name="connsiteX11" fmla="*/ 4549497 w 5167108"/>
+                <a:gd name="connsiteY11" fmla="*/ 5952513 h 5952513"/>
+                <a:gd name="connsiteX12" fmla="*/ 3005512 w 5167108"/>
+                <a:gd name="connsiteY12" fmla="*/ 5952513 h 5952513"/>
+                <a:gd name="connsiteX13" fmla="*/ 2079114 w 5167108"/>
+                <a:gd name="connsiteY13" fmla="*/ 5952513 h 5952513"/>
+                <a:gd name="connsiteX14" fmla="*/ 2079114 w 5167108"/>
+                <a:gd name="connsiteY14" fmla="*/ 5952513 h 5952513"/>
+                <a:gd name="connsiteX15" fmla="*/ 2079126 w 5167108"/>
+                <a:gd name="connsiteY15" fmla="*/ 5952513 h 5952513"/>
+                <a:gd name="connsiteX16" fmla="*/ 1461515 w 5167108"/>
+                <a:gd name="connsiteY16" fmla="*/ 5334902 h 5952513"/>
+                <a:gd name="connsiteX17" fmla="*/ 1454020 w 5167108"/>
+                <a:gd name="connsiteY17" fmla="*/ 3893670 h 5952513"/>
+                <a:gd name="connsiteX18" fmla="*/ 0 w 5167108"/>
+                <a:gd name="connsiteY18" fmla="*/ 3676675 h 5952513"/>
+                <a:gd name="connsiteX19" fmla="*/ 1461515 w 5167108"/>
+                <a:gd name="connsiteY19" fmla="*/ 3596422 h 5952513"/>
+                <a:gd name="connsiteX20" fmla="*/ 1471513 w 5167108"/>
+                <a:gd name="connsiteY20" fmla="*/ 919958 h 5952513"/>
+                <a:gd name="connsiteX21" fmla="*/ 1461515 w 5167108"/>
+                <a:gd name="connsiteY21" fmla="*/ 617611 h 5952513"/>
+                <a:gd name="connsiteX0" fmla="*/ 1469010 w 5174603"/>
+                <a:gd name="connsiteY0" fmla="*/ 617611 h 5952513"/>
+                <a:gd name="connsiteX1" fmla="*/ 2086621 w 5174603"/>
+                <a:gd name="connsiteY1" fmla="*/ 0 h 5952513"/>
+                <a:gd name="connsiteX2" fmla="*/ 2086609 w 5174603"/>
+                <a:gd name="connsiteY2" fmla="*/ 0 h 5952513"/>
+                <a:gd name="connsiteX3" fmla="*/ 2086609 w 5174603"/>
+                <a:gd name="connsiteY3" fmla="*/ 0 h 5952513"/>
+                <a:gd name="connsiteX4" fmla="*/ 3013007 w 5174603"/>
+                <a:gd name="connsiteY4" fmla="*/ 0 h 5952513"/>
+                <a:gd name="connsiteX5" fmla="*/ 4556992 w 5174603"/>
+                <a:gd name="connsiteY5" fmla="*/ 0 h 5952513"/>
+                <a:gd name="connsiteX6" fmla="*/ 5174603 w 5174603"/>
+                <a:gd name="connsiteY6" fmla="*/ 617611 h 5952513"/>
+                <a:gd name="connsiteX7" fmla="*/ 5174603 w 5174603"/>
+                <a:gd name="connsiteY7" fmla="*/ 3472299 h 5952513"/>
+                <a:gd name="connsiteX8" fmla="*/ 5174603 w 5174603"/>
+                <a:gd name="connsiteY8" fmla="*/ 3472299 h 5952513"/>
+                <a:gd name="connsiteX9" fmla="*/ 5174603 w 5174603"/>
+                <a:gd name="connsiteY9" fmla="*/ 4960428 h 5952513"/>
+                <a:gd name="connsiteX10" fmla="*/ 5174603 w 5174603"/>
+                <a:gd name="connsiteY10" fmla="*/ 5334902 h 5952513"/>
+                <a:gd name="connsiteX11" fmla="*/ 4556992 w 5174603"/>
+                <a:gd name="connsiteY11" fmla="*/ 5952513 h 5952513"/>
+                <a:gd name="connsiteX12" fmla="*/ 3013007 w 5174603"/>
+                <a:gd name="connsiteY12" fmla="*/ 5952513 h 5952513"/>
+                <a:gd name="connsiteX13" fmla="*/ 2086609 w 5174603"/>
+                <a:gd name="connsiteY13" fmla="*/ 5952513 h 5952513"/>
+                <a:gd name="connsiteX14" fmla="*/ 2086609 w 5174603"/>
+                <a:gd name="connsiteY14" fmla="*/ 5952513 h 5952513"/>
+                <a:gd name="connsiteX15" fmla="*/ 2086621 w 5174603"/>
+                <a:gd name="connsiteY15" fmla="*/ 5952513 h 5952513"/>
+                <a:gd name="connsiteX16" fmla="*/ 1469010 w 5174603"/>
+                <a:gd name="connsiteY16" fmla="*/ 5334902 h 5952513"/>
+                <a:gd name="connsiteX17" fmla="*/ 1461515 w 5174603"/>
+                <a:gd name="connsiteY17" fmla="*/ 3893670 h 5952513"/>
+                <a:gd name="connsiteX18" fmla="*/ 0 w 5174603"/>
+                <a:gd name="connsiteY18" fmla="*/ 3486767 h 5952513"/>
+                <a:gd name="connsiteX19" fmla="*/ 1469010 w 5174603"/>
+                <a:gd name="connsiteY19" fmla="*/ 3596422 h 5952513"/>
+                <a:gd name="connsiteX20" fmla="*/ 1479008 w 5174603"/>
+                <a:gd name="connsiteY20" fmla="*/ 919958 h 5952513"/>
+                <a:gd name="connsiteX21" fmla="*/ 1469010 w 5174603"/>
+                <a:gd name="connsiteY21" fmla="*/ 617611 h 5952513"/>
+              </a:gdLst>
+              <a:ahLst/>
+              <a:cxnLst>
+                <a:cxn ang="0">
+                  <a:pos x="connsiteX0" y="connsiteY0"/>
+                </a:cxn>
+                <a:cxn ang="0">
+                  <a:pos x="connsiteX1" y="connsiteY1"/>
+                </a:cxn>
+                <a:cxn ang="0">
+                  <a:pos x="connsiteX2" y="connsiteY2"/>
+                </a:cxn>
+                <a:cxn ang="0">
+                  <a:pos x="connsiteX3" y="connsiteY3"/>
+                </a:cxn>
+                <a:cxn ang="0">
+                  <a:pos x="connsiteX4" y="connsiteY4"/>
+                </a:cxn>
+                <a:cxn ang="0">
+                  <a:pos x="connsiteX5" y="connsiteY5"/>
+                </a:cxn>
+                <a:cxn ang="0">
+                  <a:pos x="connsiteX6" y="connsiteY6"/>
+                </a:cxn>
+                <a:cxn ang="0">
+                  <a:pos x="connsiteX7" y="connsiteY7"/>
+                </a:cxn>
+                <a:cxn ang="0">
+                  <a:pos x="connsiteX8" y="connsiteY8"/>
+                </a:cxn>
+                <a:cxn ang="0">
+                  <a:pos x="connsiteX9" y="connsiteY9"/>
+                </a:cxn>
+                <a:cxn ang="0">
+                  <a:pos x="connsiteX10" y="connsiteY10"/>
+                </a:cxn>
+                <a:cxn ang="0">
+                  <a:pos x="connsiteX11" y="connsiteY11"/>
+                </a:cxn>
+                <a:cxn ang="0">
+                  <a:pos x="connsiteX12" y="connsiteY12"/>
+                </a:cxn>
+                <a:cxn ang="0">
+                  <a:pos x="connsiteX13" y="connsiteY13"/>
+                </a:cxn>
+                <a:cxn ang="0">
+                  <a:pos x="connsiteX14" y="connsiteY14"/>
+                </a:cxn>
+                <a:cxn ang="0">
+                  <a:pos x="connsiteX15" y="connsiteY15"/>
+                </a:cxn>
+                <a:cxn ang="0">
+                  <a:pos x="connsiteX16" y="connsiteY16"/>
+                </a:cxn>
+                <a:cxn ang="0">
+                  <a:pos x="connsiteX17" y="connsiteY17"/>
+                </a:cxn>
+                <a:cxn ang="0">
+                  <a:pos x="connsiteX18" y="connsiteY18"/>
+                </a:cxn>
+                <a:cxn ang="0">
+                  <a:pos x="connsiteX19" y="connsiteY19"/>
+                </a:cxn>
+                <a:cxn ang="0">
+                  <a:pos x="connsiteX20" y="connsiteY20"/>
+                </a:cxn>
+                <a:cxn ang="0">
+                  <a:pos x="connsiteX21" y="connsiteY21"/>
+                </a:cxn>
+              </a:cxnLst>
+              <a:rect l="l" t="t" r="r" b="b"/>
+              <a:pathLst>
+                <a:path w="5174603" h="5952513">
+                  <a:moveTo>
+                    <a:pt x="1469010" y="617611"/>
+                  </a:moveTo>
+                  <a:cubicBezTo>
+                    <a:pt x="1469010" y="276514"/>
+                    <a:pt x="1745524" y="0"/>
+                    <a:pt x="2086621" y="0"/>
+                  </a:cubicBezTo>
+                  <a:lnTo>
+                    <a:pt x="2086609" y="0"/>
+                  </a:lnTo>
+                  <a:lnTo>
+                    <a:pt x="2086609" y="0"/>
+                  </a:lnTo>
+                  <a:lnTo>
+                    <a:pt x="3013007" y="0"/>
+                  </a:lnTo>
+                  <a:lnTo>
+                    <a:pt x="4556992" y="0"/>
+                  </a:lnTo>
+                  <a:cubicBezTo>
+                    <a:pt x="4898089" y="0"/>
+                    <a:pt x="5174603" y="276514"/>
+                    <a:pt x="5174603" y="617611"/>
+                  </a:cubicBezTo>
+                  <a:lnTo>
+                    <a:pt x="5174603" y="3472299"/>
+                  </a:lnTo>
+                  <a:lnTo>
+                    <a:pt x="5174603" y="3472299"/>
+                  </a:lnTo>
+                  <a:lnTo>
+                    <a:pt x="5174603" y="4960428"/>
+                  </a:lnTo>
+                  <a:lnTo>
+                    <a:pt x="5174603" y="5334902"/>
+                  </a:lnTo>
+                  <a:cubicBezTo>
+                    <a:pt x="5174603" y="5675999"/>
+                    <a:pt x="4898089" y="5952513"/>
+                    <a:pt x="4556992" y="5952513"/>
+                  </a:cubicBezTo>
+                  <a:lnTo>
+                    <a:pt x="3013007" y="5952513"/>
+                  </a:lnTo>
+                  <a:lnTo>
+                    <a:pt x="2086609" y="5952513"/>
+                  </a:lnTo>
+                  <a:lnTo>
+                    <a:pt x="2086609" y="5952513"/>
+                  </a:lnTo>
+                  <a:lnTo>
+                    <a:pt x="2086621" y="5952513"/>
+                  </a:lnTo>
+                  <a:cubicBezTo>
+                    <a:pt x="1745524" y="5952513"/>
+                    <a:pt x="1469010" y="5675999"/>
+                    <a:pt x="1469010" y="5334902"/>
+                  </a:cubicBezTo>
+                  <a:cubicBezTo>
+                    <a:pt x="1466512" y="4775363"/>
+                    <a:pt x="1464013" y="4453209"/>
+                    <a:pt x="1461515" y="3893670"/>
+                  </a:cubicBezTo>
+                  <a:lnTo>
+                    <a:pt x="0" y="3486767"/>
+                  </a:lnTo>
+                  <a:lnTo>
+                    <a:pt x="1469010" y="3596422"/>
+                  </a:lnTo>
+                  <a:cubicBezTo>
+                    <a:pt x="1467346" y="2680529"/>
+                    <a:pt x="1480672" y="1835851"/>
+                    <a:pt x="1479008" y="919958"/>
+                  </a:cubicBezTo>
+                  <a:lnTo>
+                    <a:pt x="1469010" y="617611"/>
+                  </a:lnTo>
+                  <a:close/>
+                </a:path>
+              </a:pathLst>
+            </a:custGeom>
+            <a:solidFill>
+              <a:srgbClr val="E6B77D">
+                <a:alpha val="50000"/>
+              </a:srgbClr>
+            </a:solidFill>
+            <a:ln>
+              <a:solidFill>
+                <a:schemeClr val="tx1"/>
+              </a:solidFill>
+            </a:ln>
+          </p:spPr>
+          <p:style>
+            <a:lnRef idx="2">
+              <a:schemeClr val="accent1">
+                <a:shade val="50000"/>
+              </a:schemeClr>
+            </a:lnRef>
+            <a:fillRef idx="1">
+              <a:schemeClr val="accent1"/>
+            </a:fillRef>
+            <a:effectRef idx="0">
+              <a:schemeClr val="accent1"/>
+            </a:effectRef>
+            <a:fontRef idx="minor">
+              <a:schemeClr val="lt1"/>
+            </a:fontRef>
+          </p:style>
+          <p:txBody>
+            <a:bodyPr rtlCol="0" anchor="ctr"/>
+            <a:lstStyle/>
+            <a:p>
+              <a:pPr algn="ctr"/>
+              <a:endParaRPr lang="en-US" dirty="0"/>
+            </a:p>
+          </p:txBody>
+        </p:sp>
+        <p:sp>
+          <p:nvSpPr>
+            <p:cNvPr id="211" name="Rectangle: Rounded Corners 210">
+              <a:extLst>
+                <a:ext uri="{FF2B5EF4-FFF2-40B4-BE49-F238E27FC236}">
+                  <a16:creationId xmlns:a16="http://schemas.microsoft.com/office/drawing/2014/main" id="{C455EB17-E2FB-49F4-85FB-F086B9FC46C7}"/>
+                </a:ext>
+              </a:extLst>
+            </p:cNvPr>
+            <p:cNvSpPr/>
+            <p:nvPr/>
+          </p:nvSpPr>
+          <p:spPr>
+            <a:xfrm>
+              <a:off x="459714" y="21112717"/>
+              <a:ext cx="1280639" cy="529175"/>
+            </a:xfrm>
+            <a:prstGeom prst="roundRect">
+              <a:avLst/>
+            </a:prstGeom>
+            <a:solidFill>
+              <a:srgbClr val="313D43"/>
+            </a:solidFill>
+          </p:spPr>
+          <p:style>
+            <a:lnRef idx="2">
+              <a:schemeClr val="accent1">
+                <a:shade val="50000"/>
+              </a:schemeClr>
+            </a:lnRef>
+            <a:fillRef idx="1">
+              <a:schemeClr val="accent1"/>
+            </a:fillRef>
+            <a:effectRef idx="0">
+              <a:schemeClr val="accent1"/>
+            </a:effectRef>
+            <a:fontRef idx="minor">
+              <a:schemeClr val="lt1"/>
+            </a:fontRef>
+          </p:style>
+          <p:txBody>
+            <a:bodyPr rtlCol="0" anchor="ctr"/>
+            <a:lstStyle/>
+            <a:p>
+              <a:pPr algn="ctr"/>
+              <a:r>
+                <a:rPr lang="en-US" sz="1700" dirty="0">
+                  <a:latin typeface="Georgia" panose="02040502050405020303" pitchFamily="18" charset="0"/>
+                </a:rPr>
+                <a:t>Context Words</a:t>
+              </a:r>
+            </a:p>
+          </p:txBody>
+        </p:sp>
+        <p:sp>
+          <p:nvSpPr>
+            <p:cNvPr id="212" name="Rectangle: Rounded Corners 211">
+              <a:extLst>
+                <a:ext uri="{FF2B5EF4-FFF2-40B4-BE49-F238E27FC236}">
+                  <a16:creationId xmlns:a16="http://schemas.microsoft.com/office/drawing/2014/main" id="{E4FA99A2-EF19-46AD-8357-CCEC3D082CE8}"/>
+                </a:ext>
+              </a:extLst>
+            </p:cNvPr>
+            <p:cNvSpPr/>
+            <p:nvPr/>
+          </p:nvSpPr>
+          <p:spPr>
+            <a:xfrm>
+              <a:off x="1746114" y="21107472"/>
+              <a:ext cx="1277897" cy="541794"/>
+            </a:xfrm>
+            <a:prstGeom prst="roundRect">
+              <a:avLst/>
+            </a:prstGeom>
+            <a:solidFill>
+              <a:srgbClr val="313D43"/>
+            </a:solidFill>
+          </p:spPr>
+          <p:style>
+            <a:lnRef idx="2">
+              <a:schemeClr val="accent1">
+                <a:shade val="50000"/>
+              </a:schemeClr>
+            </a:lnRef>
+            <a:fillRef idx="1">
+              <a:schemeClr val="accent1"/>
+            </a:fillRef>
+            <a:effectRef idx="0">
+              <a:schemeClr val="accent1"/>
+            </a:effectRef>
+            <a:fontRef idx="minor">
+              <a:schemeClr val="lt1"/>
+            </a:fontRef>
+          </p:style>
+          <p:txBody>
+            <a:bodyPr rtlCol="0" anchor="ctr"/>
+            <a:lstStyle/>
+            <a:p>
+              <a:pPr algn="ctr"/>
+              <a:r>
+                <a:rPr lang="en-US" sz="1700" dirty="0">
+                  <a:latin typeface="Georgia" panose="02040502050405020303" pitchFamily="18" charset="0"/>
+                </a:rPr>
+                <a:t>Context Characters</a:t>
+              </a:r>
+            </a:p>
+          </p:txBody>
+        </p:sp>
+        <p:sp>
+          <p:nvSpPr>
+            <p:cNvPr id="213" name="Rectangle: Rounded Corners 212">
+              <a:extLst>
+                <a:ext uri="{FF2B5EF4-FFF2-40B4-BE49-F238E27FC236}">
+                  <a16:creationId xmlns:a16="http://schemas.microsoft.com/office/drawing/2014/main" id="{D4807BF2-5CEC-41EA-83E9-7775540E507C}"/>
+                </a:ext>
+              </a:extLst>
+            </p:cNvPr>
+            <p:cNvSpPr/>
+            <p:nvPr/>
+          </p:nvSpPr>
+          <p:spPr>
+            <a:xfrm>
+              <a:off x="471028" y="19572372"/>
+              <a:ext cx="2538650" cy="595773"/>
+            </a:xfrm>
+            <a:prstGeom prst="roundRect">
+              <a:avLst/>
+            </a:prstGeom>
+            <a:solidFill>
+              <a:srgbClr val="94AEDC"/>
+            </a:solidFill>
+          </p:spPr>
+          <p:style>
+            <a:lnRef idx="2">
+              <a:schemeClr val="accent1">
+                <a:shade val="50000"/>
+              </a:schemeClr>
+            </a:lnRef>
+            <a:fillRef idx="1">
+              <a:schemeClr val="accent1"/>
+            </a:fillRef>
+            <a:effectRef idx="0">
+              <a:schemeClr val="accent1"/>
+            </a:effectRef>
+            <a:fontRef idx="minor">
+              <a:schemeClr val="lt1"/>
+            </a:fontRef>
+          </p:style>
+          <p:txBody>
+            <a:bodyPr rtlCol="0" anchor="ctr"/>
+            <a:lstStyle/>
+            <a:p>
+              <a:pPr algn="ctr"/>
+              <a:r>
+                <a:rPr lang="en-US" sz="1700" dirty="0">
+                  <a:solidFill>
+                    <a:schemeClr val="tx1"/>
+                  </a:solidFill>
+                  <a:latin typeface="Georgia" panose="02040502050405020303" pitchFamily="18" charset="0"/>
+                </a:rPr>
+                <a:t>Contextual Embedding Encoder Block </a:t>
+              </a:r>
+            </a:p>
+          </p:txBody>
+        </p:sp>
+        <p:sp>
+          <p:nvSpPr>
+            <p:cNvPr id="214" name="Rectangle: Rounded Corners 213">
+              <a:extLst>
+                <a:ext uri="{FF2B5EF4-FFF2-40B4-BE49-F238E27FC236}">
+                  <a16:creationId xmlns:a16="http://schemas.microsoft.com/office/drawing/2014/main" id="{C516D606-E63A-4ADD-81B7-2B253A0C0223}"/>
+                </a:ext>
+              </a:extLst>
+            </p:cNvPr>
+            <p:cNvSpPr/>
+            <p:nvPr/>
+          </p:nvSpPr>
+          <p:spPr>
+            <a:xfrm>
+              <a:off x="471028" y="18627522"/>
+              <a:ext cx="3880189" cy="595773"/>
+            </a:xfrm>
+            <a:prstGeom prst="roundRect">
+              <a:avLst/>
+            </a:prstGeom>
+            <a:solidFill>
+              <a:srgbClr val="4C73B2"/>
+            </a:solidFill>
+          </p:spPr>
+          <p:style>
+            <a:lnRef idx="2">
+              <a:schemeClr val="accent1">
+                <a:shade val="50000"/>
+              </a:schemeClr>
+            </a:lnRef>
+            <a:fillRef idx="1">
+              <a:schemeClr val="accent1"/>
+            </a:fillRef>
+            <a:effectRef idx="0">
+              <a:schemeClr val="accent1"/>
+            </a:effectRef>
+            <a:fontRef idx="minor">
+              <a:schemeClr val="lt1"/>
+            </a:fontRef>
+          </p:style>
+          <p:txBody>
+            <a:bodyPr rtlCol="0" anchor="ctr"/>
+            <a:lstStyle/>
+            <a:p>
+              <a:pPr algn="ctr"/>
+              <a:r>
+                <a:rPr lang="en-US" sz="1700" dirty="0">
+                  <a:solidFill>
+                    <a:schemeClr val="bg1"/>
+                  </a:solidFill>
+                  <a:latin typeface="Georgia" panose="02040502050405020303" pitchFamily="18" charset="0"/>
+                </a:rPr>
+                <a:t>Context-Query Attention Layer</a:t>
+              </a:r>
+            </a:p>
+          </p:txBody>
+        </p:sp>
+        <p:sp>
+          <p:nvSpPr>
+            <p:cNvPr id="215" name="Arrow: Up 214">
+              <a:extLst>
+                <a:ext uri="{FF2B5EF4-FFF2-40B4-BE49-F238E27FC236}">
+                  <a16:creationId xmlns:a16="http://schemas.microsoft.com/office/drawing/2014/main" id="{A9BCB309-5111-4BBE-BF6A-D6D84A9D870D}"/>
+                </a:ext>
+              </a:extLst>
+            </p:cNvPr>
+            <p:cNvSpPr/>
+            <p:nvPr/>
+          </p:nvSpPr>
+          <p:spPr>
+            <a:xfrm>
+              <a:off x="1080984" y="20826416"/>
+              <a:ext cx="175297" cy="242326"/>
+            </a:xfrm>
+            <a:prstGeom prst="upArrow">
+              <a:avLst/>
+            </a:prstGeom>
+            <a:solidFill>
+              <a:srgbClr val="435571"/>
+            </a:solidFill>
+          </p:spPr>
+          <p:style>
+            <a:lnRef idx="2">
+              <a:schemeClr val="accent1">
+                <a:shade val="50000"/>
+              </a:schemeClr>
+            </a:lnRef>
+            <a:fillRef idx="1">
+              <a:schemeClr val="accent1"/>
+            </a:fillRef>
+            <a:effectRef idx="0">
+              <a:schemeClr val="accent1"/>
+            </a:effectRef>
+            <a:fontRef idx="minor">
+              <a:schemeClr val="lt1"/>
+            </a:fontRef>
+          </p:style>
+          <p:txBody>
+            <a:bodyPr rtlCol="0" anchor="ctr"/>
+            <a:lstStyle/>
+            <a:p>
+              <a:pPr algn="ctr"/>
+              <a:endParaRPr lang="en-US" sz="1700">
+                <a:latin typeface="Georgia" panose="02040502050405020303" pitchFamily="18" charset="0"/>
+              </a:endParaRPr>
+            </a:p>
+          </p:txBody>
+        </p:sp>
+        <p:sp>
+          <p:nvSpPr>
+            <p:cNvPr id="216" name="Arrow: Up 215">
+              <a:extLst>
+                <a:ext uri="{FF2B5EF4-FFF2-40B4-BE49-F238E27FC236}">
+                  <a16:creationId xmlns:a16="http://schemas.microsoft.com/office/drawing/2014/main" id="{5DB3A0C4-D7FF-4BC7-865C-7FFECE831FE0}"/>
+                </a:ext>
+              </a:extLst>
+            </p:cNvPr>
+            <p:cNvSpPr/>
+            <p:nvPr/>
+          </p:nvSpPr>
+          <p:spPr>
+            <a:xfrm>
+              <a:off x="2269530" y="20826416"/>
+              <a:ext cx="175297" cy="242326"/>
+            </a:xfrm>
+            <a:prstGeom prst="upArrow">
+              <a:avLst/>
+            </a:prstGeom>
+            <a:solidFill>
+              <a:srgbClr val="435571"/>
+            </a:solidFill>
+          </p:spPr>
+          <p:style>
+            <a:lnRef idx="2">
+              <a:schemeClr val="accent1">
+                <a:shade val="50000"/>
+              </a:schemeClr>
+            </a:lnRef>
+            <a:fillRef idx="1">
+              <a:schemeClr val="accent1"/>
+            </a:fillRef>
+            <a:effectRef idx="0">
+              <a:schemeClr val="accent1"/>
+            </a:effectRef>
+            <a:fontRef idx="minor">
+              <a:schemeClr val="lt1"/>
+            </a:fontRef>
+          </p:style>
+          <p:txBody>
+            <a:bodyPr rtlCol="0" anchor="ctr"/>
+            <a:lstStyle/>
+            <a:p>
+              <a:pPr algn="ctr"/>
+              <a:endParaRPr lang="en-US" sz="1700">
+                <a:latin typeface="Georgia" panose="02040502050405020303" pitchFamily="18" charset="0"/>
+              </a:endParaRPr>
+            </a:p>
+          </p:txBody>
+        </p:sp>
+        <p:sp>
+          <p:nvSpPr>
+            <p:cNvPr id="217" name="Rectangle: Rounded Corners 216">
+              <a:extLst>
+                <a:ext uri="{FF2B5EF4-FFF2-40B4-BE49-F238E27FC236}">
+                  <a16:creationId xmlns:a16="http://schemas.microsoft.com/office/drawing/2014/main" id="{49C1ED82-E441-49B0-816A-850E34901779}"/>
+                </a:ext>
+              </a:extLst>
+            </p:cNvPr>
+            <p:cNvSpPr/>
+            <p:nvPr/>
+          </p:nvSpPr>
+          <p:spPr>
+            <a:xfrm>
+              <a:off x="1330644" y="17641974"/>
+              <a:ext cx="2103553" cy="595773"/>
+            </a:xfrm>
+            <a:prstGeom prst="roundRect">
+              <a:avLst/>
+            </a:prstGeom>
+            <a:solidFill>
+              <a:srgbClr val="94AEDC"/>
+            </a:solidFill>
+          </p:spPr>
+          <p:style>
+            <a:lnRef idx="2">
+              <a:schemeClr val="accent1">
+                <a:shade val="50000"/>
+              </a:schemeClr>
+            </a:lnRef>
+            <a:fillRef idx="1">
+              <a:schemeClr val="accent1"/>
+            </a:fillRef>
+            <a:effectRef idx="0">
+              <a:schemeClr val="accent1"/>
+            </a:effectRef>
+            <a:fontRef idx="minor">
+              <a:schemeClr val="lt1"/>
+            </a:fontRef>
+          </p:style>
+          <p:txBody>
+            <a:bodyPr rtlCol="0" anchor="ctr"/>
+            <a:lstStyle/>
+            <a:p>
+              <a:pPr algn="ctr"/>
+              <a:r>
+                <a:rPr lang="en-US" sz="1700" dirty="0">
+                  <a:solidFill>
+                    <a:schemeClr val="tx1"/>
+                  </a:solidFill>
+                  <a:latin typeface="Georgia" panose="02040502050405020303" pitchFamily="18" charset="0"/>
+                </a:rPr>
+                <a:t>Stacked Encoder Blocks</a:t>
+              </a:r>
+            </a:p>
+          </p:txBody>
+        </p:sp>
+        <p:sp>
+          <p:nvSpPr>
+            <p:cNvPr id="218" name="Rectangle: Rounded Corners 217">
+              <a:extLst>
+                <a:ext uri="{FF2B5EF4-FFF2-40B4-BE49-F238E27FC236}">
+                  <a16:creationId xmlns:a16="http://schemas.microsoft.com/office/drawing/2014/main" id="{5DF5CD67-60D8-4EB5-94B3-6C6DF357AA10}"/>
+                </a:ext>
+              </a:extLst>
+            </p:cNvPr>
+            <p:cNvSpPr/>
+            <p:nvPr/>
+          </p:nvSpPr>
+          <p:spPr>
+            <a:xfrm>
+              <a:off x="1346449" y="16690215"/>
+              <a:ext cx="2103553" cy="595773"/>
+            </a:xfrm>
+            <a:prstGeom prst="roundRect">
+              <a:avLst/>
+            </a:prstGeom>
+            <a:solidFill>
+              <a:srgbClr val="94AEDC"/>
+            </a:solidFill>
+          </p:spPr>
+          <p:style>
+            <a:lnRef idx="2">
+              <a:schemeClr val="accent1">
+                <a:shade val="50000"/>
+              </a:schemeClr>
+            </a:lnRef>
+            <a:fillRef idx="1">
+              <a:schemeClr val="accent1"/>
+            </a:fillRef>
+            <a:effectRef idx="0">
+              <a:schemeClr val="accent1"/>
+            </a:effectRef>
+            <a:fontRef idx="minor">
+              <a:schemeClr val="lt1"/>
+            </a:fontRef>
+          </p:style>
+          <p:txBody>
+            <a:bodyPr rtlCol="0" anchor="ctr"/>
+            <a:lstStyle/>
+            <a:p>
+              <a:pPr algn="ctr"/>
+              <a:r>
+                <a:rPr lang="en-US" sz="1700" dirty="0">
+                  <a:solidFill>
+                    <a:schemeClr val="tx1"/>
+                  </a:solidFill>
+                  <a:latin typeface="Georgia" panose="02040502050405020303" pitchFamily="18" charset="0"/>
+                </a:rPr>
+                <a:t>Stacked Encoder Blocks</a:t>
+              </a:r>
+            </a:p>
+          </p:txBody>
+        </p:sp>
+        <p:sp>
+          <p:nvSpPr>
+            <p:cNvPr id="219" name="Rectangle: Rounded Corners 218">
+              <a:extLst>
+                <a:ext uri="{FF2B5EF4-FFF2-40B4-BE49-F238E27FC236}">
+                  <a16:creationId xmlns:a16="http://schemas.microsoft.com/office/drawing/2014/main" id="{28F19FCA-82B3-41A6-9FA7-AB697BFF4D1A}"/>
+                </a:ext>
+              </a:extLst>
+            </p:cNvPr>
+            <p:cNvSpPr/>
+            <p:nvPr/>
+          </p:nvSpPr>
+          <p:spPr>
+            <a:xfrm>
+              <a:off x="1346449" y="15752027"/>
+              <a:ext cx="2103553" cy="595773"/>
+            </a:xfrm>
+            <a:prstGeom prst="roundRect">
+              <a:avLst/>
+            </a:prstGeom>
+            <a:solidFill>
+              <a:srgbClr val="94AEDC"/>
+            </a:solidFill>
+          </p:spPr>
+          <p:style>
+            <a:lnRef idx="2">
+              <a:schemeClr val="accent1">
+                <a:shade val="50000"/>
+              </a:schemeClr>
+            </a:lnRef>
+            <a:fillRef idx="1">
+              <a:schemeClr val="accent1"/>
+            </a:fillRef>
+            <a:effectRef idx="0">
+              <a:schemeClr val="accent1"/>
+            </a:effectRef>
+            <a:fontRef idx="minor">
+              <a:schemeClr val="lt1"/>
+            </a:fontRef>
+          </p:style>
+          <p:txBody>
+            <a:bodyPr rtlCol="0" anchor="ctr"/>
+            <a:lstStyle/>
+            <a:p>
+              <a:pPr algn="ctr"/>
+              <a:r>
+                <a:rPr lang="en-US" sz="1700" dirty="0">
+                  <a:solidFill>
+                    <a:schemeClr val="tx1"/>
+                  </a:solidFill>
+                  <a:latin typeface="Georgia" panose="02040502050405020303" pitchFamily="18" charset="0"/>
+                </a:rPr>
+                <a:t>Stacked Encoder Blocks</a:t>
+              </a:r>
+            </a:p>
+          </p:txBody>
+        </p:sp>
+        <p:sp>
+          <p:nvSpPr>
+            <p:cNvPr id="220" name="Arrow: Up 219">
+              <a:extLst>
+                <a:ext uri="{FF2B5EF4-FFF2-40B4-BE49-F238E27FC236}">
+                  <a16:creationId xmlns:a16="http://schemas.microsoft.com/office/drawing/2014/main" id="{1F179D46-B1B1-419B-89B4-58BBF22250B8}"/>
+                </a:ext>
+              </a:extLst>
+            </p:cNvPr>
+            <p:cNvSpPr/>
+            <p:nvPr/>
+          </p:nvSpPr>
+          <p:spPr>
+            <a:xfrm>
+              <a:off x="2313030" y="18298014"/>
+              <a:ext cx="175297" cy="242326"/>
+            </a:xfrm>
+            <a:prstGeom prst="upArrow">
+              <a:avLst/>
+            </a:prstGeom>
+            <a:solidFill>
+              <a:srgbClr val="94AEDC"/>
+            </a:solidFill>
+          </p:spPr>
+          <p:style>
+            <a:lnRef idx="2">
+              <a:schemeClr val="accent1">
+                <a:shade val="50000"/>
+              </a:schemeClr>
+            </a:lnRef>
+            <a:fillRef idx="1">
+              <a:schemeClr val="accent1"/>
+            </a:fillRef>
+            <a:effectRef idx="0">
+              <a:schemeClr val="accent1"/>
+            </a:effectRef>
+            <a:fontRef idx="minor">
+              <a:schemeClr val="lt1"/>
+            </a:fontRef>
+          </p:style>
+          <p:txBody>
+            <a:bodyPr rtlCol="0" anchor="ctr"/>
+            <a:lstStyle/>
+            <a:p>
+              <a:pPr algn="ctr"/>
+              <a:endParaRPr lang="en-US" sz="1700">
+                <a:latin typeface="Georgia" panose="02040502050405020303" pitchFamily="18" charset="0"/>
+              </a:endParaRPr>
+            </a:p>
+          </p:txBody>
+        </p:sp>
+        <p:sp>
+          <p:nvSpPr>
+            <p:cNvPr id="221" name="Arrow: Up 220">
+              <a:extLst>
+                <a:ext uri="{FF2B5EF4-FFF2-40B4-BE49-F238E27FC236}">
+                  <a16:creationId xmlns:a16="http://schemas.microsoft.com/office/drawing/2014/main" id="{0880CF20-8FE6-4F87-9C23-E0E183697C7B}"/>
+                </a:ext>
+              </a:extLst>
+            </p:cNvPr>
+            <p:cNvSpPr/>
+            <p:nvPr/>
+          </p:nvSpPr>
+          <p:spPr>
+            <a:xfrm>
+              <a:off x="2303839" y="17341071"/>
+              <a:ext cx="175297" cy="242326"/>
+            </a:xfrm>
+            <a:prstGeom prst="upArrow">
+              <a:avLst/>
+            </a:prstGeom>
+            <a:solidFill>
+              <a:srgbClr val="94AEDC"/>
+            </a:solidFill>
+          </p:spPr>
+          <p:style>
+            <a:lnRef idx="2">
+              <a:schemeClr val="accent1">
+                <a:shade val="50000"/>
+              </a:schemeClr>
+            </a:lnRef>
+            <a:fillRef idx="1">
+              <a:schemeClr val="accent1"/>
+            </a:fillRef>
+            <a:effectRef idx="0">
+              <a:schemeClr val="accent1"/>
+            </a:effectRef>
+            <a:fontRef idx="minor">
+              <a:schemeClr val="lt1"/>
+            </a:fontRef>
+          </p:style>
+          <p:txBody>
+            <a:bodyPr rtlCol="0" anchor="ctr"/>
+            <a:lstStyle/>
+            <a:p>
+              <a:pPr algn="ctr"/>
+              <a:endParaRPr lang="en-US" sz="1700">
+                <a:solidFill>
+                  <a:schemeClr val="tx1"/>
+                </a:solidFill>
+                <a:latin typeface="Georgia" panose="02040502050405020303" pitchFamily="18" charset="0"/>
+              </a:endParaRPr>
+            </a:p>
+          </p:txBody>
+        </p:sp>
+        <p:sp>
+          <p:nvSpPr>
+            <p:cNvPr id="222" name="Arrow: Up 221">
+              <a:extLst>
+                <a:ext uri="{FF2B5EF4-FFF2-40B4-BE49-F238E27FC236}">
+                  <a16:creationId xmlns:a16="http://schemas.microsoft.com/office/drawing/2014/main" id="{25894F7E-A30F-4BEA-A43E-A20BE552841A}"/>
+                </a:ext>
+              </a:extLst>
+            </p:cNvPr>
+            <p:cNvSpPr/>
+            <p:nvPr/>
+          </p:nvSpPr>
+          <p:spPr>
+            <a:xfrm>
+              <a:off x="2296218" y="16374072"/>
+              <a:ext cx="175297" cy="242326"/>
+            </a:xfrm>
+            <a:prstGeom prst="upArrow">
+              <a:avLst/>
+            </a:prstGeom>
+            <a:solidFill>
+              <a:srgbClr val="94AEDC"/>
+            </a:solidFill>
+          </p:spPr>
+          <p:style>
+            <a:lnRef idx="2">
+              <a:schemeClr val="accent1">
+                <a:shade val="50000"/>
+              </a:schemeClr>
+            </a:lnRef>
+            <a:fillRef idx="1">
+              <a:schemeClr val="accent1"/>
+            </a:fillRef>
+            <a:effectRef idx="0">
+              <a:schemeClr val="accent1"/>
+            </a:effectRef>
+            <a:fontRef idx="minor">
+              <a:schemeClr val="lt1"/>
+            </a:fontRef>
+          </p:style>
+          <p:txBody>
+            <a:bodyPr rtlCol="0" anchor="ctr"/>
+            <a:lstStyle/>
+            <a:p>
+              <a:pPr algn="ctr"/>
+              <a:endParaRPr lang="en-US" sz="1700">
+                <a:solidFill>
+                  <a:schemeClr val="tx1"/>
+                </a:solidFill>
+                <a:latin typeface="Georgia" panose="02040502050405020303" pitchFamily="18" charset="0"/>
+              </a:endParaRPr>
+            </a:p>
+          </p:txBody>
+        </p:sp>
+        <p:sp>
+          <p:nvSpPr>
+            <p:cNvPr id="223" name="Rectangle: Rounded Corners 222">
+              <a:extLst>
+                <a:ext uri="{FF2B5EF4-FFF2-40B4-BE49-F238E27FC236}">
+                  <a16:creationId xmlns:a16="http://schemas.microsoft.com/office/drawing/2014/main" id="{7EC70611-F9AA-4253-9744-09BD5097AF00}"/>
+                </a:ext>
+              </a:extLst>
+            </p:cNvPr>
+            <p:cNvSpPr/>
+            <p:nvPr/>
+          </p:nvSpPr>
+          <p:spPr>
+            <a:xfrm>
+              <a:off x="384775" y="14321270"/>
+              <a:ext cx="1884755" cy="944710"/>
+            </a:xfrm>
+            <a:prstGeom prst="roundRect">
+              <a:avLst/>
+            </a:prstGeom>
+            <a:solidFill>
+              <a:srgbClr val="D3DEF1"/>
+            </a:solidFill>
+            <a:ln>
+              <a:solidFill>
+                <a:srgbClr val="B7C8E7"/>
+              </a:solidFill>
+            </a:ln>
+          </p:spPr>
+          <p:style>
+            <a:lnRef idx="2">
+              <a:schemeClr val="accent1">
+                <a:shade val="50000"/>
+              </a:schemeClr>
+            </a:lnRef>
+            <a:fillRef idx="1">
+              <a:schemeClr val="accent1"/>
+            </a:fillRef>
+            <a:effectRef idx="0">
+              <a:schemeClr val="accent1"/>
+            </a:effectRef>
+            <a:fontRef idx="minor">
+              <a:schemeClr val="lt1"/>
+            </a:fontRef>
+          </p:style>
+          <p:txBody>
+            <a:bodyPr rtlCol="0" anchor="ctr"/>
+            <a:lstStyle/>
+            <a:p>
+              <a:pPr algn="ctr"/>
+              <a:r>
+                <a:rPr lang="en-US" sz="1700" dirty="0" err="1">
+                  <a:solidFill>
+                    <a:schemeClr val="tx1"/>
+                  </a:solidFill>
+                  <a:latin typeface="Georgia" panose="02040502050405020303" pitchFamily="18" charset="0"/>
+                </a:rPr>
+                <a:t>Concat</a:t>
+              </a:r>
+              <a:r>
+                <a:rPr lang="en-US" sz="1700" dirty="0">
+                  <a:solidFill>
+                    <a:schemeClr val="tx1"/>
+                  </a:solidFill>
+                  <a:latin typeface="Georgia" panose="02040502050405020303" pitchFamily="18" charset="0"/>
+                </a:rPr>
+                <a:t> +</a:t>
+              </a:r>
+            </a:p>
+            <a:p>
+              <a:pPr algn="ctr"/>
+              <a:r>
+                <a:rPr lang="en-US" sz="1700" dirty="0">
+                  <a:solidFill>
+                    <a:schemeClr val="tx1"/>
+                  </a:solidFill>
+                  <a:latin typeface="Georgia" panose="02040502050405020303" pitchFamily="18" charset="0"/>
+                </a:rPr>
+                <a:t>Dense + </a:t>
+              </a:r>
+            </a:p>
+            <a:p>
+              <a:pPr algn="ctr"/>
+              <a:r>
+                <a:rPr lang="en-US" sz="1700" dirty="0" err="1">
+                  <a:solidFill>
+                    <a:schemeClr val="tx1"/>
+                  </a:solidFill>
+                  <a:latin typeface="Georgia" panose="02040502050405020303" pitchFamily="18" charset="0"/>
+                </a:rPr>
+                <a:t>Softmax</a:t>
+              </a:r>
+              <a:r>
+                <a:rPr lang="en-US" sz="1700" dirty="0">
+                  <a:solidFill>
+                    <a:schemeClr val="tx1"/>
+                  </a:solidFill>
+                  <a:latin typeface="Georgia" panose="02040502050405020303" pitchFamily="18" charset="0"/>
+                </a:rPr>
+                <a:t> Output</a:t>
+              </a:r>
+            </a:p>
+          </p:txBody>
+        </p:sp>
+        <p:sp>
+          <p:nvSpPr>
+            <p:cNvPr id="224" name="Oval 223">
+              <a:extLst>
+                <a:ext uri="{FF2B5EF4-FFF2-40B4-BE49-F238E27FC236}">
+                  <a16:creationId xmlns:a16="http://schemas.microsoft.com/office/drawing/2014/main" id="{5F0B7563-8462-47DB-A859-C1D50473782E}"/>
+                </a:ext>
+              </a:extLst>
+            </p:cNvPr>
+            <p:cNvSpPr/>
+            <p:nvPr/>
+          </p:nvSpPr>
+          <p:spPr>
+            <a:xfrm>
+              <a:off x="969680" y="13496997"/>
+              <a:ext cx="634805" cy="484646"/>
+            </a:xfrm>
+            <a:prstGeom prst="ellipse">
+              <a:avLst/>
+            </a:prstGeom>
+            <a:solidFill>
+              <a:srgbClr val="E5EBF7"/>
+            </a:solidFill>
+            <a:ln w="19050"/>
+          </p:spPr>
+          <p:style>
+            <a:lnRef idx="2">
+              <a:schemeClr val="accent1">
+                <a:shade val="50000"/>
+              </a:schemeClr>
+            </a:lnRef>
+            <a:fillRef idx="1">
+              <a:schemeClr val="accent1"/>
+            </a:fillRef>
+            <a:effectRef idx="0">
+              <a:schemeClr val="accent1"/>
+            </a:effectRef>
+            <a:fontRef idx="minor">
+              <a:schemeClr val="lt1"/>
+            </a:fontRef>
+          </p:style>
+          <p:txBody>
+            <a:bodyPr rtlCol="0" anchor="ctr"/>
+            <a:lstStyle/>
+            <a:p>
+              <a:pPr algn="ctr"/>
+              <a:r>
+                <a:rPr lang="en-US" sz="1700" dirty="0">
+                  <a:solidFill>
+                    <a:schemeClr val="tx1"/>
+                  </a:solidFill>
+                  <a:latin typeface="Georgia" panose="02040502050405020303" pitchFamily="18" charset="0"/>
+                </a:rPr>
+                <a:t>P1</a:t>
+              </a:r>
+            </a:p>
+          </p:txBody>
+        </p:sp>
+        <p:sp>
+          <p:nvSpPr>
+            <p:cNvPr id="225" name="Oval 224">
+              <a:extLst>
+                <a:ext uri="{FF2B5EF4-FFF2-40B4-BE49-F238E27FC236}">
+                  <a16:creationId xmlns:a16="http://schemas.microsoft.com/office/drawing/2014/main" id="{59D2FAB2-682B-4C2E-A517-06486B55A54F}"/>
+                </a:ext>
+              </a:extLst>
+            </p:cNvPr>
+            <p:cNvSpPr/>
+            <p:nvPr/>
+          </p:nvSpPr>
+          <p:spPr>
+            <a:xfrm>
+              <a:off x="3139654" y="13473664"/>
+              <a:ext cx="634805" cy="493249"/>
+            </a:xfrm>
+            <a:prstGeom prst="ellipse">
+              <a:avLst/>
+            </a:prstGeom>
+            <a:solidFill>
+              <a:srgbClr val="E5EBF7"/>
+            </a:solidFill>
+            <a:ln w="19050"/>
+          </p:spPr>
+          <p:style>
+            <a:lnRef idx="2">
+              <a:schemeClr val="accent1">
+                <a:shade val="50000"/>
+              </a:schemeClr>
+            </a:lnRef>
+            <a:fillRef idx="1">
+              <a:schemeClr val="accent1"/>
+            </a:fillRef>
+            <a:effectRef idx="0">
+              <a:schemeClr val="accent1"/>
+            </a:effectRef>
+            <a:fontRef idx="minor">
+              <a:schemeClr val="lt1"/>
+            </a:fontRef>
+          </p:style>
+          <p:txBody>
+            <a:bodyPr rtlCol="0" anchor="ctr"/>
+            <a:lstStyle/>
+            <a:p>
+              <a:pPr algn="ctr"/>
+              <a:r>
+                <a:rPr lang="en-US" sz="1700" dirty="0">
+                  <a:solidFill>
+                    <a:schemeClr val="tx1"/>
+                  </a:solidFill>
+                  <a:latin typeface="Georgia" panose="02040502050405020303" pitchFamily="18" charset="0"/>
+                </a:rPr>
+                <a:t>P2</a:t>
+              </a:r>
+            </a:p>
+          </p:txBody>
+        </p:sp>
+        <p:sp>
+          <p:nvSpPr>
+            <p:cNvPr id="226" name="Arrow: Up 225">
+              <a:extLst>
+                <a:ext uri="{FF2B5EF4-FFF2-40B4-BE49-F238E27FC236}">
+                  <a16:creationId xmlns:a16="http://schemas.microsoft.com/office/drawing/2014/main" id="{46C6FBAE-EE35-41AF-BDE2-89D350C52B99}"/>
+                </a:ext>
+              </a:extLst>
+            </p:cNvPr>
+            <p:cNvSpPr/>
+            <p:nvPr/>
+          </p:nvSpPr>
+          <p:spPr>
+            <a:xfrm>
+              <a:off x="1199046" y="14018551"/>
+              <a:ext cx="175297" cy="242326"/>
+            </a:xfrm>
+            <a:prstGeom prst="upArrow">
+              <a:avLst/>
+            </a:prstGeom>
+          </p:spPr>
+          <p:style>
+            <a:lnRef idx="2">
+              <a:schemeClr val="accent1">
+                <a:shade val="50000"/>
+              </a:schemeClr>
+            </a:lnRef>
+            <a:fillRef idx="1">
+              <a:schemeClr val="accent1"/>
+            </a:fillRef>
+            <a:effectRef idx="0">
+              <a:schemeClr val="accent1"/>
+            </a:effectRef>
+            <a:fontRef idx="minor">
+              <a:schemeClr val="lt1"/>
+            </a:fontRef>
+          </p:style>
+          <p:txBody>
+            <a:bodyPr rtlCol="0" anchor="ctr"/>
+            <a:lstStyle/>
+            <a:p>
+              <a:pPr algn="ctr"/>
+              <a:endParaRPr lang="en-US" sz="1700">
+                <a:latin typeface="Georgia" panose="02040502050405020303" pitchFamily="18" charset="0"/>
+              </a:endParaRPr>
+            </a:p>
+          </p:txBody>
+        </p:sp>
+        <p:sp>
+          <p:nvSpPr>
+            <p:cNvPr id="227" name="Arrow: Up 226">
+              <a:extLst>
+                <a:ext uri="{FF2B5EF4-FFF2-40B4-BE49-F238E27FC236}">
+                  <a16:creationId xmlns:a16="http://schemas.microsoft.com/office/drawing/2014/main" id="{AEB73380-3CF8-4720-A066-1270EB0F62DB}"/>
+                </a:ext>
+              </a:extLst>
+            </p:cNvPr>
+            <p:cNvSpPr/>
+            <p:nvPr/>
+          </p:nvSpPr>
+          <p:spPr>
+            <a:xfrm>
+              <a:off x="3374802" y="14002617"/>
+              <a:ext cx="174473" cy="242326"/>
+            </a:xfrm>
+            <a:prstGeom prst="upArrow">
+              <a:avLst/>
+            </a:prstGeom>
+          </p:spPr>
+          <p:style>
+            <a:lnRef idx="2">
+              <a:schemeClr val="accent1">
+                <a:shade val="50000"/>
+              </a:schemeClr>
+            </a:lnRef>
+            <a:fillRef idx="1">
+              <a:schemeClr val="accent1"/>
+            </a:fillRef>
+            <a:effectRef idx="0">
+              <a:schemeClr val="accent1"/>
+            </a:effectRef>
+            <a:fontRef idx="minor">
+              <a:schemeClr val="lt1"/>
+            </a:fontRef>
+          </p:style>
+          <p:txBody>
+            <a:bodyPr rtlCol="0" anchor="ctr"/>
+            <a:lstStyle/>
+            <a:p>
+              <a:pPr algn="ctr"/>
+              <a:endParaRPr lang="en-US" sz="1700">
+                <a:latin typeface="Georgia" panose="02040502050405020303" pitchFamily="18" charset="0"/>
+              </a:endParaRPr>
+            </a:p>
+          </p:txBody>
+        </p:sp>
+        <p:sp>
+          <p:nvSpPr>
+            <p:cNvPr id="228" name="Rectangle: Rounded Corners 227">
+              <a:extLst>
+                <a:ext uri="{FF2B5EF4-FFF2-40B4-BE49-F238E27FC236}">
+                  <a16:creationId xmlns:a16="http://schemas.microsoft.com/office/drawing/2014/main" id="{0E04B435-A0AD-4133-98DC-D4ADD79F64A8}"/>
+                </a:ext>
+              </a:extLst>
+            </p:cNvPr>
+            <p:cNvSpPr/>
+            <p:nvPr/>
+          </p:nvSpPr>
+          <p:spPr>
+            <a:xfrm>
+              <a:off x="471028" y="20168145"/>
+              <a:ext cx="2538650" cy="595773"/>
+            </a:xfrm>
+            <a:prstGeom prst="roundRect">
+              <a:avLst/>
+            </a:prstGeom>
+            <a:solidFill>
+              <a:srgbClr val="435571"/>
+            </a:solidFill>
+          </p:spPr>
+          <p:style>
+            <a:lnRef idx="2">
+              <a:schemeClr val="accent1">
+                <a:shade val="50000"/>
+              </a:schemeClr>
+            </a:lnRef>
+            <a:fillRef idx="1">
+              <a:schemeClr val="accent1"/>
+            </a:fillRef>
+            <a:effectRef idx="0">
+              <a:schemeClr val="accent1"/>
+            </a:effectRef>
+            <a:fontRef idx="minor">
+              <a:schemeClr val="lt1"/>
+            </a:fontRef>
+          </p:style>
+          <p:txBody>
+            <a:bodyPr rtlCol="0" anchor="ctr"/>
+            <a:lstStyle/>
+            <a:p>
+              <a:pPr algn="ctr"/>
+              <a:r>
+                <a:rPr lang="en-US" sz="1700" dirty="0">
+                  <a:latin typeface="Georgia" panose="02040502050405020303" pitchFamily="18" charset="0"/>
+                </a:rPr>
+                <a:t>Embedding Layer</a:t>
+              </a:r>
+            </a:p>
+          </p:txBody>
+        </p:sp>
+        <p:sp>
+          <p:nvSpPr>
+            <p:cNvPr id="229" name="Arrow: Up 228">
+              <a:extLst>
+                <a:ext uri="{FF2B5EF4-FFF2-40B4-BE49-F238E27FC236}">
+                  <a16:creationId xmlns:a16="http://schemas.microsoft.com/office/drawing/2014/main" id="{A1C7E9F1-C8BC-4111-A20E-B02AF5D2E85F}"/>
+                </a:ext>
+              </a:extLst>
+            </p:cNvPr>
+            <p:cNvSpPr/>
+            <p:nvPr/>
+          </p:nvSpPr>
+          <p:spPr>
+            <a:xfrm>
+              <a:off x="1199047" y="14018551"/>
+              <a:ext cx="175297" cy="242326"/>
+            </a:xfrm>
+            <a:prstGeom prst="upArrow">
+              <a:avLst/>
+            </a:prstGeom>
+          </p:spPr>
+          <p:style>
+            <a:lnRef idx="2">
+              <a:schemeClr val="accent1">
+                <a:shade val="50000"/>
+              </a:schemeClr>
+            </a:lnRef>
+            <a:fillRef idx="1">
+              <a:schemeClr val="accent1"/>
+            </a:fillRef>
+            <a:effectRef idx="0">
+              <a:schemeClr val="accent1"/>
+            </a:effectRef>
+            <a:fontRef idx="minor">
+              <a:schemeClr val="lt1"/>
+            </a:fontRef>
+          </p:style>
+          <p:txBody>
+            <a:bodyPr rtlCol="0" anchor="ctr"/>
+            <a:lstStyle/>
+            <a:p>
+              <a:pPr algn="ctr"/>
+              <a:endParaRPr lang="en-US" sz="1700">
+                <a:latin typeface="Georgia" panose="02040502050405020303" pitchFamily="18" charset="0"/>
+              </a:endParaRPr>
+            </a:p>
+          </p:txBody>
+        </p:sp>
+        <p:sp>
+          <p:nvSpPr>
+            <p:cNvPr id="230" name="Arrow: Up 229">
+              <a:extLst>
+                <a:ext uri="{FF2B5EF4-FFF2-40B4-BE49-F238E27FC236}">
+                  <a16:creationId xmlns:a16="http://schemas.microsoft.com/office/drawing/2014/main" id="{532A0222-30D6-4B33-A8EA-09E54A55D2C6}"/>
+                </a:ext>
+              </a:extLst>
+            </p:cNvPr>
+            <p:cNvSpPr/>
+            <p:nvPr/>
+          </p:nvSpPr>
+          <p:spPr>
+            <a:xfrm>
+              <a:off x="3374803" y="14017857"/>
+              <a:ext cx="174473" cy="242326"/>
+            </a:xfrm>
+            <a:prstGeom prst="upArrow">
+              <a:avLst/>
+            </a:prstGeom>
+            <a:solidFill>
+              <a:srgbClr val="D3DEF1"/>
+            </a:solidFill>
+            <a:ln>
+              <a:solidFill>
+                <a:srgbClr val="B7C8E7"/>
+              </a:solidFill>
+            </a:ln>
+          </p:spPr>
+          <p:style>
+            <a:lnRef idx="2">
+              <a:schemeClr val="accent1">
+                <a:shade val="50000"/>
+              </a:schemeClr>
+            </a:lnRef>
+            <a:fillRef idx="1">
+              <a:schemeClr val="accent1"/>
+            </a:fillRef>
+            <a:effectRef idx="0">
+              <a:schemeClr val="accent1"/>
+            </a:effectRef>
+            <a:fontRef idx="minor">
+              <a:schemeClr val="lt1"/>
+            </a:fontRef>
+          </p:style>
+          <p:txBody>
+            <a:bodyPr rtlCol="0" anchor="ctr"/>
+            <a:lstStyle/>
+            <a:p>
+              <a:pPr algn="ctr"/>
+              <a:endParaRPr lang="en-US" sz="1700">
+                <a:latin typeface="Georgia" panose="02040502050405020303" pitchFamily="18" charset="0"/>
+              </a:endParaRPr>
+            </a:p>
+          </p:txBody>
+        </p:sp>
+        <p:sp>
+          <p:nvSpPr>
+            <p:cNvPr id="231" name="Arrow: Up 230">
+              <a:extLst>
+                <a:ext uri="{FF2B5EF4-FFF2-40B4-BE49-F238E27FC236}">
+                  <a16:creationId xmlns:a16="http://schemas.microsoft.com/office/drawing/2014/main" id="{BCC54FEC-8F92-4168-9CE0-19811F20BD42}"/>
+                </a:ext>
+              </a:extLst>
+            </p:cNvPr>
+            <p:cNvSpPr/>
+            <p:nvPr/>
+          </p:nvSpPr>
+          <p:spPr>
+            <a:xfrm>
+              <a:off x="1199048" y="14018551"/>
+              <a:ext cx="175297" cy="242326"/>
+            </a:xfrm>
+            <a:prstGeom prst="upArrow">
+              <a:avLst/>
+            </a:prstGeom>
+            <a:solidFill>
+              <a:srgbClr val="D3DEF1"/>
+            </a:solidFill>
+            <a:ln>
+              <a:solidFill>
+                <a:srgbClr val="B7C8E7"/>
+              </a:solidFill>
+            </a:ln>
+          </p:spPr>
+          <p:style>
+            <a:lnRef idx="2">
+              <a:schemeClr val="accent1">
+                <a:shade val="50000"/>
+              </a:schemeClr>
+            </a:lnRef>
+            <a:fillRef idx="1">
+              <a:schemeClr val="accent1"/>
+            </a:fillRef>
+            <a:effectRef idx="0">
+              <a:schemeClr val="accent1"/>
+            </a:effectRef>
+            <a:fontRef idx="minor">
+              <a:schemeClr val="lt1"/>
+            </a:fontRef>
+          </p:style>
+          <p:txBody>
+            <a:bodyPr rtlCol="0" anchor="ctr"/>
+            <a:lstStyle/>
+            <a:p>
+              <a:pPr algn="ctr"/>
+              <a:endParaRPr lang="en-US" sz="1700">
+                <a:latin typeface="Georgia" panose="02040502050405020303" pitchFamily="18" charset="0"/>
+              </a:endParaRPr>
+            </a:p>
+          </p:txBody>
+        </p:sp>
+        <p:sp>
+          <p:nvSpPr>
+            <p:cNvPr id="232" name="Arrow: Bent 231">
+              <a:extLst>
+                <a:ext uri="{FF2B5EF4-FFF2-40B4-BE49-F238E27FC236}">
+                  <a16:creationId xmlns:a16="http://schemas.microsoft.com/office/drawing/2014/main" id="{9AC2CD4E-F898-43D4-8234-9E0520CEC300}"/>
+                </a:ext>
+              </a:extLst>
+            </p:cNvPr>
+            <p:cNvSpPr/>
+            <p:nvPr/>
+          </p:nvSpPr>
+          <p:spPr>
+            <a:xfrm rot="16200000">
+              <a:off x="-462181" y="16313281"/>
+              <a:ext cx="2651677" cy="785256"/>
+            </a:xfrm>
+            <a:prstGeom prst="bentArrow">
+              <a:avLst>
+                <a:gd name="adj1" fmla="val 16172"/>
+                <a:gd name="adj2" fmla="val 14169"/>
+                <a:gd name="adj3" fmla="val 19000"/>
+                <a:gd name="adj4" fmla="val 39290"/>
+              </a:avLst>
+            </a:prstGeom>
+            <a:solidFill>
+              <a:srgbClr val="94AEDC"/>
+            </a:solidFill>
+          </p:spPr>
+          <p:style>
+            <a:lnRef idx="2">
+              <a:schemeClr val="accent1">
+                <a:shade val="50000"/>
+              </a:schemeClr>
+            </a:lnRef>
+            <a:fillRef idx="1">
+              <a:schemeClr val="accent1"/>
+            </a:fillRef>
+            <a:effectRef idx="0">
+              <a:schemeClr val="accent1"/>
+            </a:effectRef>
+            <a:fontRef idx="minor">
+              <a:schemeClr val="lt1"/>
+            </a:fontRef>
+          </p:style>
+          <p:txBody>
+            <a:bodyPr rtlCol="0" anchor="ctr"/>
+            <a:lstStyle/>
+            <a:p>
+              <a:pPr algn="ctr"/>
+              <a:endParaRPr lang="en-US" sz="1700">
+                <a:solidFill>
+                  <a:schemeClr val="tx1"/>
+                </a:solidFill>
+                <a:latin typeface="Georgia" panose="02040502050405020303" pitchFamily="18" charset="0"/>
+              </a:endParaRPr>
+            </a:p>
+          </p:txBody>
+        </p:sp>
+        <p:sp>
+          <p:nvSpPr>
+            <p:cNvPr id="233" name="Arrow: Bent 232">
+              <a:extLst>
+                <a:ext uri="{FF2B5EF4-FFF2-40B4-BE49-F238E27FC236}">
+                  <a16:creationId xmlns:a16="http://schemas.microsoft.com/office/drawing/2014/main" id="{C9308FAD-E06F-4DED-8978-26DF0FE5AA0B}"/>
+                </a:ext>
+              </a:extLst>
+            </p:cNvPr>
+            <p:cNvSpPr/>
+            <p:nvPr/>
+          </p:nvSpPr>
+          <p:spPr>
+            <a:xfrm rot="16200000">
+              <a:off x="171563" y="16002316"/>
+              <a:ext cx="1706965" cy="462477"/>
+            </a:xfrm>
+            <a:prstGeom prst="bentArrow">
+              <a:avLst>
+                <a:gd name="adj1" fmla="val 28667"/>
+                <a:gd name="adj2" fmla="val 24362"/>
+                <a:gd name="adj3" fmla="val 30910"/>
+                <a:gd name="adj4" fmla="val 40372"/>
+              </a:avLst>
+            </a:prstGeom>
+            <a:solidFill>
+              <a:srgbClr val="94AEDC"/>
+            </a:solidFill>
+          </p:spPr>
+          <p:style>
+            <a:lnRef idx="2">
+              <a:schemeClr val="accent1">
+                <a:shade val="50000"/>
+              </a:schemeClr>
+            </a:lnRef>
+            <a:fillRef idx="1">
+              <a:schemeClr val="accent1"/>
+            </a:fillRef>
+            <a:effectRef idx="0">
+              <a:schemeClr val="accent1"/>
+            </a:effectRef>
+            <a:fontRef idx="minor">
+              <a:schemeClr val="lt1"/>
+            </a:fontRef>
+          </p:style>
+          <p:txBody>
+            <a:bodyPr rtlCol="0" anchor="ctr"/>
+            <a:lstStyle/>
+            <a:p>
+              <a:pPr algn="ctr"/>
+              <a:endParaRPr lang="en-US" sz="1700">
+                <a:solidFill>
+                  <a:schemeClr val="tx1"/>
+                </a:solidFill>
+                <a:latin typeface="Georgia" panose="02040502050405020303" pitchFamily="18" charset="0"/>
+              </a:endParaRPr>
+            </a:p>
+          </p:txBody>
+        </p:sp>
+        <p:sp>
+          <p:nvSpPr>
+            <p:cNvPr id="234" name="Rectangle: Rounded Corners 233">
+              <a:extLst>
+                <a:ext uri="{FF2B5EF4-FFF2-40B4-BE49-F238E27FC236}">
+                  <a16:creationId xmlns:a16="http://schemas.microsoft.com/office/drawing/2014/main" id="{94407C88-7EA9-402B-92AE-901CE0826090}"/>
+                </a:ext>
+              </a:extLst>
+            </p:cNvPr>
+            <p:cNvSpPr/>
+            <p:nvPr/>
+          </p:nvSpPr>
+          <p:spPr>
+            <a:xfrm>
+              <a:off x="5421255" y="18957991"/>
+              <a:ext cx="2882324" cy="317287"/>
+            </a:xfrm>
+            <a:prstGeom prst="roundRect">
+              <a:avLst/>
+            </a:prstGeom>
+            <a:solidFill>
+              <a:srgbClr val="553825"/>
+            </a:solidFill>
+          </p:spPr>
+          <p:style>
+            <a:lnRef idx="2">
+              <a:schemeClr val="accent1">
+                <a:shade val="50000"/>
+              </a:schemeClr>
+            </a:lnRef>
+            <a:fillRef idx="1">
+              <a:schemeClr val="accent1"/>
+            </a:fillRef>
+            <a:effectRef idx="0">
+              <a:schemeClr val="accent1"/>
+            </a:effectRef>
+            <a:fontRef idx="minor">
+              <a:schemeClr val="lt1"/>
+            </a:fontRef>
+          </p:style>
+          <p:txBody>
+            <a:bodyPr rtlCol="0" anchor="ctr"/>
+            <a:lstStyle/>
+            <a:p>
+              <a:pPr algn="ctr"/>
+              <a:r>
+                <a:rPr lang="en-US" sz="1700" dirty="0">
+                  <a:latin typeface="Georgia" panose="02040502050405020303" pitchFamily="18" charset="0"/>
+                </a:rPr>
+                <a:t>Positional Encoding</a:t>
+              </a:r>
+            </a:p>
+          </p:txBody>
+        </p:sp>
+        <p:sp>
+          <p:nvSpPr>
+            <p:cNvPr id="235" name="Rectangle: Rounded Corners 234">
+              <a:extLst>
+                <a:ext uri="{FF2B5EF4-FFF2-40B4-BE49-F238E27FC236}">
+                  <a16:creationId xmlns:a16="http://schemas.microsoft.com/office/drawing/2014/main" id="{F14AF1FF-70F8-45B9-926B-3BFCAC63A7EF}"/>
+                </a:ext>
+              </a:extLst>
+            </p:cNvPr>
+            <p:cNvSpPr/>
+            <p:nvPr/>
+          </p:nvSpPr>
+          <p:spPr>
+            <a:xfrm>
+              <a:off x="3274528" y="21112717"/>
+              <a:ext cx="1280639" cy="529175"/>
+            </a:xfrm>
+            <a:prstGeom prst="roundRect">
+              <a:avLst/>
+            </a:prstGeom>
+            <a:solidFill>
+              <a:srgbClr val="313D43"/>
+            </a:solidFill>
+          </p:spPr>
+          <p:style>
+            <a:lnRef idx="2">
+              <a:schemeClr val="accent1">
+                <a:shade val="50000"/>
+              </a:schemeClr>
+            </a:lnRef>
+            <a:fillRef idx="1">
+              <a:schemeClr val="accent1"/>
+            </a:fillRef>
+            <a:effectRef idx="0">
+              <a:schemeClr val="accent1"/>
+            </a:effectRef>
+            <a:fontRef idx="minor">
+              <a:schemeClr val="lt1"/>
+            </a:fontRef>
+          </p:style>
+          <p:txBody>
+            <a:bodyPr rtlCol="0" anchor="ctr"/>
+            <a:lstStyle/>
+            <a:p>
+              <a:pPr algn="ctr"/>
+              <a:r>
+                <a:rPr lang="en-US" sz="1700" dirty="0">
+                  <a:latin typeface="Georgia" panose="02040502050405020303" pitchFamily="18" charset="0"/>
+                </a:rPr>
+                <a:t>Context Words</a:t>
+              </a:r>
+            </a:p>
+          </p:txBody>
+        </p:sp>
+        <p:sp>
+          <p:nvSpPr>
+            <p:cNvPr id="236" name="Rectangle: Rounded Corners 235">
+              <a:extLst>
+                <a:ext uri="{FF2B5EF4-FFF2-40B4-BE49-F238E27FC236}">
+                  <a16:creationId xmlns:a16="http://schemas.microsoft.com/office/drawing/2014/main" id="{055A526F-8355-4701-B02F-9AD226504450}"/>
+                </a:ext>
+              </a:extLst>
+            </p:cNvPr>
+            <p:cNvSpPr/>
+            <p:nvPr/>
+          </p:nvSpPr>
+          <p:spPr>
+            <a:xfrm>
+              <a:off x="4560928" y="21107472"/>
+              <a:ext cx="1277897" cy="541794"/>
+            </a:xfrm>
+            <a:prstGeom prst="roundRect">
+              <a:avLst/>
+            </a:prstGeom>
+            <a:solidFill>
+              <a:srgbClr val="313D43"/>
+            </a:solidFill>
+          </p:spPr>
+          <p:style>
+            <a:lnRef idx="2">
+              <a:schemeClr val="accent1">
+                <a:shade val="50000"/>
+              </a:schemeClr>
+            </a:lnRef>
+            <a:fillRef idx="1">
+              <a:schemeClr val="accent1"/>
+            </a:fillRef>
+            <a:effectRef idx="0">
+              <a:schemeClr val="accent1"/>
+            </a:effectRef>
+            <a:fontRef idx="minor">
+              <a:schemeClr val="lt1"/>
+            </a:fontRef>
+          </p:style>
+          <p:txBody>
+            <a:bodyPr rtlCol="0" anchor="ctr"/>
+            <a:lstStyle/>
+            <a:p>
+              <a:pPr algn="ctr"/>
+              <a:r>
+                <a:rPr lang="en-US" sz="1700" dirty="0">
+                  <a:latin typeface="Georgia" panose="02040502050405020303" pitchFamily="18" charset="0"/>
+                </a:rPr>
+                <a:t>Context Characters</a:t>
+              </a:r>
+            </a:p>
+          </p:txBody>
+        </p:sp>
+        <p:sp>
+          <p:nvSpPr>
+            <p:cNvPr id="237" name="Rectangle: Rounded Corners 236">
+              <a:extLst>
+                <a:ext uri="{FF2B5EF4-FFF2-40B4-BE49-F238E27FC236}">
+                  <a16:creationId xmlns:a16="http://schemas.microsoft.com/office/drawing/2014/main" id="{508E2F1B-76EB-4021-A98E-79450808D948}"/>
+                </a:ext>
+              </a:extLst>
+            </p:cNvPr>
+            <p:cNvSpPr/>
+            <p:nvPr/>
+          </p:nvSpPr>
+          <p:spPr>
+            <a:xfrm>
+              <a:off x="3285842" y="19572372"/>
+              <a:ext cx="2538650" cy="595773"/>
+            </a:xfrm>
+            <a:prstGeom prst="roundRect">
+              <a:avLst/>
+            </a:prstGeom>
+            <a:solidFill>
+              <a:srgbClr val="94AEDC"/>
+            </a:solidFill>
+          </p:spPr>
+          <p:style>
+            <a:lnRef idx="2">
+              <a:schemeClr val="accent1">
+                <a:shade val="50000"/>
+              </a:schemeClr>
+            </a:lnRef>
+            <a:fillRef idx="1">
+              <a:schemeClr val="accent1"/>
+            </a:fillRef>
+            <a:effectRef idx="0">
+              <a:schemeClr val="accent1"/>
+            </a:effectRef>
+            <a:fontRef idx="minor">
+              <a:schemeClr val="lt1"/>
+            </a:fontRef>
+          </p:style>
+          <p:txBody>
+            <a:bodyPr rtlCol="0" anchor="ctr"/>
+            <a:lstStyle/>
+            <a:p>
+              <a:pPr algn="ctr"/>
+              <a:r>
+                <a:rPr lang="en-US" sz="1700" dirty="0">
+                  <a:solidFill>
+                    <a:schemeClr val="tx1"/>
+                  </a:solidFill>
+                  <a:latin typeface="Georgia" panose="02040502050405020303" pitchFamily="18" charset="0"/>
+                </a:rPr>
+                <a:t>Contextual Embedding Encoder Block </a:t>
+              </a:r>
+            </a:p>
+          </p:txBody>
+        </p:sp>
+        <p:sp>
+          <p:nvSpPr>
+            <p:cNvPr id="238" name="Arrow: Up 237">
+              <a:extLst>
+                <a:ext uri="{FF2B5EF4-FFF2-40B4-BE49-F238E27FC236}">
+                  <a16:creationId xmlns:a16="http://schemas.microsoft.com/office/drawing/2014/main" id="{C44D4986-5B42-4F7A-B561-AD8EB7DD0523}"/>
+                </a:ext>
+              </a:extLst>
+            </p:cNvPr>
+            <p:cNvSpPr/>
+            <p:nvPr/>
+          </p:nvSpPr>
+          <p:spPr>
+            <a:xfrm>
+              <a:off x="3895798" y="20826416"/>
+              <a:ext cx="175297" cy="242326"/>
+            </a:xfrm>
+            <a:prstGeom prst="upArrow">
+              <a:avLst/>
+            </a:prstGeom>
+            <a:solidFill>
+              <a:srgbClr val="435571"/>
+            </a:solidFill>
+          </p:spPr>
+          <p:style>
+            <a:lnRef idx="2">
+              <a:schemeClr val="accent1">
+                <a:shade val="50000"/>
+              </a:schemeClr>
+            </a:lnRef>
+            <a:fillRef idx="1">
+              <a:schemeClr val="accent1"/>
+            </a:fillRef>
+            <a:effectRef idx="0">
+              <a:schemeClr val="accent1"/>
+            </a:effectRef>
+            <a:fontRef idx="minor">
+              <a:schemeClr val="lt1"/>
+            </a:fontRef>
+          </p:style>
+          <p:txBody>
+            <a:bodyPr rtlCol="0" anchor="ctr"/>
+            <a:lstStyle/>
+            <a:p>
+              <a:pPr algn="ctr"/>
+              <a:endParaRPr lang="en-US" sz="1700">
+                <a:latin typeface="Georgia" panose="02040502050405020303" pitchFamily="18" charset="0"/>
+              </a:endParaRPr>
+            </a:p>
+          </p:txBody>
+        </p:sp>
+        <p:sp>
+          <p:nvSpPr>
+            <p:cNvPr id="239" name="Arrow: Up 238">
+              <a:extLst>
+                <a:ext uri="{FF2B5EF4-FFF2-40B4-BE49-F238E27FC236}">
+                  <a16:creationId xmlns:a16="http://schemas.microsoft.com/office/drawing/2014/main" id="{7798C29B-5618-4430-B547-D4636B10B92C}"/>
+                </a:ext>
+              </a:extLst>
+            </p:cNvPr>
+            <p:cNvSpPr/>
+            <p:nvPr/>
+          </p:nvSpPr>
+          <p:spPr>
+            <a:xfrm>
+              <a:off x="5084344" y="20826416"/>
+              <a:ext cx="175297" cy="242326"/>
+            </a:xfrm>
+            <a:prstGeom prst="upArrow">
+              <a:avLst/>
+            </a:prstGeom>
+            <a:solidFill>
+              <a:srgbClr val="435571"/>
+            </a:solidFill>
+          </p:spPr>
+          <p:style>
+            <a:lnRef idx="2">
+              <a:schemeClr val="accent1">
+                <a:shade val="50000"/>
+              </a:schemeClr>
+            </a:lnRef>
+            <a:fillRef idx="1">
+              <a:schemeClr val="accent1"/>
+            </a:fillRef>
+            <a:effectRef idx="0">
+              <a:schemeClr val="accent1"/>
+            </a:effectRef>
+            <a:fontRef idx="minor">
+              <a:schemeClr val="lt1"/>
+            </a:fontRef>
+          </p:style>
+          <p:txBody>
+            <a:bodyPr rtlCol="0" anchor="ctr"/>
+            <a:lstStyle/>
+            <a:p>
+              <a:pPr algn="ctr"/>
+              <a:endParaRPr lang="en-US" sz="1700">
+                <a:latin typeface="Georgia" panose="02040502050405020303" pitchFamily="18" charset="0"/>
+              </a:endParaRPr>
+            </a:p>
+          </p:txBody>
+        </p:sp>
+        <p:sp>
+          <p:nvSpPr>
+            <p:cNvPr id="240" name="Rectangle: Rounded Corners 239">
+              <a:extLst>
+                <a:ext uri="{FF2B5EF4-FFF2-40B4-BE49-F238E27FC236}">
+                  <a16:creationId xmlns:a16="http://schemas.microsoft.com/office/drawing/2014/main" id="{7D51C74E-D790-45F3-98EC-931903A62D61}"/>
+                </a:ext>
+              </a:extLst>
+            </p:cNvPr>
+            <p:cNvSpPr/>
+            <p:nvPr/>
+          </p:nvSpPr>
+          <p:spPr>
+            <a:xfrm>
+              <a:off x="3285842" y="20168145"/>
+              <a:ext cx="2538650" cy="595773"/>
+            </a:xfrm>
+            <a:prstGeom prst="roundRect">
+              <a:avLst/>
+            </a:prstGeom>
+            <a:solidFill>
+              <a:srgbClr val="435571"/>
+            </a:solidFill>
+          </p:spPr>
+          <p:style>
+            <a:lnRef idx="2">
+              <a:schemeClr val="accent1">
+                <a:shade val="50000"/>
+              </a:schemeClr>
+            </a:lnRef>
+            <a:fillRef idx="1">
+              <a:schemeClr val="accent1"/>
+            </a:fillRef>
+            <a:effectRef idx="0">
+              <a:schemeClr val="accent1"/>
+            </a:effectRef>
+            <a:fontRef idx="minor">
+              <a:schemeClr val="lt1"/>
+            </a:fontRef>
+          </p:style>
+          <p:txBody>
+            <a:bodyPr rtlCol="0" anchor="ctr"/>
+            <a:lstStyle/>
+            <a:p>
+              <a:pPr algn="ctr"/>
+              <a:r>
+                <a:rPr lang="en-US" sz="1700" dirty="0">
+                  <a:latin typeface="Georgia" panose="02040502050405020303" pitchFamily="18" charset="0"/>
+                </a:rPr>
+                <a:t>Embedding Layer</a:t>
+              </a:r>
+            </a:p>
+          </p:txBody>
+        </p:sp>
+        <p:sp>
+          <p:nvSpPr>
+            <p:cNvPr id="241" name="Arrow: Up 240">
+              <a:extLst>
+                <a:ext uri="{FF2B5EF4-FFF2-40B4-BE49-F238E27FC236}">
+                  <a16:creationId xmlns:a16="http://schemas.microsoft.com/office/drawing/2014/main" id="{43B4D221-13F5-4B26-AC26-690815B49B58}"/>
+                </a:ext>
+              </a:extLst>
+            </p:cNvPr>
+            <p:cNvSpPr/>
+            <p:nvPr/>
+          </p:nvSpPr>
+          <p:spPr>
+            <a:xfrm>
+              <a:off x="1414233" y="19270716"/>
+              <a:ext cx="175297" cy="242326"/>
+            </a:xfrm>
+            <a:prstGeom prst="upArrow">
+              <a:avLst/>
+            </a:prstGeom>
+            <a:solidFill>
+              <a:srgbClr val="4C73B2"/>
+            </a:solidFill>
+          </p:spPr>
+          <p:style>
+            <a:lnRef idx="2">
+              <a:schemeClr val="accent1">
+                <a:shade val="50000"/>
+              </a:schemeClr>
+            </a:lnRef>
+            <a:fillRef idx="1">
+              <a:schemeClr val="accent1"/>
+            </a:fillRef>
+            <a:effectRef idx="0">
+              <a:schemeClr val="accent1"/>
+            </a:effectRef>
+            <a:fontRef idx="minor">
+              <a:schemeClr val="lt1"/>
+            </a:fontRef>
+          </p:style>
+          <p:txBody>
+            <a:bodyPr rtlCol="0" anchor="ctr"/>
+            <a:lstStyle/>
+            <a:p>
+              <a:pPr algn="ctr"/>
+              <a:endParaRPr lang="en-US" sz="1700">
+                <a:latin typeface="Georgia" panose="02040502050405020303" pitchFamily="18" charset="0"/>
+              </a:endParaRPr>
+            </a:p>
+          </p:txBody>
+        </p:sp>
+        <p:sp>
+          <p:nvSpPr>
+            <p:cNvPr id="242" name="Arrow: Up 241">
+              <a:extLst>
+                <a:ext uri="{FF2B5EF4-FFF2-40B4-BE49-F238E27FC236}">
+                  <a16:creationId xmlns:a16="http://schemas.microsoft.com/office/drawing/2014/main" id="{46C6722C-DDEE-4B00-A07A-CCB69539A44F}"/>
+                </a:ext>
+              </a:extLst>
+            </p:cNvPr>
+            <p:cNvSpPr/>
+            <p:nvPr/>
+          </p:nvSpPr>
+          <p:spPr>
+            <a:xfrm>
+              <a:off x="3895797" y="19275168"/>
+              <a:ext cx="175297" cy="242326"/>
+            </a:xfrm>
+            <a:prstGeom prst="upArrow">
+              <a:avLst/>
+            </a:prstGeom>
+            <a:solidFill>
+              <a:srgbClr val="4C73B2"/>
+            </a:solidFill>
+          </p:spPr>
+          <p:style>
+            <a:lnRef idx="2">
+              <a:schemeClr val="accent1">
+                <a:shade val="50000"/>
+              </a:schemeClr>
+            </a:lnRef>
+            <a:fillRef idx="1">
+              <a:schemeClr val="accent1"/>
+            </a:fillRef>
+            <a:effectRef idx="0">
+              <a:schemeClr val="accent1"/>
+            </a:effectRef>
+            <a:fontRef idx="minor">
+              <a:schemeClr val="lt1"/>
+            </a:fontRef>
+          </p:style>
+          <p:txBody>
+            <a:bodyPr rtlCol="0" anchor="ctr"/>
+            <a:lstStyle/>
+            <a:p>
+              <a:pPr algn="ctr"/>
+              <a:endParaRPr lang="en-US" sz="1700">
+                <a:latin typeface="Georgia" panose="02040502050405020303" pitchFamily="18" charset="0"/>
+              </a:endParaRPr>
+            </a:p>
+          </p:txBody>
+        </p:sp>
+        <p:sp>
+          <p:nvSpPr>
+            <p:cNvPr id="243" name="Rectangle: Rounded Corners 242">
+              <a:extLst>
+                <a:ext uri="{FF2B5EF4-FFF2-40B4-BE49-F238E27FC236}">
+                  <a16:creationId xmlns:a16="http://schemas.microsoft.com/office/drawing/2014/main" id="{92C9FD06-9037-441D-B57A-9A29B8547135}"/>
+                </a:ext>
+              </a:extLst>
+            </p:cNvPr>
+            <p:cNvSpPr/>
+            <p:nvPr/>
+          </p:nvSpPr>
+          <p:spPr>
+            <a:xfrm>
+              <a:off x="2466462" y="14321270"/>
+              <a:ext cx="1884755" cy="944710"/>
+            </a:xfrm>
+            <a:prstGeom prst="roundRect">
+              <a:avLst/>
+            </a:prstGeom>
+            <a:solidFill>
+              <a:srgbClr val="D3DEF1"/>
+            </a:solidFill>
+            <a:ln>
+              <a:solidFill>
+                <a:srgbClr val="B7C8E7"/>
+              </a:solidFill>
+            </a:ln>
+          </p:spPr>
+          <p:style>
+            <a:lnRef idx="2">
+              <a:schemeClr val="accent1">
+                <a:shade val="50000"/>
+              </a:schemeClr>
+            </a:lnRef>
+            <a:fillRef idx="1">
+              <a:schemeClr val="accent1"/>
+            </a:fillRef>
+            <a:effectRef idx="0">
+              <a:schemeClr val="accent1"/>
+            </a:effectRef>
+            <a:fontRef idx="minor">
+              <a:schemeClr val="lt1"/>
+            </a:fontRef>
+          </p:style>
+          <p:txBody>
+            <a:bodyPr rtlCol="0" anchor="ctr"/>
+            <a:lstStyle/>
+            <a:p>
+              <a:pPr algn="ctr"/>
+              <a:r>
+                <a:rPr lang="en-US" sz="1700" dirty="0" err="1">
+                  <a:solidFill>
+                    <a:schemeClr val="tx1"/>
+                  </a:solidFill>
+                  <a:latin typeface="Georgia" panose="02040502050405020303" pitchFamily="18" charset="0"/>
+                </a:rPr>
+                <a:t>Concat</a:t>
+              </a:r>
+              <a:r>
+                <a:rPr lang="en-US" sz="1700" dirty="0">
+                  <a:solidFill>
+                    <a:schemeClr val="tx1"/>
+                  </a:solidFill>
+                  <a:latin typeface="Georgia" panose="02040502050405020303" pitchFamily="18" charset="0"/>
+                </a:rPr>
+                <a:t> +</a:t>
+              </a:r>
+            </a:p>
+            <a:p>
+              <a:pPr algn="ctr"/>
+              <a:r>
+                <a:rPr lang="en-US" sz="1700" dirty="0">
+                  <a:solidFill>
+                    <a:schemeClr val="tx1"/>
+                  </a:solidFill>
+                  <a:latin typeface="Georgia" panose="02040502050405020303" pitchFamily="18" charset="0"/>
+                </a:rPr>
+                <a:t>Dense + </a:t>
+              </a:r>
+            </a:p>
+            <a:p>
+              <a:pPr algn="ctr"/>
+              <a:r>
+                <a:rPr lang="en-US" sz="1700" dirty="0" err="1">
+                  <a:solidFill>
+                    <a:schemeClr val="tx1"/>
+                  </a:solidFill>
+                  <a:latin typeface="Georgia" panose="02040502050405020303" pitchFamily="18" charset="0"/>
+                </a:rPr>
+                <a:t>Softmax</a:t>
+              </a:r>
+              <a:r>
+                <a:rPr lang="en-US" sz="1700" dirty="0">
+                  <a:solidFill>
+                    <a:schemeClr val="tx1"/>
+                  </a:solidFill>
+                  <a:latin typeface="Georgia" panose="02040502050405020303" pitchFamily="18" charset="0"/>
+                </a:rPr>
+                <a:t> Output</a:t>
+              </a:r>
+            </a:p>
+          </p:txBody>
+        </p:sp>
+        <p:sp>
+          <p:nvSpPr>
+            <p:cNvPr id="244" name="Arrow: Bent 243">
+              <a:extLst>
+                <a:ext uri="{FF2B5EF4-FFF2-40B4-BE49-F238E27FC236}">
+                  <a16:creationId xmlns:a16="http://schemas.microsoft.com/office/drawing/2014/main" id="{82AD557E-55DF-43C3-BC79-5B0A98AC8BFB}"/>
+                </a:ext>
+              </a:extLst>
+            </p:cNvPr>
+            <p:cNvSpPr/>
+            <p:nvPr/>
+          </p:nvSpPr>
+          <p:spPr>
+            <a:xfrm rot="5400000" flipH="1">
+              <a:off x="2569958" y="16313280"/>
+              <a:ext cx="2651677" cy="785256"/>
+            </a:xfrm>
+            <a:prstGeom prst="bentArrow">
+              <a:avLst>
+                <a:gd name="adj1" fmla="val 16172"/>
+                <a:gd name="adj2" fmla="val 14169"/>
+                <a:gd name="adj3" fmla="val 19000"/>
+                <a:gd name="adj4" fmla="val 39290"/>
+              </a:avLst>
+            </a:prstGeom>
+            <a:solidFill>
+              <a:srgbClr val="94AEDC"/>
+            </a:solidFill>
+          </p:spPr>
+          <p:style>
+            <a:lnRef idx="2">
+              <a:schemeClr val="accent1">
+                <a:shade val="50000"/>
+              </a:schemeClr>
+            </a:lnRef>
+            <a:fillRef idx="1">
+              <a:schemeClr val="accent1"/>
+            </a:fillRef>
+            <a:effectRef idx="0">
+              <a:schemeClr val="accent1"/>
+            </a:effectRef>
+            <a:fontRef idx="minor">
+              <a:schemeClr val="lt1"/>
+            </a:fontRef>
+          </p:style>
+          <p:txBody>
+            <a:bodyPr rtlCol="0" anchor="ctr"/>
+            <a:lstStyle/>
+            <a:p>
+              <a:pPr algn="ctr"/>
+              <a:endParaRPr lang="en-US" sz="1700">
+                <a:solidFill>
+                  <a:schemeClr val="tx1"/>
+                </a:solidFill>
+                <a:latin typeface="Georgia" panose="02040502050405020303" pitchFamily="18" charset="0"/>
+              </a:endParaRPr>
+            </a:p>
+          </p:txBody>
+        </p:sp>
+        <p:sp>
+          <p:nvSpPr>
+            <p:cNvPr id="245" name="Arrow: Bent 244">
+              <a:extLst>
+                <a:ext uri="{FF2B5EF4-FFF2-40B4-BE49-F238E27FC236}">
+                  <a16:creationId xmlns:a16="http://schemas.microsoft.com/office/drawing/2014/main" id="{197E2160-AE26-4F72-AD11-024D4097713B}"/>
+                </a:ext>
+              </a:extLst>
+            </p:cNvPr>
+            <p:cNvSpPr/>
+            <p:nvPr/>
+          </p:nvSpPr>
+          <p:spPr>
+            <a:xfrm rot="5400000" flipH="1">
+              <a:off x="3369752" y="15525278"/>
+              <a:ext cx="752891" cy="462477"/>
+            </a:xfrm>
+            <a:prstGeom prst="bentArrow">
+              <a:avLst>
+                <a:gd name="adj1" fmla="val 28667"/>
+                <a:gd name="adj2" fmla="val 24362"/>
+                <a:gd name="adj3" fmla="val 30910"/>
+                <a:gd name="adj4" fmla="val 40372"/>
+              </a:avLst>
+            </a:prstGeom>
+            <a:solidFill>
+              <a:srgbClr val="94AEDC"/>
+            </a:solidFill>
+          </p:spPr>
+          <p:style>
+            <a:lnRef idx="2">
+              <a:schemeClr val="accent1">
+                <a:shade val="50000"/>
+              </a:schemeClr>
+            </a:lnRef>
+            <a:fillRef idx="1">
+              <a:schemeClr val="accent1"/>
+            </a:fillRef>
+            <a:effectRef idx="0">
+              <a:schemeClr val="accent1"/>
+            </a:effectRef>
+            <a:fontRef idx="minor">
+              <a:schemeClr val="lt1"/>
+            </a:fontRef>
+          </p:style>
+          <p:txBody>
+            <a:bodyPr rtlCol="0" anchor="ctr"/>
+            <a:lstStyle/>
+            <a:p>
+              <a:pPr algn="ctr"/>
+              <a:endParaRPr lang="en-US" sz="1700">
+                <a:solidFill>
+                  <a:schemeClr val="tx1"/>
+                </a:solidFill>
+                <a:latin typeface="Georgia" panose="02040502050405020303" pitchFamily="18" charset="0"/>
+              </a:endParaRPr>
+            </a:p>
+          </p:txBody>
+        </p:sp>
+        <p:sp>
+          <p:nvSpPr>
+            <p:cNvPr id="246" name="Rectangle: Rounded Corners 245">
+              <a:extLst>
+                <a:ext uri="{FF2B5EF4-FFF2-40B4-BE49-F238E27FC236}">
+                  <a16:creationId xmlns:a16="http://schemas.microsoft.com/office/drawing/2014/main" id="{22F5FEF6-6F71-4985-B908-FD784D34DB6C}"/>
+                </a:ext>
+              </a:extLst>
+            </p:cNvPr>
+            <p:cNvSpPr/>
+            <p:nvPr/>
+          </p:nvSpPr>
+          <p:spPr>
+            <a:xfrm>
+              <a:off x="5421255" y="18105875"/>
+              <a:ext cx="2882324" cy="317287"/>
+            </a:xfrm>
+            <a:prstGeom prst="roundRect">
+              <a:avLst/>
+            </a:prstGeom>
+            <a:solidFill>
+              <a:srgbClr val="DD9D4F"/>
+            </a:solidFill>
+          </p:spPr>
+          <p:style>
+            <a:lnRef idx="2">
+              <a:schemeClr val="accent1">
+                <a:shade val="50000"/>
+              </a:schemeClr>
+            </a:lnRef>
+            <a:fillRef idx="1">
+              <a:schemeClr val="accent1"/>
+            </a:fillRef>
+            <a:effectRef idx="0">
+              <a:schemeClr val="accent1"/>
+            </a:effectRef>
+            <a:fontRef idx="minor">
+              <a:schemeClr val="lt1"/>
+            </a:fontRef>
+          </p:style>
+          <p:txBody>
+            <a:bodyPr rtlCol="0" anchor="ctr"/>
+            <a:lstStyle/>
+            <a:p>
+              <a:pPr algn="ctr"/>
+              <a:r>
+                <a:rPr lang="en-US" sz="1700" dirty="0">
+                  <a:latin typeface="Georgia" panose="02040502050405020303" pitchFamily="18" charset="0"/>
+                </a:rPr>
+                <a:t>Layer Norm</a:t>
+              </a:r>
+            </a:p>
+          </p:txBody>
+        </p:sp>
+        <p:sp>
+          <p:nvSpPr>
+            <p:cNvPr id="247" name="Rectangle: Rounded Corners 246">
+              <a:extLst>
+                <a:ext uri="{FF2B5EF4-FFF2-40B4-BE49-F238E27FC236}">
+                  <a16:creationId xmlns:a16="http://schemas.microsoft.com/office/drawing/2014/main" id="{308F32CE-AFF7-40CE-80C4-83EEE343E780}"/>
+                </a:ext>
+              </a:extLst>
+            </p:cNvPr>
+            <p:cNvSpPr/>
+            <p:nvPr/>
+          </p:nvSpPr>
+          <p:spPr>
+            <a:xfrm>
+              <a:off x="5421255" y="17510102"/>
+              <a:ext cx="2882324" cy="317287"/>
+            </a:xfrm>
+            <a:prstGeom prst="roundRect">
+              <a:avLst/>
+            </a:prstGeom>
+            <a:solidFill>
+              <a:srgbClr val="754E33"/>
+            </a:solidFill>
+          </p:spPr>
+          <p:style>
+            <a:lnRef idx="2">
+              <a:schemeClr val="accent1">
+                <a:shade val="50000"/>
+              </a:schemeClr>
+            </a:lnRef>
+            <a:fillRef idx="1">
+              <a:schemeClr val="accent1"/>
+            </a:fillRef>
+            <a:effectRef idx="0">
+              <a:schemeClr val="accent1"/>
+            </a:effectRef>
+            <a:fontRef idx="minor">
+              <a:schemeClr val="lt1"/>
+            </a:fontRef>
+          </p:style>
+          <p:txBody>
+            <a:bodyPr rtlCol="0" anchor="ctr"/>
+            <a:lstStyle/>
+            <a:p>
+              <a:pPr algn="ctr"/>
+              <a:r>
+                <a:rPr lang="en-US" sz="1700" dirty="0">
+                  <a:latin typeface="Georgia" panose="02040502050405020303" pitchFamily="18" charset="0"/>
+                </a:rPr>
+                <a:t>Conv</a:t>
+              </a:r>
+            </a:p>
+          </p:txBody>
+        </p:sp>
+        <p:sp>
+          <p:nvSpPr>
+            <p:cNvPr id="248" name="Rectangle: Rounded Corners 247">
+              <a:extLst>
+                <a:ext uri="{FF2B5EF4-FFF2-40B4-BE49-F238E27FC236}">
+                  <a16:creationId xmlns:a16="http://schemas.microsoft.com/office/drawing/2014/main" id="{C6B74637-7275-46B9-9D6D-354A35F912D4}"/>
+                </a:ext>
+              </a:extLst>
+            </p:cNvPr>
+            <p:cNvSpPr/>
+            <p:nvPr/>
+          </p:nvSpPr>
+          <p:spPr>
+            <a:xfrm>
+              <a:off x="5398770" y="16229977"/>
+              <a:ext cx="2882324" cy="317287"/>
+            </a:xfrm>
+            <a:prstGeom prst="roundRect">
+              <a:avLst/>
+            </a:prstGeom>
+            <a:solidFill>
+              <a:srgbClr val="DD9D4F"/>
+            </a:solidFill>
+          </p:spPr>
+          <p:style>
+            <a:lnRef idx="2">
+              <a:schemeClr val="accent1">
+                <a:shade val="50000"/>
+              </a:schemeClr>
+            </a:lnRef>
+            <a:fillRef idx="1">
+              <a:schemeClr val="accent1"/>
+            </a:fillRef>
+            <a:effectRef idx="0">
+              <a:schemeClr val="accent1"/>
+            </a:effectRef>
+            <a:fontRef idx="minor">
+              <a:schemeClr val="lt1"/>
+            </a:fontRef>
+          </p:style>
+          <p:txBody>
+            <a:bodyPr rtlCol="0" anchor="ctr"/>
+            <a:lstStyle/>
+            <a:p>
+              <a:pPr algn="ctr"/>
+              <a:r>
+                <a:rPr lang="en-US" sz="1700" dirty="0">
+                  <a:latin typeface="Georgia" panose="02040502050405020303" pitchFamily="18" charset="0"/>
+                </a:rPr>
+                <a:t>Layer Norm</a:t>
+              </a:r>
+            </a:p>
+          </p:txBody>
+        </p:sp>
+        <p:sp>
+          <p:nvSpPr>
+            <p:cNvPr id="249" name="Rectangle: Rounded Corners 248">
+              <a:extLst>
+                <a:ext uri="{FF2B5EF4-FFF2-40B4-BE49-F238E27FC236}">
+                  <a16:creationId xmlns:a16="http://schemas.microsoft.com/office/drawing/2014/main" id="{89F6B8C4-69A8-4A3D-9199-32D2A4E23E97}"/>
+                </a:ext>
+              </a:extLst>
+            </p:cNvPr>
+            <p:cNvSpPr/>
+            <p:nvPr/>
+          </p:nvSpPr>
+          <p:spPr>
+            <a:xfrm>
+              <a:off x="5398770" y="15575279"/>
+              <a:ext cx="2882324" cy="317287"/>
+            </a:xfrm>
+            <a:prstGeom prst="roundRect">
+              <a:avLst/>
+            </a:prstGeom>
+            <a:solidFill>
+              <a:srgbClr val="A06A46"/>
+            </a:solidFill>
+          </p:spPr>
+          <p:style>
+            <a:lnRef idx="2">
+              <a:schemeClr val="accent1">
+                <a:shade val="50000"/>
+              </a:schemeClr>
+            </a:lnRef>
+            <a:fillRef idx="1">
+              <a:schemeClr val="accent1"/>
+            </a:fillRef>
+            <a:effectRef idx="0">
+              <a:schemeClr val="accent1"/>
+            </a:effectRef>
+            <a:fontRef idx="minor">
+              <a:schemeClr val="lt1"/>
+            </a:fontRef>
+          </p:style>
+          <p:txBody>
+            <a:bodyPr rtlCol="0" anchor="ctr"/>
+            <a:lstStyle/>
+            <a:p>
+              <a:pPr algn="ctr"/>
+              <a:r>
+                <a:rPr lang="en-US" sz="1700" dirty="0">
+                  <a:solidFill>
+                    <a:schemeClr val="bg1"/>
+                  </a:solidFill>
+                  <a:latin typeface="Georgia" panose="02040502050405020303" pitchFamily="18" charset="0"/>
+                </a:rPr>
+                <a:t>Self-attention</a:t>
+              </a:r>
+            </a:p>
+          </p:txBody>
+        </p:sp>
+        <p:sp>
+          <p:nvSpPr>
+            <p:cNvPr id="250" name="Rectangle: Rounded Corners 249">
+              <a:extLst>
+                <a:ext uri="{FF2B5EF4-FFF2-40B4-BE49-F238E27FC236}">
+                  <a16:creationId xmlns:a16="http://schemas.microsoft.com/office/drawing/2014/main" id="{8912E40C-7C8D-4881-95E0-755F9AFB7744}"/>
+                </a:ext>
+              </a:extLst>
+            </p:cNvPr>
+            <p:cNvSpPr/>
+            <p:nvPr/>
+          </p:nvSpPr>
+          <p:spPr>
+            <a:xfrm>
+              <a:off x="5391674" y="14710054"/>
+              <a:ext cx="2882324" cy="317287"/>
+            </a:xfrm>
+            <a:prstGeom prst="roundRect">
+              <a:avLst/>
+            </a:prstGeom>
+            <a:solidFill>
+              <a:srgbClr val="DD9D4F"/>
+            </a:solidFill>
+          </p:spPr>
+          <p:style>
+            <a:lnRef idx="2">
+              <a:schemeClr val="accent1">
+                <a:shade val="50000"/>
+              </a:schemeClr>
+            </a:lnRef>
+            <a:fillRef idx="1">
+              <a:schemeClr val="accent1"/>
+            </a:fillRef>
+            <a:effectRef idx="0">
+              <a:schemeClr val="accent1"/>
+            </a:effectRef>
+            <a:fontRef idx="minor">
+              <a:schemeClr val="lt1"/>
+            </a:fontRef>
+          </p:style>
+          <p:txBody>
+            <a:bodyPr rtlCol="0" anchor="ctr"/>
+            <a:lstStyle/>
+            <a:p>
+              <a:pPr algn="ctr"/>
+              <a:r>
+                <a:rPr lang="en-US" sz="1700" dirty="0" err="1">
+                  <a:latin typeface="Georgia" panose="02040502050405020303" pitchFamily="18" charset="0"/>
+                </a:rPr>
+                <a:t>Layernorm</a:t>
+              </a:r>
+              <a:endParaRPr lang="en-US" sz="1700" dirty="0">
+                <a:latin typeface="Georgia" panose="02040502050405020303" pitchFamily="18" charset="0"/>
+              </a:endParaRPr>
+            </a:p>
+          </p:txBody>
+        </p:sp>
+        <p:sp>
+          <p:nvSpPr>
+            <p:cNvPr id="251" name="Rectangle: Rounded Corners 250">
+              <a:extLst>
+                <a:ext uri="{FF2B5EF4-FFF2-40B4-BE49-F238E27FC236}">
+                  <a16:creationId xmlns:a16="http://schemas.microsoft.com/office/drawing/2014/main" id="{BA06ECCE-4DC0-4947-88A6-0DD7707EFA57}"/>
+                </a:ext>
+              </a:extLst>
+            </p:cNvPr>
+            <p:cNvSpPr/>
+            <p:nvPr/>
+          </p:nvSpPr>
+          <p:spPr>
+            <a:xfrm>
+              <a:off x="5391674" y="14041665"/>
+              <a:ext cx="2882324" cy="317287"/>
+            </a:xfrm>
+            <a:prstGeom prst="roundRect">
+              <a:avLst/>
+            </a:prstGeom>
+            <a:solidFill>
+              <a:srgbClr val="BC8A68"/>
+            </a:solidFill>
+          </p:spPr>
+          <p:style>
+            <a:lnRef idx="2">
+              <a:schemeClr val="accent1">
+                <a:shade val="50000"/>
+              </a:schemeClr>
+            </a:lnRef>
+            <a:fillRef idx="1">
+              <a:schemeClr val="accent1"/>
+            </a:fillRef>
+            <a:effectRef idx="0">
+              <a:schemeClr val="accent1"/>
+            </a:effectRef>
+            <a:fontRef idx="minor">
+              <a:schemeClr val="lt1"/>
+            </a:fontRef>
+          </p:style>
+          <p:txBody>
+            <a:bodyPr rtlCol="0" anchor="ctr"/>
+            <a:lstStyle/>
+            <a:p>
+              <a:pPr algn="ctr"/>
+              <a:r>
+                <a:rPr lang="en-US" sz="1700" dirty="0">
+                  <a:solidFill>
+                    <a:schemeClr val="bg1"/>
+                  </a:solidFill>
+                  <a:latin typeface="Georgia" panose="02040502050405020303" pitchFamily="18" charset="0"/>
+                </a:rPr>
+                <a:t>Feedforward Layer</a:t>
+              </a:r>
+            </a:p>
+          </p:txBody>
+        </p:sp>
+        <p:sp>
+          <p:nvSpPr>
+            <p:cNvPr id="252" name="Rectangle 251">
+              <a:extLst>
+                <a:ext uri="{FF2B5EF4-FFF2-40B4-BE49-F238E27FC236}">
+                  <a16:creationId xmlns:a16="http://schemas.microsoft.com/office/drawing/2014/main" id="{B25DD2E3-C8C2-4532-91AF-433D0B67337C}"/>
+                </a:ext>
+              </a:extLst>
+            </p:cNvPr>
+            <p:cNvSpPr/>
+            <p:nvPr/>
+          </p:nvSpPr>
+          <p:spPr>
+            <a:xfrm>
+              <a:off x="5168947" y="17082093"/>
+              <a:ext cx="3340344" cy="1645071"/>
+            </a:xfrm>
+            <a:prstGeom prst="rect">
+              <a:avLst/>
+            </a:prstGeom>
+            <a:noFill/>
+            <a:ln w="25400">
+              <a:solidFill>
+                <a:schemeClr val="tx1"/>
+              </a:solidFill>
+            </a:ln>
+          </p:spPr>
+          <p:style>
+            <a:lnRef idx="2">
+              <a:schemeClr val="accent1">
+                <a:shade val="50000"/>
+              </a:schemeClr>
+            </a:lnRef>
+            <a:fillRef idx="1">
+              <a:schemeClr val="accent1"/>
+            </a:fillRef>
+            <a:effectRef idx="0">
+              <a:schemeClr val="accent1"/>
+            </a:effectRef>
+            <a:fontRef idx="minor">
+              <a:schemeClr val="lt1"/>
+            </a:fontRef>
+          </p:style>
+          <p:txBody>
+            <a:bodyPr rtlCol="0" anchor="ctr"/>
+            <a:lstStyle/>
+            <a:p>
+              <a:pPr algn="ctr"/>
+              <a:endParaRPr lang="en-US"/>
+            </a:p>
+          </p:txBody>
+        </p:sp>
+        <p:sp>
+          <p:nvSpPr>
+            <p:cNvPr id="253" name="TextBox 252">
+              <a:extLst>
+                <a:ext uri="{FF2B5EF4-FFF2-40B4-BE49-F238E27FC236}">
+                  <a16:creationId xmlns:a16="http://schemas.microsoft.com/office/drawing/2014/main" id="{DFE89B5B-38EF-4EB3-B113-CF3FFAA8215C}"/>
+                </a:ext>
+              </a:extLst>
+            </p:cNvPr>
+            <p:cNvSpPr txBox="1"/>
+            <p:nvPr/>
+          </p:nvSpPr>
+          <p:spPr>
+            <a:xfrm flipH="1">
+              <a:off x="7181082" y="17077727"/>
+              <a:ext cx="1732144" cy="307777"/>
+            </a:xfrm>
+            <a:prstGeom prst="rect">
+              <a:avLst/>
+            </a:prstGeom>
+            <a:noFill/>
+            <a:ln w="12700">
+              <a:noFill/>
+            </a:ln>
+          </p:spPr>
+          <p:txBody>
+            <a:bodyPr wrap="square" rtlCol="0">
+              <a:spAutoFit/>
+            </a:bodyPr>
+            <a:lstStyle/>
+            <a:p>
+              <a:r>
+                <a:rPr lang="en-US" sz="1400" dirty="0">
+                  <a:latin typeface="Georgia" panose="02040502050405020303" pitchFamily="18" charset="0"/>
+                </a:rPr>
+                <a:t>Repeat 7 times</a:t>
+              </a:r>
+            </a:p>
+          </p:txBody>
+        </p:sp>
+        <p:cxnSp>
+          <p:nvCxnSpPr>
+            <p:cNvPr id="254" name="Straight Arrow Connector 253">
+              <a:extLst>
+                <a:ext uri="{FF2B5EF4-FFF2-40B4-BE49-F238E27FC236}">
+                  <a16:creationId xmlns:a16="http://schemas.microsoft.com/office/drawing/2014/main" id="{900FE628-0680-4043-856E-0FE35103A7AC}"/>
+                </a:ext>
+              </a:extLst>
+            </p:cNvPr>
+            <p:cNvCxnSpPr>
+              <a:cxnSpLocks/>
+              <a:endCxn id="246" idx="2"/>
+            </p:cNvCxnSpPr>
+            <p:nvPr/>
+          </p:nvCxnSpPr>
+          <p:spPr>
+            <a:xfrm flipV="1">
+              <a:off x="6859098" y="18423162"/>
+              <a:ext cx="3319" cy="503039"/>
+            </a:xfrm>
+            <a:prstGeom prst="straightConnector1">
+              <a:avLst/>
+            </a:prstGeom>
+            <a:ln w="12700">
+              <a:solidFill>
+                <a:schemeClr val="tx1"/>
+              </a:solidFill>
+              <a:tailEnd type="triangle"/>
+            </a:ln>
+          </p:spPr>
+          <p:style>
+            <a:lnRef idx="1">
+              <a:schemeClr val="accent1"/>
+            </a:lnRef>
+            <a:fillRef idx="0">
+              <a:schemeClr val="accent1"/>
+            </a:fillRef>
+            <a:effectRef idx="0">
+              <a:schemeClr val="accent1"/>
+            </a:effectRef>
+            <a:fontRef idx="minor">
+              <a:schemeClr val="tx1"/>
+            </a:fontRef>
+          </p:style>
+        </p:cxnSp>
+        <p:cxnSp>
+          <p:nvCxnSpPr>
+            <p:cNvPr id="255" name="Straight Arrow Connector 254">
+              <a:extLst>
+                <a:ext uri="{FF2B5EF4-FFF2-40B4-BE49-F238E27FC236}">
+                  <a16:creationId xmlns:a16="http://schemas.microsoft.com/office/drawing/2014/main" id="{52F1BFDA-8562-4671-81E5-08CB6B086839}"/>
+                </a:ext>
+              </a:extLst>
+            </p:cNvPr>
+            <p:cNvCxnSpPr>
+              <a:cxnSpLocks/>
+              <a:stCxn id="246" idx="0"/>
+              <a:endCxn id="247" idx="2"/>
+            </p:cNvCxnSpPr>
+            <p:nvPr/>
+          </p:nvCxnSpPr>
+          <p:spPr>
+            <a:xfrm flipV="1">
+              <a:off x="6862417" y="17827389"/>
+              <a:ext cx="0" cy="278486"/>
+            </a:xfrm>
+            <a:prstGeom prst="straightConnector1">
+              <a:avLst/>
+            </a:prstGeom>
+            <a:ln w="12700">
+              <a:solidFill>
+                <a:schemeClr val="tx1"/>
+              </a:solidFill>
+              <a:tailEnd type="triangle"/>
+            </a:ln>
+          </p:spPr>
+          <p:style>
+            <a:lnRef idx="1">
+              <a:schemeClr val="accent1"/>
+            </a:lnRef>
+            <a:fillRef idx="0">
+              <a:schemeClr val="accent1"/>
+            </a:fillRef>
+            <a:effectRef idx="0">
+              <a:schemeClr val="accent1"/>
+            </a:effectRef>
+            <a:fontRef idx="minor">
+              <a:schemeClr val="tx1"/>
+            </a:fontRef>
+          </p:style>
+        </p:cxnSp>
+        <p:cxnSp>
+          <p:nvCxnSpPr>
+            <p:cNvPr id="256" name="Straight Arrow Connector 255">
+              <a:extLst>
+                <a:ext uri="{FF2B5EF4-FFF2-40B4-BE49-F238E27FC236}">
+                  <a16:creationId xmlns:a16="http://schemas.microsoft.com/office/drawing/2014/main" id="{0C8F7BD9-6D18-4011-BB6A-47D644977FEC}"/>
+                </a:ext>
+              </a:extLst>
+            </p:cNvPr>
+            <p:cNvCxnSpPr>
+              <a:endCxn id="248" idx="2"/>
+            </p:cNvCxnSpPr>
+            <p:nvPr/>
+          </p:nvCxnSpPr>
+          <p:spPr>
+            <a:xfrm flipH="1" flipV="1">
+              <a:off x="6839932" y="16547264"/>
+              <a:ext cx="16265" cy="1121481"/>
+            </a:xfrm>
+            <a:prstGeom prst="straightConnector1">
+              <a:avLst/>
+            </a:prstGeom>
+            <a:ln w="12700">
+              <a:solidFill>
+                <a:schemeClr val="tx1"/>
+              </a:solidFill>
+              <a:tailEnd type="triangle"/>
+            </a:ln>
+          </p:spPr>
+          <p:style>
+            <a:lnRef idx="1">
+              <a:schemeClr val="accent1"/>
+            </a:lnRef>
+            <a:fillRef idx="0">
+              <a:schemeClr val="accent1"/>
+            </a:fillRef>
+            <a:effectRef idx="0">
+              <a:schemeClr val="accent1"/>
+            </a:effectRef>
+            <a:fontRef idx="minor">
+              <a:schemeClr val="tx1"/>
+            </a:fontRef>
+          </p:style>
+        </p:cxnSp>
+        <p:cxnSp>
+          <p:nvCxnSpPr>
+            <p:cNvPr id="257" name="Straight Arrow Connector 256">
+              <a:extLst>
+                <a:ext uri="{FF2B5EF4-FFF2-40B4-BE49-F238E27FC236}">
+                  <a16:creationId xmlns:a16="http://schemas.microsoft.com/office/drawing/2014/main" id="{4DF4E1FC-3429-48B5-B3E6-F612BC7200E5}"/>
+                </a:ext>
+              </a:extLst>
+            </p:cNvPr>
+            <p:cNvCxnSpPr>
+              <a:stCxn id="248" idx="0"/>
+              <a:endCxn id="249" idx="2"/>
+            </p:cNvCxnSpPr>
+            <p:nvPr/>
+          </p:nvCxnSpPr>
+          <p:spPr>
+            <a:xfrm flipV="1">
+              <a:off x="6839932" y="15892566"/>
+              <a:ext cx="0" cy="337411"/>
+            </a:xfrm>
+            <a:prstGeom prst="straightConnector1">
+              <a:avLst/>
+            </a:prstGeom>
+            <a:ln w="12700">
+              <a:solidFill>
+                <a:schemeClr val="tx1"/>
+              </a:solidFill>
+              <a:tailEnd type="triangle"/>
+            </a:ln>
+          </p:spPr>
+          <p:style>
+            <a:lnRef idx="1">
+              <a:schemeClr val="accent1"/>
+            </a:lnRef>
+            <a:fillRef idx="0">
+              <a:schemeClr val="accent1"/>
+            </a:fillRef>
+            <a:effectRef idx="0">
+              <a:schemeClr val="accent1"/>
+            </a:effectRef>
+            <a:fontRef idx="minor">
+              <a:schemeClr val="tx1"/>
+            </a:fontRef>
+          </p:style>
+        </p:cxnSp>
+        <p:cxnSp>
+          <p:nvCxnSpPr>
+            <p:cNvPr id="258" name="Straight Arrow Connector 257">
+              <a:extLst>
+                <a:ext uri="{FF2B5EF4-FFF2-40B4-BE49-F238E27FC236}">
+                  <a16:creationId xmlns:a16="http://schemas.microsoft.com/office/drawing/2014/main" id="{5EECEABD-3A0A-4726-8551-DD111E8327A7}"/>
+                </a:ext>
+              </a:extLst>
+            </p:cNvPr>
+            <p:cNvCxnSpPr>
+              <a:stCxn id="249" idx="0"/>
+              <a:endCxn id="250" idx="2"/>
+            </p:cNvCxnSpPr>
+            <p:nvPr/>
+          </p:nvCxnSpPr>
+          <p:spPr>
+            <a:xfrm flipH="1" flipV="1">
+              <a:off x="6832836" y="15027341"/>
+              <a:ext cx="7096" cy="547938"/>
+            </a:xfrm>
+            <a:prstGeom prst="straightConnector1">
+              <a:avLst/>
+            </a:prstGeom>
+            <a:ln w="12700">
+              <a:solidFill>
+                <a:schemeClr val="tx1"/>
+              </a:solidFill>
+              <a:tailEnd type="triangle"/>
+            </a:ln>
+          </p:spPr>
+          <p:style>
+            <a:lnRef idx="1">
+              <a:schemeClr val="accent1"/>
+            </a:lnRef>
+            <a:fillRef idx="0">
+              <a:schemeClr val="accent1"/>
+            </a:fillRef>
+            <a:effectRef idx="0">
+              <a:schemeClr val="accent1"/>
+            </a:effectRef>
+            <a:fontRef idx="minor">
+              <a:schemeClr val="tx1"/>
+            </a:fontRef>
+          </p:style>
+        </p:cxnSp>
+        <p:cxnSp>
+          <p:nvCxnSpPr>
+            <p:cNvPr id="259" name="Straight Arrow Connector 258">
+              <a:extLst>
+                <a:ext uri="{FF2B5EF4-FFF2-40B4-BE49-F238E27FC236}">
+                  <a16:creationId xmlns:a16="http://schemas.microsoft.com/office/drawing/2014/main" id="{D2FB9472-DD03-4186-9579-5F3BDDECEA47}"/>
+                </a:ext>
+              </a:extLst>
+            </p:cNvPr>
+            <p:cNvCxnSpPr>
+              <a:stCxn id="250" idx="0"/>
+              <a:endCxn id="251" idx="2"/>
+            </p:cNvCxnSpPr>
+            <p:nvPr/>
+          </p:nvCxnSpPr>
+          <p:spPr>
+            <a:xfrm flipV="1">
+              <a:off x="6832836" y="14358952"/>
+              <a:ext cx="0" cy="351102"/>
+            </a:xfrm>
+            <a:prstGeom prst="straightConnector1">
+              <a:avLst/>
+            </a:prstGeom>
+            <a:ln w="12700">
+              <a:solidFill>
+                <a:schemeClr val="tx1"/>
+              </a:solidFill>
+              <a:tailEnd type="triangle"/>
+            </a:ln>
+          </p:spPr>
+          <p:style>
+            <a:lnRef idx="1">
+              <a:schemeClr val="accent1"/>
+            </a:lnRef>
+            <a:fillRef idx="0">
+              <a:schemeClr val="accent1"/>
+            </a:fillRef>
+            <a:effectRef idx="0">
+              <a:schemeClr val="accent1"/>
+            </a:effectRef>
+            <a:fontRef idx="minor">
+              <a:schemeClr val="tx1"/>
+            </a:fontRef>
+          </p:style>
+        </p:cxnSp>
+        <p:cxnSp>
+          <p:nvCxnSpPr>
+            <p:cNvPr id="260" name="Straight Arrow Connector 259">
+              <a:extLst>
+                <a:ext uri="{FF2B5EF4-FFF2-40B4-BE49-F238E27FC236}">
+                  <a16:creationId xmlns:a16="http://schemas.microsoft.com/office/drawing/2014/main" id="{40AD49F5-E051-4681-AE78-739602361843}"/>
+                </a:ext>
+              </a:extLst>
+            </p:cNvPr>
+            <p:cNvCxnSpPr>
+              <a:cxnSpLocks/>
+              <a:stCxn id="251" idx="0"/>
+            </p:cNvCxnSpPr>
+            <p:nvPr/>
+          </p:nvCxnSpPr>
+          <p:spPr>
+            <a:xfrm flipV="1">
+              <a:off x="6832836" y="13530540"/>
+              <a:ext cx="0" cy="511125"/>
+            </a:xfrm>
+            <a:prstGeom prst="straightConnector1">
+              <a:avLst/>
+            </a:prstGeom>
+            <a:ln w="12700">
+              <a:solidFill>
+                <a:schemeClr val="tx1"/>
+              </a:solidFill>
+              <a:tailEnd type="triangle"/>
+            </a:ln>
+          </p:spPr>
+          <p:style>
+            <a:lnRef idx="1">
+              <a:schemeClr val="accent1"/>
+            </a:lnRef>
+            <a:fillRef idx="0">
+              <a:schemeClr val="accent1"/>
+            </a:fillRef>
+            <a:effectRef idx="0">
+              <a:schemeClr val="accent1"/>
+            </a:effectRef>
+            <a:fontRef idx="minor">
+              <a:schemeClr val="tx1"/>
+            </a:fontRef>
+          </p:style>
+        </p:cxnSp>
+        <p:grpSp>
+          <p:nvGrpSpPr>
+            <p:cNvPr id="261" name="Group 260">
+              <a:extLst>
+                <a:ext uri="{FF2B5EF4-FFF2-40B4-BE49-F238E27FC236}">
+                  <a16:creationId xmlns:a16="http://schemas.microsoft.com/office/drawing/2014/main" id="{00118C73-3DA5-47E9-99E7-D5A4338F47AF}"/>
+                </a:ext>
+              </a:extLst>
+            </p:cNvPr>
+            <p:cNvGrpSpPr/>
+            <p:nvPr/>
+          </p:nvGrpSpPr>
+          <p:grpSpPr>
+            <a:xfrm>
+              <a:off x="5372171" y="17209070"/>
+              <a:ext cx="1484026" cy="1399019"/>
+              <a:chOff x="18115613" y="10044847"/>
+              <a:chExt cx="1484026" cy="1399019"/>
+            </a:xfrm>
+          </p:grpSpPr>
+          <p:sp>
+            <p:nvSpPr>
+              <p:cNvPr id="262" name="Freeform: Shape 261">
+                <a:extLst>
+                  <a:ext uri="{FF2B5EF4-FFF2-40B4-BE49-F238E27FC236}">
+                    <a16:creationId xmlns:a16="http://schemas.microsoft.com/office/drawing/2014/main" id="{A6AFC422-2A85-4008-9457-726638920450}"/>
+                  </a:ext>
+                </a:extLst>
+              </p:cNvPr>
+              <p:cNvSpPr/>
+              <p:nvPr/>
+            </p:nvSpPr>
+            <p:spPr>
+              <a:xfrm>
+                <a:off x="18115613" y="10147217"/>
+                <a:ext cx="1484026" cy="1296649"/>
+              </a:xfrm>
+              <a:custGeom>
+                <a:avLst/>
+                <a:gdLst>
+                  <a:gd name="connsiteX0" fmla="*/ 1484026 w 1484026"/>
+                  <a:gd name="connsiteY0" fmla="*/ 1296649 h 1296649"/>
+                  <a:gd name="connsiteX1" fmla="*/ 0 w 1484026"/>
+                  <a:gd name="connsiteY1" fmla="*/ 1289154 h 1296649"/>
+                  <a:gd name="connsiteX2" fmla="*/ 0 w 1484026"/>
+                  <a:gd name="connsiteY2" fmla="*/ 7495 h 1296649"/>
+                  <a:gd name="connsiteX3" fmla="*/ 1454046 w 1484026"/>
+                  <a:gd name="connsiteY3" fmla="*/ 0 h 1296649"/>
+                  <a:gd name="connsiteX4" fmla="*/ 1454046 w 1484026"/>
+                  <a:gd name="connsiteY4" fmla="*/ 0 h 1296649"/>
+                </a:gdLst>
+                <a:ahLst/>
+                <a:cxnLst>
+                  <a:cxn ang="0">
+                    <a:pos x="connsiteX0" y="connsiteY0"/>
+                  </a:cxn>
+                  <a:cxn ang="0">
+                    <a:pos x="connsiteX1" y="connsiteY1"/>
+                  </a:cxn>
+                  <a:cxn ang="0">
+                    <a:pos x="connsiteX2" y="connsiteY2"/>
+                  </a:cxn>
+                  <a:cxn ang="0">
+                    <a:pos x="connsiteX3" y="connsiteY3"/>
+                  </a:cxn>
+                  <a:cxn ang="0">
+                    <a:pos x="connsiteX4" y="connsiteY4"/>
+                  </a:cxn>
+                </a:cxnLst>
+                <a:rect l="l" t="t" r="r" b="b"/>
+                <a:pathLst>
+                  <a:path w="1484026" h="1296649">
+                    <a:moveTo>
+                      <a:pt x="1484026" y="1296649"/>
+                    </a:moveTo>
+                    <a:lnTo>
+                      <a:pt x="0" y="1289154"/>
+                    </a:lnTo>
+                    <a:lnTo>
+                      <a:pt x="0" y="7495"/>
+                    </a:lnTo>
+                    <a:lnTo>
+                      <a:pt x="1454046" y="0"/>
+                    </a:lnTo>
+                    <a:lnTo>
+                      <a:pt x="1454046" y="0"/>
+                    </a:lnTo>
+                  </a:path>
+                </a:pathLst>
+              </a:custGeom>
+              <a:noFill/>
+            </p:spPr>
+            <p:style>
+              <a:lnRef idx="2">
+                <a:schemeClr val="accent1">
+                  <a:shade val="50000"/>
+                </a:schemeClr>
+              </a:lnRef>
+              <a:fillRef idx="1">
+                <a:schemeClr val="accent1"/>
+              </a:fillRef>
+              <a:effectRef idx="0">
+                <a:schemeClr val="accent1"/>
+              </a:effectRef>
+              <a:fontRef idx="minor">
+                <a:schemeClr val="lt1"/>
+              </a:fontRef>
+            </p:style>
+            <p:txBody>
+              <a:bodyPr rtlCol="0" anchor="ctr"/>
+              <a:lstStyle/>
+              <a:p>
+                <a:pPr algn="ctr"/>
+                <a:endParaRPr lang="en-US"/>
+              </a:p>
+            </p:txBody>
+          </p:sp>
+          <p:cxnSp>
+            <p:nvCxnSpPr>
+              <p:cNvPr id="263" name="Straight Connector 262">
+                <a:extLst>
+                  <a:ext uri="{FF2B5EF4-FFF2-40B4-BE49-F238E27FC236}">
+                    <a16:creationId xmlns:a16="http://schemas.microsoft.com/office/drawing/2014/main" id="{7B9F0BA3-DED1-4F29-BD00-4729E60CBE1F}"/>
+                  </a:ext>
+                </a:extLst>
+              </p:cNvPr>
+              <p:cNvCxnSpPr/>
+              <p:nvPr/>
+            </p:nvCxnSpPr>
+            <p:spPr>
+              <a:xfrm flipH="1" flipV="1">
+                <a:off x="19487213" y="10044847"/>
+                <a:ext cx="104293" cy="90366"/>
+              </a:xfrm>
+              <a:prstGeom prst="line">
+                <a:avLst/>
+              </a:prstGeom>
+              <a:ln w="12700">
+                <a:solidFill>
+                  <a:schemeClr val="tx1"/>
+                </a:solidFill>
+              </a:ln>
+            </p:spPr>
+            <p:style>
+              <a:lnRef idx="1">
+                <a:schemeClr val="accent1"/>
+              </a:lnRef>
+              <a:fillRef idx="0">
+                <a:schemeClr val="accent1"/>
+              </a:fillRef>
+              <a:effectRef idx="0">
+                <a:schemeClr val="accent1"/>
+              </a:effectRef>
+              <a:fontRef idx="minor">
+                <a:schemeClr val="tx1"/>
+              </a:fontRef>
+            </p:style>
+          </p:cxnSp>
+          <p:cxnSp>
+            <p:nvCxnSpPr>
+              <p:cNvPr id="264" name="Straight Connector 263">
+                <a:extLst>
+                  <a:ext uri="{FF2B5EF4-FFF2-40B4-BE49-F238E27FC236}">
+                    <a16:creationId xmlns:a16="http://schemas.microsoft.com/office/drawing/2014/main" id="{F523F7C2-C6BF-4465-AD39-29DCA490F7A0}"/>
+                  </a:ext>
+                </a:extLst>
+              </p:cNvPr>
+              <p:cNvCxnSpPr>
+                <a:cxnSpLocks/>
+              </p:cNvCxnSpPr>
+              <p:nvPr/>
+            </p:nvCxnSpPr>
+            <p:spPr>
+              <a:xfrm flipH="1">
+                <a:off x="19485519" y="10135213"/>
+                <a:ext cx="114120" cy="120068"/>
+              </a:xfrm>
+              <a:prstGeom prst="line">
+                <a:avLst/>
+              </a:prstGeom>
+              <a:ln w="12700">
+                <a:solidFill>
+                  <a:schemeClr val="tx1"/>
+                </a:solidFill>
+              </a:ln>
+            </p:spPr>
+            <p:style>
+              <a:lnRef idx="1">
+                <a:schemeClr val="accent1"/>
+              </a:lnRef>
+              <a:fillRef idx="0">
+                <a:schemeClr val="accent1"/>
+              </a:fillRef>
+              <a:effectRef idx="0">
+                <a:schemeClr val="accent1"/>
+              </a:effectRef>
+              <a:fontRef idx="minor">
+                <a:schemeClr val="tx1"/>
+              </a:fontRef>
+            </p:style>
+          </p:cxnSp>
+        </p:grpSp>
+        <p:grpSp>
+          <p:nvGrpSpPr>
+            <p:cNvPr id="265" name="Group 264">
+              <a:extLst>
+                <a:ext uri="{FF2B5EF4-FFF2-40B4-BE49-F238E27FC236}">
+                  <a16:creationId xmlns:a16="http://schemas.microsoft.com/office/drawing/2014/main" id="{1AA815D4-6FB5-436C-8E86-2DD0CD5C47BF}"/>
+                </a:ext>
+              </a:extLst>
+            </p:cNvPr>
+            <p:cNvGrpSpPr/>
+            <p:nvPr/>
+          </p:nvGrpSpPr>
+          <p:grpSpPr>
+            <a:xfrm>
+              <a:off x="5348810" y="15334063"/>
+              <a:ext cx="1484026" cy="1399019"/>
+              <a:chOff x="18115613" y="10044847"/>
+              <a:chExt cx="1484026" cy="1399019"/>
+            </a:xfrm>
+          </p:grpSpPr>
+          <p:sp>
+            <p:nvSpPr>
+              <p:cNvPr id="266" name="Freeform: Shape 265">
+                <a:extLst>
+                  <a:ext uri="{FF2B5EF4-FFF2-40B4-BE49-F238E27FC236}">
+                    <a16:creationId xmlns:a16="http://schemas.microsoft.com/office/drawing/2014/main" id="{15C77A84-37CE-4A9C-92CA-F02CC8699AC4}"/>
+                  </a:ext>
+                </a:extLst>
+              </p:cNvPr>
+              <p:cNvSpPr/>
+              <p:nvPr/>
+            </p:nvSpPr>
+            <p:spPr>
+              <a:xfrm>
+                <a:off x="18115613" y="10147217"/>
+                <a:ext cx="1484026" cy="1296649"/>
+              </a:xfrm>
+              <a:custGeom>
+                <a:avLst/>
+                <a:gdLst>
+                  <a:gd name="connsiteX0" fmla="*/ 1484026 w 1484026"/>
+                  <a:gd name="connsiteY0" fmla="*/ 1296649 h 1296649"/>
+                  <a:gd name="connsiteX1" fmla="*/ 0 w 1484026"/>
+                  <a:gd name="connsiteY1" fmla="*/ 1289154 h 1296649"/>
+                  <a:gd name="connsiteX2" fmla="*/ 0 w 1484026"/>
+                  <a:gd name="connsiteY2" fmla="*/ 7495 h 1296649"/>
+                  <a:gd name="connsiteX3" fmla="*/ 1454046 w 1484026"/>
+                  <a:gd name="connsiteY3" fmla="*/ 0 h 1296649"/>
+                  <a:gd name="connsiteX4" fmla="*/ 1454046 w 1484026"/>
+                  <a:gd name="connsiteY4" fmla="*/ 0 h 1296649"/>
+                </a:gdLst>
+                <a:ahLst/>
+                <a:cxnLst>
+                  <a:cxn ang="0">
+                    <a:pos x="connsiteX0" y="connsiteY0"/>
+                  </a:cxn>
+                  <a:cxn ang="0">
+                    <a:pos x="connsiteX1" y="connsiteY1"/>
+                  </a:cxn>
+                  <a:cxn ang="0">
+                    <a:pos x="connsiteX2" y="connsiteY2"/>
+                  </a:cxn>
+                  <a:cxn ang="0">
+                    <a:pos x="connsiteX3" y="connsiteY3"/>
+                  </a:cxn>
+                  <a:cxn ang="0">
+                    <a:pos x="connsiteX4" y="connsiteY4"/>
+                  </a:cxn>
+                </a:cxnLst>
+                <a:rect l="l" t="t" r="r" b="b"/>
+                <a:pathLst>
+                  <a:path w="1484026" h="1296649">
+                    <a:moveTo>
+                      <a:pt x="1484026" y="1296649"/>
+                    </a:moveTo>
+                    <a:lnTo>
+                      <a:pt x="0" y="1289154"/>
+                    </a:lnTo>
+                    <a:lnTo>
+                      <a:pt x="0" y="7495"/>
+                    </a:lnTo>
+                    <a:lnTo>
+                      <a:pt x="1454046" y="0"/>
+                    </a:lnTo>
+                    <a:lnTo>
+                      <a:pt x="1454046" y="0"/>
+                    </a:lnTo>
+                  </a:path>
+                </a:pathLst>
+              </a:custGeom>
+              <a:noFill/>
+            </p:spPr>
+            <p:style>
+              <a:lnRef idx="2">
+                <a:schemeClr val="accent1">
+                  <a:shade val="50000"/>
+                </a:schemeClr>
+              </a:lnRef>
+              <a:fillRef idx="1">
+                <a:schemeClr val="accent1"/>
+              </a:fillRef>
+              <a:effectRef idx="0">
+                <a:schemeClr val="accent1"/>
+              </a:effectRef>
+              <a:fontRef idx="minor">
+                <a:schemeClr val="lt1"/>
+              </a:fontRef>
+            </p:style>
+            <p:txBody>
+              <a:bodyPr rtlCol="0" anchor="ctr"/>
+              <a:lstStyle/>
+              <a:p>
+                <a:pPr algn="ctr"/>
+                <a:endParaRPr lang="en-US"/>
+              </a:p>
+            </p:txBody>
+          </p:sp>
+          <p:cxnSp>
+            <p:nvCxnSpPr>
+              <p:cNvPr id="267" name="Straight Connector 266">
+                <a:extLst>
+                  <a:ext uri="{FF2B5EF4-FFF2-40B4-BE49-F238E27FC236}">
+                    <a16:creationId xmlns:a16="http://schemas.microsoft.com/office/drawing/2014/main" id="{59FB29F2-7DC8-41A5-87C8-0E3CEEBF58BD}"/>
+                  </a:ext>
+                </a:extLst>
+              </p:cNvPr>
+              <p:cNvCxnSpPr/>
+              <p:nvPr/>
+            </p:nvCxnSpPr>
+            <p:spPr>
+              <a:xfrm flipH="1" flipV="1">
+                <a:off x="19487213" y="10044847"/>
+                <a:ext cx="104293" cy="90366"/>
+              </a:xfrm>
+              <a:prstGeom prst="line">
+                <a:avLst/>
+              </a:prstGeom>
+              <a:ln w="12700">
+                <a:solidFill>
+                  <a:schemeClr val="tx1"/>
+                </a:solidFill>
+              </a:ln>
+            </p:spPr>
+            <p:style>
+              <a:lnRef idx="1">
+                <a:schemeClr val="accent1"/>
+              </a:lnRef>
+              <a:fillRef idx="0">
+                <a:schemeClr val="accent1"/>
+              </a:fillRef>
+              <a:effectRef idx="0">
+                <a:schemeClr val="accent1"/>
+              </a:effectRef>
+              <a:fontRef idx="minor">
+                <a:schemeClr val="tx1"/>
+              </a:fontRef>
+            </p:style>
+          </p:cxnSp>
+          <p:cxnSp>
+            <p:nvCxnSpPr>
+              <p:cNvPr id="268" name="Straight Connector 267">
+                <a:extLst>
+                  <a:ext uri="{FF2B5EF4-FFF2-40B4-BE49-F238E27FC236}">
+                    <a16:creationId xmlns:a16="http://schemas.microsoft.com/office/drawing/2014/main" id="{0651BD90-5AE0-437F-94F4-96A16C459A45}"/>
+                  </a:ext>
+                </a:extLst>
+              </p:cNvPr>
+              <p:cNvCxnSpPr>
+                <a:cxnSpLocks/>
+              </p:cNvCxnSpPr>
+              <p:nvPr/>
+            </p:nvCxnSpPr>
+            <p:spPr>
+              <a:xfrm flipH="1">
+                <a:off x="19485519" y="10135213"/>
+                <a:ext cx="114120" cy="120068"/>
+              </a:xfrm>
+              <a:prstGeom prst="line">
+                <a:avLst/>
+              </a:prstGeom>
+              <a:ln w="12700">
+                <a:solidFill>
+                  <a:schemeClr val="tx1"/>
+                </a:solidFill>
+              </a:ln>
+            </p:spPr>
+            <p:style>
+              <a:lnRef idx="1">
+                <a:schemeClr val="accent1"/>
+              </a:lnRef>
+              <a:fillRef idx="0">
+                <a:schemeClr val="accent1"/>
+              </a:fillRef>
+              <a:effectRef idx="0">
+                <a:schemeClr val="accent1"/>
+              </a:effectRef>
+              <a:fontRef idx="minor">
+                <a:schemeClr val="tx1"/>
+              </a:fontRef>
+            </p:style>
+          </p:cxnSp>
+        </p:grpSp>
+        <p:grpSp>
+          <p:nvGrpSpPr>
+            <p:cNvPr id="269" name="Group 268">
+              <a:extLst>
+                <a:ext uri="{FF2B5EF4-FFF2-40B4-BE49-F238E27FC236}">
+                  <a16:creationId xmlns:a16="http://schemas.microsoft.com/office/drawing/2014/main" id="{5D4DEFBD-B9EF-4EEE-A518-0A3F52CC73D7}"/>
+                </a:ext>
+              </a:extLst>
+            </p:cNvPr>
+            <p:cNvGrpSpPr/>
+            <p:nvPr/>
+          </p:nvGrpSpPr>
+          <p:grpSpPr>
+            <a:xfrm>
+              <a:off x="5342771" y="13788979"/>
+              <a:ext cx="1484026" cy="1399019"/>
+              <a:chOff x="18115613" y="10044847"/>
+              <a:chExt cx="1484026" cy="1399019"/>
+            </a:xfrm>
+          </p:grpSpPr>
+          <p:sp>
+            <p:nvSpPr>
+              <p:cNvPr id="270" name="Freeform: Shape 269">
+                <a:extLst>
+                  <a:ext uri="{FF2B5EF4-FFF2-40B4-BE49-F238E27FC236}">
+                    <a16:creationId xmlns:a16="http://schemas.microsoft.com/office/drawing/2014/main" id="{93477A39-E656-4DC5-A223-0FD61CE2103A}"/>
+                  </a:ext>
+                </a:extLst>
+              </p:cNvPr>
+              <p:cNvSpPr/>
+              <p:nvPr/>
+            </p:nvSpPr>
+            <p:spPr>
+              <a:xfrm>
+                <a:off x="18115613" y="10147217"/>
+                <a:ext cx="1484026" cy="1296649"/>
+              </a:xfrm>
+              <a:custGeom>
+                <a:avLst/>
+                <a:gdLst>
+                  <a:gd name="connsiteX0" fmla="*/ 1484026 w 1484026"/>
+                  <a:gd name="connsiteY0" fmla="*/ 1296649 h 1296649"/>
+                  <a:gd name="connsiteX1" fmla="*/ 0 w 1484026"/>
+                  <a:gd name="connsiteY1" fmla="*/ 1289154 h 1296649"/>
+                  <a:gd name="connsiteX2" fmla="*/ 0 w 1484026"/>
+                  <a:gd name="connsiteY2" fmla="*/ 7495 h 1296649"/>
+                  <a:gd name="connsiteX3" fmla="*/ 1454046 w 1484026"/>
+                  <a:gd name="connsiteY3" fmla="*/ 0 h 1296649"/>
+                  <a:gd name="connsiteX4" fmla="*/ 1454046 w 1484026"/>
+                  <a:gd name="connsiteY4" fmla="*/ 0 h 1296649"/>
+                </a:gdLst>
+                <a:ahLst/>
+                <a:cxnLst>
+                  <a:cxn ang="0">
+                    <a:pos x="connsiteX0" y="connsiteY0"/>
+                  </a:cxn>
+                  <a:cxn ang="0">
+                    <a:pos x="connsiteX1" y="connsiteY1"/>
+                  </a:cxn>
+                  <a:cxn ang="0">
+                    <a:pos x="connsiteX2" y="connsiteY2"/>
+                  </a:cxn>
+                  <a:cxn ang="0">
+                    <a:pos x="connsiteX3" y="connsiteY3"/>
+                  </a:cxn>
+                  <a:cxn ang="0">
+                    <a:pos x="connsiteX4" y="connsiteY4"/>
+                  </a:cxn>
+                </a:cxnLst>
+                <a:rect l="l" t="t" r="r" b="b"/>
+                <a:pathLst>
+                  <a:path w="1484026" h="1296649">
+                    <a:moveTo>
+                      <a:pt x="1484026" y="1296649"/>
+                    </a:moveTo>
+                    <a:lnTo>
+                      <a:pt x="0" y="1289154"/>
+                    </a:lnTo>
+                    <a:lnTo>
+                      <a:pt x="0" y="7495"/>
+                    </a:lnTo>
+                    <a:lnTo>
+                      <a:pt x="1454046" y="0"/>
+                    </a:lnTo>
+                    <a:lnTo>
+                      <a:pt x="1454046" y="0"/>
+                    </a:lnTo>
+                  </a:path>
+                </a:pathLst>
+              </a:custGeom>
+              <a:noFill/>
+            </p:spPr>
+            <p:style>
+              <a:lnRef idx="2">
+                <a:schemeClr val="accent1">
+                  <a:shade val="50000"/>
+                </a:schemeClr>
+              </a:lnRef>
+              <a:fillRef idx="1">
+                <a:schemeClr val="accent1"/>
+              </a:fillRef>
+              <a:effectRef idx="0">
+                <a:schemeClr val="accent1"/>
+              </a:effectRef>
+              <a:fontRef idx="minor">
+                <a:schemeClr val="lt1"/>
+              </a:fontRef>
+            </p:style>
+            <p:txBody>
+              <a:bodyPr rtlCol="0" anchor="ctr"/>
+              <a:lstStyle/>
+              <a:p>
+                <a:pPr algn="ctr"/>
+                <a:endParaRPr lang="en-US"/>
+              </a:p>
+            </p:txBody>
+          </p:sp>
+          <p:cxnSp>
+            <p:nvCxnSpPr>
+              <p:cNvPr id="271" name="Straight Connector 270">
+                <a:extLst>
+                  <a:ext uri="{FF2B5EF4-FFF2-40B4-BE49-F238E27FC236}">
+                    <a16:creationId xmlns:a16="http://schemas.microsoft.com/office/drawing/2014/main" id="{FFFAFC63-64D3-4EC1-86B3-DB50FD4DDCF7}"/>
+                  </a:ext>
+                </a:extLst>
+              </p:cNvPr>
+              <p:cNvCxnSpPr/>
+              <p:nvPr/>
+            </p:nvCxnSpPr>
+            <p:spPr>
+              <a:xfrm flipH="1" flipV="1">
+                <a:off x="19487213" y="10044847"/>
+                <a:ext cx="104293" cy="90366"/>
+              </a:xfrm>
+              <a:prstGeom prst="line">
+                <a:avLst/>
+              </a:prstGeom>
+              <a:ln w="12700">
+                <a:solidFill>
+                  <a:schemeClr val="tx1"/>
+                </a:solidFill>
+              </a:ln>
+            </p:spPr>
+            <p:style>
+              <a:lnRef idx="1">
+                <a:schemeClr val="accent1"/>
+              </a:lnRef>
+              <a:fillRef idx="0">
+                <a:schemeClr val="accent1"/>
+              </a:fillRef>
+              <a:effectRef idx="0">
+                <a:schemeClr val="accent1"/>
+              </a:effectRef>
+              <a:fontRef idx="minor">
+                <a:schemeClr val="tx1"/>
+              </a:fontRef>
+            </p:style>
+          </p:cxnSp>
+          <p:cxnSp>
+            <p:nvCxnSpPr>
+              <p:cNvPr id="272" name="Straight Connector 271">
+                <a:extLst>
+                  <a:ext uri="{FF2B5EF4-FFF2-40B4-BE49-F238E27FC236}">
+                    <a16:creationId xmlns:a16="http://schemas.microsoft.com/office/drawing/2014/main" id="{C9CEBD2E-2DEB-42F0-B667-76038086B37B}"/>
+                  </a:ext>
+                </a:extLst>
+              </p:cNvPr>
+              <p:cNvCxnSpPr>
+                <a:cxnSpLocks/>
+              </p:cNvCxnSpPr>
+              <p:nvPr/>
+            </p:nvCxnSpPr>
+            <p:spPr>
+              <a:xfrm flipH="1">
+                <a:off x="19485519" y="10135213"/>
+                <a:ext cx="114120" cy="120068"/>
+              </a:xfrm>
+              <a:prstGeom prst="line">
+                <a:avLst/>
+              </a:prstGeom>
+              <a:ln w="12700">
+                <a:solidFill>
+                  <a:schemeClr val="tx1"/>
+                </a:solidFill>
+              </a:ln>
+            </p:spPr>
+            <p:style>
+              <a:lnRef idx="1">
+                <a:schemeClr val="accent1"/>
+              </a:lnRef>
+              <a:fillRef idx="0">
+                <a:schemeClr val="accent1"/>
+              </a:fillRef>
+              <a:effectRef idx="0">
+                <a:schemeClr val="accent1"/>
+              </a:effectRef>
+              <a:fontRef idx="minor">
+                <a:schemeClr val="tx1"/>
+              </a:fontRef>
+            </p:style>
+          </p:cxnSp>
+        </p:grpSp>
+      </p:grpSp>
+      <p:sp>
+        <p:nvSpPr>
+          <p:cNvPr id="273" name="TextBox 272">
+            <a:extLst>
+              <a:ext uri="{FF2B5EF4-FFF2-40B4-BE49-F238E27FC236}">
+                <a16:creationId xmlns:a16="http://schemas.microsoft.com/office/drawing/2014/main" id="{DF88ECBF-E7BB-4F32-A9A9-15508F201145}"/>
+              </a:ext>
+            </a:extLst>
+          </p:cNvPr>
+          <p:cNvSpPr txBox="1"/>
+          <p:nvPr/>
+        </p:nvSpPr>
+        <p:spPr>
+          <a:xfrm>
+            <a:off x="471028" y="5721096"/>
+            <a:ext cx="16476132" cy="1477328"/>
+          </a:xfrm>
+          <a:prstGeom prst="rect">
+            <a:avLst/>
+          </a:prstGeom>
+          <a:noFill/>
+        </p:spPr>
+        <p:txBody>
+          <a:bodyPr wrap="square">
+            <a:spAutoFit/>
+          </a:bodyPr>
+          <a:lstStyle/>
+          <a:p>
+            <a:pPr rtl="0">
+              <a:spcBef>
+                <a:spcPts val="0"/>
+              </a:spcBef>
+              <a:spcAft>
+                <a:spcPts val="0"/>
+              </a:spcAft>
+            </a:pPr>
+            <a:r>
+              <a:rPr lang="en-US" sz="1800" b="0" i="0" u="none" strike="noStrike" dirty="0">
+                <a:solidFill>
+                  <a:srgbClr val="000000"/>
+                </a:solidFill>
+                <a:effectLst/>
+                <a:latin typeface="Georgia" panose="02040502050405020303" pitchFamily="18" charset="0"/>
+              </a:rPr>
+              <a:t>Question-answering (QA), and more generally machine comprehension, has always been an important litmus test for the development of NLP technology. While early research focused mostly on cloze-style datasets, in which a model aims to fill in missing words in text, new advancements have now pushed the problem to a more difficult realm: given a context paragraph, can the machine extract the right span of words (if any) to answer the given question?</a:t>
+            </a:r>
+            <a:endParaRPr lang="en-US" b="0" dirty="0">
+              <a:effectLst/>
+            </a:endParaRPr>
+          </a:p>
+          <a:p>
+            <a:br>
+              <a:rPr lang="en-US" dirty="0"/>
+            </a:br>
+            <a:endParaRPr lang="en-US" dirty="0"/>
           </a:p>
         </p:txBody>
       </p:sp>

--- a/Poster.pptx
+++ b/Poster.pptx
@@ -3019,7 +3019,7 @@
               <a:rPr lang="en-US" sz="4000" dirty="0">
                 <a:latin typeface="Georgia" panose="02040502050405020303" pitchFamily="18" charset="0"/>
               </a:rPr>
-              <a:t>   Problem &amp; Background</a:t>
+              <a:t>  Introduction</a:t>
             </a:r>
           </a:p>
         </p:txBody>
@@ -4038,7 +4038,7 @@
         </p:nvSpPr>
         <p:spPr>
           <a:xfrm>
-            <a:off x="415282" y="8861556"/>
+            <a:off x="419099" y="9667619"/>
             <a:ext cx="8487833" cy="838200"/>
           </a:xfrm>
           <a:prstGeom prst="rect">
@@ -4072,8 +4072,17 @@
               <a:rPr lang="en-US" sz="4000" dirty="0">
                 <a:latin typeface="Georgia" panose="02040502050405020303" pitchFamily="18" charset="0"/>
               </a:rPr>
-              <a:t>  Methods</a:t>
-            </a:r>
+              <a:t>  </a:t>
+            </a:r>
+            <a:r>
+              <a:rPr lang="en-US" sz="4000">
+                <a:latin typeface="Georgia" panose="02040502050405020303" pitchFamily="18" charset="0"/>
+              </a:rPr>
+              <a:t>Model Architecture</a:t>
+            </a:r>
+            <a:endParaRPr lang="en-US" sz="4000" dirty="0">
+              <a:latin typeface="Georgia" panose="02040502050405020303" pitchFamily="18" charset="0"/>
+            </a:endParaRPr>
           </a:p>
         </p:txBody>
       </p:sp>
@@ -4091,8 +4100,8 @@
         </p:nvSpPr>
         <p:spPr>
           <a:xfrm>
-            <a:off x="419100" y="4490156"/>
-            <a:ext cx="8487833" cy="430887"/>
+            <a:off x="419099" y="4490038"/>
+            <a:ext cx="8487833" cy="5170646"/>
           </a:xfrm>
           <a:prstGeom prst="rect">
             <a:avLst/>
@@ -4106,12 +4115,229 @@
           <a:lstStyle/>
           <a:p>
             <a:r>
-              <a:rPr lang="en-US" sz="2200">
-                <a:latin typeface="Georgia" panose="02040502050405020303" pitchFamily="18" charset="0"/>
-              </a:rPr>
-              <a:t>Problem: </a:t>
-            </a:r>
-            <a:endParaRPr lang="en-US" sz="2200" dirty="0">
+              <a:rPr lang="en-US" sz="2200" b="1" dirty="0">
+                <a:latin typeface="Georgia" panose="02040502050405020303" pitchFamily="18" charset="0"/>
+              </a:rPr>
+              <a:t>Problem:</a:t>
+            </a:r>
+          </a:p>
+          <a:p>
+            <a:pPr lvl="1"/>
+            <a:r>
+              <a:rPr lang="en-US" sz="2200" dirty="0">
+                <a:latin typeface="Georgia" panose="02040502050405020303" pitchFamily="18" charset="0"/>
+              </a:rPr>
+              <a:t>G</a:t>
+            </a:r>
+            <a:r>
+              <a:rPr lang="en-US" altLang="zh-CN" sz="2200" dirty="0">
+                <a:latin typeface="Georgia" panose="02040502050405020303" pitchFamily="18" charset="0"/>
+              </a:rPr>
+              <a:t>iven a context paragraph, can the machine extract the right span of words to answer a given question? And when a question is unanswerable, can it produce an empty span?</a:t>
+            </a:r>
+          </a:p>
+          <a:p>
+            <a:r>
+              <a:rPr lang="en-US" altLang="zh-CN" sz="2200" b="1" dirty="0">
+                <a:latin typeface="Georgia" panose="02040502050405020303" pitchFamily="18" charset="0"/>
+              </a:rPr>
+              <a:t>Dataset:</a:t>
+            </a:r>
+          </a:p>
+          <a:p>
+            <a:pPr lvl="1"/>
+            <a:r>
+              <a:rPr lang="en-US" altLang="zh-CN" sz="2200" dirty="0">
+                <a:latin typeface="Georgia" panose="02040502050405020303" pitchFamily="18" charset="0"/>
+              </a:rPr>
+              <a:t>We will use </a:t>
+            </a:r>
+            <a:r>
+              <a:rPr lang="en-US" altLang="zh-CN" sz="2200" dirty="0" err="1">
+                <a:latin typeface="Georgia" panose="02040502050405020303" pitchFamily="18" charset="0"/>
+              </a:rPr>
+              <a:t>SQuAD</a:t>
+            </a:r>
+            <a:r>
+              <a:rPr lang="en-US" altLang="zh-CN" sz="2200" dirty="0">
+                <a:latin typeface="Georgia" panose="02040502050405020303" pitchFamily="18" charset="0"/>
+              </a:rPr>
+              <a:t> 2.0, which contains 141,934 crowd-sourced questions of Wikipedia articles. 129,941 of those will be used as train set, about 6000 as dev set and another 6000 as test set.</a:t>
+            </a:r>
+          </a:p>
+          <a:p>
+            <a:r>
+              <a:rPr lang="en-US" altLang="zh-CN" sz="2200" b="1" dirty="0">
+                <a:latin typeface="Georgia" panose="02040502050405020303" pitchFamily="18" charset="0"/>
+              </a:rPr>
+              <a:t>Goal:</a:t>
+            </a:r>
+          </a:p>
+          <a:p>
+            <a:pPr lvl="1"/>
+            <a:r>
+              <a:rPr lang="en-US" sz="2200" b="0" i="0" u="none" strike="noStrike" dirty="0">
+                <a:solidFill>
+                  <a:srgbClr val="000000"/>
+                </a:solidFill>
+                <a:effectLst/>
+                <a:latin typeface="Georgia" panose="02040502050405020303" pitchFamily="18" charset="0"/>
+              </a:rPr>
+              <a:t>The goal is to improve th</a:t>
+            </a:r>
+            <a:r>
+              <a:rPr lang="en-US" sz="2200" dirty="0">
+                <a:solidFill>
+                  <a:srgbClr val="000000"/>
+                </a:solidFill>
+                <a:latin typeface="Georgia" panose="02040502050405020303" pitchFamily="18" charset="0"/>
+              </a:rPr>
+              <a:t>e architecture of the Bi-Directional Attention Flow network model detailed in </a:t>
+            </a:r>
+            <a:r>
+              <a:rPr lang="en-US" sz="2200" dirty="0" err="1">
+                <a:solidFill>
+                  <a:srgbClr val="000000"/>
+                </a:solidFill>
+                <a:latin typeface="Georgia" panose="02040502050405020303" pitchFamily="18" charset="0"/>
+              </a:rPr>
+              <a:t>Seo</a:t>
+            </a:r>
+            <a:r>
+              <a:rPr lang="en-US" sz="2200" dirty="0">
+                <a:solidFill>
+                  <a:srgbClr val="000000"/>
+                </a:solidFill>
+                <a:latin typeface="Georgia" panose="02040502050405020303" pitchFamily="18" charset="0"/>
+              </a:rPr>
+              <a:t> et al. (2017) by:</a:t>
+            </a:r>
+          </a:p>
+          <a:p>
+            <a:pPr marL="914400" lvl="1" indent="-457200">
+              <a:buAutoNum type="arabicPeriod"/>
+            </a:pPr>
+            <a:r>
+              <a:rPr lang="en-US" sz="2200" b="0" i="0" u="none" strike="noStrike" dirty="0">
+                <a:solidFill>
+                  <a:srgbClr val="000000"/>
+                </a:solidFill>
+                <a:effectLst/>
+                <a:latin typeface="Georgia" panose="02040502050405020303" pitchFamily="18" charset="0"/>
+              </a:rPr>
+              <a:t>Implementing the character-level embeddings</a:t>
+            </a:r>
+          </a:p>
+          <a:p>
+            <a:pPr marL="914400" lvl="1" indent="-457200">
+              <a:buAutoNum type="arabicPeriod"/>
+            </a:pPr>
+            <a:r>
+              <a:rPr lang="en-US" sz="2200" b="0" i="0" u="none" strike="noStrike" dirty="0">
+                <a:solidFill>
+                  <a:srgbClr val="000000"/>
+                </a:solidFill>
+                <a:effectLst/>
+                <a:latin typeface="Georgia" panose="02040502050405020303" pitchFamily="18" charset="0"/>
+              </a:rPr>
+              <a:t>Adapting the </a:t>
+            </a:r>
+            <a:r>
+              <a:rPr lang="en-US" sz="2200" b="0" i="0" u="none" strike="noStrike" dirty="0" err="1">
+                <a:solidFill>
+                  <a:srgbClr val="000000"/>
+                </a:solidFill>
+                <a:effectLst/>
+                <a:latin typeface="Georgia" panose="02040502050405020303" pitchFamily="18" charset="0"/>
+              </a:rPr>
+              <a:t>QANet</a:t>
+            </a:r>
+            <a:r>
+              <a:rPr lang="en-US" sz="2200" b="0" i="0" u="none" strike="noStrike" dirty="0">
+                <a:solidFill>
+                  <a:srgbClr val="000000"/>
+                </a:solidFill>
+                <a:effectLst/>
+                <a:latin typeface="Georgia" panose="02040502050405020303" pitchFamily="18" charset="0"/>
+              </a:rPr>
+              <a:t> model introduced by Yu et al. (2018)</a:t>
+            </a:r>
+            <a:r>
+              <a:rPr lang="zh-CN" altLang="en-US" sz="2200" dirty="0">
+                <a:solidFill>
+                  <a:srgbClr val="000000"/>
+                </a:solidFill>
+                <a:latin typeface="Georgia" panose="02040502050405020303" pitchFamily="18" charset="0"/>
+              </a:rPr>
+              <a:t> </a:t>
+            </a:r>
+            <a:r>
+              <a:rPr lang="en-US" altLang="zh-CN" sz="2200" b="0" i="0" u="none" strike="noStrike" dirty="0">
+                <a:solidFill>
+                  <a:srgbClr val="000000"/>
+                </a:solidFill>
+                <a:effectLst/>
+                <a:latin typeface="Georgia" panose="02040502050405020303" pitchFamily="18" charset="0"/>
+              </a:rPr>
+              <a:t>from</a:t>
+            </a:r>
+            <a:r>
+              <a:rPr lang="zh-CN" altLang="en-US" sz="2200" b="0" i="0" u="none" strike="noStrike" dirty="0">
+                <a:solidFill>
+                  <a:srgbClr val="000000"/>
+                </a:solidFill>
+                <a:effectLst/>
+                <a:latin typeface="Georgia" panose="02040502050405020303" pitchFamily="18" charset="0"/>
+              </a:rPr>
+              <a:t> </a:t>
+            </a:r>
+            <a:r>
+              <a:rPr lang="en-US" altLang="zh-CN" sz="2200" b="0" i="0" u="none" strike="noStrike" dirty="0">
+                <a:solidFill>
+                  <a:srgbClr val="000000"/>
+                </a:solidFill>
+                <a:effectLst/>
+                <a:latin typeface="Georgia" panose="02040502050405020303" pitchFamily="18" charset="0"/>
+              </a:rPr>
+              <a:t>scratch</a:t>
+            </a:r>
+          </a:p>
+          <a:p>
+            <a:pPr marL="914400" lvl="1" indent="-457200">
+              <a:buAutoNum type="arabicPeriod"/>
+            </a:pPr>
+            <a:r>
+              <a:rPr lang="en-US" sz="2200" dirty="0">
+                <a:solidFill>
+                  <a:srgbClr val="000000"/>
+                </a:solidFill>
+                <a:latin typeface="Georgia" panose="02040502050405020303" pitchFamily="18" charset="0"/>
+              </a:rPr>
+              <a:t>Tuning the </a:t>
+            </a:r>
+            <a:r>
+              <a:rPr lang="en-US" sz="2200" dirty="0" err="1">
+                <a:solidFill>
+                  <a:srgbClr val="000000"/>
+                </a:solidFill>
+                <a:latin typeface="Georgia" panose="02040502050405020303" pitchFamily="18" charset="0"/>
+              </a:rPr>
+              <a:t>QANet</a:t>
+            </a:r>
+            <a:r>
+              <a:rPr lang="en-US" sz="2200" dirty="0">
+                <a:solidFill>
+                  <a:srgbClr val="000000"/>
+                </a:solidFill>
+                <a:latin typeface="Georgia" panose="02040502050405020303" pitchFamily="18" charset="0"/>
+              </a:rPr>
+              <a:t> model’s hyperparameters</a:t>
+            </a:r>
+            <a:endParaRPr lang="en-US" sz="2200" b="0" i="0" u="none" strike="noStrike" dirty="0">
+              <a:solidFill>
+                <a:srgbClr val="000000"/>
+              </a:solidFill>
+              <a:effectLst/>
               <a:latin typeface="Georgia" panose="02040502050405020303" pitchFamily="18" charset="0"/>
             </a:endParaRPr>
           </a:p>
@@ -4373,8 +4599,8 @@
         </p:nvSpPr>
         <p:spPr>
           <a:xfrm>
-            <a:off x="415281" y="9779004"/>
-            <a:ext cx="8487833" cy="3139321"/>
+            <a:off x="419099" y="10577065"/>
+            <a:ext cx="8487833" cy="2800767"/>
           </a:xfrm>
           <a:prstGeom prst="rect">
             <a:avLst/>
@@ -4469,8 +4695,14 @@
                 <a:effectLst/>
                 <a:latin typeface="Georgia" panose="02040502050405020303" pitchFamily="18" charset="0"/>
               </a:rPr>
-              <a:t>Yu et al.[1]. </a:t>
-            </a:r>
+              <a:t>Yu et al. </a:t>
+            </a:r>
+            <a:endParaRPr lang="en-US" sz="2200" dirty="0">
+              <a:solidFill>
+                <a:srgbClr val="000000"/>
+              </a:solidFill>
+              <a:latin typeface="Georgia" panose="02040502050405020303" pitchFamily="18" charset="0"/>
+            </a:endParaRPr>
           </a:p>
           <a:p>
             <a:pPr rtl="0">
@@ -4584,34 +4816,12 @@
               </a:rPr>
               <a:t>	Learning rate: </a:t>
             </a:r>
-          </a:p>
-          <a:p>
-            <a:pPr rtl="0">
-              <a:spcBef>
-                <a:spcPts val="0"/>
-              </a:spcBef>
-              <a:spcAft>
-                <a:spcPts val="0"/>
-              </a:spcAft>
-            </a:pPr>
-            <a:r>
-              <a:rPr lang="en-US" sz="2200" b="1" dirty="0">
-                <a:solidFill>
-                  <a:srgbClr val="000000"/>
-                </a:solidFill>
-                <a:latin typeface="Georgia" panose="02040502050405020303" pitchFamily="18" charset="0"/>
-              </a:rPr>
-              <a:t>	</a:t>
-            </a:r>
-            <a:r>
-              <a:rPr lang="en-US" sz="2200" dirty="0">
-                <a:solidFill>
-                  <a:srgbClr val="000000"/>
-                </a:solidFill>
-                <a:latin typeface="Georgia" panose="02040502050405020303" pitchFamily="18" charset="0"/>
-              </a:rPr>
-              <a:t>Optimizer: Adam</a:t>
-            </a:r>
+            <a:endParaRPr lang="en-US" sz="2200" dirty="0">
+              <a:solidFill>
+                <a:srgbClr val="000000"/>
+              </a:solidFill>
+              <a:latin typeface="Georgia" panose="02040502050405020303" pitchFamily="18" charset="0"/>
+            </a:endParaRPr>
           </a:p>
           <a:p>
             <a:pPr rtl="0">
@@ -4633,10 +4843,10 @@
       </p:sp>
       <p:grpSp>
         <p:nvGrpSpPr>
-          <p:cNvPr id="6" name="Group 5">
+          <p:cNvPr id="25" name="Group 24">
             <a:extLst>
               <a:ext uri="{FF2B5EF4-FFF2-40B4-BE49-F238E27FC236}">
-                <a16:creationId xmlns:a16="http://schemas.microsoft.com/office/drawing/2014/main" id="{DA792B28-B2D8-4718-91FE-1FDECC5FF509}"/>
+                <a16:creationId xmlns:a16="http://schemas.microsoft.com/office/drawing/2014/main" id="{09F53BC1-9074-4BA9-9C08-915148A66E61}"/>
               </a:ext>
             </a:extLst>
           </p:cNvPr>
@@ -4645,18 +4855,18 @@
         </p:nvGrpSpPr>
         <p:grpSpPr>
           <a:xfrm>
-            <a:off x="384775" y="13473664"/>
-            <a:ext cx="8528451" cy="8175602"/>
-            <a:chOff x="384775" y="13473664"/>
-            <a:chExt cx="8528451" cy="8175602"/>
+            <a:off x="452158" y="13460590"/>
+            <a:ext cx="8528451" cy="8195026"/>
+            <a:chOff x="452158" y="13460590"/>
+            <a:chExt cx="8528451" cy="8195026"/>
           </a:xfrm>
         </p:grpSpPr>
         <p:sp>
           <p:nvSpPr>
-            <p:cNvPr id="210" name="Speech Bubble: Rectangle with Corners Rounded 1">
+            <p:cNvPr id="24" name="Speech Bubble: Rectangle with Corners Rounded 23">
               <a:extLst>
                 <a:ext uri="{FF2B5EF4-FFF2-40B4-BE49-F238E27FC236}">
-                  <a16:creationId xmlns:a16="http://schemas.microsoft.com/office/drawing/2014/main" id="{BB64DC17-463D-4D9B-B5F3-82861AE0A153}"/>
+                  <a16:creationId xmlns:a16="http://schemas.microsoft.com/office/drawing/2014/main" id="{65173A6D-61D6-4D78-AF51-68D8E7F13CF8}"/>
                 </a:ext>
               </a:extLst>
             </p:cNvPr>
@@ -4665,394 +4875,222 @@
           </p:nvSpPr>
           <p:spPr>
             <a:xfrm>
-              <a:off x="3503293" y="13720288"/>
-              <a:ext cx="5174603" cy="5638263"/>
+              <a:off x="3650217" y="13720247"/>
+              <a:ext cx="5182371" cy="5717824"/>
             </a:xfrm>
             <a:custGeom>
               <a:avLst/>
               <a:gdLst>
-                <a:gd name="connsiteX0" fmla="*/ 0 w 3705593"/>
-                <a:gd name="connsiteY0" fmla="*/ 617611 h 5952513"/>
-                <a:gd name="connsiteX1" fmla="*/ 617611 w 3705593"/>
-                <a:gd name="connsiteY1" fmla="*/ 0 h 5952513"/>
-                <a:gd name="connsiteX2" fmla="*/ 617599 w 3705593"/>
-                <a:gd name="connsiteY2" fmla="*/ 0 h 5952513"/>
-                <a:gd name="connsiteX3" fmla="*/ 617599 w 3705593"/>
-                <a:gd name="connsiteY3" fmla="*/ 0 h 5952513"/>
-                <a:gd name="connsiteX4" fmla="*/ 1543997 w 3705593"/>
-                <a:gd name="connsiteY4" fmla="*/ 0 h 5952513"/>
-                <a:gd name="connsiteX5" fmla="*/ 3087982 w 3705593"/>
-                <a:gd name="connsiteY5" fmla="*/ 0 h 5952513"/>
-                <a:gd name="connsiteX6" fmla="*/ 3705593 w 3705593"/>
-                <a:gd name="connsiteY6" fmla="*/ 617611 h 5952513"/>
-                <a:gd name="connsiteX7" fmla="*/ 3705593 w 3705593"/>
-                <a:gd name="connsiteY7" fmla="*/ 3472299 h 5952513"/>
-                <a:gd name="connsiteX8" fmla="*/ 3705593 w 3705593"/>
-                <a:gd name="connsiteY8" fmla="*/ 3472299 h 5952513"/>
-                <a:gd name="connsiteX9" fmla="*/ 3705593 w 3705593"/>
-                <a:gd name="connsiteY9" fmla="*/ 4960428 h 5952513"/>
-                <a:gd name="connsiteX10" fmla="*/ 3705593 w 3705593"/>
-                <a:gd name="connsiteY10" fmla="*/ 5334902 h 5952513"/>
-                <a:gd name="connsiteX11" fmla="*/ 3087982 w 3705593"/>
-                <a:gd name="connsiteY11" fmla="*/ 5952513 h 5952513"/>
-                <a:gd name="connsiteX12" fmla="*/ 1543997 w 3705593"/>
-                <a:gd name="connsiteY12" fmla="*/ 5952513 h 5952513"/>
-                <a:gd name="connsiteX13" fmla="*/ 617599 w 3705593"/>
-                <a:gd name="connsiteY13" fmla="*/ 5952513 h 5952513"/>
-                <a:gd name="connsiteX14" fmla="*/ 617599 w 3705593"/>
-                <a:gd name="connsiteY14" fmla="*/ 5952513 h 5952513"/>
-                <a:gd name="connsiteX15" fmla="*/ 617611 w 3705593"/>
-                <a:gd name="connsiteY15" fmla="*/ 5952513 h 5952513"/>
-                <a:gd name="connsiteX16" fmla="*/ 0 w 3705593"/>
-                <a:gd name="connsiteY16" fmla="*/ 5334902 h 5952513"/>
-                <a:gd name="connsiteX17" fmla="*/ 0 w 3705593"/>
-                <a:gd name="connsiteY17" fmla="*/ 4960428 h 5952513"/>
-                <a:gd name="connsiteX18" fmla="*/ -1439030 w 3705593"/>
-                <a:gd name="connsiteY18" fmla="*/ 3534245 h 5952513"/>
-                <a:gd name="connsiteX19" fmla="*/ 0 w 3705593"/>
-                <a:gd name="connsiteY19" fmla="*/ 3472299 h 5952513"/>
-                <a:gd name="connsiteX20" fmla="*/ 0 w 3705593"/>
-                <a:gd name="connsiteY20" fmla="*/ 617611 h 5952513"/>
-                <a:gd name="connsiteX0" fmla="*/ 1439030 w 5144623"/>
-                <a:gd name="connsiteY0" fmla="*/ 617611 h 5952513"/>
-                <a:gd name="connsiteX1" fmla="*/ 2056641 w 5144623"/>
-                <a:gd name="connsiteY1" fmla="*/ 0 h 5952513"/>
-                <a:gd name="connsiteX2" fmla="*/ 2056629 w 5144623"/>
-                <a:gd name="connsiteY2" fmla="*/ 0 h 5952513"/>
-                <a:gd name="connsiteX3" fmla="*/ 2056629 w 5144623"/>
-                <a:gd name="connsiteY3" fmla="*/ 0 h 5952513"/>
-                <a:gd name="connsiteX4" fmla="*/ 2983027 w 5144623"/>
-                <a:gd name="connsiteY4" fmla="*/ 0 h 5952513"/>
-                <a:gd name="connsiteX5" fmla="*/ 4527012 w 5144623"/>
-                <a:gd name="connsiteY5" fmla="*/ 0 h 5952513"/>
-                <a:gd name="connsiteX6" fmla="*/ 5144623 w 5144623"/>
-                <a:gd name="connsiteY6" fmla="*/ 617611 h 5952513"/>
-                <a:gd name="connsiteX7" fmla="*/ 5144623 w 5144623"/>
-                <a:gd name="connsiteY7" fmla="*/ 3472299 h 5952513"/>
-                <a:gd name="connsiteX8" fmla="*/ 5144623 w 5144623"/>
-                <a:gd name="connsiteY8" fmla="*/ 3472299 h 5952513"/>
-                <a:gd name="connsiteX9" fmla="*/ 5144623 w 5144623"/>
-                <a:gd name="connsiteY9" fmla="*/ 4960428 h 5952513"/>
-                <a:gd name="connsiteX10" fmla="*/ 5144623 w 5144623"/>
-                <a:gd name="connsiteY10" fmla="*/ 5334902 h 5952513"/>
-                <a:gd name="connsiteX11" fmla="*/ 4527012 w 5144623"/>
-                <a:gd name="connsiteY11" fmla="*/ 5952513 h 5952513"/>
-                <a:gd name="connsiteX12" fmla="*/ 2983027 w 5144623"/>
-                <a:gd name="connsiteY12" fmla="*/ 5952513 h 5952513"/>
-                <a:gd name="connsiteX13" fmla="*/ 2056629 w 5144623"/>
-                <a:gd name="connsiteY13" fmla="*/ 5952513 h 5952513"/>
-                <a:gd name="connsiteX14" fmla="*/ 2056629 w 5144623"/>
-                <a:gd name="connsiteY14" fmla="*/ 5952513 h 5952513"/>
-                <a:gd name="connsiteX15" fmla="*/ 2056641 w 5144623"/>
-                <a:gd name="connsiteY15" fmla="*/ 5952513 h 5952513"/>
-                <a:gd name="connsiteX16" fmla="*/ 1439030 w 5144623"/>
-                <a:gd name="connsiteY16" fmla="*/ 5334902 h 5952513"/>
-                <a:gd name="connsiteX17" fmla="*/ 1439030 w 5144623"/>
-                <a:gd name="connsiteY17" fmla="*/ 4960428 h 5952513"/>
-                <a:gd name="connsiteX18" fmla="*/ 0 w 5144623"/>
-                <a:gd name="connsiteY18" fmla="*/ 3534245 h 5952513"/>
-                <a:gd name="connsiteX19" fmla="*/ 1439030 w 5144623"/>
-                <a:gd name="connsiteY19" fmla="*/ 3472299 h 5952513"/>
-                <a:gd name="connsiteX20" fmla="*/ 1439030 w 5144623"/>
-                <a:gd name="connsiteY20" fmla="*/ 617611 h 5952513"/>
-                <a:gd name="connsiteX0" fmla="*/ 1439030 w 5144623"/>
-                <a:gd name="connsiteY0" fmla="*/ 617611 h 5952513"/>
-                <a:gd name="connsiteX1" fmla="*/ 2056641 w 5144623"/>
-                <a:gd name="connsiteY1" fmla="*/ 0 h 5952513"/>
-                <a:gd name="connsiteX2" fmla="*/ 2056629 w 5144623"/>
-                <a:gd name="connsiteY2" fmla="*/ 0 h 5952513"/>
-                <a:gd name="connsiteX3" fmla="*/ 2056629 w 5144623"/>
-                <a:gd name="connsiteY3" fmla="*/ 0 h 5952513"/>
-                <a:gd name="connsiteX4" fmla="*/ 2983027 w 5144623"/>
-                <a:gd name="connsiteY4" fmla="*/ 0 h 5952513"/>
-                <a:gd name="connsiteX5" fmla="*/ 4527012 w 5144623"/>
-                <a:gd name="connsiteY5" fmla="*/ 0 h 5952513"/>
-                <a:gd name="connsiteX6" fmla="*/ 5144623 w 5144623"/>
-                <a:gd name="connsiteY6" fmla="*/ 617611 h 5952513"/>
-                <a:gd name="connsiteX7" fmla="*/ 5144623 w 5144623"/>
-                <a:gd name="connsiteY7" fmla="*/ 3472299 h 5952513"/>
-                <a:gd name="connsiteX8" fmla="*/ 5144623 w 5144623"/>
-                <a:gd name="connsiteY8" fmla="*/ 3472299 h 5952513"/>
-                <a:gd name="connsiteX9" fmla="*/ 5144623 w 5144623"/>
-                <a:gd name="connsiteY9" fmla="*/ 4960428 h 5952513"/>
-                <a:gd name="connsiteX10" fmla="*/ 5144623 w 5144623"/>
-                <a:gd name="connsiteY10" fmla="*/ 5334902 h 5952513"/>
-                <a:gd name="connsiteX11" fmla="*/ 4527012 w 5144623"/>
-                <a:gd name="connsiteY11" fmla="*/ 5952513 h 5952513"/>
-                <a:gd name="connsiteX12" fmla="*/ 2983027 w 5144623"/>
-                <a:gd name="connsiteY12" fmla="*/ 5952513 h 5952513"/>
-                <a:gd name="connsiteX13" fmla="*/ 2056629 w 5144623"/>
-                <a:gd name="connsiteY13" fmla="*/ 5952513 h 5952513"/>
-                <a:gd name="connsiteX14" fmla="*/ 2056629 w 5144623"/>
-                <a:gd name="connsiteY14" fmla="*/ 5952513 h 5952513"/>
-                <a:gd name="connsiteX15" fmla="*/ 2056641 w 5144623"/>
-                <a:gd name="connsiteY15" fmla="*/ 5952513 h 5952513"/>
-                <a:gd name="connsiteX16" fmla="*/ 1439030 w 5144623"/>
-                <a:gd name="connsiteY16" fmla="*/ 5334902 h 5952513"/>
-                <a:gd name="connsiteX17" fmla="*/ 1439030 w 5144623"/>
-                <a:gd name="connsiteY17" fmla="*/ 4960428 h 5952513"/>
-                <a:gd name="connsiteX18" fmla="*/ 0 w 5144623"/>
-                <a:gd name="connsiteY18" fmla="*/ 3534245 h 5952513"/>
-                <a:gd name="connsiteX19" fmla="*/ 1439030 w 5144623"/>
-                <a:gd name="connsiteY19" fmla="*/ 3374863 h 5952513"/>
-                <a:gd name="connsiteX20" fmla="*/ 1439030 w 5144623"/>
-                <a:gd name="connsiteY20" fmla="*/ 617611 h 5952513"/>
-                <a:gd name="connsiteX0" fmla="*/ 1439030 w 5144623"/>
-                <a:gd name="connsiteY0" fmla="*/ 617611 h 5952513"/>
-                <a:gd name="connsiteX1" fmla="*/ 2056641 w 5144623"/>
-                <a:gd name="connsiteY1" fmla="*/ 0 h 5952513"/>
-                <a:gd name="connsiteX2" fmla="*/ 2056629 w 5144623"/>
-                <a:gd name="connsiteY2" fmla="*/ 0 h 5952513"/>
-                <a:gd name="connsiteX3" fmla="*/ 2056629 w 5144623"/>
-                <a:gd name="connsiteY3" fmla="*/ 0 h 5952513"/>
-                <a:gd name="connsiteX4" fmla="*/ 2983027 w 5144623"/>
-                <a:gd name="connsiteY4" fmla="*/ 0 h 5952513"/>
-                <a:gd name="connsiteX5" fmla="*/ 4527012 w 5144623"/>
-                <a:gd name="connsiteY5" fmla="*/ 0 h 5952513"/>
-                <a:gd name="connsiteX6" fmla="*/ 5144623 w 5144623"/>
-                <a:gd name="connsiteY6" fmla="*/ 617611 h 5952513"/>
-                <a:gd name="connsiteX7" fmla="*/ 5144623 w 5144623"/>
-                <a:gd name="connsiteY7" fmla="*/ 3472299 h 5952513"/>
-                <a:gd name="connsiteX8" fmla="*/ 5144623 w 5144623"/>
-                <a:gd name="connsiteY8" fmla="*/ 3472299 h 5952513"/>
-                <a:gd name="connsiteX9" fmla="*/ 5144623 w 5144623"/>
-                <a:gd name="connsiteY9" fmla="*/ 4960428 h 5952513"/>
-                <a:gd name="connsiteX10" fmla="*/ 5144623 w 5144623"/>
-                <a:gd name="connsiteY10" fmla="*/ 5334902 h 5952513"/>
-                <a:gd name="connsiteX11" fmla="*/ 4527012 w 5144623"/>
-                <a:gd name="connsiteY11" fmla="*/ 5952513 h 5952513"/>
-                <a:gd name="connsiteX12" fmla="*/ 2983027 w 5144623"/>
-                <a:gd name="connsiteY12" fmla="*/ 5952513 h 5952513"/>
-                <a:gd name="connsiteX13" fmla="*/ 2056629 w 5144623"/>
-                <a:gd name="connsiteY13" fmla="*/ 5952513 h 5952513"/>
-                <a:gd name="connsiteX14" fmla="*/ 2056629 w 5144623"/>
-                <a:gd name="connsiteY14" fmla="*/ 5952513 h 5952513"/>
-                <a:gd name="connsiteX15" fmla="*/ 2056641 w 5144623"/>
-                <a:gd name="connsiteY15" fmla="*/ 5952513 h 5952513"/>
-                <a:gd name="connsiteX16" fmla="*/ 1439030 w 5144623"/>
-                <a:gd name="connsiteY16" fmla="*/ 5334902 h 5952513"/>
-                <a:gd name="connsiteX17" fmla="*/ 1431535 w 5144623"/>
-                <a:gd name="connsiteY17" fmla="*/ 3656284 h 5952513"/>
-                <a:gd name="connsiteX18" fmla="*/ 0 w 5144623"/>
-                <a:gd name="connsiteY18" fmla="*/ 3534245 h 5952513"/>
-                <a:gd name="connsiteX19" fmla="*/ 1439030 w 5144623"/>
-                <a:gd name="connsiteY19" fmla="*/ 3374863 h 5952513"/>
-                <a:gd name="connsiteX20" fmla="*/ 1439030 w 5144623"/>
-                <a:gd name="connsiteY20" fmla="*/ 617611 h 5952513"/>
-                <a:gd name="connsiteX0" fmla="*/ 1439030 w 5144623"/>
-                <a:gd name="connsiteY0" fmla="*/ 617611 h 5952513"/>
-                <a:gd name="connsiteX1" fmla="*/ 2056641 w 5144623"/>
-                <a:gd name="connsiteY1" fmla="*/ 0 h 5952513"/>
-                <a:gd name="connsiteX2" fmla="*/ 2056629 w 5144623"/>
-                <a:gd name="connsiteY2" fmla="*/ 0 h 5952513"/>
-                <a:gd name="connsiteX3" fmla="*/ 2056629 w 5144623"/>
-                <a:gd name="connsiteY3" fmla="*/ 0 h 5952513"/>
-                <a:gd name="connsiteX4" fmla="*/ 2983027 w 5144623"/>
-                <a:gd name="connsiteY4" fmla="*/ 0 h 5952513"/>
-                <a:gd name="connsiteX5" fmla="*/ 4527012 w 5144623"/>
-                <a:gd name="connsiteY5" fmla="*/ 0 h 5952513"/>
-                <a:gd name="connsiteX6" fmla="*/ 5144623 w 5144623"/>
-                <a:gd name="connsiteY6" fmla="*/ 617611 h 5952513"/>
-                <a:gd name="connsiteX7" fmla="*/ 5144623 w 5144623"/>
-                <a:gd name="connsiteY7" fmla="*/ 3472299 h 5952513"/>
-                <a:gd name="connsiteX8" fmla="*/ 5144623 w 5144623"/>
-                <a:gd name="connsiteY8" fmla="*/ 3472299 h 5952513"/>
-                <a:gd name="connsiteX9" fmla="*/ 5144623 w 5144623"/>
-                <a:gd name="connsiteY9" fmla="*/ 4960428 h 5952513"/>
-                <a:gd name="connsiteX10" fmla="*/ 5144623 w 5144623"/>
-                <a:gd name="connsiteY10" fmla="*/ 5334902 h 5952513"/>
-                <a:gd name="connsiteX11" fmla="*/ 4527012 w 5144623"/>
-                <a:gd name="connsiteY11" fmla="*/ 5952513 h 5952513"/>
-                <a:gd name="connsiteX12" fmla="*/ 2983027 w 5144623"/>
-                <a:gd name="connsiteY12" fmla="*/ 5952513 h 5952513"/>
-                <a:gd name="connsiteX13" fmla="*/ 2056629 w 5144623"/>
-                <a:gd name="connsiteY13" fmla="*/ 5952513 h 5952513"/>
-                <a:gd name="connsiteX14" fmla="*/ 2056629 w 5144623"/>
-                <a:gd name="connsiteY14" fmla="*/ 5952513 h 5952513"/>
-                <a:gd name="connsiteX15" fmla="*/ 2056641 w 5144623"/>
-                <a:gd name="connsiteY15" fmla="*/ 5952513 h 5952513"/>
-                <a:gd name="connsiteX16" fmla="*/ 1439030 w 5144623"/>
-                <a:gd name="connsiteY16" fmla="*/ 5334902 h 5952513"/>
-                <a:gd name="connsiteX17" fmla="*/ 1431535 w 5144623"/>
-                <a:gd name="connsiteY17" fmla="*/ 3893670 h 5952513"/>
-                <a:gd name="connsiteX18" fmla="*/ 0 w 5144623"/>
-                <a:gd name="connsiteY18" fmla="*/ 3534245 h 5952513"/>
-                <a:gd name="connsiteX19" fmla="*/ 1439030 w 5144623"/>
-                <a:gd name="connsiteY19" fmla="*/ 3374863 h 5952513"/>
-                <a:gd name="connsiteX20" fmla="*/ 1439030 w 5144623"/>
-                <a:gd name="connsiteY20" fmla="*/ 617611 h 5952513"/>
-                <a:gd name="connsiteX0" fmla="*/ 1439030 w 5144623"/>
-                <a:gd name="connsiteY0" fmla="*/ 617611 h 5952513"/>
-                <a:gd name="connsiteX1" fmla="*/ 2056641 w 5144623"/>
-                <a:gd name="connsiteY1" fmla="*/ 0 h 5952513"/>
-                <a:gd name="connsiteX2" fmla="*/ 2056629 w 5144623"/>
-                <a:gd name="connsiteY2" fmla="*/ 0 h 5952513"/>
-                <a:gd name="connsiteX3" fmla="*/ 2056629 w 5144623"/>
-                <a:gd name="connsiteY3" fmla="*/ 0 h 5952513"/>
-                <a:gd name="connsiteX4" fmla="*/ 2983027 w 5144623"/>
-                <a:gd name="connsiteY4" fmla="*/ 0 h 5952513"/>
-                <a:gd name="connsiteX5" fmla="*/ 4527012 w 5144623"/>
-                <a:gd name="connsiteY5" fmla="*/ 0 h 5952513"/>
-                <a:gd name="connsiteX6" fmla="*/ 5144623 w 5144623"/>
-                <a:gd name="connsiteY6" fmla="*/ 617611 h 5952513"/>
-                <a:gd name="connsiteX7" fmla="*/ 5144623 w 5144623"/>
-                <a:gd name="connsiteY7" fmla="*/ 3472299 h 5952513"/>
-                <a:gd name="connsiteX8" fmla="*/ 5144623 w 5144623"/>
-                <a:gd name="connsiteY8" fmla="*/ 3472299 h 5952513"/>
-                <a:gd name="connsiteX9" fmla="*/ 5144623 w 5144623"/>
-                <a:gd name="connsiteY9" fmla="*/ 4960428 h 5952513"/>
-                <a:gd name="connsiteX10" fmla="*/ 5144623 w 5144623"/>
-                <a:gd name="connsiteY10" fmla="*/ 5334902 h 5952513"/>
-                <a:gd name="connsiteX11" fmla="*/ 4527012 w 5144623"/>
-                <a:gd name="connsiteY11" fmla="*/ 5952513 h 5952513"/>
-                <a:gd name="connsiteX12" fmla="*/ 2983027 w 5144623"/>
-                <a:gd name="connsiteY12" fmla="*/ 5952513 h 5952513"/>
-                <a:gd name="connsiteX13" fmla="*/ 2056629 w 5144623"/>
-                <a:gd name="connsiteY13" fmla="*/ 5952513 h 5952513"/>
-                <a:gd name="connsiteX14" fmla="*/ 2056629 w 5144623"/>
-                <a:gd name="connsiteY14" fmla="*/ 5952513 h 5952513"/>
-                <a:gd name="connsiteX15" fmla="*/ 2056641 w 5144623"/>
-                <a:gd name="connsiteY15" fmla="*/ 5952513 h 5952513"/>
-                <a:gd name="connsiteX16" fmla="*/ 1439030 w 5144623"/>
-                <a:gd name="connsiteY16" fmla="*/ 5334902 h 5952513"/>
-                <a:gd name="connsiteX17" fmla="*/ 1431535 w 5144623"/>
-                <a:gd name="connsiteY17" fmla="*/ 3893670 h 5952513"/>
-                <a:gd name="connsiteX18" fmla="*/ 0 w 5144623"/>
-                <a:gd name="connsiteY18" fmla="*/ 3534245 h 5952513"/>
-                <a:gd name="connsiteX19" fmla="*/ 1439030 w 5144623"/>
-                <a:gd name="connsiteY19" fmla="*/ 3596422 h 5952513"/>
-                <a:gd name="connsiteX20" fmla="*/ 1439030 w 5144623"/>
-                <a:gd name="connsiteY20" fmla="*/ 617611 h 5952513"/>
-                <a:gd name="connsiteX0" fmla="*/ 1461515 w 5167108"/>
-                <a:gd name="connsiteY0" fmla="*/ 617611 h 5952513"/>
-                <a:gd name="connsiteX1" fmla="*/ 2079126 w 5167108"/>
-                <a:gd name="connsiteY1" fmla="*/ 0 h 5952513"/>
-                <a:gd name="connsiteX2" fmla="*/ 2079114 w 5167108"/>
-                <a:gd name="connsiteY2" fmla="*/ 0 h 5952513"/>
-                <a:gd name="connsiteX3" fmla="*/ 2079114 w 5167108"/>
-                <a:gd name="connsiteY3" fmla="*/ 0 h 5952513"/>
-                <a:gd name="connsiteX4" fmla="*/ 3005512 w 5167108"/>
-                <a:gd name="connsiteY4" fmla="*/ 0 h 5952513"/>
-                <a:gd name="connsiteX5" fmla="*/ 4549497 w 5167108"/>
-                <a:gd name="connsiteY5" fmla="*/ 0 h 5952513"/>
-                <a:gd name="connsiteX6" fmla="*/ 5167108 w 5167108"/>
-                <a:gd name="connsiteY6" fmla="*/ 617611 h 5952513"/>
-                <a:gd name="connsiteX7" fmla="*/ 5167108 w 5167108"/>
-                <a:gd name="connsiteY7" fmla="*/ 3472299 h 5952513"/>
-                <a:gd name="connsiteX8" fmla="*/ 5167108 w 5167108"/>
-                <a:gd name="connsiteY8" fmla="*/ 3472299 h 5952513"/>
-                <a:gd name="connsiteX9" fmla="*/ 5167108 w 5167108"/>
-                <a:gd name="connsiteY9" fmla="*/ 4960428 h 5952513"/>
-                <a:gd name="connsiteX10" fmla="*/ 5167108 w 5167108"/>
-                <a:gd name="connsiteY10" fmla="*/ 5334902 h 5952513"/>
-                <a:gd name="connsiteX11" fmla="*/ 4549497 w 5167108"/>
-                <a:gd name="connsiteY11" fmla="*/ 5952513 h 5952513"/>
-                <a:gd name="connsiteX12" fmla="*/ 3005512 w 5167108"/>
-                <a:gd name="connsiteY12" fmla="*/ 5952513 h 5952513"/>
-                <a:gd name="connsiteX13" fmla="*/ 2079114 w 5167108"/>
-                <a:gd name="connsiteY13" fmla="*/ 5952513 h 5952513"/>
-                <a:gd name="connsiteX14" fmla="*/ 2079114 w 5167108"/>
-                <a:gd name="connsiteY14" fmla="*/ 5952513 h 5952513"/>
-                <a:gd name="connsiteX15" fmla="*/ 2079126 w 5167108"/>
-                <a:gd name="connsiteY15" fmla="*/ 5952513 h 5952513"/>
-                <a:gd name="connsiteX16" fmla="*/ 1461515 w 5167108"/>
-                <a:gd name="connsiteY16" fmla="*/ 5334902 h 5952513"/>
-                <a:gd name="connsiteX17" fmla="*/ 1454020 w 5167108"/>
-                <a:gd name="connsiteY17" fmla="*/ 3893670 h 5952513"/>
-                <a:gd name="connsiteX18" fmla="*/ 0 w 5167108"/>
-                <a:gd name="connsiteY18" fmla="*/ 3676675 h 5952513"/>
-                <a:gd name="connsiteX19" fmla="*/ 1461515 w 5167108"/>
-                <a:gd name="connsiteY19" fmla="*/ 3596422 h 5952513"/>
-                <a:gd name="connsiteX20" fmla="*/ 1461515 w 5167108"/>
-                <a:gd name="connsiteY20" fmla="*/ 617611 h 5952513"/>
-                <a:gd name="connsiteX0" fmla="*/ 1461515 w 5167108"/>
-                <a:gd name="connsiteY0" fmla="*/ 617611 h 5952513"/>
-                <a:gd name="connsiteX1" fmla="*/ 2079126 w 5167108"/>
-                <a:gd name="connsiteY1" fmla="*/ 0 h 5952513"/>
-                <a:gd name="connsiteX2" fmla="*/ 2079114 w 5167108"/>
-                <a:gd name="connsiteY2" fmla="*/ 0 h 5952513"/>
-                <a:gd name="connsiteX3" fmla="*/ 2079114 w 5167108"/>
-                <a:gd name="connsiteY3" fmla="*/ 0 h 5952513"/>
-                <a:gd name="connsiteX4" fmla="*/ 3005512 w 5167108"/>
-                <a:gd name="connsiteY4" fmla="*/ 0 h 5952513"/>
-                <a:gd name="connsiteX5" fmla="*/ 4549497 w 5167108"/>
-                <a:gd name="connsiteY5" fmla="*/ 0 h 5952513"/>
-                <a:gd name="connsiteX6" fmla="*/ 5167108 w 5167108"/>
-                <a:gd name="connsiteY6" fmla="*/ 617611 h 5952513"/>
-                <a:gd name="connsiteX7" fmla="*/ 5167108 w 5167108"/>
-                <a:gd name="connsiteY7" fmla="*/ 3472299 h 5952513"/>
-                <a:gd name="connsiteX8" fmla="*/ 5167108 w 5167108"/>
-                <a:gd name="connsiteY8" fmla="*/ 3472299 h 5952513"/>
-                <a:gd name="connsiteX9" fmla="*/ 5167108 w 5167108"/>
-                <a:gd name="connsiteY9" fmla="*/ 4960428 h 5952513"/>
-                <a:gd name="connsiteX10" fmla="*/ 5167108 w 5167108"/>
-                <a:gd name="connsiteY10" fmla="*/ 5334902 h 5952513"/>
-                <a:gd name="connsiteX11" fmla="*/ 4549497 w 5167108"/>
-                <a:gd name="connsiteY11" fmla="*/ 5952513 h 5952513"/>
-                <a:gd name="connsiteX12" fmla="*/ 3005512 w 5167108"/>
-                <a:gd name="connsiteY12" fmla="*/ 5952513 h 5952513"/>
-                <a:gd name="connsiteX13" fmla="*/ 2079114 w 5167108"/>
-                <a:gd name="connsiteY13" fmla="*/ 5952513 h 5952513"/>
-                <a:gd name="connsiteX14" fmla="*/ 2079114 w 5167108"/>
-                <a:gd name="connsiteY14" fmla="*/ 5952513 h 5952513"/>
-                <a:gd name="connsiteX15" fmla="*/ 2079126 w 5167108"/>
-                <a:gd name="connsiteY15" fmla="*/ 5952513 h 5952513"/>
-                <a:gd name="connsiteX16" fmla="*/ 1461515 w 5167108"/>
-                <a:gd name="connsiteY16" fmla="*/ 5334902 h 5952513"/>
-                <a:gd name="connsiteX17" fmla="*/ 1454020 w 5167108"/>
-                <a:gd name="connsiteY17" fmla="*/ 3893670 h 5952513"/>
-                <a:gd name="connsiteX18" fmla="*/ 0 w 5167108"/>
-                <a:gd name="connsiteY18" fmla="*/ 3676675 h 5952513"/>
-                <a:gd name="connsiteX19" fmla="*/ 1461515 w 5167108"/>
-                <a:gd name="connsiteY19" fmla="*/ 3596422 h 5952513"/>
-                <a:gd name="connsiteX20" fmla="*/ 1471513 w 5167108"/>
-                <a:gd name="connsiteY20" fmla="*/ 919958 h 5952513"/>
-                <a:gd name="connsiteX21" fmla="*/ 1461515 w 5167108"/>
-                <a:gd name="connsiteY21" fmla="*/ 617611 h 5952513"/>
-                <a:gd name="connsiteX0" fmla="*/ 1469010 w 5174603"/>
-                <a:gd name="connsiteY0" fmla="*/ 617611 h 5952513"/>
-                <a:gd name="connsiteX1" fmla="*/ 2086621 w 5174603"/>
-                <a:gd name="connsiteY1" fmla="*/ 0 h 5952513"/>
-                <a:gd name="connsiteX2" fmla="*/ 2086609 w 5174603"/>
-                <a:gd name="connsiteY2" fmla="*/ 0 h 5952513"/>
-                <a:gd name="connsiteX3" fmla="*/ 2086609 w 5174603"/>
-                <a:gd name="connsiteY3" fmla="*/ 0 h 5952513"/>
-                <a:gd name="connsiteX4" fmla="*/ 3013007 w 5174603"/>
-                <a:gd name="connsiteY4" fmla="*/ 0 h 5952513"/>
-                <a:gd name="connsiteX5" fmla="*/ 4556992 w 5174603"/>
-                <a:gd name="connsiteY5" fmla="*/ 0 h 5952513"/>
-                <a:gd name="connsiteX6" fmla="*/ 5174603 w 5174603"/>
-                <a:gd name="connsiteY6" fmla="*/ 617611 h 5952513"/>
-                <a:gd name="connsiteX7" fmla="*/ 5174603 w 5174603"/>
-                <a:gd name="connsiteY7" fmla="*/ 3472299 h 5952513"/>
-                <a:gd name="connsiteX8" fmla="*/ 5174603 w 5174603"/>
-                <a:gd name="connsiteY8" fmla="*/ 3472299 h 5952513"/>
-                <a:gd name="connsiteX9" fmla="*/ 5174603 w 5174603"/>
-                <a:gd name="connsiteY9" fmla="*/ 4960428 h 5952513"/>
-                <a:gd name="connsiteX10" fmla="*/ 5174603 w 5174603"/>
-                <a:gd name="connsiteY10" fmla="*/ 5334902 h 5952513"/>
-                <a:gd name="connsiteX11" fmla="*/ 4556992 w 5174603"/>
-                <a:gd name="connsiteY11" fmla="*/ 5952513 h 5952513"/>
-                <a:gd name="connsiteX12" fmla="*/ 3013007 w 5174603"/>
-                <a:gd name="connsiteY12" fmla="*/ 5952513 h 5952513"/>
-                <a:gd name="connsiteX13" fmla="*/ 2086609 w 5174603"/>
-                <a:gd name="connsiteY13" fmla="*/ 5952513 h 5952513"/>
-                <a:gd name="connsiteX14" fmla="*/ 2086609 w 5174603"/>
-                <a:gd name="connsiteY14" fmla="*/ 5952513 h 5952513"/>
-                <a:gd name="connsiteX15" fmla="*/ 2086621 w 5174603"/>
-                <a:gd name="connsiteY15" fmla="*/ 5952513 h 5952513"/>
-                <a:gd name="connsiteX16" fmla="*/ 1469010 w 5174603"/>
-                <a:gd name="connsiteY16" fmla="*/ 5334902 h 5952513"/>
-                <a:gd name="connsiteX17" fmla="*/ 1461515 w 5174603"/>
-                <a:gd name="connsiteY17" fmla="*/ 3893670 h 5952513"/>
-                <a:gd name="connsiteX18" fmla="*/ 0 w 5174603"/>
-                <a:gd name="connsiteY18" fmla="*/ 3486767 h 5952513"/>
-                <a:gd name="connsiteX19" fmla="*/ 1469010 w 5174603"/>
-                <a:gd name="connsiteY19" fmla="*/ 3596422 h 5952513"/>
-                <a:gd name="connsiteX20" fmla="*/ 1479008 w 5174603"/>
-                <a:gd name="connsiteY20" fmla="*/ 919958 h 5952513"/>
-                <a:gd name="connsiteX21" fmla="*/ 1469010 w 5174603"/>
-                <a:gd name="connsiteY21" fmla="*/ 617611 h 5952513"/>
+                <a:gd name="connsiteX0" fmla="*/ 0 w 3829503"/>
+                <a:gd name="connsiteY0" fmla="*/ 638263 h 5717824"/>
+                <a:gd name="connsiteX1" fmla="*/ 638263 w 3829503"/>
+                <a:gd name="connsiteY1" fmla="*/ 0 h 5717824"/>
+                <a:gd name="connsiteX2" fmla="*/ 638251 w 3829503"/>
+                <a:gd name="connsiteY2" fmla="*/ 0 h 5717824"/>
+                <a:gd name="connsiteX3" fmla="*/ 638251 w 3829503"/>
+                <a:gd name="connsiteY3" fmla="*/ 0 h 5717824"/>
+                <a:gd name="connsiteX4" fmla="*/ 1595626 w 3829503"/>
+                <a:gd name="connsiteY4" fmla="*/ 0 h 5717824"/>
+                <a:gd name="connsiteX5" fmla="*/ 3191240 w 3829503"/>
+                <a:gd name="connsiteY5" fmla="*/ 0 h 5717824"/>
+                <a:gd name="connsiteX6" fmla="*/ 3829503 w 3829503"/>
+                <a:gd name="connsiteY6" fmla="*/ 638263 h 5717824"/>
+                <a:gd name="connsiteX7" fmla="*/ 3829503 w 3829503"/>
+                <a:gd name="connsiteY7" fmla="*/ 3335397 h 5717824"/>
+                <a:gd name="connsiteX8" fmla="*/ 3829503 w 3829503"/>
+                <a:gd name="connsiteY8" fmla="*/ 3335397 h 5717824"/>
+                <a:gd name="connsiteX9" fmla="*/ 3829503 w 3829503"/>
+                <a:gd name="connsiteY9" fmla="*/ 4764853 h 5717824"/>
+                <a:gd name="connsiteX10" fmla="*/ 3829503 w 3829503"/>
+                <a:gd name="connsiteY10" fmla="*/ 5079561 h 5717824"/>
+                <a:gd name="connsiteX11" fmla="*/ 3191240 w 3829503"/>
+                <a:gd name="connsiteY11" fmla="*/ 5717824 h 5717824"/>
+                <a:gd name="connsiteX12" fmla="*/ 1595626 w 3829503"/>
+                <a:gd name="connsiteY12" fmla="*/ 5717824 h 5717824"/>
+                <a:gd name="connsiteX13" fmla="*/ 638251 w 3829503"/>
+                <a:gd name="connsiteY13" fmla="*/ 5717824 h 5717824"/>
+                <a:gd name="connsiteX14" fmla="*/ 638251 w 3829503"/>
+                <a:gd name="connsiteY14" fmla="*/ 5717824 h 5717824"/>
+                <a:gd name="connsiteX15" fmla="*/ 638263 w 3829503"/>
+                <a:gd name="connsiteY15" fmla="*/ 5717824 h 5717824"/>
+                <a:gd name="connsiteX16" fmla="*/ 0 w 3829503"/>
+                <a:gd name="connsiteY16" fmla="*/ 5079561 h 5717824"/>
+                <a:gd name="connsiteX17" fmla="*/ 0 w 3829503"/>
+                <a:gd name="connsiteY17" fmla="*/ 4764853 h 5717824"/>
+                <a:gd name="connsiteX18" fmla="*/ -1381149 w 3829503"/>
+                <a:gd name="connsiteY18" fmla="*/ 3397359 h 5717824"/>
+                <a:gd name="connsiteX19" fmla="*/ 0 w 3829503"/>
+                <a:gd name="connsiteY19" fmla="*/ 3335397 h 5717824"/>
+                <a:gd name="connsiteX20" fmla="*/ 0 w 3829503"/>
+                <a:gd name="connsiteY20" fmla="*/ 638263 h 5717824"/>
+                <a:gd name="connsiteX0" fmla="*/ 1352868 w 5182371"/>
+                <a:gd name="connsiteY0" fmla="*/ 638263 h 5717824"/>
+                <a:gd name="connsiteX1" fmla="*/ 1991131 w 5182371"/>
+                <a:gd name="connsiteY1" fmla="*/ 0 h 5717824"/>
+                <a:gd name="connsiteX2" fmla="*/ 1991119 w 5182371"/>
+                <a:gd name="connsiteY2" fmla="*/ 0 h 5717824"/>
+                <a:gd name="connsiteX3" fmla="*/ 1991119 w 5182371"/>
+                <a:gd name="connsiteY3" fmla="*/ 0 h 5717824"/>
+                <a:gd name="connsiteX4" fmla="*/ 2948494 w 5182371"/>
+                <a:gd name="connsiteY4" fmla="*/ 0 h 5717824"/>
+                <a:gd name="connsiteX5" fmla="*/ 4544108 w 5182371"/>
+                <a:gd name="connsiteY5" fmla="*/ 0 h 5717824"/>
+                <a:gd name="connsiteX6" fmla="*/ 5182371 w 5182371"/>
+                <a:gd name="connsiteY6" fmla="*/ 638263 h 5717824"/>
+                <a:gd name="connsiteX7" fmla="*/ 5182371 w 5182371"/>
+                <a:gd name="connsiteY7" fmla="*/ 3335397 h 5717824"/>
+                <a:gd name="connsiteX8" fmla="*/ 5182371 w 5182371"/>
+                <a:gd name="connsiteY8" fmla="*/ 3335397 h 5717824"/>
+                <a:gd name="connsiteX9" fmla="*/ 5182371 w 5182371"/>
+                <a:gd name="connsiteY9" fmla="*/ 4764853 h 5717824"/>
+                <a:gd name="connsiteX10" fmla="*/ 5182371 w 5182371"/>
+                <a:gd name="connsiteY10" fmla="*/ 5079561 h 5717824"/>
+                <a:gd name="connsiteX11" fmla="*/ 4544108 w 5182371"/>
+                <a:gd name="connsiteY11" fmla="*/ 5717824 h 5717824"/>
+                <a:gd name="connsiteX12" fmla="*/ 2948494 w 5182371"/>
+                <a:gd name="connsiteY12" fmla="*/ 5717824 h 5717824"/>
+                <a:gd name="connsiteX13" fmla="*/ 1991119 w 5182371"/>
+                <a:gd name="connsiteY13" fmla="*/ 5717824 h 5717824"/>
+                <a:gd name="connsiteX14" fmla="*/ 1991119 w 5182371"/>
+                <a:gd name="connsiteY14" fmla="*/ 5717824 h 5717824"/>
+                <a:gd name="connsiteX15" fmla="*/ 1991131 w 5182371"/>
+                <a:gd name="connsiteY15" fmla="*/ 5717824 h 5717824"/>
+                <a:gd name="connsiteX16" fmla="*/ 1352868 w 5182371"/>
+                <a:gd name="connsiteY16" fmla="*/ 5079561 h 5717824"/>
+                <a:gd name="connsiteX17" fmla="*/ 1352868 w 5182371"/>
+                <a:gd name="connsiteY17" fmla="*/ 4764853 h 5717824"/>
+                <a:gd name="connsiteX18" fmla="*/ 0 w 5182371"/>
+                <a:gd name="connsiteY18" fmla="*/ 3293664 h 5717824"/>
+                <a:gd name="connsiteX19" fmla="*/ 1352868 w 5182371"/>
+                <a:gd name="connsiteY19" fmla="*/ 3335397 h 5717824"/>
+                <a:gd name="connsiteX20" fmla="*/ 1352868 w 5182371"/>
+                <a:gd name="connsiteY20" fmla="*/ 638263 h 5717824"/>
+                <a:gd name="connsiteX0" fmla="*/ 1352868 w 5182371"/>
+                <a:gd name="connsiteY0" fmla="*/ 638263 h 5717824"/>
+                <a:gd name="connsiteX1" fmla="*/ 1991131 w 5182371"/>
+                <a:gd name="connsiteY1" fmla="*/ 0 h 5717824"/>
+                <a:gd name="connsiteX2" fmla="*/ 1991119 w 5182371"/>
+                <a:gd name="connsiteY2" fmla="*/ 0 h 5717824"/>
+                <a:gd name="connsiteX3" fmla="*/ 1991119 w 5182371"/>
+                <a:gd name="connsiteY3" fmla="*/ 0 h 5717824"/>
+                <a:gd name="connsiteX4" fmla="*/ 2948494 w 5182371"/>
+                <a:gd name="connsiteY4" fmla="*/ 0 h 5717824"/>
+                <a:gd name="connsiteX5" fmla="*/ 4544108 w 5182371"/>
+                <a:gd name="connsiteY5" fmla="*/ 0 h 5717824"/>
+                <a:gd name="connsiteX6" fmla="*/ 5182371 w 5182371"/>
+                <a:gd name="connsiteY6" fmla="*/ 638263 h 5717824"/>
+                <a:gd name="connsiteX7" fmla="*/ 5182371 w 5182371"/>
+                <a:gd name="connsiteY7" fmla="*/ 3335397 h 5717824"/>
+                <a:gd name="connsiteX8" fmla="*/ 5182371 w 5182371"/>
+                <a:gd name="connsiteY8" fmla="*/ 3335397 h 5717824"/>
+                <a:gd name="connsiteX9" fmla="*/ 5182371 w 5182371"/>
+                <a:gd name="connsiteY9" fmla="*/ 4764853 h 5717824"/>
+                <a:gd name="connsiteX10" fmla="*/ 5182371 w 5182371"/>
+                <a:gd name="connsiteY10" fmla="*/ 5079561 h 5717824"/>
+                <a:gd name="connsiteX11" fmla="*/ 4544108 w 5182371"/>
+                <a:gd name="connsiteY11" fmla="*/ 5717824 h 5717824"/>
+                <a:gd name="connsiteX12" fmla="*/ 2948494 w 5182371"/>
+                <a:gd name="connsiteY12" fmla="*/ 5717824 h 5717824"/>
+                <a:gd name="connsiteX13" fmla="*/ 1991119 w 5182371"/>
+                <a:gd name="connsiteY13" fmla="*/ 5717824 h 5717824"/>
+                <a:gd name="connsiteX14" fmla="*/ 1991119 w 5182371"/>
+                <a:gd name="connsiteY14" fmla="*/ 5717824 h 5717824"/>
+                <a:gd name="connsiteX15" fmla="*/ 1991131 w 5182371"/>
+                <a:gd name="connsiteY15" fmla="*/ 5717824 h 5717824"/>
+                <a:gd name="connsiteX16" fmla="*/ 1352868 w 5182371"/>
+                <a:gd name="connsiteY16" fmla="*/ 5079561 h 5717824"/>
+                <a:gd name="connsiteX17" fmla="*/ 1343441 w 5182371"/>
+                <a:gd name="connsiteY17" fmla="*/ 3577076 h 5717824"/>
+                <a:gd name="connsiteX18" fmla="*/ 0 w 5182371"/>
+                <a:gd name="connsiteY18" fmla="*/ 3293664 h 5717824"/>
+                <a:gd name="connsiteX19" fmla="*/ 1352868 w 5182371"/>
+                <a:gd name="connsiteY19" fmla="*/ 3335397 h 5717824"/>
+                <a:gd name="connsiteX20" fmla="*/ 1352868 w 5182371"/>
+                <a:gd name="connsiteY20" fmla="*/ 638263 h 5717824"/>
+                <a:gd name="connsiteX0" fmla="*/ 1352868 w 5182371"/>
+                <a:gd name="connsiteY0" fmla="*/ 638263 h 5717824"/>
+                <a:gd name="connsiteX1" fmla="*/ 1991131 w 5182371"/>
+                <a:gd name="connsiteY1" fmla="*/ 0 h 5717824"/>
+                <a:gd name="connsiteX2" fmla="*/ 1991119 w 5182371"/>
+                <a:gd name="connsiteY2" fmla="*/ 0 h 5717824"/>
+                <a:gd name="connsiteX3" fmla="*/ 1991119 w 5182371"/>
+                <a:gd name="connsiteY3" fmla="*/ 0 h 5717824"/>
+                <a:gd name="connsiteX4" fmla="*/ 2948494 w 5182371"/>
+                <a:gd name="connsiteY4" fmla="*/ 0 h 5717824"/>
+                <a:gd name="connsiteX5" fmla="*/ 4544108 w 5182371"/>
+                <a:gd name="connsiteY5" fmla="*/ 0 h 5717824"/>
+                <a:gd name="connsiteX6" fmla="*/ 5182371 w 5182371"/>
+                <a:gd name="connsiteY6" fmla="*/ 638263 h 5717824"/>
+                <a:gd name="connsiteX7" fmla="*/ 5182371 w 5182371"/>
+                <a:gd name="connsiteY7" fmla="*/ 3335397 h 5717824"/>
+                <a:gd name="connsiteX8" fmla="*/ 5182371 w 5182371"/>
+                <a:gd name="connsiteY8" fmla="*/ 3335397 h 5717824"/>
+                <a:gd name="connsiteX9" fmla="*/ 5182371 w 5182371"/>
+                <a:gd name="connsiteY9" fmla="*/ 4764853 h 5717824"/>
+                <a:gd name="connsiteX10" fmla="*/ 5182371 w 5182371"/>
+                <a:gd name="connsiteY10" fmla="*/ 5079561 h 5717824"/>
+                <a:gd name="connsiteX11" fmla="*/ 4544108 w 5182371"/>
+                <a:gd name="connsiteY11" fmla="*/ 5717824 h 5717824"/>
+                <a:gd name="connsiteX12" fmla="*/ 2948494 w 5182371"/>
+                <a:gd name="connsiteY12" fmla="*/ 5717824 h 5717824"/>
+                <a:gd name="connsiteX13" fmla="*/ 1991119 w 5182371"/>
+                <a:gd name="connsiteY13" fmla="*/ 5717824 h 5717824"/>
+                <a:gd name="connsiteX14" fmla="*/ 1991119 w 5182371"/>
+                <a:gd name="connsiteY14" fmla="*/ 5717824 h 5717824"/>
+                <a:gd name="connsiteX15" fmla="*/ 1991131 w 5182371"/>
+                <a:gd name="connsiteY15" fmla="*/ 5717824 h 5717824"/>
+                <a:gd name="connsiteX16" fmla="*/ 1352868 w 5182371"/>
+                <a:gd name="connsiteY16" fmla="*/ 5079561 h 5717824"/>
+                <a:gd name="connsiteX17" fmla="*/ 1343441 w 5182371"/>
+                <a:gd name="connsiteY17" fmla="*/ 3577076 h 5717824"/>
+                <a:gd name="connsiteX18" fmla="*/ 0 w 5182371"/>
+                <a:gd name="connsiteY18" fmla="*/ 3293664 h 5717824"/>
+                <a:gd name="connsiteX19" fmla="*/ 1352868 w 5182371"/>
+                <a:gd name="connsiteY19" fmla="*/ 3156288 h 5717824"/>
+                <a:gd name="connsiteX20" fmla="*/ 1352868 w 5182371"/>
+                <a:gd name="connsiteY20" fmla="*/ 638263 h 5717824"/>
+                <a:gd name="connsiteX0" fmla="*/ 1352868 w 5182371"/>
+                <a:gd name="connsiteY0" fmla="*/ 638263 h 5717824"/>
+                <a:gd name="connsiteX1" fmla="*/ 1991131 w 5182371"/>
+                <a:gd name="connsiteY1" fmla="*/ 0 h 5717824"/>
+                <a:gd name="connsiteX2" fmla="*/ 1991119 w 5182371"/>
+                <a:gd name="connsiteY2" fmla="*/ 0 h 5717824"/>
+                <a:gd name="connsiteX3" fmla="*/ 1991119 w 5182371"/>
+                <a:gd name="connsiteY3" fmla="*/ 0 h 5717824"/>
+                <a:gd name="connsiteX4" fmla="*/ 2948494 w 5182371"/>
+                <a:gd name="connsiteY4" fmla="*/ 0 h 5717824"/>
+                <a:gd name="connsiteX5" fmla="*/ 4544108 w 5182371"/>
+                <a:gd name="connsiteY5" fmla="*/ 0 h 5717824"/>
+                <a:gd name="connsiteX6" fmla="*/ 5182371 w 5182371"/>
+                <a:gd name="connsiteY6" fmla="*/ 638263 h 5717824"/>
+                <a:gd name="connsiteX7" fmla="*/ 5182371 w 5182371"/>
+                <a:gd name="connsiteY7" fmla="*/ 3335397 h 5717824"/>
+                <a:gd name="connsiteX8" fmla="*/ 5182371 w 5182371"/>
+                <a:gd name="connsiteY8" fmla="*/ 3335397 h 5717824"/>
+                <a:gd name="connsiteX9" fmla="*/ 5182371 w 5182371"/>
+                <a:gd name="connsiteY9" fmla="*/ 4764853 h 5717824"/>
+                <a:gd name="connsiteX10" fmla="*/ 5182371 w 5182371"/>
+                <a:gd name="connsiteY10" fmla="*/ 5079561 h 5717824"/>
+                <a:gd name="connsiteX11" fmla="*/ 4544108 w 5182371"/>
+                <a:gd name="connsiteY11" fmla="*/ 5717824 h 5717824"/>
+                <a:gd name="connsiteX12" fmla="*/ 2948494 w 5182371"/>
+                <a:gd name="connsiteY12" fmla="*/ 5717824 h 5717824"/>
+                <a:gd name="connsiteX13" fmla="*/ 1991119 w 5182371"/>
+                <a:gd name="connsiteY13" fmla="*/ 5717824 h 5717824"/>
+                <a:gd name="connsiteX14" fmla="*/ 1991119 w 5182371"/>
+                <a:gd name="connsiteY14" fmla="*/ 5717824 h 5717824"/>
+                <a:gd name="connsiteX15" fmla="*/ 1991131 w 5182371"/>
+                <a:gd name="connsiteY15" fmla="*/ 5717824 h 5717824"/>
+                <a:gd name="connsiteX16" fmla="*/ 1352868 w 5182371"/>
+                <a:gd name="connsiteY16" fmla="*/ 5079561 h 5717824"/>
+                <a:gd name="connsiteX17" fmla="*/ 1343441 w 5182371"/>
+                <a:gd name="connsiteY17" fmla="*/ 3473381 h 5717824"/>
+                <a:gd name="connsiteX18" fmla="*/ 0 w 5182371"/>
+                <a:gd name="connsiteY18" fmla="*/ 3293664 h 5717824"/>
+                <a:gd name="connsiteX19" fmla="*/ 1352868 w 5182371"/>
+                <a:gd name="connsiteY19" fmla="*/ 3156288 h 5717824"/>
+                <a:gd name="connsiteX20" fmla="*/ 1352868 w 5182371"/>
+                <a:gd name="connsiteY20" fmla="*/ 638263 h 5717824"/>
               </a:gdLst>
               <a:ahLst/>
               <a:cxnLst>
@@ -5119,90 +5157,82 @@
                 <a:cxn ang="0">
                   <a:pos x="connsiteX20" y="connsiteY20"/>
                 </a:cxn>
-                <a:cxn ang="0">
-                  <a:pos x="connsiteX21" y="connsiteY21"/>
-                </a:cxn>
               </a:cxnLst>
               <a:rect l="l" t="t" r="r" b="b"/>
               <a:pathLst>
-                <a:path w="5174603" h="5952513">
+                <a:path w="5182371" h="5717824">
                   <a:moveTo>
-                    <a:pt x="1469010" y="617611"/>
+                    <a:pt x="1352868" y="638263"/>
                   </a:moveTo>
                   <a:cubicBezTo>
-                    <a:pt x="1469010" y="276514"/>
-                    <a:pt x="1745524" y="0"/>
-                    <a:pt x="2086621" y="0"/>
+                    <a:pt x="1352868" y="285760"/>
+                    <a:pt x="1638628" y="0"/>
+                    <a:pt x="1991131" y="0"/>
                   </a:cubicBezTo>
                   <a:lnTo>
-                    <a:pt x="2086609" y="0"/>
+                    <a:pt x="1991119" y="0"/>
                   </a:lnTo>
                   <a:lnTo>
-                    <a:pt x="2086609" y="0"/>
+                    <a:pt x="1991119" y="0"/>
                   </a:lnTo>
                   <a:lnTo>
-                    <a:pt x="3013007" y="0"/>
+                    <a:pt x="2948494" y="0"/>
                   </a:lnTo>
                   <a:lnTo>
-                    <a:pt x="4556992" y="0"/>
+                    <a:pt x="4544108" y="0"/>
                   </a:lnTo>
                   <a:cubicBezTo>
-                    <a:pt x="4898089" y="0"/>
-                    <a:pt x="5174603" y="276514"/>
-                    <a:pt x="5174603" y="617611"/>
+                    <a:pt x="4896611" y="0"/>
+                    <a:pt x="5182371" y="285760"/>
+                    <a:pt x="5182371" y="638263"/>
                   </a:cubicBezTo>
                   <a:lnTo>
-                    <a:pt x="5174603" y="3472299"/>
+                    <a:pt x="5182371" y="3335397"/>
                   </a:lnTo>
                   <a:lnTo>
-                    <a:pt x="5174603" y="3472299"/>
+                    <a:pt x="5182371" y="3335397"/>
                   </a:lnTo>
                   <a:lnTo>
-                    <a:pt x="5174603" y="4960428"/>
+                    <a:pt x="5182371" y="4764853"/>
                   </a:lnTo>
                   <a:lnTo>
-                    <a:pt x="5174603" y="5334902"/>
+                    <a:pt x="5182371" y="5079561"/>
                   </a:lnTo>
                   <a:cubicBezTo>
-                    <a:pt x="5174603" y="5675999"/>
-                    <a:pt x="4898089" y="5952513"/>
-                    <a:pt x="4556992" y="5952513"/>
+                    <a:pt x="5182371" y="5432064"/>
+                    <a:pt x="4896611" y="5717824"/>
+                    <a:pt x="4544108" y="5717824"/>
                   </a:cubicBezTo>
                   <a:lnTo>
-                    <a:pt x="3013007" y="5952513"/>
+                    <a:pt x="2948494" y="5717824"/>
                   </a:lnTo>
                   <a:lnTo>
-                    <a:pt x="2086609" y="5952513"/>
+                    <a:pt x="1991119" y="5717824"/>
                   </a:lnTo>
                   <a:lnTo>
-                    <a:pt x="2086609" y="5952513"/>
+                    <a:pt x="1991119" y="5717824"/>
                   </a:lnTo>
                   <a:lnTo>
-                    <a:pt x="2086621" y="5952513"/>
+                    <a:pt x="1991131" y="5717824"/>
                   </a:lnTo>
                   <a:cubicBezTo>
-                    <a:pt x="1745524" y="5952513"/>
-                    <a:pt x="1469010" y="5675999"/>
-                    <a:pt x="1469010" y="5334902"/>
+                    <a:pt x="1638628" y="5717824"/>
+                    <a:pt x="1352868" y="5432064"/>
+                    <a:pt x="1352868" y="5079561"/>
                   </a:cubicBezTo>
                   <a:cubicBezTo>
-                    <a:pt x="1466512" y="4775363"/>
-                    <a:pt x="1464013" y="4453209"/>
-                    <a:pt x="1461515" y="3893670"/>
+                    <a:pt x="1349726" y="4578733"/>
+                    <a:pt x="1346583" y="3974209"/>
+                    <a:pt x="1343441" y="3473381"/>
                   </a:cubicBezTo>
                   <a:lnTo>
-                    <a:pt x="0" y="3486767"/>
+                    <a:pt x="0" y="3293664"/>
                   </a:lnTo>
                   <a:lnTo>
-                    <a:pt x="1469010" y="3596422"/>
+                    <a:pt x="1352868" y="3156288"/>
                   </a:lnTo>
-                  <a:cubicBezTo>
-                    <a:pt x="1467346" y="2680529"/>
-                    <a:pt x="1480672" y="1835851"/>
-                    <a:pt x="1479008" y="919958"/>
-                  </a:cubicBezTo>
                   <a:lnTo>
-                    <a:pt x="1469010" y="617611"/>
+                    <a:pt x="1352868" y="638263"/>
                   </a:lnTo>
                   <a:close/>
                 </a:path>
@@ -5210,14 +5240,9 @@
             </a:custGeom>
             <a:solidFill>
               <a:srgbClr val="E6B77D">
-                <a:alpha val="50000"/>
+                <a:alpha val="50196"/>
               </a:srgbClr>
             </a:solidFill>
-            <a:ln>
-              <a:solidFill>
-                <a:schemeClr val="tx1"/>
-              </a:solidFill>
-            </a:ln>
           </p:spPr>
           <p:style>
             <a:lnRef idx="2">
@@ -5240,7 +5265,7 @@
             <a:lstStyle/>
             <a:p>
               <a:pPr algn="ctr"/>
-              <a:endParaRPr lang="en-US" dirty="0"/>
+              <a:endParaRPr lang="en-US"/>
             </a:p>
           </p:txBody>
         </p:sp>
@@ -5258,7 +5283,7 @@
           </p:nvSpPr>
           <p:spPr>
             <a:xfrm>
-              <a:off x="459714" y="21112717"/>
+              <a:off x="527097" y="21119067"/>
               <a:ext cx="1280639" cy="529175"/>
             </a:xfrm>
             <a:prstGeom prst="roundRect">
@@ -5312,7 +5337,7 @@
           </p:nvSpPr>
           <p:spPr>
             <a:xfrm>
-              <a:off x="1746114" y="21107472"/>
+              <a:off x="1813497" y="21113822"/>
               <a:ext cx="1277897" cy="541794"/>
             </a:xfrm>
             <a:prstGeom prst="roundRect">
@@ -5366,7 +5391,7 @@
           </p:nvSpPr>
           <p:spPr>
             <a:xfrm>
-              <a:off x="471028" y="19572372"/>
+              <a:off x="538411" y="19578722"/>
               <a:ext cx="2538650" cy="595773"/>
             </a:xfrm>
             <a:prstGeom prst="roundRect">
@@ -5423,7 +5448,7 @@
           </p:nvSpPr>
           <p:spPr>
             <a:xfrm>
-              <a:off x="471028" y="18627522"/>
+              <a:off x="538411" y="18633872"/>
               <a:ext cx="3880189" cy="595773"/>
             </a:xfrm>
             <a:prstGeom prst="roundRect">
@@ -5480,7 +5505,7 @@
           </p:nvSpPr>
           <p:spPr>
             <a:xfrm>
-              <a:off x="1080984" y="20826416"/>
+              <a:off x="1148367" y="20832766"/>
               <a:ext cx="175297" cy="242326"/>
             </a:xfrm>
             <a:prstGeom prst="upArrow">
@@ -5531,7 +5556,7 @@
           </p:nvSpPr>
           <p:spPr>
             <a:xfrm>
-              <a:off x="2269530" y="20826416"/>
+              <a:off x="2336913" y="20832766"/>
               <a:ext cx="175297" cy="242326"/>
             </a:xfrm>
             <a:prstGeom prst="upArrow">
@@ -5582,7 +5607,7 @@
           </p:nvSpPr>
           <p:spPr>
             <a:xfrm>
-              <a:off x="1330644" y="17641974"/>
+              <a:off x="1398027" y="17648324"/>
               <a:ext cx="2103553" cy="595773"/>
             </a:xfrm>
             <a:prstGeom prst="roundRect">
@@ -5639,7 +5664,7 @@
           </p:nvSpPr>
           <p:spPr>
             <a:xfrm>
-              <a:off x="1346449" y="16690215"/>
+              <a:off x="1413832" y="16696565"/>
               <a:ext cx="2103553" cy="595773"/>
             </a:xfrm>
             <a:prstGeom prst="roundRect">
@@ -5696,7 +5721,7 @@
           </p:nvSpPr>
           <p:spPr>
             <a:xfrm>
-              <a:off x="1346449" y="15752027"/>
+              <a:off x="1413832" y="15758377"/>
               <a:ext cx="2103553" cy="595773"/>
             </a:xfrm>
             <a:prstGeom prst="roundRect">
@@ -5753,7 +5778,7 @@
           </p:nvSpPr>
           <p:spPr>
             <a:xfrm>
-              <a:off x="2313030" y="18298014"/>
+              <a:off x="2380413" y="18304364"/>
               <a:ext cx="175297" cy="242326"/>
             </a:xfrm>
             <a:prstGeom prst="upArrow">
@@ -5804,7 +5829,7 @@
           </p:nvSpPr>
           <p:spPr>
             <a:xfrm>
-              <a:off x="2303839" y="17341071"/>
+              <a:off x="2371222" y="17347421"/>
               <a:ext cx="175297" cy="242326"/>
             </a:xfrm>
             <a:prstGeom prst="upArrow">
@@ -5858,7 +5883,7 @@
           </p:nvSpPr>
           <p:spPr>
             <a:xfrm>
-              <a:off x="2296218" y="16374072"/>
+              <a:off x="2363601" y="16380422"/>
               <a:ext cx="175297" cy="242326"/>
             </a:xfrm>
             <a:prstGeom prst="upArrow">
@@ -5912,7 +5937,7 @@
           </p:nvSpPr>
           <p:spPr>
             <a:xfrm>
-              <a:off x="384775" y="14321270"/>
+              <a:off x="452158" y="14327620"/>
               <a:ext cx="1884755" cy="944710"/>
             </a:xfrm>
             <a:prstGeom prst="roundRect">
@@ -6016,7 +6041,7 @@
           </p:nvSpPr>
           <p:spPr>
             <a:xfrm>
-              <a:off x="969680" y="13496997"/>
+              <a:off x="1037063" y="13503347"/>
               <a:ext cx="634805" cy="484646"/>
             </a:xfrm>
             <a:prstGeom prst="ellipse">
@@ -6074,7 +6099,7 @@
           </p:nvSpPr>
           <p:spPr>
             <a:xfrm>
-              <a:off x="3139654" y="13473664"/>
+              <a:off x="3207037" y="13480014"/>
               <a:ext cx="634805" cy="493249"/>
             </a:xfrm>
             <a:prstGeom prst="ellipse">
@@ -6132,7 +6157,7 @@
           </p:nvSpPr>
           <p:spPr>
             <a:xfrm>
-              <a:off x="1199046" y="14018551"/>
+              <a:off x="1266429" y="14024901"/>
               <a:ext cx="175297" cy="242326"/>
             </a:xfrm>
             <a:prstGeom prst="upArrow">
@@ -6180,7 +6205,7 @@
           </p:nvSpPr>
           <p:spPr>
             <a:xfrm>
-              <a:off x="3374802" y="14002617"/>
+              <a:off x="3442185" y="14008967"/>
               <a:ext cx="174473" cy="242326"/>
             </a:xfrm>
             <a:prstGeom prst="upArrow">
@@ -6228,7 +6253,7 @@
           </p:nvSpPr>
           <p:spPr>
             <a:xfrm>
-              <a:off x="471028" y="20168145"/>
+              <a:off x="538411" y="20174495"/>
               <a:ext cx="2538650" cy="595773"/>
             </a:xfrm>
             <a:prstGeom prst="roundRect">
@@ -6282,7 +6307,7 @@
           </p:nvSpPr>
           <p:spPr>
             <a:xfrm>
-              <a:off x="1199047" y="14018551"/>
+              <a:off x="1266430" y="14024901"/>
               <a:ext cx="175297" cy="242326"/>
             </a:xfrm>
             <a:prstGeom prst="upArrow">
@@ -6330,7 +6355,7 @@
           </p:nvSpPr>
           <p:spPr>
             <a:xfrm>
-              <a:off x="3374803" y="14017857"/>
+              <a:off x="3442186" y="14024207"/>
               <a:ext cx="174473" cy="242326"/>
             </a:xfrm>
             <a:prstGeom prst="upArrow">
@@ -6386,7 +6411,7 @@
           </p:nvSpPr>
           <p:spPr>
             <a:xfrm>
-              <a:off x="1199048" y="14018551"/>
+              <a:off x="1266431" y="14024901"/>
               <a:ext cx="175297" cy="242326"/>
             </a:xfrm>
             <a:prstGeom prst="upArrow">
@@ -6442,7 +6467,7 @@
           </p:nvSpPr>
           <p:spPr>
             <a:xfrm rot="16200000">
-              <a:off x="-462181" y="16313281"/>
+              <a:off x="-394798" y="16319631"/>
               <a:ext cx="2651677" cy="785256"/>
             </a:xfrm>
             <a:prstGeom prst="bentArrow">
@@ -6501,7 +6526,7 @@
           </p:nvSpPr>
           <p:spPr>
             <a:xfrm rot="16200000">
-              <a:off x="171563" y="16002316"/>
+              <a:off x="238946" y="16008666"/>
               <a:ext cx="1706965" cy="462477"/>
             </a:xfrm>
             <a:prstGeom prst="bentArrow">
@@ -6560,7 +6585,7 @@
           </p:nvSpPr>
           <p:spPr>
             <a:xfrm>
-              <a:off x="5421255" y="18957991"/>
+              <a:off x="5488638" y="18964341"/>
               <a:ext cx="2882324" cy="317287"/>
             </a:xfrm>
             <a:prstGeom prst="roundRect">
@@ -6614,7 +6639,7 @@
           </p:nvSpPr>
           <p:spPr>
             <a:xfrm>
-              <a:off x="3274528" y="21112717"/>
+              <a:off x="3341911" y="21119067"/>
               <a:ext cx="1280639" cy="529175"/>
             </a:xfrm>
             <a:prstGeom prst="roundRect">
@@ -6668,7 +6693,7 @@
           </p:nvSpPr>
           <p:spPr>
             <a:xfrm>
-              <a:off x="4560928" y="21107472"/>
+              <a:off x="4628311" y="21113822"/>
               <a:ext cx="1277897" cy="541794"/>
             </a:xfrm>
             <a:prstGeom prst="roundRect">
@@ -6722,7 +6747,7 @@
           </p:nvSpPr>
           <p:spPr>
             <a:xfrm>
-              <a:off x="3285842" y="19572372"/>
+              <a:off x="3353225" y="19578722"/>
               <a:ext cx="2538650" cy="595773"/>
             </a:xfrm>
             <a:prstGeom prst="roundRect">
@@ -6779,7 +6804,7 @@
           </p:nvSpPr>
           <p:spPr>
             <a:xfrm>
-              <a:off x="3895798" y="20826416"/>
+              <a:off x="3963181" y="20832766"/>
               <a:ext cx="175297" cy="242326"/>
             </a:xfrm>
             <a:prstGeom prst="upArrow">
@@ -6830,7 +6855,7 @@
           </p:nvSpPr>
           <p:spPr>
             <a:xfrm>
-              <a:off x="5084344" y="20826416"/>
+              <a:off x="5151727" y="20832766"/>
               <a:ext cx="175297" cy="242326"/>
             </a:xfrm>
             <a:prstGeom prst="upArrow">
@@ -6881,7 +6906,7 @@
           </p:nvSpPr>
           <p:spPr>
             <a:xfrm>
-              <a:off x="3285842" y="20168145"/>
+              <a:off x="3353225" y="20174495"/>
               <a:ext cx="2538650" cy="595773"/>
             </a:xfrm>
             <a:prstGeom prst="roundRect">
@@ -6935,7 +6960,7 @@
           </p:nvSpPr>
           <p:spPr>
             <a:xfrm>
-              <a:off x="1414233" y="19270716"/>
+              <a:off x="1481616" y="19277066"/>
               <a:ext cx="175297" cy="242326"/>
             </a:xfrm>
             <a:prstGeom prst="upArrow">
@@ -6986,7 +7011,7 @@
           </p:nvSpPr>
           <p:spPr>
             <a:xfrm>
-              <a:off x="3895797" y="19275168"/>
+              <a:off x="3963180" y="19281518"/>
               <a:ext cx="175297" cy="242326"/>
             </a:xfrm>
             <a:prstGeom prst="upArrow">
@@ -7037,7 +7062,7 @@
           </p:nvSpPr>
           <p:spPr>
             <a:xfrm>
-              <a:off x="2466462" y="14321270"/>
+              <a:off x="2533845" y="14327620"/>
               <a:ext cx="1884755" cy="944710"/>
             </a:xfrm>
             <a:prstGeom prst="roundRect">
@@ -7141,7 +7166,7 @@
           </p:nvSpPr>
           <p:spPr>
             <a:xfrm rot="5400000" flipH="1">
-              <a:off x="2569958" y="16313280"/>
+              <a:off x="2637341" y="16319630"/>
               <a:ext cx="2651677" cy="785256"/>
             </a:xfrm>
             <a:prstGeom prst="bentArrow">
@@ -7200,7 +7225,7 @@
           </p:nvSpPr>
           <p:spPr>
             <a:xfrm rot="5400000" flipH="1">
-              <a:off x="3369752" y="15525278"/>
+              <a:off x="3437135" y="15531628"/>
               <a:ext cx="752891" cy="462477"/>
             </a:xfrm>
             <a:prstGeom prst="bentArrow">
@@ -7259,7 +7284,7 @@
           </p:nvSpPr>
           <p:spPr>
             <a:xfrm>
-              <a:off x="5421255" y="18105875"/>
+              <a:off x="5488638" y="18112225"/>
               <a:ext cx="2882324" cy="317287"/>
             </a:xfrm>
             <a:prstGeom prst="roundRect">
@@ -7313,7 +7338,7 @@
           </p:nvSpPr>
           <p:spPr>
             <a:xfrm>
-              <a:off x="5421255" y="17510102"/>
+              <a:off x="5488638" y="17516452"/>
               <a:ext cx="2882324" cy="317287"/>
             </a:xfrm>
             <a:prstGeom prst="roundRect">
@@ -7367,7 +7392,7 @@
           </p:nvSpPr>
           <p:spPr>
             <a:xfrm>
-              <a:off x="5398770" y="16229977"/>
+              <a:off x="5466153" y="16236327"/>
               <a:ext cx="2882324" cy="317287"/>
             </a:xfrm>
             <a:prstGeom prst="roundRect">
@@ -7421,7 +7446,7 @@
           </p:nvSpPr>
           <p:spPr>
             <a:xfrm>
-              <a:off x="5398770" y="15575279"/>
+              <a:off x="5466153" y="15581629"/>
               <a:ext cx="2882324" cy="317287"/>
             </a:xfrm>
             <a:prstGeom prst="roundRect">
@@ -7478,7 +7503,7 @@
           </p:nvSpPr>
           <p:spPr>
             <a:xfrm>
-              <a:off x="5391674" y="14710054"/>
+              <a:off x="5459057" y="14716404"/>
               <a:ext cx="2882324" cy="317287"/>
             </a:xfrm>
             <a:prstGeom prst="roundRect">
@@ -7535,7 +7560,7 @@
           </p:nvSpPr>
           <p:spPr>
             <a:xfrm>
-              <a:off x="5391674" y="14041665"/>
+              <a:off x="5459057" y="14048015"/>
               <a:ext cx="2882324" cy="317287"/>
             </a:xfrm>
             <a:prstGeom prst="roundRect">
@@ -7592,14 +7617,14 @@
           </p:nvSpPr>
           <p:spPr>
             <a:xfrm>
-              <a:off x="5168947" y="17082093"/>
+              <a:off x="5236330" y="17088443"/>
               <a:ext cx="3340344" cy="1645071"/>
             </a:xfrm>
             <a:prstGeom prst="rect">
               <a:avLst/>
             </a:prstGeom>
             <a:noFill/>
-            <a:ln w="25400">
+            <a:ln w="12700">
               <a:solidFill>
                 <a:schemeClr val="tx1"/>
               </a:solidFill>
@@ -7644,7 +7669,7 @@
           </p:nvSpPr>
           <p:spPr>
             <a:xfrm flipH="1">
-              <a:off x="7181082" y="17077727"/>
+              <a:off x="7248465" y="17084077"/>
               <a:ext cx="1732144" cy="307777"/>
             </a:xfrm>
             <a:prstGeom prst="rect">
@@ -7687,7 +7712,7 @@
           </p:nvCxnSpPr>
           <p:spPr>
             <a:xfrm flipV="1">
-              <a:off x="6859098" y="18423162"/>
+              <a:off x="6926481" y="18429512"/>
               <a:ext cx="3319" cy="503039"/>
             </a:xfrm>
             <a:prstGeom prst="straightConnector1">
@@ -7733,7 +7758,7 @@
           </p:nvCxnSpPr>
           <p:spPr>
             <a:xfrm flipV="1">
-              <a:off x="6862417" y="17827389"/>
+              <a:off x="6929800" y="17833739"/>
               <a:ext cx="0" cy="278486"/>
             </a:xfrm>
             <a:prstGeom prst="straightConnector1">
@@ -7771,14 +7796,16 @@
               </a:extLst>
             </p:cNvPr>
             <p:cNvCxnSpPr>
+              <a:cxnSpLocks/>
+              <a:stCxn id="247" idx="0"/>
               <a:endCxn id="248" idx="2"/>
             </p:cNvCxnSpPr>
             <p:nvPr/>
           </p:nvCxnSpPr>
           <p:spPr>
             <a:xfrm flipH="1" flipV="1">
-              <a:off x="6839932" y="16547264"/>
-              <a:ext cx="16265" cy="1121481"/>
+              <a:off x="6907315" y="16553614"/>
+              <a:ext cx="22485" cy="962838"/>
             </a:xfrm>
             <a:prstGeom prst="straightConnector1">
               <a:avLst/>
@@ -7822,7 +7849,7 @@
           </p:nvCxnSpPr>
           <p:spPr>
             <a:xfrm flipV="1">
-              <a:off x="6839932" y="15892566"/>
+              <a:off x="6907315" y="15898916"/>
               <a:ext cx="0" cy="337411"/>
             </a:xfrm>
             <a:prstGeom prst="straightConnector1">
@@ -7867,7 +7894,7 @@
           </p:nvCxnSpPr>
           <p:spPr>
             <a:xfrm flipH="1" flipV="1">
-              <a:off x="6832836" y="15027341"/>
+              <a:off x="6900219" y="15033691"/>
               <a:ext cx="7096" cy="547938"/>
             </a:xfrm>
             <a:prstGeom prst="straightConnector1">
@@ -7912,7 +7939,7 @@
           </p:nvCxnSpPr>
           <p:spPr>
             <a:xfrm flipV="1">
-              <a:off x="6832836" y="14358952"/>
+              <a:off x="6900219" y="14365302"/>
               <a:ext cx="0" cy="351102"/>
             </a:xfrm>
             <a:prstGeom prst="straightConnector1">
@@ -7957,7 +7984,7 @@
           </p:nvCxnSpPr>
           <p:spPr>
             <a:xfrm flipV="1">
-              <a:off x="6832836" y="13530540"/>
+              <a:off x="6900219" y="13536890"/>
               <a:ext cx="0" cy="511125"/>
             </a:xfrm>
             <a:prstGeom prst="straightConnector1">
@@ -7999,7 +8026,7 @@
           </p:nvGrpSpPr>
           <p:grpSpPr>
             <a:xfrm>
-              <a:off x="5372171" y="17209070"/>
+              <a:off x="5439554" y="17215420"/>
               <a:ext cx="1484026" cy="1399019"/>
               <a:chOff x="18115613" y="10044847"/>
               <a:chExt cx="1484026" cy="1399019"/>
@@ -8201,7 +8228,7 @@
           </p:nvGrpSpPr>
           <p:grpSpPr>
             <a:xfrm>
-              <a:off x="5348810" y="15334063"/>
+              <a:off x="5416193" y="15340413"/>
               <a:ext cx="1484026" cy="1399019"/>
               <a:chOff x="18115613" y="10044847"/>
               <a:chExt cx="1484026" cy="1399019"/>
@@ -8403,7 +8430,7 @@
           </p:nvGrpSpPr>
           <p:grpSpPr>
             <a:xfrm>
-              <a:off x="5342771" y="13788979"/>
+              <a:off x="5410154" y="13795329"/>
               <a:ext cx="1484026" cy="1399019"/>
               <a:chOff x="18115613" y="10044847"/>
               <a:chExt cx="1484026" cy="1399019"/>
@@ -8591,65 +8618,83 @@
             </p:style>
           </p:cxnSp>
         </p:grpSp>
+        <p:sp>
+          <p:nvSpPr>
+            <p:cNvPr id="5" name="TextBox 4">
+              <a:extLst>
+                <a:ext uri="{FF2B5EF4-FFF2-40B4-BE49-F238E27FC236}">
+                  <a16:creationId xmlns:a16="http://schemas.microsoft.com/office/drawing/2014/main" id="{3C106506-08CC-47BB-964C-7659ED783D61}"/>
+                </a:ext>
+              </a:extLst>
+            </p:cNvPr>
+            <p:cNvSpPr txBox="1"/>
+            <p:nvPr/>
+          </p:nvSpPr>
+          <p:spPr>
+            <a:xfrm>
+              <a:off x="5190611" y="13460590"/>
+              <a:ext cx="3554668" cy="307777"/>
+            </a:xfrm>
+            <a:prstGeom prst="rect">
+              <a:avLst/>
+            </a:prstGeom>
+            <a:noFill/>
+          </p:spPr>
+          <p:txBody>
+            <a:bodyPr wrap="square" rtlCol="0">
+              <a:spAutoFit/>
+            </a:bodyPr>
+            <a:lstStyle/>
+            <a:p>
+              <a:r>
+                <a:rPr lang="en-US" sz="1400" dirty="0">
+                  <a:latin typeface="Georgia" panose="02040502050405020303" pitchFamily="18" charset="0"/>
+                </a:rPr>
+                <a:t>One Encoder Block</a:t>
+              </a:r>
+            </a:p>
+          </p:txBody>
+        </p:sp>
+        <p:cxnSp>
+          <p:nvCxnSpPr>
+            <p:cNvPr id="23" name="Straight Arrow Connector 22">
+              <a:extLst>
+                <a:ext uri="{FF2B5EF4-FFF2-40B4-BE49-F238E27FC236}">
+                  <a16:creationId xmlns:a16="http://schemas.microsoft.com/office/drawing/2014/main" id="{D9B26DC9-0D00-46B5-8B04-B24365131082}"/>
+                </a:ext>
+              </a:extLst>
+            </p:cNvPr>
+            <p:cNvCxnSpPr/>
+            <p:nvPr/>
+          </p:nvCxnSpPr>
+          <p:spPr>
+            <a:xfrm flipV="1">
+              <a:off x="6915447" y="19277066"/>
+              <a:ext cx="0" cy="377821"/>
+            </a:xfrm>
+            <a:prstGeom prst="straightConnector1">
+              <a:avLst/>
+            </a:prstGeom>
+            <a:ln>
+              <a:tailEnd type="triangle"/>
+            </a:ln>
+          </p:spPr>
+          <p:style>
+            <a:lnRef idx="1">
+              <a:schemeClr val="dk1"/>
+            </a:lnRef>
+            <a:fillRef idx="0">
+              <a:schemeClr val="dk1"/>
+            </a:fillRef>
+            <a:effectRef idx="0">
+              <a:schemeClr val="dk1"/>
+            </a:effectRef>
+            <a:fontRef idx="minor">
+              <a:schemeClr val="tx1"/>
+            </a:fontRef>
+          </p:style>
+        </p:cxnSp>
       </p:grpSp>
-      <p:sp>
-        <p:nvSpPr>
-          <p:cNvPr id="273" name="TextBox 272">
-            <a:extLst>
-              <a:ext uri="{FF2B5EF4-FFF2-40B4-BE49-F238E27FC236}">
-                <a16:creationId xmlns:a16="http://schemas.microsoft.com/office/drawing/2014/main" id="{DF88ECBF-E7BB-4F32-A9A9-15508F201145}"/>
-              </a:ext>
-            </a:extLst>
-          </p:cNvPr>
-          <p:cNvSpPr txBox="1"/>
-          <p:nvPr/>
-        </p:nvSpPr>
-        <p:spPr>
-          <a:xfrm>
-            <a:off x="471028" y="5721096"/>
-            <a:ext cx="16476132" cy="1477328"/>
-          </a:xfrm>
-          <a:prstGeom prst="rect">
-            <a:avLst/>
-          </a:prstGeom>
-          <a:noFill/>
-        </p:spPr>
-        <p:txBody>
-          <a:bodyPr wrap="square">
-            <a:spAutoFit/>
-          </a:bodyPr>
-          <a:lstStyle/>
-          <a:p>
-            <a:pPr rtl="0">
-              <a:spcBef>
-                <a:spcPts val="0"/>
-              </a:spcBef>
-              <a:spcAft>
-                <a:spcPts val="0"/>
-              </a:spcAft>
-            </a:pPr>
-            <a:r>
-              <a:rPr lang="en-US" sz="1800" b="0" i="0" u="none" strike="noStrike" dirty="0">
-                <a:solidFill>
-                  <a:srgbClr val="000000"/>
-                </a:solidFill>
-                <a:effectLst/>
-                <a:latin typeface="Georgia" panose="02040502050405020303" pitchFamily="18" charset="0"/>
-              </a:rPr>
-              <a:t>Question-answering (QA), and more generally machine comprehension, has always been an important litmus test for the development of NLP technology. While early research focused mostly on cloze-style datasets, in which a model aims to fill in missing words in text, new advancements have now pushed the problem to a more difficult realm: given a context paragraph, can the machine extract the right span of words (if any) to answer the given question?</a:t>
-            </a:r>
-            <a:endParaRPr lang="en-US" b="0" dirty="0">
-              <a:effectLst/>
-            </a:endParaRPr>
-          </a:p>
-          <a:p>
-            <a:br>
-              <a:rPr lang="en-US" dirty="0"/>
-            </a:br>
-            <a:endParaRPr lang="en-US" dirty="0"/>
-          </a:p>
-        </p:txBody>
-      </p:sp>
     </p:spTree>
     <p:extLst>
       <p:ext uri="{BB962C8B-B14F-4D97-AF65-F5344CB8AC3E}">

--- a/Poster.pptx
+++ b/Poster.pptx
@@ -3363,7 +3363,7 @@
               <a:rPr lang="en-US" sz="4000" dirty="0">
                 <a:latin typeface="Georgia" panose="02040502050405020303" pitchFamily="18" charset="0"/>
               </a:rPr>
-              <a:t>   Results</a:t>
+              <a:t>  Hyperparameter Tuning</a:t>
             </a:r>
           </a:p>
         </p:txBody>
@@ -3382,7 +3382,7 @@
         </p:nvSpPr>
         <p:spPr>
           <a:xfrm>
-            <a:off x="24011467" y="16026687"/>
+            <a:off x="24011467" y="16354150"/>
             <a:ext cx="8487834" cy="838200"/>
           </a:xfrm>
           <a:prstGeom prst="rect">
@@ -3435,8 +3435,8 @@
         </p:nvSpPr>
         <p:spPr>
           <a:xfrm>
-            <a:off x="24011467" y="17002474"/>
-            <a:ext cx="8454775" cy="4770537"/>
+            <a:off x="24011467" y="17329937"/>
+            <a:ext cx="8487830" cy="4478149"/>
           </a:xfrm>
           <a:prstGeom prst="rect">
             <a:avLst/>
@@ -3458,7 +3458,7 @@
                 <a:effectLst/>
                 <a:latin typeface="Georgia" panose="02040502050405020303" pitchFamily="18" charset="0"/>
               </a:rPr>
-              <a:t>[1] Cs 224n default final project: Building a </a:t>
+              <a:t>[1Cs 224n default final project: Building a </a:t>
             </a:r>
             <a:r>
               <a:rPr lang="en-US" sz="1900" b="0" i="0" dirty="0" err="1">
@@ -3699,6 +3699,24 @@
               <a:t>: Combining local convolution with global self-attention for reading comprehension. </a:t>
             </a:r>
             <a:r>
+              <a:rPr lang="en-US" sz="1900" dirty="0">
+                <a:solidFill>
+                  <a:srgbClr val="5D6879"/>
+                </a:solidFill>
+                <a:latin typeface="Georgia" panose="02040502050405020303" pitchFamily="18" charset="0"/>
+              </a:rPr>
+              <a:t>In </a:t>
+            </a:r>
+            <a:r>
+              <a:rPr lang="en-US" sz="1900" i="1" dirty="0">
+                <a:solidFill>
+                  <a:srgbClr val="5D6879"/>
+                </a:solidFill>
+                <a:latin typeface="Georgia" panose="02040502050405020303" pitchFamily="18" charset="0"/>
+              </a:rPr>
+              <a:t>ACL</a:t>
+            </a:r>
+            <a:r>
               <a:rPr lang="en-US" sz="1900" b="0" i="1" dirty="0">
                 <a:solidFill>
                   <a:srgbClr val="5D6879"/>
@@ -3706,7 +3724,7 @@
                 <a:effectLst/>
                 <a:latin typeface="Georgia" panose="02040502050405020303" pitchFamily="18" charset="0"/>
               </a:rPr>
-              <a:t>arXiv:1804.09541, 2018.</a:t>
+              <a:t>, 2018.</a:t>
             </a:r>
             <a:br>
               <a:rPr lang="en-US" sz="1900" b="0" i="1" dirty="0">
@@ -3957,17 +3975,8 @@
               <a:rPr lang="en-US" sz="4000" dirty="0">
                 <a:latin typeface="Georgia" panose="02040502050405020303" pitchFamily="18" charset="0"/>
               </a:rPr>
-              <a:t>   C</a:t>
-            </a:r>
-            <a:r>
-              <a:rPr lang="en-US" altLang="zh-CN" sz="4000" dirty="0">
-                <a:latin typeface="Georgia" panose="02040502050405020303" pitchFamily="18" charset="0"/>
-              </a:rPr>
-              <a:t>onclusions</a:t>
-            </a:r>
-            <a:endParaRPr lang="en-US" sz="4000" dirty="0">
-              <a:latin typeface="Georgia" panose="02040502050405020303" pitchFamily="18" charset="0"/>
-            </a:endParaRPr>
+              <a:t>   Results</a:t>
+            </a:r>
           </a:p>
         </p:txBody>
       </p:sp>
@@ -4019,7 +4028,7 @@
               <a:rPr lang="en-US" sz="4000" dirty="0">
                 <a:latin typeface="Georgia" panose="02040502050405020303" pitchFamily="18" charset="0"/>
               </a:rPr>
-              <a:t>  Analysis</a:t>
+              <a:t>  Analyses</a:t>
             </a:r>
           </a:p>
         </p:txBody>
@@ -4038,7 +4047,7 @@
         </p:nvSpPr>
         <p:spPr>
           <a:xfrm>
-            <a:off x="419099" y="9667619"/>
+            <a:off x="419099" y="9709878"/>
             <a:ext cx="8487833" cy="838200"/>
           </a:xfrm>
           <a:prstGeom prst="rect">
@@ -4072,17 +4081,8 @@
               <a:rPr lang="en-US" sz="4000" dirty="0">
                 <a:latin typeface="Georgia" panose="02040502050405020303" pitchFamily="18" charset="0"/>
               </a:rPr>
-              <a:t>  </a:t>
-            </a:r>
-            <a:r>
-              <a:rPr lang="en-US" sz="4000">
-                <a:latin typeface="Georgia" panose="02040502050405020303" pitchFamily="18" charset="0"/>
-              </a:rPr>
-              <a:t>Model Architecture</a:t>
-            </a:r>
-            <a:endParaRPr lang="en-US" sz="4000" dirty="0">
-              <a:latin typeface="Georgia" panose="02040502050405020303" pitchFamily="18" charset="0"/>
-            </a:endParaRPr>
+              <a:t>  Model Architecture</a:t>
+            </a:r>
           </a:p>
         </p:txBody>
       </p:sp>
@@ -4358,14 +4358,14 @@
           <p:nvPr>
             <p:extLst>
               <p:ext uri="{D42A27DB-BD31-4B8C-83A1-F6EECF244321}">
-                <p14:modId xmlns:p14="http://schemas.microsoft.com/office/powerpoint/2010/main" val="2911948730"/>
+                <p14:modId xmlns:p14="http://schemas.microsoft.com/office/powerpoint/2010/main" val="2952851001"/>
               </p:ext>
             </p:extLst>
           </p:nvPr>
         </p:nvGraphicFramePr>
         <p:xfrm>
-          <a:off x="9601777" y="14298654"/>
-          <a:ext cx="8887881" cy="1280160"/>
+          <a:off x="16468725" y="14049055"/>
+          <a:ext cx="6871275" cy="1280160"/>
         </p:xfrm>
         <a:graphic>
           <a:graphicData uri="http://schemas.openxmlformats.org/drawingml/2006/table">
@@ -4374,21 +4374,21 @@
                 <a:tableStyleId>{5940675A-B579-460E-94D1-54222C63F5DA}</a:tableStyleId>
               </a:tblPr>
               <a:tblGrid>
-                <a:gridCol w="2962627">
+                <a:gridCol w="2290425">
                   <a:extLst>
                     <a:ext uri="{9D8B030D-6E8A-4147-A177-3AD203B41FA5}">
                       <a16:colId xmlns:a16="http://schemas.microsoft.com/office/drawing/2014/main" val="350977906"/>
                     </a:ext>
                   </a:extLst>
                 </a:gridCol>
-                <a:gridCol w="2962627">
+                <a:gridCol w="2290425">
                   <a:extLst>
                     <a:ext uri="{9D8B030D-6E8A-4147-A177-3AD203B41FA5}">
                       <a16:colId xmlns:a16="http://schemas.microsoft.com/office/drawing/2014/main" val="1761163539"/>
                     </a:ext>
                   </a:extLst>
                 </a:gridCol>
-                <a:gridCol w="2962627">
+                <a:gridCol w="2290425">
                   <a:extLst>
                     <a:ext uri="{9D8B030D-6E8A-4147-A177-3AD203B41FA5}">
                       <a16:colId xmlns:a16="http://schemas.microsoft.com/office/drawing/2014/main" val="4241348643"/>
@@ -4409,7 +4409,7 @@
                   </a:txBody>
                   <a:tcPr>
                     <a:solidFill>
-                      <a:srgbClr val="8C1515"/>
+                      <a:srgbClr val="435571"/>
                     </a:solidFill>
                   </a:tcPr>
                 </a:tc>
@@ -4425,13 +4425,13 @@
                           </a:solidFill>
                           <a:latin typeface="Georgia" panose="02040502050405020303" pitchFamily="18" charset="0"/>
                         </a:rPr>
-                        <a:t>Answered</a:t>
+                        <a:t>Has Answer</a:t>
                       </a:r>
                     </a:p>
                   </a:txBody>
                   <a:tcPr>
                     <a:solidFill>
-                      <a:srgbClr val="8C1515"/>
+                      <a:srgbClr val="435571"/>
                     </a:solidFill>
                   </a:tcPr>
                 </a:tc>
@@ -4447,13 +4447,13 @@
                           </a:solidFill>
                           <a:latin typeface="Georgia" panose="02040502050405020303" pitchFamily="18" charset="0"/>
                         </a:rPr>
-                        <a:t>Not Answered</a:t>
+                        <a:t>No Answer</a:t>
                       </a:r>
                     </a:p>
                   </a:txBody>
                   <a:tcPr>
                     <a:solidFill>
-                      <a:srgbClr val="8C1515"/>
+                      <a:srgbClr val="435571"/>
                     </a:solidFill>
                   </a:tcPr>
                 </a:tc>
@@ -4476,13 +4476,13 @@
                           </a:solidFill>
                           <a:latin typeface="Georgia" panose="02040502050405020303" pitchFamily="18" charset="0"/>
                         </a:rPr>
-                        <a:t>Has Answer</a:t>
+                        <a:t>Answered</a:t>
                       </a:r>
                     </a:p>
                   </a:txBody>
                   <a:tcPr>
                     <a:solidFill>
-                      <a:srgbClr val="8C1515"/>
+                      <a:srgbClr val="435571"/>
                     </a:solidFill>
                   </a:tcPr>
                 </a:tc>
@@ -4506,11 +4506,28 @@
                     <a:bodyPr/>
                     <a:lstStyle/>
                     <a:p>
+                      <a:pPr marL="0" marR="0" lvl="0" indent="0" algn="l" defTabSz="2926080" rtl="0" eaLnBrk="1" fontAlgn="auto" latinLnBrk="0" hangingPunct="1">
+                        <a:lnSpc>
+                          <a:spcPct val="100000"/>
+                        </a:lnSpc>
+                        <a:spcBef>
+                          <a:spcPts val="0"/>
+                        </a:spcBef>
+                        <a:spcAft>
+                          <a:spcPts val="0"/>
+                        </a:spcAft>
+                        <a:buClrTx/>
+                        <a:buSzTx/>
+                        <a:buFontTx/>
+                        <a:buNone/>
+                        <a:tabLst/>
+                        <a:defRPr/>
+                      </a:pPr>
                       <a:r>
                         <a:rPr lang="en-US" sz="2200" dirty="0">
                           <a:latin typeface="Georgia" panose="02040502050405020303" pitchFamily="18" charset="0"/>
                         </a:rPr>
-                        <a:t>487 (8.18%)</a:t>
+                        <a:t>912 (15.33%)</a:t>
                       </a:r>
                     </a:p>
                   </a:txBody>
@@ -4535,13 +4552,13 @@
                           </a:solidFill>
                           <a:latin typeface="Georgia" panose="02040502050405020303" pitchFamily="18" charset="0"/>
                         </a:rPr>
-                        <a:t>No Answer</a:t>
+                        <a:t>Not Answered</a:t>
                       </a:r>
                     </a:p>
                   </a:txBody>
                   <a:tcPr>
                     <a:solidFill>
-                      <a:srgbClr val="8C1515"/>
+                      <a:srgbClr val="435571"/>
                     </a:solidFill>
                   </a:tcPr>
                 </a:tc>
@@ -4554,7 +4571,7 @@
                         <a:rPr lang="en-US" sz="2200" dirty="0">
                           <a:latin typeface="Georgia" panose="02040502050405020303" pitchFamily="18" charset="0"/>
                         </a:rPr>
-                        <a:t>912 (15.33%)</a:t>
+                        <a:t>487 (8.18%) </a:t>
                       </a:r>
                     </a:p>
                   </a:txBody>
@@ -4599,7 +4616,7 @@
         </p:nvSpPr>
         <p:spPr>
           <a:xfrm>
-            <a:off x="419099" y="10577065"/>
+            <a:off x="419099" y="10619324"/>
             <a:ext cx="8487833" cy="2800767"/>
           </a:xfrm>
           <a:prstGeom prst="rect">
@@ -8695,6 +8712,2543 @@
           </p:style>
         </p:cxnSp>
       </p:grpSp>
+      <p:sp>
+        <p:nvSpPr>
+          <p:cNvPr id="91" name="Rectangle 90">
+            <a:extLst>
+              <a:ext uri="{FF2B5EF4-FFF2-40B4-BE49-F238E27FC236}">
+                <a16:creationId xmlns:a16="http://schemas.microsoft.com/office/drawing/2014/main" id="{530FEF40-E4C1-4B85-8FF1-366232A77632}"/>
+              </a:ext>
+            </a:extLst>
+          </p:cNvPr>
+          <p:cNvSpPr/>
+          <p:nvPr/>
+        </p:nvSpPr>
+        <p:spPr>
+          <a:xfrm>
+            <a:off x="24011467" y="12021055"/>
+            <a:ext cx="8487833" cy="838200"/>
+          </a:xfrm>
+          <a:prstGeom prst="rect">
+            <a:avLst/>
+          </a:prstGeom>
+          <a:solidFill>
+            <a:srgbClr val="8C1515"/>
+          </a:solidFill>
+        </p:spPr>
+        <p:style>
+          <a:lnRef idx="2">
+            <a:schemeClr val="accent1">
+              <a:shade val="50000"/>
+            </a:schemeClr>
+          </a:lnRef>
+          <a:fillRef idx="1">
+            <a:schemeClr val="accent1"/>
+          </a:fillRef>
+          <a:effectRef idx="0">
+            <a:schemeClr val="accent1"/>
+          </a:effectRef>
+          <a:fontRef idx="minor">
+            <a:schemeClr val="lt1"/>
+          </a:fontRef>
+        </p:style>
+        <p:txBody>
+          <a:bodyPr rtlCol="0" anchor="ctr"/>
+          <a:lstStyle/>
+          <a:p>
+            <a:r>
+              <a:rPr lang="en-US" sz="4000" dirty="0">
+                <a:latin typeface="Georgia" panose="02040502050405020303" pitchFamily="18" charset="0"/>
+              </a:rPr>
+              <a:t>   Future Works</a:t>
+            </a:r>
+          </a:p>
+        </p:txBody>
+      </p:sp>
+      <p:sp>
+        <p:nvSpPr>
+          <p:cNvPr id="26" name="TextBox 25">
+            <a:extLst>
+              <a:ext uri="{FF2B5EF4-FFF2-40B4-BE49-F238E27FC236}">
+                <a16:creationId xmlns:a16="http://schemas.microsoft.com/office/drawing/2014/main" id="{93AD2FE5-C886-4EDD-A371-FE15BC6F60B2}"/>
+              </a:ext>
+            </a:extLst>
+          </p:cNvPr>
+          <p:cNvSpPr txBox="1"/>
+          <p:nvPr/>
+        </p:nvSpPr>
+        <p:spPr>
+          <a:xfrm>
+            <a:off x="9601200" y="13949716"/>
+            <a:ext cx="6563620" cy="1446550"/>
+          </a:xfrm>
+          <a:prstGeom prst="rect">
+            <a:avLst/>
+          </a:prstGeom>
+          <a:noFill/>
+        </p:spPr>
+        <p:txBody>
+          <a:bodyPr wrap="square" rtlCol="0">
+            <a:spAutoFit/>
+          </a:bodyPr>
+          <a:lstStyle/>
+          <a:p>
+            <a:r>
+              <a:rPr lang="en-US" sz="2200" b="1" dirty="0" err="1">
+                <a:latin typeface="Georgia" panose="02040502050405020303" pitchFamily="18" charset="0"/>
+              </a:rPr>
+              <a:t>AvNA</a:t>
+            </a:r>
+            <a:endParaRPr lang="en-US" sz="2200" b="1" dirty="0">
+              <a:latin typeface="Georgia" panose="02040502050405020303" pitchFamily="18" charset="0"/>
+            </a:endParaRPr>
+          </a:p>
+          <a:p>
+            <a:pPr lvl="1"/>
+            <a:r>
+              <a:rPr lang="en-US" sz="2200" dirty="0">
+                <a:latin typeface="Georgia" panose="02040502050405020303" pitchFamily="18" charset="0"/>
+              </a:rPr>
+              <a:t>Confusion matrix of model predictions</a:t>
+            </a:r>
+          </a:p>
+          <a:p>
+            <a:pPr lvl="1"/>
+            <a:r>
+              <a:rPr lang="en-US" sz="2200" dirty="0">
+                <a:latin typeface="Georgia" panose="02040502050405020303" pitchFamily="18" charset="0"/>
+              </a:rPr>
+              <a:t>X: Model predictions; Y: Ground Truths</a:t>
+            </a:r>
+          </a:p>
+          <a:p>
+            <a:pPr lvl="1"/>
+            <a:r>
+              <a:rPr lang="en-US" sz="2200" dirty="0">
+                <a:latin typeface="Georgia" panose="02040502050405020303" pitchFamily="18" charset="0"/>
+              </a:rPr>
+              <a:t>Correct: 76.5%;  </a:t>
+            </a:r>
+          </a:p>
+        </p:txBody>
+      </p:sp>
+      <p:graphicFrame>
+        <p:nvGraphicFramePr>
+          <p:cNvPr id="27" name="Table 27">
+            <a:extLst>
+              <a:ext uri="{FF2B5EF4-FFF2-40B4-BE49-F238E27FC236}">
+                <a16:creationId xmlns:a16="http://schemas.microsoft.com/office/drawing/2014/main" id="{13915F88-6D5E-4F0F-B2EF-85DCD9C278FC}"/>
+              </a:ext>
+            </a:extLst>
+          </p:cNvPr>
+          <p:cNvGraphicFramePr>
+            <a:graphicFrameLocks noGrp="1"/>
+          </p:cNvGraphicFramePr>
+          <p:nvPr>
+            <p:extLst>
+              <p:ext uri="{D42A27DB-BD31-4B8C-83A1-F6EECF244321}">
+                <p14:modId xmlns:p14="http://schemas.microsoft.com/office/powerpoint/2010/main" val="1609129441"/>
+              </p:ext>
+            </p:extLst>
+          </p:nvPr>
+        </p:nvGraphicFramePr>
+        <p:xfrm>
+          <a:off x="9644546" y="16907559"/>
+          <a:ext cx="13716000" cy="1706880"/>
+        </p:xfrm>
+        <a:graphic>
+          <a:graphicData uri="http://schemas.openxmlformats.org/drawingml/2006/table">
+            <a:tbl>
+              <a:tblPr firstRow="1" bandRow="1">
+                <a:tableStyleId>{2D5ABB26-0587-4C30-8999-92F81FD0307C}</a:tableStyleId>
+              </a:tblPr>
+              <a:tblGrid>
+                <a:gridCol w="1524000">
+                  <a:extLst>
+                    <a:ext uri="{9D8B030D-6E8A-4147-A177-3AD203B41FA5}">
+                      <a16:colId xmlns:a16="http://schemas.microsoft.com/office/drawing/2014/main" val="784418777"/>
+                    </a:ext>
+                  </a:extLst>
+                </a:gridCol>
+                <a:gridCol w="1524000">
+                  <a:extLst>
+                    <a:ext uri="{9D8B030D-6E8A-4147-A177-3AD203B41FA5}">
+                      <a16:colId xmlns:a16="http://schemas.microsoft.com/office/drawing/2014/main" val="2707981503"/>
+                    </a:ext>
+                  </a:extLst>
+                </a:gridCol>
+                <a:gridCol w="1524000">
+                  <a:extLst>
+                    <a:ext uri="{9D8B030D-6E8A-4147-A177-3AD203B41FA5}">
+                      <a16:colId xmlns:a16="http://schemas.microsoft.com/office/drawing/2014/main" val="1802827141"/>
+                    </a:ext>
+                  </a:extLst>
+                </a:gridCol>
+                <a:gridCol w="1524000">
+                  <a:extLst>
+                    <a:ext uri="{9D8B030D-6E8A-4147-A177-3AD203B41FA5}">
+                      <a16:colId xmlns:a16="http://schemas.microsoft.com/office/drawing/2014/main" val="974558136"/>
+                    </a:ext>
+                  </a:extLst>
+                </a:gridCol>
+                <a:gridCol w="1524000">
+                  <a:extLst>
+                    <a:ext uri="{9D8B030D-6E8A-4147-A177-3AD203B41FA5}">
+                      <a16:colId xmlns:a16="http://schemas.microsoft.com/office/drawing/2014/main" val="713298794"/>
+                    </a:ext>
+                  </a:extLst>
+                </a:gridCol>
+                <a:gridCol w="1524000">
+                  <a:extLst>
+                    <a:ext uri="{9D8B030D-6E8A-4147-A177-3AD203B41FA5}">
+                      <a16:colId xmlns:a16="http://schemas.microsoft.com/office/drawing/2014/main" val="935372238"/>
+                    </a:ext>
+                  </a:extLst>
+                </a:gridCol>
+                <a:gridCol w="1524000">
+                  <a:extLst>
+                    <a:ext uri="{9D8B030D-6E8A-4147-A177-3AD203B41FA5}">
+                      <a16:colId xmlns:a16="http://schemas.microsoft.com/office/drawing/2014/main" val="747898254"/>
+                    </a:ext>
+                  </a:extLst>
+                </a:gridCol>
+                <a:gridCol w="1524000">
+                  <a:extLst>
+                    <a:ext uri="{9D8B030D-6E8A-4147-A177-3AD203B41FA5}">
+                      <a16:colId xmlns:a16="http://schemas.microsoft.com/office/drawing/2014/main" val="1452036346"/>
+                    </a:ext>
+                  </a:extLst>
+                </a:gridCol>
+                <a:gridCol w="1524000">
+                  <a:extLst>
+                    <a:ext uri="{9D8B030D-6E8A-4147-A177-3AD203B41FA5}">
+                      <a16:colId xmlns:a16="http://schemas.microsoft.com/office/drawing/2014/main" val="3375359242"/>
+                    </a:ext>
+                  </a:extLst>
+                </a:gridCol>
+              </a:tblGrid>
+              <a:tr h="415863">
+                <a:tc>
+                  <a:txBody>
+                    <a:bodyPr/>
+                    <a:lstStyle/>
+                    <a:p>
+                      <a:endParaRPr lang="en-US" sz="2200" dirty="0">
+                        <a:solidFill>
+                          <a:schemeClr val="bg1"/>
+                        </a:solidFill>
+                        <a:latin typeface="Georgia" panose="02040502050405020303" pitchFamily="18" charset="0"/>
+                      </a:endParaRPr>
+                    </a:p>
+                  </a:txBody>
+                  <a:tcPr>
+                    <a:lnL w="12700" cap="flat" cmpd="sng" algn="ctr">
+                      <a:solidFill>
+                        <a:schemeClr val="tx1"/>
+                      </a:solidFill>
+                      <a:prstDash val="solid"/>
+                      <a:round/>
+                      <a:headEnd type="none" w="med" len="med"/>
+                      <a:tailEnd type="none" w="med" len="med"/>
+                    </a:lnL>
+                    <a:lnR w="12700" cap="flat" cmpd="sng" algn="ctr">
+                      <a:solidFill>
+                        <a:schemeClr val="tx1"/>
+                      </a:solidFill>
+                      <a:prstDash val="solid"/>
+                      <a:round/>
+                      <a:headEnd type="none" w="med" len="med"/>
+                      <a:tailEnd type="none" w="med" len="med"/>
+                    </a:lnR>
+                    <a:lnT w="12700" cap="flat" cmpd="sng" algn="ctr">
+                      <a:solidFill>
+                        <a:schemeClr val="tx1"/>
+                      </a:solidFill>
+                      <a:prstDash val="solid"/>
+                      <a:round/>
+                      <a:headEnd type="none" w="med" len="med"/>
+                      <a:tailEnd type="none" w="med" len="med"/>
+                    </a:lnT>
+                    <a:lnB w="12700" cap="flat" cmpd="sng" algn="ctr">
+                      <a:solidFill>
+                        <a:schemeClr val="tx1"/>
+                      </a:solidFill>
+                      <a:prstDash val="solid"/>
+                      <a:round/>
+                      <a:headEnd type="none" w="med" len="med"/>
+                      <a:tailEnd type="none" w="med" len="med"/>
+                    </a:lnB>
+                    <a:lnTlToBr w="12700" cmpd="sng">
+                      <a:noFill/>
+                      <a:prstDash val="solid"/>
+                    </a:lnTlToBr>
+                    <a:lnBlToTr w="12700" cmpd="sng">
+                      <a:noFill/>
+                      <a:prstDash val="solid"/>
+                    </a:lnBlToTr>
+                    <a:solidFill>
+                      <a:srgbClr val="BC8A68"/>
+                    </a:solidFill>
+                  </a:tcPr>
+                </a:tc>
+                <a:tc>
+                  <a:txBody>
+                    <a:bodyPr/>
+                    <a:lstStyle/>
+                    <a:p>
+                      <a:r>
+                        <a:rPr lang="en-US" sz="2200" dirty="0">
+                          <a:solidFill>
+                            <a:schemeClr val="bg1"/>
+                          </a:solidFill>
+                          <a:latin typeface="Georgia" panose="02040502050405020303" pitchFamily="18" charset="0"/>
+                        </a:rPr>
+                        <a:t>What</a:t>
+                      </a:r>
+                    </a:p>
+                  </a:txBody>
+                  <a:tcPr>
+                    <a:lnL w="12700" cap="flat" cmpd="sng" algn="ctr">
+                      <a:solidFill>
+                        <a:schemeClr val="tx1"/>
+                      </a:solidFill>
+                      <a:prstDash val="solid"/>
+                      <a:round/>
+                      <a:headEnd type="none" w="med" len="med"/>
+                      <a:tailEnd type="none" w="med" len="med"/>
+                    </a:lnL>
+                    <a:lnR w="12700" cap="flat" cmpd="sng" algn="ctr">
+                      <a:solidFill>
+                        <a:schemeClr val="tx1"/>
+                      </a:solidFill>
+                      <a:prstDash val="solid"/>
+                      <a:round/>
+                      <a:headEnd type="none" w="med" len="med"/>
+                      <a:tailEnd type="none" w="med" len="med"/>
+                    </a:lnR>
+                    <a:lnT w="12700" cap="flat" cmpd="sng" algn="ctr">
+                      <a:solidFill>
+                        <a:schemeClr val="tx1"/>
+                      </a:solidFill>
+                      <a:prstDash val="solid"/>
+                      <a:round/>
+                      <a:headEnd type="none" w="med" len="med"/>
+                      <a:tailEnd type="none" w="med" len="med"/>
+                    </a:lnT>
+                    <a:lnB w="12700" cap="flat" cmpd="sng" algn="ctr">
+                      <a:solidFill>
+                        <a:schemeClr val="tx1"/>
+                      </a:solidFill>
+                      <a:prstDash val="solid"/>
+                      <a:round/>
+                      <a:headEnd type="none" w="med" len="med"/>
+                      <a:tailEnd type="none" w="med" len="med"/>
+                    </a:lnB>
+                    <a:lnTlToBr w="12700" cmpd="sng">
+                      <a:noFill/>
+                      <a:prstDash val="solid"/>
+                    </a:lnTlToBr>
+                    <a:lnBlToTr w="12700" cmpd="sng">
+                      <a:noFill/>
+                      <a:prstDash val="solid"/>
+                    </a:lnBlToTr>
+                    <a:solidFill>
+                      <a:srgbClr val="BC8A68"/>
+                    </a:solidFill>
+                  </a:tcPr>
+                </a:tc>
+                <a:tc>
+                  <a:txBody>
+                    <a:bodyPr/>
+                    <a:lstStyle/>
+                    <a:p>
+                      <a:r>
+                        <a:rPr lang="en-US" sz="2200" dirty="0">
+                          <a:solidFill>
+                            <a:schemeClr val="bg1"/>
+                          </a:solidFill>
+                          <a:latin typeface="Georgia" panose="02040502050405020303" pitchFamily="18" charset="0"/>
+                        </a:rPr>
+                        <a:t>When</a:t>
+                      </a:r>
+                    </a:p>
+                  </a:txBody>
+                  <a:tcPr>
+                    <a:lnL w="12700" cap="flat" cmpd="sng" algn="ctr">
+                      <a:solidFill>
+                        <a:schemeClr val="tx1"/>
+                      </a:solidFill>
+                      <a:prstDash val="solid"/>
+                      <a:round/>
+                      <a:headEnd type="none" w="med" len="med"/>
+                      <a:tailEnd type="none" w="med" len="med"/>
+                    </a:lnL>
+                    <a:lnR w="12700" cap="flat" cmpd="sng" algn="ctr">
+                      <a:solidFill>
+                        <a:schemeClr val="tx1"/>
+                      </a:solidFill>
+                      <a:prstDash val="solid"/>
+                      <a:round/>
+                      <a:headEnd type="none" w="med" len="med"/>
+                      <a:tailEnd type="none" w="med" len="med"/>
+                    </a:lnR>
+                    <a:lnT w="12700" cap="flat" cmpd="sng" algn="ctr">
+                      <a:solidFill>
+                        <a:schemeClr val="tx1"/>
+                      </a:solidFill>
+                      <a:prstDash val="solid"/>
+                      <a:round/>
+                      <a:headEnd type="none" w="med" len="med"/>
+                      <a:tailEnd type="none" w="med" len="med"/>
+                    </a:lnT>
+                    <a:lnB w="12700" cap="flat" cmpd="sng" algn="ctr">
+                      <a:solidFill>
+                        <a:schemeClr val="tx1"/>
+                      </a:solidFill>
+                      <a:prstDash val="solid"/>
+                      <a:round/>
+                      <a:headEnd type="none" w="med" len="med"/>
+                      <a:tailEnd type="none" w="med" len="med"/>
+                    </a:lnB>
+                    <a:lnTlToBr w="12700" cmpd="sng">
+                      <a:noFill/>
+                      <a:prstDash val="solid"/>
+                    </a:lnTlToBr>
+                    <a:lnBlToTr w="12700" cmpd="sng">
+                      <a:noFill/>
+                      <a:prstDash val="solid"/>
+                    </a:lnBlToTr>
+                    <a:solidFill>
+                      <a:srgbClr val="BC8A68"/>
+                    </a:solidFill>
+                  </a:tcPr>
+                </a:tc>
+                <a:tc>
+                  <a:txBody>
+                    <a:bodyPr/>
+                    <a:lstStyle/>
+                    <a:p>
+                      <a:r>
+                        <a:rPr lang="en-US" sz="2200" dirty="0">
+                          <a:solidFill>
+                            <a:schemeClr val="bg1"/>
+                          </a:solidFill>
+                          <a:latin typeface="Georgia" panose="02040502050405020303" pitchFamily="18" charset="0"/>
+                        </a:rPr>
+                        <a:t>Where</a:t>
+                      </a:r>
+                    </a:p>
+                  </a:txBody>
+                  <a:tcPr>
+                    <a:lnL w="12700" cap="flat" cmpd="sng" algn="ctr">
+                      <a:solidFill>
+                        <a:schemeClr val="tx1"/>
+                      </a:solidFill>
+                      <a:prstDash val="solid"/>
+                      <a:round/>
+                      <a:headEnd type="none" w="med" len="med"/>
+                      <a:tailEnd type="none" w="med" len="med"/>
+                    </a:lnL>
+                    <a:lnR w="12700" cap="flat" cmpd="sng" algn="ctr">
+                      <a:solidFill>
+                        <a:schemeClr val="tx1"/>
+                      </a:solidFill>
+                      <a:prstDash val="solid"/>
+                      <a:round/>
+                      <a:headEnd type="none" w="med" len="med"/>
+                      <a:tailEnd type="none" w="med" len="med"/>
+                    </a:lnR>
+                    <a:lnT w="12700" cap="flat" cmpd="sng" algn="ctr">
+                      <a:solidFill>
+                        <a:schemeClr val="tx1"/>
+                      </a:solidFill>
+                      <a:prstDash val="solid"/>
+                      <a:round/>
+                      <a:headEnd type="none" w="med" len="med"/>
+                      <a:tailEnd type="none" w="med" len="med"/>
+                    </a:lnT>
+                    <a:lnB w="12700" cap="flat" cmpd="sng" algn="ctr">
+                      <a:solidFill>
+                        <a:schemeClr val="tx1"/>
+                      </a:solidFill>
+                      <a:prstDash val="solid"/>
+                      <a:round/>
+                      <a:headEnd type="none" w="med" len="med"/>
+                      <a:tailEnd type="none" w="med" len="med"/>
+                    </a:lnB>
+                    <a:lnTlToBr w="12700" cmpd="sng">
+                      <a:noFill/>
+                      <a:prstDash val="solid"/>
+                    </a:lnTlToBr>
+                    <a:lnBlToTr w="12700" cmpd="sng">
+                      <a:noFill/>
+                      <a:prstDash val="solid"/>
+                    </a:lnBlToTr>
+                    <a:solidFill>
+                      <a:srgbClr val="BC8A68"/>
+                    </a:solidFill>
+                  </a:tcPr>
+                </a:tc>
+                <a:tc>
+                  <a:txBody>
+                    <a:bodyPr/>
+                    <a:lstStyle/>
+                    <a:p>
+                      <a:r>
+                        <a:rPr lang="en-US" sz="2200" dirty="0">
+                          <a:solidFill>
+                            <a:schemeClr val="bg1"/>
+                          </a:solidFill>
+                          <a:latin typeface="Georgia" panose="02040502050405020303" pitchFamily="18" charset="0"/>
+                        </a:rPr>
+                        <a:t>Which</a:t>
+                      </a:r>
+                    </a:p>
+                  </a:txBody>
+                  <a:tcPr>
+                    <a:lnL w="12700" cap="flat" cmpd="sng" algn="ctr">
+                      <a:solidFill>
+                        <a:schemeClr val="tx1"/>
+                      </a:solidFill>
+                      <a:prstDash val="solid"/>
+                      <a:round/>
+                      <a:headEnd type="none" w="med" len="med"/>
+                      <a:tailEnd type="none" w="med" len="med"/>
+                    </a:lnL>
+                    <a:lnR w="12700" cap="flat" cmpd="sng" algn="ctr">
+                      <a:solidFill>
+                        <a:schemeClr val="tx1"/>
+                      </a:solidFill>
+                      <a:prstDash val="solid"/>
+                      <a:round/>
+                      <a:headEnd type="none" w="med" len="med"/>
+                      <a:tailEnd type="none" w="med" len="med"/>
+                    </a:lnR>
+                    <a:lnT w="12700" cap="flat" cmpd="sng" algn="ctr">
+                      <a:solidFill>
+                        <a:schemeClr val="tx1"/>
+                      </a:solidFill>
+                      <a:prstDash val="solid"/>
+                      <a:round/>
+                      <a:headEnd type="none" w="med" len="med"/>
+                      <a:tailEnd type="none" w="med" len="med"/>
+                    </a:lnT>
+                    <a:lnB w="12700" cap="flat" cmpd="sng" algn="ctr">
+                      <a:solidFill>
+                        <a:schemeClr val="tx1"/>
+                      </a:solidFill>
+                      <a:prstDash val="solid"/>
+                      <a:round/>
+                      <a:headEnd type="none" w="med" len="med"/>
+                      <a:tailEnd type="none" w="med" len="med"/>
+                    </a:lnB>
+                    <a:lnTlToBr w="12700" cmpd="sng">
+                      <a:noFill/>
+                      <a:prstDash val="solid"/>
+                    </a:lnTlToBr>
+                    <a:lnBlToTr w="12700" cmpd="sng">
+                      <a:noFill/>
+                      <a:prstDash val="solid"/>
+                    </a:lnBlToTr>
+                    <a:solidFill>
+                      <a:srgbClr val="BC8A68"/>
+                    </a:solidFill>
+                  </a:tcPr>
+                </a:tc>
+                <a:tc>
+                  <a:txBody>
+                    <a:bodyPr/>
+                    <a:lstStyle/>
+                    <a:p>
+                      <a:r>
+                        <a:rPr lang="en-US" sz="2200" dirty="0">
+                          <a:solidFill>
+                            <a:schemeClr val="bg1"/>
+                          </a:solidFill>
+                          <a:latin typeface="Georgia" panose="02040502050405020303" pitchFamily="18" charset="0"/>
+                        </a:rPr>
+                        <a:t>Who</a:t>
+                      </a:r>
+                    </a:p>
+                  </a:txBody>
+                  <a:tcPr>
+                    <a:lnL w="12700" cap="flat" cmpd="sng" algn="ctr">
+                      <a:solidFill>
+                        <a:schemeClr val="tx1"/>
+                      </a:solidFill>
+                      <a:prstDash val="solid"/>
+                      <a:round/>
+                      <a:headEnd type="none" w="med" len="med"/>
+                      <a:tailEnd type="none" w="med" len="med"/>
+                    </a:lnL>
+                    <a:lnR w="12700" cap="flat" cmpd="sng" algn="ctr">
+                      <a:solidFill>
+                        <a:schemeClr val="tx1"/>
+                      </a:solidFill>
+                      <a:prstDash val="solid"/>
+                      <a:round/>
+                      <a:headEnd type="none" w="med" len="med"/>
+                      <a:tailEnd type="none" w="med" len="med"/>
+                    </a:lnR>
+                    <a:lnT w="12700" cap="flat" cmpd="sng" algn="ctr">
+                      <a:solidFill>
+                        <a:schemeClr val="tx1"/>
+                      </a:solidFill>
+                      <a:prstDash val="solid"/>
+                      <a:round/>
+                      <a:headEnd type="none" w="med" len="med"/>
+                      <a:tailEnd type="none" w="med" len="med"/>
+                    </a:lnT>
+                    <a:lnB w="12700" cap="flat" cmpd="sng" algn="ctr">
+                      <a:solidFill>
+                        <a:schemeClr val="tx1"/>
+                      </a:solidFill>
+                      <a:prstDash val="solid"/>
+                      <a:round/>
+                      <a:headEnd type="none" w="med" len="med"/>
+                      <a:tailEnd type="none" w="med" len="med"/>
+                    </a:lnB>
+                    <a:lnTlToBr w="12700" cmpd="sng">
+                      <a:noFill/>
+                      <a:prstDash val="solid"/>
+                    </a:lnTlToBr>
+                    <a:lnBlToTr w="12700" cmpd="sng">
+                      <a:noFill/>
+                      <a:prstDash val="solid"/>
+                    </a:lnBlToTr>
+                    <a:solidFill>
+                      <a:srgbClr val="BC8A68"/>
+                    </a:solidFill>
+                  </a:tcPr>
+                </a:tc>
+                <a:tc>
+                  <a:txBody>
+                    <a:bodyPr/>
+                    <a:lstStyle/>
+                    <a:p>
+                      <a:r>
+                        <a:rPr lang="en-US" sz="2200" dirty="0">
+                          <a:solidFill>
+                            <a:schemeClr val="bg1"/>
+                          </a:solidFill>
+                          <a:latin typeface="Georgia" panose="02040502050405020303" pitchFamily="18" charset="0"/>
+                        </a:rPr>
+                        <a:t>Why</a:t>
+                      </a:r>
+                    </a:p>
+                  </a:txBody>
+                  <a:tcPr>
+                    <a:lnL w="12700" cap="flat" cmpd="sng" algn="ctr">
+                      <a:solidFill>
+                        <a:schemeClr val="tx1"/>
+                      </a:solidFill>
+                      <a:prstDash val="solid"/>
+                      <a:round/>
+                      <a:headEnd type="none" w="med" len="med"/>
+                      <a:tailEnd type="none" w="med" len="med"/>
+                    </a:lnL>
+                    <a:lnR w="12700" cap="flat" cmpd="sng" algn="ctr">
+                      <a:solidFill>
+                        <a:schemeClr val="tx1"/>
+                      </a:solidFill>
+                      <a:prstDash val="solid"/>
+                      <a:round/>
+                      <a:headEnd type="none" w="med" len="med"/>
+                      <a:tailEnd type="none" w="med" len="med"/>
+                    </a:lnR>
+                    <a:lnT w="12700" cap="flat" cmpd="sng" algn="ctr">
+                      <a:solidFill>
+                        <a:schemeClr val="tx1"/>
+                      </a:solidFill>
+                      <a:prstDash val="solid"/>
+                      <a:round/>
+                      <a:headEnd type="none" w="med" len="med"/>
+                      <a:tailEnd type="none" w="med" len="med"/>
+                    </a:lnT>
+                    <a:lnB w="12700" cap="flat" cmpd="sng" algn="ctr">
+                      <a:solidFill>
+                        <a:schemeClr val="tx1"/>
+                      </a:solidFill>
+                      <a:prstDash val="solid"/>
+                      <a:round/>
+                      <a:headEnd type="none" w="med" len="med"/>
+                      <a:tailEnd type="none" w="med" len="med"/>
+                    </a:lnB>
+                    <a:lnTlToBr w="12700" cmpd="sng">
+                      <a:noFill/>
+                      <a:prstDash val="solid"/>
+                    </a:lnTlToBr>
+                    <a:lnBlToTr w="12700" cmpd="sng">
+                      <a:noFill/>
+                      <a:prstDash val="solid"/>
+                    </a:lnBlToTr>
+                    <a:solidFill>
+                      <a:srgbClr val="BC8A68"/>
+                    </a:solidFill>
+                  </a:tcPr>
+                </a:tc>
+                <a:tc>
+                  <a:txBody>
+                    <a:bodyPr/>
+                    <a:lstStyle/>
+                    <a:p>
+                      <a:r>
+                        <a:rPr lang="en-US" sz="2200" dirty="0">
+                          <a:solidFill>
+                            <a:schemeClr val="bg1"/>
+                          </a:solidFill>
+                          <a:latin typeface="Georgia" panose="02040502050405020303" pitchFamily="18" charset="0"/>
+                        </a:rPr>
+                        <a:t>How</a:t>
+                      </a:r>
+                    </a:p>
+                  </a:txBody>
+                  <a:tcPr>
+                    <a:lnL w="12700" cap="flat" cmpd="sng" algn="ctr">
+                      <a:solidFill>
+                        <a:schemeClr val="tx1"/>
+                      </a:solidFill>
+                      <a:prstDash val="solid"/>
+                      <a:round/>
+                      <a:headEnd type="none" w="med" len="med"/>
+                      <a:tailEnd type="none" w="med" len="med"/>
+                    </a:lnL>
+                    <a:lnR w="12700" cap="flat" cmpd="sng" algn="ctr">
+                      <a:solidFill>
+                        <a:schemeClr val="tx1"/>
+                      </a:solidFill>
+                      <a:prstDash val="solid"/>
+                      <a:round/>
+                      <a:headEnd type="none" w="med" len="med"/>
+                      <a:tailEnd type="none" w="med" len="med"/>
+                    </a:lnR>
+                    <a:lnT w="12700" cap="flat" cmpd="sng" algn="ctr">
+                      <a:solidFill>
+                        <a:schemeClr val="tx1"/>
+                      </a:solidFill>
+                      <a:prstDash val="solid"/>
+                      <a:round/>
+                      <a:headEnd type="none" w="med" len="med"/>
+                      <a:tailEnd type="none" w="med" len="med"/>
+                    </a:lnT>
+                    <a:lnB w="12700" cap="flat" cmpd="sng" algn="ctr">
+                      <a:solidFill>
+                        <a:schemeClr val="tx1"/>
+                      </a:solidFill>
+                      <a:prstDash val="solid"/>
+                      <a:round/>
+                      <a:headEnd type="none" w="med" len="med"/>
+                      <a:tailEnd type="none" w="med" len="med"/>
+                    </a:lnB>
+                    <a:lnTlToBr w="12700" cmpd="sng">
+                      <a:noFill/>
+                      <a:prstDash val="solid"/>
+                    </a:lnTlToBr>
+                    <a:lnBlToTr w="12700" cmpd="sng">
+                      <a:noFill/>
+                      <a:prstDash val="solid"/>
+                    </a:lnBlToTr>
+                    <a:solidFill>
+                      <a:srgbClr val="BC8A68"/>
+                    </a:solidFill>
+                  </a:tcPr>
+                </a:tc>
+                <a:tc>
+                  <a:txBody>
+                    <a:bodyPr/>
+                    <a:lstStyle/>
+                    <a:p>
+                      <a:r>
+                        <a:rPr lang="en-US" sz="2200" dirty="0">
+                          <a:solidFill>
+                            <a:schemeClr val="bg1"/>
+                          </a:solidFill>
+                          <a:latin typeface="Georgia" panose="02040502050405020303" pitchFamily="18" charset="0"/>
+                        </a:rPr>
+                        <a:t>Others</a:t>
+                      </a:r>
+                    </a:p>
+                  </a:txBody>
+                  <a:tcPr>
+                    <a:lnL w="12700" cap="flat" cmpd="sng" algn="ctr">
+                      <a:solidFill>
+                        <a:schemeClr val="tx1"/>
+                      </a:solidFill>
+                      <a:prstDash val="solid"/>
+                      <a:round/>
+                      <a:headEnd type="none" w="med" len="med"/>
+                      <a:tailEnd type="none" w="med" len="med"/>
+                    </a:lnL>
+                    <a:lnR w="12700" cap="flat" cmpd="sng" algn="ctr">
+                      <a:solidFill>
+                        <a:schemeClr val="tx1"/>
+                      </a:solidFill>
+                      <a:prstDash val="solid"/>
+                      <a:round/>
+                      <a:headEnd type="none" w="med" len="med"/>
+                      <a:tailEnd type="none" w="med" len="med"/>
+                    </a:lnR>
+                    <a:lnT w="12700" cap="flat" cmpd="sng" algn="ctr">
+                      <a:solidFill>
+                        <a:schemeClr val="tx1"/>
+                      </a:solidFill>
+                      <a:prstDash val="solid"/>
+                      <a:round/>
+                      <a:headEnd type="none" w="med" len="med"/>
+                      <a:tailEnd type="none" w="med" len="med"/>
+                    </a:lnT>
+                    <a:lnB w="12700" cap="flat" cmpd="sng" algn="ctr">
+                      <a:solidFill>
+                        <a:schemeClr val="tx1"/>
+                      </a:solidFill>
+                      <a:prstDash val="solid"/>
+                      <a:round/>
+                      <a:headEnd type="none" w="med" len="med"/>
+                      <a:tailEnd type="none" w="med" len="med"/>
+                    </a:lnB>
+                    <a:lnTlToBr w="12700" cmpd="sng">
+                      <a:noFill/>
+                      <a:prstDash val="solid"/>
+                    </a:lnTlToBr>
+                    <a:lnBlToTr w="12700" cmpd="sng">
+                      <a:noFill/>
+                      <a:prstDash val="solid"/>
+                    </a:lnBlToTr>
+                    <a:solidFill>
+                      <a:srgbClr val="BC8A68"/>
+                    </a:solidFill>
+                  </a:tcPr>
+                </a:tc>
+                <a:extLst>
+                  <a:ext uri="{0D108BD9-81ED-4DB2-BD59-A6C34878D82A}">
+                    <a16:rowId xmlns:a16="http://schemas.microsoft.com/office/drawing/2014/main" val="77959192"/>
+                  </a:ext>
+                </a:extLst>
+              </a:tr>
+              <a:tr h="415863">
+                <a:tc>
+                  <a:txBody>
+                    <a:bodyPr/>
+                    <a:lstStyle/>
+                    <a:p>
+                      <a:r>
+                        <a:rPr lang="en-US" sz="2200" dirty="0">
+                          <a:solidFill>
+                            <a:schemeClr val="bg1"/>
+                          </a:solidFill>
+                          <a:latin typeface="Georgia" panose="02040502050405020303" pitchFamily="18" charset="0"/>
+                        </a:rPr>
+                        <a:t>F1</a:t>
+                      </a:r>
+                    </a:p>
+                  </a:txBody>
+                  <a:tcPr>
+                    <a:lnL w="12700" cap="flat" cmpd="sng" algn="ctr">
+                      <a:solidFill>
+                        <a:schemeClr val="tx1"/>
+                      </a:solidFill>
+                      <a:prstDash val="solid"/>
+                      <a:round/>
+                      <a:headEnd type="none" w="med" len="med"/>
+                      <a:tailEnd type="none" w="med" len="med"/>
+                    </a:lnL>
+                    <a:lnR w="12700" cap="flat" cmpd="sng" algn="ctr">
+                      <a:solidFill>
+                        <a:schemeClr val="tx1"/>
+                      </a:solidFill>
+                      <a:prstDash val="solid"/>
+                      <a:round/>
+                      <a:headEnd type="none" w="med" len="med"/>
+                      <a:tailEnd type="none" w="med" len="med"/>
+                    </a:lnR>
+                    <a:lnT w="12700" cap="flat" cmpd="sng" algn="ctr">
+                      <a:solidFill>
+                        <a:schemeClr val="tx1"/>
+                      </a:solidFill>
+                      <a:prstDash val="solid"/>
+                      <a:round/>
+                      <a:headEnd type="none" w="med" len="med"/>
+                      <a:tailEnd type="none" w="med" len="med"/>
+                    </a:lnT>
+                    <a:lnB w="12700" cap="flat" cmpd="sng" algn="ctr">
+                      <a:solidFill>
+                        <a:schemeClr val="tx1"/>
+                      </a:solidFill>
+                      <a:prstDash val="solid"/>
+                      <a:round/>
+                      <a:headEnd type="none" w="med" len="med"/>
+                      <a:tailEnd type="none" w="med" len="med"/>
+                    </a:lnB>
+                    <a:lnTlToBr w="12700" cmpd="sng">
+                      <a:noFill/>
+                      <a:prstDash val="solid"/>
+                    </a:lnTlToBr>
+                    <a:lnBlToTr w="12700" cmpd="sng">
+                      <a:noFill/>
+                      <a:prstDash val="solid"/>
+                    </a:lnBlToTr>
+                    <a:solidFill>
+                      <a:srgbClr val="BC8A68"/>
+                    </a:solidFill>
+                  </a:tcPr>
+                </a:tc>
+                <a:tc>
+                  <a:txBody>
+                    <a:bodyPr/>
+                    <a:lstStyle/>
+                    <a:p>
+                      <a:r>
+                        <a:rPr lang="en-US" sz="2200" dirty="0">
+                          <a:latin typeface="Georgia" panose="02040502050405020303" pitchFamily="18" charset="0"/>
+                        </a:rPr>
+                        <a:t>69.30</a:t>
+                      </a:r>
+                    </a:p>
+                  </a:txBody>
+                  <a:tcPr>
+                    <a:lnL w="12700" cap="flat" cmpd="sng" algn="ctr">
+                      <a:solidFill>
+                        <a:schemeClr val="tx1"/>
+                      </a:solidFill>
+                      <a:prstDash val="solid"/>
+                      <a:round/>
+                      <a:headEnd type="none" w="med" len="med"/>
+                      <a:tailEnd type="none" w="med" len="med"/>
+                    </a:lnL>
+                    <a:lnR w="12700" cap="flat" cmpd="sng" algn="ctr">
+                      <a:solidFill>
+                        <a:schemeClr val="tx1"/>
+                      </a:solidFill>
+                      <a:prstDash val="solid"/>
+                      <a:round/>
+                      <a:headEnd type="none" w="med" len="med"/>
+                      <a:tailEnd type="none" w="med" len="med"/>
+                    </a:lnR>
+                    <a:lnT w="12700" cap="flat" cmpd="sng" algn="ctr">
+                      <a:solidFill>
+                        <a:schemeClr val="tx1"/>
+                      </a:solidFill>
+                      <a:prstDash val="solid"/>
+                      <a:round/>
+                      <a:headEnd type="none" w="med" len="med"/>
+                      <a:tailEnd type="none" w="med" len="med"/>
+                    </a:lnT>
+                    <a:lnB w="12700" cap="flat" cmpd="sng" algn="ctr">
+                      <a:solidFill>
+                        <a:schemeClr val="tx1"/>
+                      </a:solidFill>
+                      <a:prstDash val="solid"/>
+                      <a:round/>
+                      <a:headEnd type="none" w="med" len="med"/>
+                      <a:tailEnd type="none" w="med" len="med"/>
+                    </a:lnB>
+                    <a:lnTlToBr w="12700" cmpd="sng">
+                      <a:noFill/>
+                      <a:prstDash val="solid"/>
+                    </a:lnTlToBr>
+                    <a:lnBlToTr w="12700" cmpd="sng">
+                      <a:noFill/>
+                      <a:prstDash val="solid"/>
+                    </a:lnBlToTr>
+                  </a:tcPr>
+                </a:tc>
+                <a:tc>
+                  <a:txBody>
+                    <a:bodyPr/>
+                    <a:lstStyle/>
+                    <a:p>
+                      <a:r>
+                        <a:rPr lang="en-US" sz="2200" dirty="0">
+                          <a:latin typeface="Georgia" panose="02040502050405020303" pitchFamily="18" charset="0"/>
+                        </a:rPr>
+                        <a:t>76.03</a:t>
+                      </a:r>
+                    </a:p>
+                  </a:txBody>
+                  <a:tcPr>
+                    <a:lnL w="12700" cap="flat" cmpd="sng" algn="ctr">
+                      <a:solidFill>
+                        <a:schemeClr val="tx1"/>
+                      </a:solidFill>
+                      <a:prstDash val="solid"/>
+                      <a:round/>
+                      <a:headEnd type="none" w="med" len="med"/>
+                      <a:tailEnd type="none" w="med" len="med"/>
+                    </a:lnL>
+                    <a:lnR w="12700" cap="flat" cmpd="sng" algn="ctr">
+                      <a:solidFill>
+                        <a:schemeClr val="tx1"/>
+                      </a:solidFill>
+                      <a:prstDash val="solid"/>
+                      <a:round/>
+                      <a:headEnd type="none" w="med" len="med"/>
+                      <a:tailEnd type="none" w="med" len="med"/>
+                    </a:lnR>
+                    <a:lnT w="12700" cap="flat" cmpd="sng" algn="ctr">
+                      <a:solidFill>
+                        <a:schemeClr val="tx1"/>
+                      </a:solidFill>
+                      <a:prstDash val="solid"/>
+                      <a:round/>
+                      <a:headEnd type="none" w="med" len="med"/>
+                      <a:tailEnd type="none" w="med" len="med"/>
+                    </a:lnT>
+                    <a:lnB w="12700" cap="flat" cmpd="sng" algn="ctr">
+                      <a:solidFill>
+                        <a:schemeClr val="tx1"/>
+                      </a:solidFill>
+                      <a:prstDash val="solid"/>
+                      <a:round/>
+                      <a:headEnd type="none" w="med" len="med"/>
+                      <a:tailEnd type="none" w="med" len="med"/>
+                    </a:lnB>
+                    <a:lnTlToBr w="12700" cmpd="sng">
+                      <a:noFill/>
+                      <a:prstDash val="solid"/>
+                    </a:lnTlToBr>
+                    <a:lnBlToTr w="12700" cmpd="sng">
+                      <a:noFill/>
+                      <a:prstDash val="solid"/>
+                    </a:lnBlToTr>
+                  </a:tcPr>
+                </a:tc>
+                <a:tc>
+                  <a:txBody>
+                    <a:bodyPr/>
+                    <a:lstStyle/>
+                    <a:p>
+                      <a:r>
+                        <a:rPr lang="en-US" sz="2200" dirty="0">
+                          <a:latin typeface="Georgia" panose="02040502050405020303" pitchFamily="18" charset="0"/>
+                        </a:rPr>
+                        <a:t>66.31</a:t>
+                      </a:r>
+                    </a:p>
+                  </a:txBody>
+                  <a:tcPr>
+                    <a:lnL w="12700" cap="flat" cmpd="sng" algn="ctr">
+                      <a:solidFill>
+                        <a:schemeClr val="tx1"/>
+                      </a:solidFill>
+                      <a:prstDash val="solid"/>
+                      <a:round/>
+                      <a:headEnd type="none" w="med" len="med"/>
+                      <a:tailEnd type="none" w="med" len="med"/>
+                    </a:lnL>
+                    <a:lnR w="12700" cap="flat" cmpd="sng" algn="ctr">
+                      <a:solidFill>
+                        <a:schemeClr val="tx1"/>
+                      </a:solidFill>
+                      <a:prstDash val="solid"/>
+                      <a:round/>
+                      <a:headEnd type="none" w="med" len="med"/>
+                      <a:tailEnd type="none" w="med" len="med"/>
+                    </a:lnR>
+                    <a:lnT w="12700" cap="flat" cmpd="sng" algn="ctr">
+                      <a:solidFill>
+                        <a:schemeClr val="tx1"/>
+                      </a:solidFill>
+                      <a:prstDash val="solid"/>
+                      <a:round/>
+                      <a:headEnd type="none" w="med" len="med"/>
+                      <a:tailEnd type="none" w="med" len="med"/>
+                    </a:lnT>
+                    <a:lnB w="12700" cap="flat" cmpd="sng" algn="ctr">
+                      <a:solidFill>
+                        <a:schemeClr val="tx1"/>
+                      </a:solidFill>
+                      <a:prstDash val="solid"/>
+                      <a:round/>
+                      <a:headEnd type="none" w="med" len="med"/>
+                      <a:tailEnd type="none" w="med" len="med"/>
+                    </a:lnB>
+                    <a:lnTlToBr w="12700" cmpd="sng">
+                      <a:noFill/>
+                      <a:prstDash val="solid"/>
+                    </a:lnTlToBr>
+                    <a:lnBlToTr w="12700" cmpd="sng">
+                      <a:noFill/>
+                      <a:prstDash val="solid"/>
+                    </a:lnBlToTr>
+                  </a:tcPr>
+                </a:tc>
+                <a:tc>
+                  <a:txBody>
+                    <a:bodyPr/>
+                    <a:lstStyle/>
+                    <a:p>
+                      <a:r>
+                        <a:rPr lang="en-US" sz="2200" dirty="0">
+                          <a:latin typeface="Georgia" panose="02040502050405020303" pitchFamily="18" charset="0"/>
+                        </a:rPr>
+                        <a:t>74.80</a:t>
+                      </a:r>
+                    </a:p>
+                  </a:txBody>
+                  <a:tcPr>
+                    <a:lnL w="12700" cap="flat" cmpd="sng" algn="ctr">
+                      <a:solidFill>
+                        <a:schemeClr val="tx1"/>
+                      </a:solidFill>
+                      <a:prstDash val="solid"/>
+                      <a:round/>
+                      <a:headEnd type="none" w="med" len="med"/>
+                      <a:tailEnd type="none" w="med" len="med"/>
+                    </a:lnL>
+                    <a:lnR w="12700" cap="flat" cmpd="sng" algn="ctr">
+                      <a:solidFill>
+                        <a:schemeClr val="tx1"/>
+                      </a:solidFill>
+                      <a:prstDash val="solid"/>
+                      <a:round/>
+                      <a:headEnd type="none" w="med" len="med"/>
+                      <a:tailEnd type="none" w="med" len="med"/>
+                    </a:lnR>
+                    <a:lnT w="12700" cap="flat" cmpd="sng" algn="ctr">
+                      <a:solidFill>
+                        <a:schemeClr val="tx1"/>
+                      </a:solidFill>
+                      <a:prstDash val="solid"/>
+                      <a:round/>
+                      <a:headEnd type="none" w="med" len="med"/>
+                      <a:tailEnd type="none" w="med" len="med"/>
+                    </a:lnT>
+                    <a:lnB w="12700" cap="flat" cmpd="sng" algn="ctr">
+                      <a:solidFill>
+                        <a:schemeClr val="tx1"/>
+                      </a:solidFill>
+                      <a:prstDash val="solid"/>
+                      <a:round/>
+                      <a:headEnd type="none" w="med" len="med"/>
+                      <a:tailEnd type="none" w="med" len="med"/>
+                    </a:lnB>
+                    <a:lnTlToBr w="12700" cmpd="sng">
+                      <a:noFill/>
+                      <a:prstDash val="solid"/>
+                    </a:lnTlToBr>
+                    <a:lnBlToTr w="12700" cmpd="sng">
+                      <a:noFill/>
+                      <a:prstDash val="solid"/>
+                    </a:lnBlToTr>
+                  </a:tcPr>
+                </a:tc>
+                <a:tc>
+                  <a:txBody>
+                    <a:bodyPr/>
+                    <a:lstStyle/>
+                    <a:p>
+                      <a:r>
+                        <a:rPr lang="en-US" sz="2200" dirty="0">
+                          <a:latin typeface="Georgia" panose="02040502050405020303" pitchFamily="18" charset="0"/>
+                        </a:rPr>
+                        <a:t>72.09</a:t>
+                      </a:r>
+                    </a:p>
+                  </a:txBody>
+                  <a:tcPr>
+                    <a:lnL w="12700" cap="flat" cmpd="sng" algn="ctr">
+                      <a:solidFill>
+                        <a:schemeClr val="tx1"/>
+                      </a:solidFill>
+                      <a:prstDash val="solid"/>
+                      <a:round/>
+                      <a:headEnd type="none" w="med" len="med"/>
+                      <a:tailEnd type="none" w="med" len="med"/>
+                    </a:lnL>
+                    <a:lnR w="12700" cap="flat" cmpd="sng" algn="ctr">
+                      <a:solidFill>
+                        <a:schemeClr val="tx1"/>
+                      </a:solidFill>
+                      <a:prstDash val="solid"/>
+                      <a:round/>
+                      <a:headEnd type="none" w="med" len="med"/>
+                      <a:tailEnd type="none" w="med" len="med"/>
+                    </a:lnR>
+                    <a:lnT w="12700" cap="flat" cmpd="sng" algn="ctr">
+                      <a:solidFill>
+                        <a:schemeClr val="tx1"/>
+                      </a:solidFill>
+                      <a:prstDash val="solid"/>
+                      <a:round/>
+                      <a:headEnd type="none" w="med" len="med"/>
+                      <a:tailEnd type="none" w="med" len="med"/>
+                    </a:lnT>
+                    <a:lnB w="12700" cap="flat" cmpd="sng" algn="ctr">
+                      <a:solidFill>
+                        <a:schemeClr val="tx1"/>
+                      </a:solidFill>
+                      <a:prstDash val="solid"/>
+                      <a:round/>
+                      <a:headEnd type="none" w="med" len="med"/>
+                      <a:tailEnd type="none" w="med" len="med"/>
+                    </a:lnB>
+                    <a:lnTlToBr w="12700" cmpd="sng">
+                      <a:noFill/>
+                      <a:prstDash val="solid"/>
+                    </a:lnTlToBr>
+                    <a:lnBlToTr w="12700" cmpd="sng">
+                      <a:noFill/>
+                      <a:prstDash val="solid"/>
+                    </a:lnBlToTr>
+                  </a:tcPr>
+                </a:tc>
+                <a:tc>
+                  <a:txBody>
+                    <a:bodyPr/>
+                    <a:lstStyle/>
+                    <a:p>
+                      <a:r>
+                        <a:rPr lang="en-US" sz="2200" dirty="0">
+                          <a:latin typeface="Georgia" panose="02040502050405020303" pitchFamily="18" charset="0"/>
+                        </a:rPr>
+                        <a:t>65.60</a:t>
+                      </a:r>
+                    </a:p>
+                  </a:txBody>
+                  <a:tcPr>
+                    <a:lnL w="12700" cap="flat" cmpd="sng" algn="ctr">
+                      <a:solidFill>
+                        <a:schemeClr val="tx1"/>
+                      </a:solidFill>
+                      <a:prstDash val="solid"/>
+                      <a:round/>
+                      <a:headEnd type="none" w="med" len="med"/>
+                      <a:tailEnd type="none" w="med" len="med"/>
+                    </a:lnL>
+                    <a:lnR w="12700" cap="flat" cmpd="sng" algn="ctr">
+                      <a:solidFill>
+                        <a:schemeClr val="tx1"/>
+                      </a:solidFill>
+                      <a:prstDash val="solid"/>
+                      <a:round/>
+                      <a:headEnd type="none" w="med" len="med"/>
+                      <a:tailEnd type="none" w="med" len="med"/>
+                    </a:lnR>
+                    <a:lnT w="12700" cap="flat" cmpd="sng" algn="ctr">
+                      <a:solidFill>
+                        <a:schemeClr val="tx1"/>
+                      </a:solidFill>
+                      <a:prstDash val="solid"/>
+                      <a:round/>
+                      <a:headEnd type="none" w="med" len="med"/>
+                      <a:tailEnd type="none" w="med" len="med"/>
+                    </a:lnT>
+                    <a:lnB w="12700" cap="flat" cmpd="sng" algn="ctr">
+                      <a:solidFill>
+                        <a:schemeClr val="tx1"/>
+                      </a:solidFill>
+                      <a:prstDash val="solid"/>
+                      <a:round/>
+                      <a:headEnd type="none" w="med" len="med"/>
+                      <a:tailEnd type="none" w="med" len="med"/>
+                    </a:lnB>
+                    <a:lnTlToBr w="12700" cmpd="sng">
+                      <a:noFill/>
+                      <a:prstDash val="solid"/>
+                    </a:lnTlToBr>
+                    <a:lnBlToTr w="12700" cmpd="sng">
+                      <a:noFill/>
+                      <a:prstDash val="solid"/>
+                    </a:lnBlToTr>
+                  </a:tcPr>
+                </a:tc>
+                <a:tc>
+                  <a:txBody>
+                    <a:bodyPr/>
+                    <a:lstStyle/>
+                    <a:p>
+                      <a:r>
+                        <a:rPr lang="en-US" sz="2200" dirty="0">
+                          <a:latin typeface="Georgia" panose="02040502050405020303" pitchFamily="18" charset="0"/>
+                        </a:rPr>
+                        <a:t>69.24</a:t>
+                      </a:r>
+                    </a:p>
+                  </a:txBody>
+                  <a:tcPr>
+                    <a:lnL w="12700" cap="flat" cmpd="sng" algn="ctr">
+                      <a:solidFill>
+                        <a:schemeClr val="tx1"/>
+                      </a:solidFill>
+                      <a:prstDash val="solid"/>
+                      <a:round/>
+                      <a:headEnd type="none" w="med" len="med"/>
+                      <a:tailEnd type="none" w="med" len="med"/>
+                    </a:lnL>
+                    <a:lnR w="12700" cap="flat" cmpd="sng" algn="ctr">
+                      <a:solidFill>
+                        <a:schemeClr val="tx1"/>
+                      </a:solidFill>
+                      <a:prstDash val="solid"/>
+                      <a:round/>
+                      <a:headEnd type="none" w="med" len="med"/>
+                      <a:tailEnd type="none" w="med" len="med"/>
+                    </a:lnR>
+                    <a:lnT w="12700" cap="flat" cmpd="sng" algn="ctr">
+                      <a:solidFill>
+                        <a:schemeClr val="tx1"/>
+                      </a:solidFill>
+                      <a:prstDash val="solid"/>
+                      <a:round/>
+                      <a:headEnd type="none" w="med" len="med"/>
+                      <a:tailEnd type="none" w="med" len="med"/>
+                    </a:lnT>
+                    <a:lnB w="12700" cap="flat" cmpd="sng" algn="ctr">
+                      <a:solidFill>
+                        <a:schemeClr val="tx1"/>
+                      </a:solidFill>
+                      <a:prstDash val="solid"/>
+                      <a:round/>
+                      <a:headEnd type="none" w="med" len="med"/>
+                      <a:tailEnd type="none" w="med" len="med"/>
+                    </a:lnB>
+                    <a:lnTlToBr w="12700" cmpd="sng">
+                      <a:noFill/>
+                      <a:prstDash val="solid"/>
+                    </a:lnTlToBr>
+                    <a:lnBlToTr w="12700" cmpd="sng">
+                      <a:noFill/>
+                      <a:prstDash val="solid"/>
+                    </a:lnBlToTr>
+                  </a:tcPr>
+                </a:tc>
+                <a:tc>
+                  <a:txBody>
+                    <a:bodyPr/>
+                    <a:lstStyle/>
+                    <a:p>
+                      <a:r>
+                        <a:rPr lang="en-US" sz="2200" dirty="0">
+                          <a:latin typeface="Georgia" panose="02040502050405020303" pitchFamily="18" charset="0"/>
+                        </a:rPr>
+                        <a:t>70.57</a:t>
+                      </a:r>
+                    </a:p>
+                  </a:txBody>
+                  <a:tcPr>
+                    <a:lnL w="12700" cap="flat" cmpd="sng" algn="ctr">
+                      <a:solidFill>
+                        <a:schemeClr val="tx1"/>
+                      </a:solidFill>
+                      <a:prstDash val="solid"/>
+                      <a:round/>
+                      <a:headEnd type="none" w="med" len="med"/>
+                      <a:tailEnd type="none" w="med" len="med"/>
+                    </a:lnL>
+                    <a:lnR w="12700" cap="flat" cmpd="sng" algn="ctr">
+                      <a:solidFill>
+                        <a:schemeClr val="tx1"/>
+                      </a:solidFill>
+                      <a:prstDash val="solid"/>
+                      <a:round/>
+                      <a:headEnd type="none" w="med" len="med"/>
+                      <a:tailEnd type="none" w="med" len="med"/>
+                    </a:lnR>
+                    <a:lnT w="12700" cap="flat" cmpd="sng" algn="ctr">
+                      <a:solidFill>
+                        <a:schemeClr val="tx1"/>
+                      </a:solidFill>
+                      <a:prstDash val="solid"/>
+                      <a:round/>
+                      <a:headEnd type="none" w="med" len="med"/>
+                      <a:tailEnd type="none" w="med" len="med"/>
+                    </a:lnT>
+                    <a:lnB w="12700" cap="flat" cmpd="sng" algn="ctr">
+                      <a:solidFill>
+                        <a:schemeClr val="tx1"/>
+                      </a:solidFill>
+                      <a:prstDash val="solid"/>
+                      <a:round/>
+                      <a:headEnd type="none" w="med" len="med"/>
+                      <a:tailEnd type="none" w="med" len="med"/>
+                    </a:lnB>
+                    <a:lnTlToBr w="12700" cmpd="sng">
+                      <a:noFill/>
+                      <a:prstDash val="solid"/>
+                    </a:lnTlToBr>
+                    <a:lnBlToTr w="12700" cmpd="sng">
+                      <a:noFill/>
+                      <a:prstDash val="solid"/>
+                    </a:lnBlToTr>
+                  </a:tcPr>
+                </a:tc>
+                <a:extLst>
+                  <a:ext uri="{0D108BD9-81ED-4DB2-BD59-A6C34878D82A}">
+                    <a16:rowId xmlns:a16="http://schemas.microsoft.com/office/drawing/2014/main" val="1681405928"/>
+                  </a:ext>
+                </a:extLst>
+              </a:tr>
+              <a:tr h="415863">
+                <a:tc>
+                  <a:txBody>
+                    <a:bodyPr/>
+                    <a:lstStyle/>
+                    <a:p>
+                      <a:r>
+                        <a:rPr lang="en-US" sz="2200" dirty="0">
+                          <a:solidFill>
+                            <a:schemeClr val="bg1"/>
+                          </a:solidFill>
+                          <a:latin typeface="Georgia" panose="02040502050405020303" pitchFamily="18" charset="0"/>
+                        </a:rPr>
+                        <a:t>EM</a:t>
+                      </a:r>
+                    </a:p>
+                  </a:txBody>
+                  <a:tcPr>
+                    <a:lnL w="12700" cap="flat" cmpd="sng" algn="ctr">
+                      <a:solidFill>
+                        <a:schemeClr val="tx1"/>
+                      </a:solidFill>
+                      <a:prstDash val="solid"/>
+                      <a:round/>
+                      <a:headEnd type="none" w="med" len="med"/>
+                      <a:tailEnd type="none" w="med" len="med"/>
+                    </a:lnL>
+                    <a:lnR w="12700" cap="flat" cmpd="sng" algn="ctr">
+                      <a:solidFill>
+                        <a:schemeClr val="tx1"/>
+                      </a:solidFill>
+                      <a:prstDash val="solid"/>
+                      <a:round/>
+                      <a:headEnd type="none" w="med" len="med"/>
+                      <a:tailEnd type="none" w="med" len="med"/>
+                    </a:lnR>
+                    <a:lnT w="12700" cap="flat" cmpd="sng" algn="ctr">
+                      <a:solidFill>
+                        <a:schemeClr val="tx1"/>
+                      </a:solidFill>
+                      <a:prstDash val="solid"/>
+                      <a:round/>
+                      <a:headEnd type="none" w="med" len="med"/>
+                      <a:tailEnd type="none" w="med" len="med"/>
+                    </a:lnT>
+                    <a:lnB w="12700" cap="flat" cmpd="sng" algn="ctr">
+                      <a:solidFill>
+                        <a:schemeClr val="tx1"/>
+                      </a:solidFill>
+                      <a:prstDash val="solid"/>
+                      <a:round/>
+                      <a:headEnd type="none" w="med" len="med"/>
+                      <a:tailEnd type="none" w="med" len="med"/>
+                    </a:lnB>
+                    <a:lnTlToBr w="12700" cmpd="sng">
+                      <a:noFill/>
+                      <a:prstDash val="solid"/>
+                    </a:lnTlToBr>
+                    <a:lnBlToTr w="12700" cmpd="sng">
+                      <a:noFill/>
+                      <a:prstDash val="solid"/>
+                    </a:lnBlToTr>
+                    <a:solidFill>
+                      <a:srgbClr val="BC8A68"/>
+                    </a:solidFill>
+                  </a:tcPr>
+                </a:tc>
+                <a:tc>
+                  <a:txBody>
+                    <a:bodyPr/>
+                    <a:lstStyle/>
+                    <a:p>
+                      <a:r>
+                        <a:rPr lang="en-US" sz="2200" dirty="0">
+                          <a:latin typeface="Georgia" panose="02040502050405020303" pitchFamily="18" charset="0"/>
+                        </a:rPr>
+                        <a:t>65.85</a:t>
+                      </a:r>
+                    </a:p>
+                  </a:txBody>
+                  <a:tcPr>
+                    <a:lnL w="12700" cap="flat" cmpd="sng" algn="ctr">
+                      <a:solidFill>
+                        <a:schemeClr val="tx1"/>
+                      </a:solidFill>
+                      <a:prstDash val="solid"/>
+                      <a:round/>
+                      <a:headEnd type="none" w="med" len="med"/>
+                      <a:tailEnd type="none" w="med" len="med"/>
+                    </a:lnL>
+                    <a:lnR w="12700" cap="flat" cmpd="sng" algn="ctr">
+                      <a:solidFill>
+                        <a:schemeClr val="tx1"/>
+                      </a:solidFill>
+                      <a:prstDash val="solid"/>
+                      <a:round/>
+                      <a:headEnd type="none" w="med" len="med"/>
+                      <a:tailEnd type="none" w="med" len="med"/>
+                    </a:lnR>
+                    <a:lnT w="12700" cap="flat" cmpd="sng" algn="ctr">
+                      <a:solidFill>
+                        <a:schemeClr val="tx1"/>
+                      </a:solidFill>
+                      <a:prstDash val="solid"/>
+                      <a:round/>
+                      <a:headEnd type="none" w="med" len="med"/>
+                      <a:tailEnd type="none" w="med" len="med"/>
+                    </a:lnT>
+                    <a:lnB w="12700" cap="flat" cmpd="sng" algn="ctr">
+                      <a:solidFill>
+                        <a:schemeClr val="tx1"/>
+                      </a:solidFill>
+                      <a:prstDash val="solid"/>
+                      <a:round/>
+                      <a:headEnd type="none" w="med" len="med"/>
+                      <a:tailEnd type="none" w="med" len="med"/>
+                    </a:lnB>
+                    <a:lnTlToBr w="12700" cmpd="sng">
+                      <a:noFill/>
+                      <a:prstDash val="solid"/>
+                    </a:lnTlToBr>
+                    <a:lnBlToTr w="12700" cmpd="sng">
+                      <a:noFill/>
+                      <a:prstDash val="solid"/>
+                    </a:lnBlToTr>
+                  </a:tcPr>
+                </a:tc>
+                <a:tc>
+                  <a:txBody>
+                    <a:bodyPr/>
+                    <a:lstStyle/>
+                    <a:p>
+                      <a:r>
+                        <a:rPr lang="en-US" sz="2200" dirty="0">
+                          <a:latin typeface="Georgia" panose="02040502050405020303" pitchFamily="18" charset="0"/>
+                        </a:rPr>
+                        <a:t>75.22</a:t>
+                      </a:r>
+                    </a:p>
+                  </a:txBody>
+                  <a:tcPr>
+                    <a:lnL w="12700" cap="flat" cmpd="sng" algn="ctr">
+                      <a:solidFill>
+                        <a:schemeClr val="tx1"/>
+                      </a:solidFill>
+                      <a:prstDash val="solid"/>
+                      <a:round/>
+                      <a:headEnd type="none" w="med" len="med"/>
+                      <a:tailEnd type="none" w="med" len="med"/>
+                    </a:lnL>
+                    <a:lnR w="12700" cap="flat" cmpd="sng" algn="ctr">
+                      <a:solidFill>
+                        <a:schemeClr val="tx1"/>
+                      </a:solidFill>
+                      <a:prstDash val="solid"/>
+                      <a:round/>
+                      <a:headEnd type="none" w="med" len="med"/>
+                      <a:tailEnd type="none" w="med" len="med"/>
+                    </a:lnR>
+                    <a:lnT w="12700" cap="flat" cmpd="sng" algn="ctr">
+                      <a:solidFill>
+                        <a:schemeClr val="tx1"/>
+                      </a:solidFill>
+                      <a:prstDash val="solid"/>
+                      <a:round/>
+                      <a:headEnd type="none" w="med" len="med"/>
+                      <a:tailEnd type="none" w="med" len="med"/>
+                    </a:lnT>
+                    <a:lnB w="12700" cap="flat" cmpd="sng" algn="ctr">
+                      <a:solidFill>
+                        <a:schemeClr val="tx1"/>
+                      </a:solidFill>
+                      <a:prstDash val="solid"/>
+                      <a:round/>
+                      <a:headEnd type="none" w="med" len="med"/>
+                      <a:tailEnd type="none" w="med" len="med"/>
+                    </a:lnB>
+                    <a:lnTlToBr w="12700" cmpd="sng">
+                      <a:noFill/>
+                      <a:prstDash val="solid"/>
+                    </a:lnTlToBr>
+                    <a:lnBlToTr w="12700" cmpd="sng">
+                      <a:noFill/>
+                      <a:prstDash val="solid"/>
+                    </a:lnBlToTr>
+                  </a:tcPr>
+                </a:tc>
+                <a:tc>
+                  <a:txBody>
+                    <a:bodyPr/>
+                    <a:lstStyle/>
+                    <a:p>
+                      <a:r>
+                        <a:rPr lang="en-US" sz="2200" dirty="0">
+                          <a:latin typeface="Georgia" panose="02040502050405020303" pitchFamily="18" charset="0"/>
+                        </a:rPr>
+                        <a:t>62.10</a:t>
+                      </a:r>
+                    </a:p>
+                  </a:txBody>
+                  <a:tcPr>
+                    <a:lnL w="12700" cap="flat" cmpd="sng" algn="ctr">
+                      <a:solidFill>
+                        <a:schemeClr val="tx1"/>
+                      </a:solidFill>
+                      <a:prstDash val="solid"/>
+                      <a:round/>
+                      <a:headEnd type="none" w="med" len="med"/>
+                      <a:tailEnd type="none" w="med" len="med"/>
+                    </a:lnL>
+                    <a:lnR w="12700" cap="flat" cmpd="sng" algn="ctr">
+                      <a:solidFill>
+                        <a:schemeClr val="tx1"/>
+                      </a:solidFill>
+                      <a:prstDash val="solid"/>
+                      <a:round/>
+                      <a:headEnd type="none" w="med" len="med"/>
+                      <a:tailEnd type="none" w="med" len="med"/>
+                    </a:lnR>
+                    <a:lnT w="12700" cap="flat" cmpd="sng" algn="ctr">
+                      <a:solidFill>
+                        <a:schemeClr val="tx1"/>
+                      </a:solidFill>
+                      <a:prstDash val="solid"/>
+                      <a:round/>
+                      <a:headEnd type="none" w="med" len="med"/>
+                      <a:tailEnd type="none" w="med" len="med"/>
+                    </a:lnT>
+                    <a:lnB w="12700" cap="flat" cmpd="sng" algn="ctr">
+                      <a:solidFill>
+                        <a:schemeClr val="tx1"/>
+                      </a:solidFill>
+                      <a:prstDash val="solid"/>
+                      <a:round/>
+                      <a:headEnd type="none" w="med" len="med"/>
+                      <a:tailEnd type="none" w="med" len="med"/>
+                    </a:lnB>
+                    <a:lnTlToBr w="12700" cmpd="sng">
+                      <a:noFill/>
+                      <a:prstDash val="solid"/>
+                    </a:lnTlToBr>
+                    <a:lnBlToTr w="12700" cmpd="sng">
+                      <a:noFill/>
+                      <a:prstDash val="solid"/>
+                    </a:lnBlToTr>
+                  </a:tcPr>
+                </a:tc>
+                <a:tc>
+                  <a:txBody>
+                    <a:bodyPr/>
+                    <a:lstStyle/>
+                    <a:p>
+                      <a:r>
+                        <a:rPr lang="en-US" sz="2200" dirty="0">
+                          <a:latin typeface="Georgia" panose="02040502050405020303" pitchFamily="18" charset="0"/>
+                        </a:rPr>
+                        <a:t>70.83</a:t>
+                      </a:r>
+                    </a:p>
+                  </a:txBody>
+                  <a:tcPr>
+                    <a:lnL w="12700" cap="flat" cmpd="sng" algn="ctr">
+                      <a:solidFill>
+                        <a:schemeClr val="tx1"/>
+                      </a:solidFill>
+                      <a:prstDash val="solid"/>
+                      <a:round/>
+                      <a:headEnd type="none" w="med" len="med"/>
+                      <a:tailEnd type="none" w="med" len="med"/>
+                    </a:lnL>
+                    <a:lnR w="12700" cap="flat" cmpd="sng" algn="ctr">
+                      <a:solidFill>
+                        <a:schemeClr val="tx1"/>
+                      </a:solidFill>
+                      <a:prstDash val="solid"/>
+                      <a:round/>
+                      <a:headEnd type="none" w="med" len="med"/>
+                      <a:tailEnd type="none" w="med" len="med"/>
+                    </a:lnR>
+                    <a:lnT w="12700" cap="flat" cmpd="sng" algn="ctr">
+                      <a:solidFill>
+                        <a:schemeClr val="tx1"/>
+                      </a:solidFill>
+                      <a:prstDash val="solid"/>
+                      <a:round/>
+                      <a:headEnd type="none" w="med" len="med"/>
+                      <a:tailEnd type="none" w="med" len="med"/>
+                    </a:lnT>
+                    <a:lnB w="12700" cap="flat" cmpd="sng" algn="ctr">
+                      <a:solidFill>
+                        <a:schemeClr val="tx1"/>
+                      </a:solidFill>
+                      <a:prstDash val="solid"/>
+                      <a:round/>
+                      <a:headEnd type="none" w="med" len="med"/>
+                      <a:tailEnd type="none" w="med" len="med"/>
+                    </a:lnB>
+                    <a:lnTlToBr w="12700" cmpd="sng">
+                      <a:noFill/>
+                      <a:prstDash val="solid"/>
+                    </a:lnTlToBr>
+                    <a:lnBlToTr w="12700" cmpd="sng">
+                      <a:noFill/>
+                      <a:prstDash val="solid"/>
+                    </a:lnBlToTr>
+                  </a:tcPr>
+                </a:tc>
+                <a:tc>
+                  <a:txBody>
+                    <a:bodyPr/>
+                    <a:lstStyle/>
+                    <a:p>
+                      <a:r>
+                        <a:rPr lang="en-US" sz="2200" dirty="0">
+                          <a:latin typeface="Georgia" panose="02040502050405020303" pitchFamily="18" charset="0"/>
+                        </a:rPr>
+                        <a:t>69.22</a:t>
+                      </a:r>
+                    </a:p>
+                  </a:txBody>
+                  <a:tcPr>
+                    <a:lnL w="12700" cap="flat" cmpd="sng" algn="ctr">
+                      <a:solidFill>
+                        <a:schemeClr val="tx1"/>
+                      </a:solidFill>
+                      <a:prstDash val="solid"/>
+                      <a:round/>
+                      <a:headEnd type="none" w="med" len="med"/>
+                      <a:tailEnd type="none" w="med" len="med"/>
+                    </a:lnL>
+                    <a:lnR w="12700" cap="flat" cmpd="sng" algn="ctr">
+                      <a:solidFill>
+                        <a:schemeClr val="tx1"/>
+                      </a:solidFill>
+                      <a:prstDash val="solid"/>
+                      <a:round/>
+                      <a:headEnd type="none" w="med" len="med"/>
+                      <a:tailEnd type="none" w="med" len="med"/>
+                    </a:lnR>
+                    <a:lnT w="12700" cap="flat" cmpd="sng" algn="ctr">
+                      <a:solidFill>
+                        <a:schemeClr val="tx1"/>
+                      </a:solidFill>
+                      <a:prstDash val="solid"/>
+                      <a:round/>
+                      <a:headEnd type="none" w="med" len="med"/>
+                      <a:tailEnd type="none" w="med" len="med"/>
+                    </a:lnT>
+                    <a:lnB w="12700" cap="flat" cmpd="sng" algn="ctr">
+                      <a:solidFill>
+                        <a:schemeClr val="tx1"/>
+                      </a:solidFill>
+                      <a:prstDash val="solid"/>
+                      <a:round/>
+                      <a:headEnd type="none" w="med" len="med"/>
+                      <a:tailEnd type="none" w="med" len="med"/>
+                    </a:lnB>
+                    <a:lnTlToBr w="12700" cmpd="sng">
+                      <a:noFill/>
+                      <a:prstDash val="solid"/>
+                    </a:lnTlToBr>
+                    <a:lnBlToTr w="12700" cmpd="sng">
+                      <a:noFill/>
+                      <a:prstDash val="solid"/>
+                    </a:lnBlToTr>
+                  </a:tcPr>
+                </a:tc>
+                <a:tc>
+                  <a:txBody>
+                    <a:bodyPr/>
+                    <a:lstStyle/>
+                    <a:p>
+                      <a:r>
+                        <a:rPr lang="en-US" sz="2200" dirty="0">
+                          <a:latin typeface="Georgia" panose="02040502050405020303" pitchFamily="18" charset="0"/>
+                        </a:rPr>
+                        <a:t>55.81</a:t>
+                      </a:r>
+                    </a:p>
+                  </a:txBody>
+                  <a:tcPr>
+                    <a:lnL w="12700" cap="flat" cmpd="sng" algn="ctr">
+                      <a:solidFill>
+                        <a:schemeClr val="tx1"/>
+                      </a:solidFill>
+                      <a:prstDash val="solid"/>
+                      <a:round/>
+                      <a:headEnd type="none" w="med" len="med"/>
+                      <a:tailEnd type="none" w="med" len="med"/>
+                    </a:lnL>
+                    <a:lnR w="12700" cap="flat" cmpd="sng" algn="ctr">
+                      <a:solidFill>
+                        <a:schemeClr val="tx1"/>
+                      </a:solidFill>
+                      <a:prstDash val="solid"/>
+                      <a:round/>
+                      <a:headEnd type="none" w="med" len="med"/>
+                      <a:tailEnd type="none" w="med" len="med"/>
+                    </a:lnR>
+                    <a:lnT w="12700" cap="flat" cmpd="sng" algn="ctr">
+                      <a:solidFill>
+                        <a:schemeClr val="tx1"/>
+                      </a:solidFill>
+                      <a:prstDash val="solid"/>
+                      <a:round/>
+                      <a:headEnd type="none" w="med" len="med"/>
+                      <a:tailEnd type="none" w="med" len="med"/>
+                    </a:lnT>
+                    <a:lnB w="12700" cap="flat" cmpd="sng" algn="ctr">
+                      <a:solidFill>
+                        <a:schemeClr val="tx1"/>
+                      </a:solidFill>
+                      <a:prstDash val="solid"/>
+                      <a:round/>
+                      <a:headEnd type="none" w="med" len="med"/>
+                      <a:tailEnd type="none" w="med" len="med"/>
+                    </a:lnB>
+                    <a:lnTlToBr w="12700" cmpd="sng">
+                      <a:noFill/>
+                      <a:prstDash val="solid"/>
+                    </a:lnTlToBr>
+                    <a:lnBlToTr w="12700" cmpd="sng">
+                      <a:noFill/>
+                      <a:prstDash val="solid"/>
+                    </a:lnBlToTr>
+                  </a:tcPr>
+                </a:tc>
+                <a:tc>
+                  <a:txBody>
+                    <a:bodyPr/>
+                    <a:lstStyle/>
+                    <a:p>
+                      <a:r>
+                        <a:rPr lang="en-US" sz="2200" dirty="0">
+                          <a:latin typeface="Georgia" panose="02040502050405020303" pitchFamily="18" charset="0"/>
+                        </a:rPr>
+                        <a:t>65.00</a:t>
+                      </a:r>
+                    </a:p>
+                  </a:txBody>
+                  <a:tcPr>
+                    <a:lnL w="12700" cap="flat" cmpd="sng" algn="ctr">
+                      <a:solidFill>
+                        <a:schemeClr val="tx1"/>
+                      </a:solidFill>
+                      <a:prstDash val="solid"/>
+                      <a:round/>
+                      <a:headEnd type="none" w="med" len="med"/>
+                      <a:tailEnd type="none" w="med" len="med"/>
+                    </a:lnL>
+                    <a:lnR w="12700" cap="flat" cmpd="sng" algn="ctr">
+                      <a:solidFill>
+                        <a:schemeClr val="tx1"/>
+                      </a:solidFill>
+                      <a:prstDash val="solid"/>
+                      <a:round/>
+                      <a:headEnd type="none" w="med" len="med"/>
+                      <a:tailEnd type="none" w="med" len="med"/>
+                    </a:lnR>
+                    <a:lnT w="12700" cap="flat" cmpd="sng" algn="ctr">
+                      <a:solidFill>
+                        <a:schemeClr val="tx1"/>
+                      </a:solidFill>
+                      <a:prstDash val="solid"/>
+                      <a:round/>
+                      <a:headEnd type="none" w="med" len="med"/>
+                      <a:tailEnd type="none" w="med" len="med"/>
+                    </a:lnT>
+                    <a:lnB w="12700" cap="flat" cmpd="sng" algn="ctr">
+                      <a:solidFill>
+                        <a:schemeClr val="tx1"/>
+                      </a:solidFill>
+                      <a:prstDash val="solid"/>
+                      <a:round/>
+                      <a:headEnd type="none" w="med" len="med"/>
+                      <a:tailEnd type="none" w="med" len="med"/>
+                    </a:lnB>
+                    <a:lnTlToBr w="12700" cmpd="sng">
+                      <a:noFill/>
+                      <a:prstDash val="solid"/>
+                    </a:lnTlToBr>
+                    <a:lnBlToTr w="12700" cmpd="sng">
+                      <a:noFill/>
+                      <a:prstDash val="solid"/>
+                    </a:lnBlToTr>
+                  </a:tcPr>
+                </a:tc>
+                <a:tc>
+                  <a:txBody>
+                    <a:bodyPr/>
+                    <a:lstStyle/>
+                    <a:p>
+                      <a:r>
+                        <a:rPr lang="en-US" sz="2200" dirty="0">
+                          <a:latin typeface="Georgia" panose="02040502050405020303" pitchFamily="18" charset="0"/>
+                        </a:rPr>
+                        <a:t>67.81</a:t>
+                      </a:r>
+                    </a:p>
+                  </a:txBody>
+                  <a:tcPr>
+                    <a:lnL w="12700" cap="flat" cmpd="sng" algn="ctr">
+                      <a:solidFill>
+                        <a:schemeClr val="tx1"/>
+                      </a:solidFill>
+                      <a:prstDash val="solid"/>
+                      <a:round/>
+                      <a:headEnd type="none" w="med" len="med"/>
+                      <a:tailEnd type="none" w="med" len="med"/>
+                    </a:lnL>
+                    <a:lnR w="12700" cap="flat" cmpd="sng" algn="ctr">
+                      <a:solidFill>
+                        <a:schemeClr val="tx1"/>
+                      </a:solidFill>
+                      <a:prstDash val="solid"/>
+                      <a:round/>
+                      <a:headEnd type="none" w="med" len="med"/>
+                      <a:tailEnd type="none" w="med" len="med"/>
+                    </a:lnR>
+                    <a:lnT w="12700" cap="flat" cmpd="sng" algn="ctr">
+                      <a:solidFill>
+                        <a:schemeClr val="tx1"/>
+                      </a:solidFill>
+                      <a:prstDash val="solid"/>
+                      <a:round/>
+                      <a:headEnd type="none" w="med" len="med"/>
+                      <a:tailEnd type="none" w="med" len="med"/>
+                    </a:lnT>
+                    <a:lnB w="12700" cap="flat" cmpd="sng" algn="ctr">
+                      <a:solidFill>
+                        <a:schemeClr val="tx1"/>
+                      </a:solidFill>
+                      <a:prstDash val="solid"/>
+                      <a:round/>
+                      <a:headEnd type="none" w="med" len="med"/>
+                      <a:tailEnd type="none" w="med" len="med"/>
+                    </a:lnB>
+                    <a:lnTlToBr w="12700" cmpd="sng">
+                      <a:noFill/>
+                      <a:prstDash val="solid"/>
+                    </a:lnTlToBr>
+                    <a:lnBlToTr w="12700" cmpd="sng">
+                      <a:noFill/>
+                      <a:prstDash val="solid"/>
+                    </a:lnBlToTr>
+                  </a:tcPr>
+                </a:tc>
+                <a:extLst>
+                  <a:ext uri="{0D108BD9-81ED-4DB2-BD59-A6C34878D82A}">
+                    <a16:rowId xmlns:a16="http://schemas.microsoft.com/office/drawing/2014/main" val="4130000066"/>
+                  </a:ext>
+                </a:extLst>
+              </a:tr>
+              <a:tr h="415863">
+                <a:tc>
+                  <a:txBody>
+                    <a:bodyPr/>
+                    <a:lstStyle/>
+                    <a:p>
+                      <a:r>
+                        <a:rPr lang="en-US" sz="2200" dirty="0">
+                          <a:solidFill>
+                            <a:schemeClr val="bg1"/>
+                          </a:solidFill>
+                          <a:latin typeface="Georgia" panose="02040502050405020303" pitchFamily="18" charset="0"/>
+                        </a:rPr>
+                        <a:t>Count</a:t>
+                      </a:r>
+                    </a:p>
+                  </a:txBody>
+                  <a:tcPr>
+                    <a:lnL w="12700" cap="flat" cmpd="sng" algn="ctr">
+                      <a:solidFill>
+                        <a:schemeClr val="tx1"/>
+                      </a:solidFill>
+                      <a:prstDash val="solid"/>
+                      <a:round/>
+                      <a:headEnd type="none" w="med" len="med"/>
+                      <a:tailEnd type="none" w="med" len="med"/>
+                    </a:lnL>
+                    <a:lnR w="12700" cap="flat" cmpd="sng" algn="ctr">
+                      <a:solidFill>
+                        <a:schemeClr val="tx1"/>
+                      </a:solidFill>
+                      <a:prstDash val="solid"/>
+                      <a:round/>
+                      <a:headEnd type="none" w="med" len="med"/>
+                      <a:tailEnd type="none" w="med" len="med"/>
+                    </a:lnR>
+                    <a:lnT w="12700" cap="flat" cmpd="sng" algn="ctr">
+                      <a:solidFill>
+                        <a:schemeClr val="tx1"/>
+                      </a:solidFill>
+                      <a:prstDash val="solid"/>
+                      <a:round/>
+                      <a:headEnd type="none" w="med" len="med"/>
+                      <a:tailEnd type="none" w="med" len="med"/>
+                    </a:lnT>
+                    <a:lnB w="12700" cap="flat" cmpd="sng" algn="ctr">
+                      <a:solidFill>
+                        <a:schemeClr val="tx1"/>
+                      </a:solidFill>
+                      <a:prstDash val="solid"/>
+                      <a:round/>
+                      <a:headEnd type="none" w="med" len="med"/>
+                      <a:tailEnd type="none" w="med" len="med"/>
+                    </a:lnB>
+                    <a:lnTlToBr w="12700" cmpd="sng">
+                      <a:noFill/>
+                      <a:prstDash val="solid"/>
+                    </a:lnTlToBr>
+                    <a:lnBlToTr w="12700" cmpd="sng">
+                      <a:noFill/>
+                      <a:prstDash val="solid"/>
+                    </a:lnBlToTr>
+                    <a:solidFill>
+                      <a:srgbClr val="BC8A68"/>
+                    </a:solidFill>
+                  </a:tcPr>
+                </a:tc>
+                <a:tc>
+                  <a:txBody>
+                    <a:bodyPr/>
+                    <a:lstStyle/>
+                    <a:p>
+                      <a:r>
+                        <a:rPr lang="en-US" sz="2200" dirty="0">
+                          <a:latin typeface="Georgia" panose="02040502050405020303" pitchFamily="18" charset="0"/>
+                        </a:rPr>
+                        <a:t>3,432</a:t>
+                      </a:r>
+                    </a:p>
+                  </a:txBody>
+                  <a:tcPr>
+                    <a:lnL w="12700" cap="flat" cmpd="sng" algn="ctr">
+                      <a:solidFill>
+                        <a:schemeClr val="tx1"/>
+                      </a:solidFill>
+                      <a:prstDash val="solid"/>
+                      <a:round/>
+                      <a:headEnd type="none" w="med" len="med"/>
+                      <a:tailEnd type="none" w="med" len="med"/>
+                    </a:lnL>
+                    <a:lnR w="12700" cap="flat" cmpd="sng" algn="ctr">
+                      <a:solidFill>
+                        <a:schemeClr val="tx1"/>
+                      </a:solidFill>
+                      <a:prstDash val="solid"/>
+                      <a:round/>
+                      <a:headEnd type="none" w="med" len="med"/>
+                      <a:tailEnd type="none" w="med" len="med"/>
+                    </a:lnR>
+                    <a:lnT w="12700" cap="flat" cmpd="sng" algn="ctr">
+                      <a:solidFill>
+                        <a:schemeClr val="tx1"/>
+                      </a:solidFill>
+                      <a:prstDash val="solid"/>
+                      <a:round/>
+                      <a:headEnd type="none" w="med" len="med"/>
+                      <a:tailEnd type="none" w="med" len="med"/>
+                    </a:lnT>
+                    <a:lnB w="12700" cap="flat" cmpd="sng" algn="ctr">
+                      <a:solidFill>
+                        <a:schemeClr val="tx1"/>
+                      </a:solidFill>
+                      <a:prstDash val="solid"/>
+                      <a:round/>
+                      <a:headEnd type="none" w="med" len="med"/>
+                      <a:tailEnd type="none" w="med" len="med"/>
+                    </a:lnB>
+                    <a:lnTlToBr w="12700" cmpd="sng">
+                      <a:noFill/>
+                      <a:prstDash val="solid"/>
+                    </a:lnTlToBr>
+                    <a:lnBlToTr w="12700" cmpd="sng">
+                      <a:noFill/>
+                      <a:prstDash val="solid"/>
+                    </a:lnBlToTr>
+                  </a:tcPr>
+                </a:tc>
+                <a:tc>
+                  <a:txBody>
+                    <a:bodyPr/>
+                    <a:lstStyle/>
+                    <a:p>
+                      <a:r>
+                        <a:rPr lang="en-US" sz="2200" dirty="0">
+                          <a:latin typeface="Georgia" panose="02040502050405020303" pitchFamily="18" charset="0"/>
+                        </a:rPr>
+                        <a:t>456</a:t>
+                      </a:r>
+                    </a:p>
+                  </a:txBody>
+                  <a:tcPr>
+                    <a:lnL w="12700" cap="flat" cmpd="sng" algn="ctr">
+                      <a:solidFill>
+                        <a:schemeClr val="tx1"/>
+                      </a:solidFill>
+                      <a:prstDash val="solid"/>
+                      <a:round/>
+                      <a:headEnd type="none" w="med" len="med"/>
+                      <a:tailEnd type="none" w="med" len="med"/>
+                    </a:lnL>
+                    <a:lnR w="12700" cap="flat" cmpd="sng" algn="ctr">
+                      <a:solidFill>
+                        <a:schemeClr val="tx1"/>
+                      </a:solidFill>
+                      <a:prstDash val="solid"/>
+                      <a:round/>
+                      <a:headEnd type="none" w="med" len="med"/>
+                      <a:tailEnd type="none" w="med" len="med"/>
+                    </a:lnR>
+                    <a:lnT w="12700" cap="flat" cmpd="sng" algn="ctr">
+                      <a:solidFill>
+                        <a:schemeClr val="tx1"/>
+                      </a:solidFill>
+                      <a:prstDash val="solid"/>
+                      <a:round/>
+                      <a:headEnd type="none" w="med" len="med"/>
+                      <a:tailEnd type="none" w="med" len="med"/>
+                    </a:lnT>
+                    <a:lnB w="12700" cap="flat" cmpd="sng" algn="ctr">
+                      <a:solidFill>
+                        <a:schemeClr val="tx1"/>
+                      </a:solidFill>
+                      <a:prstDash val="solid"/>
+                      <a:round/>
+                      <a:headEnd type="none" w="med" len="med"/>
+                      <a:tailEnd type="none" w="med" len="med"/>
+                    </a:lnB>
+                    <a:lnTlToBr w="12700" cmpd="sng">
+                      <a:noFill/>
+                      <a:prstDash val="solid"/>
+                    </a:lnTlToBr>
+                    <a:lnBlToTr w="12700" cmpd="sng">
+                      <a:noFill/>
+                      <a:prstDash val="solid"/>
+                    </a:lnBlToTr>
+                  </a:tcPr>
+                </a:tc>
+                <a:tc>
+                  <a:txBody>
+                    <a:bodyPr/>
+                    <a:lstStyle/>
+                    <a:p>
+                      <a:r>
+                        <a:rPr lang="en-US" sz="2200" dirty="0">
+                          <a:latin typeface="Georgia" panose="02040502050405020303" pitchFamily="18" charset="0"/>
+                        </a:rPr>
+                        <a:t>248</a:t>
+                      </a:r>
+                    </a:p>
+                  </a:txBody>
+                  <a:tcPr>
+                    <a:lnL w="12700" cap="flat" cmpd="sng" algn="ctr">
+                      <a:solidFill>
+                        <a:schemeClr val="tx1"/>
+                      </a:solidFill>
+                      <a:prstDash val="solid"/>
+                      <a:round/>
+                      <a:headEnd type="none" w="med" len="med"/>
+                      <a:tailEnd type="none" w="med" len="med"/>
+                    </a:lnL>
+                    <a:lnR w="12700" cap="flat" cmpd="sng" algn="ctr">
+                      <a:solidFill>
+                        <a:schemeClr val="tx1"/>
+                      </a:solidFill>
+                      <a:prstDash val="solid"/>
+                      <a:round/>
+                      <a:headEnd type="none" w="med" len="med"/>
+                      <a:tailEnd type="none" w="med" len="med"/>
+                    </a:lnR>
+                    <a:lnT w="12700" cap="flat" cmpd="sng" algn="ctr">
+                      <a:solidFill>
+                        <a:schemeClr val="tx1"/>
+                      </a:solidFill>
+                      <a:prstDash val="solid"/>
+                      <a:round/>
+                      <a:headEnd type="none" w="med" len="med"/>
+                      <a:tailEnd type="none" w="med" len="med"/>
+                    </a:lnT>
+                    <a:lnB w="12700" cap="flat" cmpd="sng" algn="ctr">
+                      <a:solidFill>
+                        <a:schemeClr val="tx1"/>
+                      </a:solidFill>
+                      <a:prstDash val="solid"/>
+                      <a:round/>
+                      <a:headEnd type="none" w="med" len="med"/>
+                      <a:tailEnd type="none" w="med" len="med"/>
+                    </a:lnB>
+                    <a:lnTlToBr w="12700" cmpd="sng">
+                      <a:noFill/>
+                      <a:prstDash val="solid"/>
+                    </a:lnTlToBr>
+                    <a:lnBlToTr w="12700" cmpd="sng">
+                      <a:noFill/>
+                      <a:prstDash val="solid"/>
+                    </a:lnBlToTr>
+                  </a:tcPr>
+                </a:tc>
+                <a:tc>
+                  <a:txBody>
+                    <a:bodyPr/>
+                    <a:lstStyle/>
+                    <a:p>
+                      <a:r>
+                        <a:rPr lang="en-US" sz="2200" dirty="0">
+                          <a:latin typeface="Georgia" panose="02040502050405020303" pitchFamily="18" charset="0"/>
+                        </a:rPr>
+                        <a:t>216</a:t>
+                      </a:r>
+                    </a:p>
+                  </a:txBody>
+                  <a:tcPr>
+                    <a:lnL w="12700" cap="flat" cmpd="sng" algn="ctr">
+                      <a:solidFill>
+                        <a:schemeClr val="tx1"/>
+                      </a:solidFill>
+                      <a:prstDash val="solid"/>
+                      <a:round/>
+                      <a:headEnd type="none" w="med" len="med"/>
+                      <a:tailEnd type="none" w="med" len="med"/>
+                    </a:lnL>
+                    <a:lnR w="12700" cap="flat" cmpd="sng" algn="ctr">
+                      <a:solidFill>
+                        <a:schemeClr val="tx1"/>
+                      </a:solidFill>
+                      <a:prstDash val="solid"/>
+                      <a:round/>
+                      <a:headEnd type="none" w="med" len="med"/>
+                      <a:tailEnd type="none" w="med" len="med"/>
+                    </a:lnR>
+                    <a:lnT w="12700" cap="flat" cmpd="sng" algn="ctr">
+                      <a:solidFill>
+                        <a:schemeClr val="tx1"/>
+                      </a:solidFill>
+                      <a:prstDash val="solid"/>
+                      <a:round/>
+                      <a:headEnd type="none" w="med" len="med"/>
+                      <a:tailEnd type="none" w="med" len="med"/>
+                    </a:lnT>
+                    <a:lnB w="12700" cap="flat" cmpd="sng" algn="ctr">
+                      <a:solidFill>
+                        <a:schemeClr val="tx1"/>
+                      </a:solidFill>
+                      <a:prstDash val="solid"/>
+                      <a:round/>
+                      <a:headEnd type="none" w="med" len="med"/>
+                      <a:tailEnd type="none" w="med" len="med"/>
+                    </a:lnB>
+                    <a:lnTlToBr w="12700" cmpd="sng">
+                      <a:noFill/>
+                      <a:prstDash val="solid"/>
+                    </a:lnTlToBr>
+                    <a:lnBlToTr w="12700" cmpd="sng">
+                      <a:noFill/>
+                      <a:prstDash val="solid"/>
+                    </a:lnBlToTr>
+                  </a:tcPr>
+                </a:tc>
+                <a:tc>
+                  <a:txBody>
+                    <a:bodyPr/>
+                    <a:lstStyle/>
+                    <a:p>
+                      <a:r>
+                        <a:rPr lang="en-US" sz="2200" dirty="0">
+                          <a:latin typeface="Georgia" panose="02040502050405020303" pitchFamily="18" charset="0"/>
+                        </a:rPr>
+                        <a:t>601</a:t>
+                      </a:r>
+                    </a:p>
+                  </a:txBody>
+                  <a:tcPr>
+                    <a:lnL w="12700" cap="flat" cmpd="sng" algn="ctr">
+                      <a:solidFill>
+                        <a:schemeClr val="tx1"/>
+                      </a:solidFill>
+                      <a:prstDash val="solid"/>
+                      <a:round/>
+                      <a:headEnd type="none" w="med" len="med"/>
+                      <a:tailEnd type="none" w="med" len="med"/>
+                    </a:lnL>
+                    <a:lnR w="12700" cap="flat" cmpd="sng" algn="ctr">
+                      <a:solidFill>
+                        <a:schemeClr val="tx1"/>
+                      </a:solidFill>
+                      <a:prstDash val="solid"/>
+                      <a:round/>
+                      <a:headEnd type="none" w="med" len="med"/>
+                      <a:tailEnd type="none" w="med" len="med"/>
+                    </a:lnR>
+                    <a:lnT w="12700" cap="flat" cmpd="sng" algn="ctr">
+                      <a:solidFill>
+                        <a:schemeClr val="tx1"/>
+                      </a:solidFill>
+                      <a:prstDash val="solid"/>
+                      <a:round/>
+                      <a:headEnd type="none" w="med" len="med"/>
+                      <a:tailEnd type="none" w="med" len="med"/>
+                    </a:lnT>
+                    <a:lnB w="12700" cap="flat" cmpd="sng" algn="ctr">
+                      <a:solidFill>
+                        <a:schemeClr val="tx1"/>
+                      </a:solidFill>
+                      <a:prstDash val="solid"/>
+                      <a:round/>
+                      <a:headEnd type="none" w="med" len="med"/>
+                      <a:tailEnd type="none" w="med" len="med"/>
+                    </a:lnB>
+                    <a:lnTlToBr w="12700" cmpd="sng">
+                      <a:noFill/>
+                      <a:prstDash val="solid"/>
+                    </a:lnTlToBr>
+                    <a:lnBlToTr w="12700" cmpd="sng">
+                      <a:noFill/>
+                      <a:prstDash val="solid"/>
+                    </a:lnBlToTr>
+                  </a:tcPr>
+                </a:tc>
+                <a:tc>
+                  <a:txBody>
+                    <a:bodyPr/>
+                    <a:lstStyle/>
+                    <a:p>
+                      <a:r>
+                        <a:rPr lang="en-US" sz="2200" dirty="0">
+                          <a:latin typeface="Georgia" panose="02040502050405020303" pitchFamily="18" charset="0"/>
+                        </a:rPr>
+                        <a:t>86</a:t>
+                      </a:r>
+                    </a:p>
+                  </a:txBody>
+                  <a:tcPr>
+                    <a:lnL w="12700" cap="flat" cmpd="sng" algn="ctr">
+                      <a:solidFill>
+                        <a:schemeClr val="tx1"/>
+                      </a:solidFill>
+                      <a:prstDash val="solid"/>
+                      <a:round/>
+                      <a:headEnd type="none" w="med" len="med"/>
+                      <a:tailEnd type="none" w="med" len="med"/>
+                    </a:lnL>
+                    <a:lnR w="12700" cap="flat" cmpd="sng" algn="ctr">
+                      <a:solidFill>
+                        <a:schemeClr val="tx1"/>
+                      </a:solidFill>
+                      <a:prstDash val="solid"/>
+                      <a:round/>
+                      <a:headEnd type="none" w="med" len="med"/>
+                      <a:tailEnd type="none" w="med" len="med"/>
+                    </a:lnR>
+                    <a:lnT w="12700" cap="flat" cmpd="sng" algn="ctr">
+                      <a:solidFill>
+                        <a:schemeClr val="tx1"/>
+                      </a:solidFill>
+                      <a:prstDash val="solid"/>
+                      <a:round/>
+                      <a:headEnd type="none" w="med" len="med"/>
+                      <a:tailEnd type="none" w="med" len="med"/>
+                    </a:lnT>
+                    <a:lnB w="12700" cap="flat" cmpd="sng" algn="ctr">
+                      <a:solidFill>
+                        <a:schemeClr val="tx1"/>
+                      </a:solidFill>
+                      <a:prstDash val="solid"/>
+                      <a:round/>
+                      <a:headEnd type="none" w="med" len="med"/>
+                      <a:tailEnd type="none" w="med" len="med"/>
+                    </a:lnB>
+                    <a:lnTlToBr w="12700" cmpd="sng">
+                      <a:noFill/>
+                      <a:prstDash val="solid"/>
+                    </a:lnTlToBr>
+                    <a:lnBlToTr w="12700" cmpd="sng">
+                      <a:noFill/>
+                      <a:prstDash val="solid"/>
+                    </a:lnBlToTr>
+                  </a:tcPr>
+                </a:tc>
+                <a:tc>
+                  <a:txBody>
+                    <a:bodyPr/>
+                    <a:lstStyle/>
+                    <a:p>
+                      <a:r>
+                        <a:rPr lang="en-US" sz="2200" dirty="0">
+                          <a:latin typeface="Georgia" panose="02040502050405020303" pitchFamily="18" charset="0"/>
+                        </a:rPr>
+                        <a:t>560</a:t>
+                      </a:r>
+                    </a:p>
+                  </a:txBody>
+                  <a:tcPr>
+                    <a:lnL w="12700" cap="flat" cmpd="sng" algn="ctr">
+                      <a:solidFill>
+                        <a:schemeClr val="tx1"/>
+                      </a:solidFill>
+                      <a:prstDash val="solid"/>
+                      <a:round/>
+                      <a:headEnd type="none" w="med" len="med"/>
+                      <a:tailEnd type="none" w="med" len="med"/>
+                    </a:lnL>
+                    <a:lnR w="12700" cap="flat" cmpd="sng" algn="ctr">
+                      <a:solidFill>
+                        <a:schemeClr val="tx1"/>
+                      </a:solidFill>
+                      <a:prstDash val="solid"/>
+                      <a:round/>
+                      <a:headEnd type="none" w="med" len="med"/>
+                      <a:tailEnd type="none" w="med" len="med"/>
+                    </a:lnR>
+                    <a:lnT w="12700" cap="flat" cmpd="sng" algn="ctr">
+                      <a:solidFill>
+                        <a:schemeClr val="tx1"/>
+                      </a:solidFill>
+                      <a:prstDash val="solid"/>
+                      <a:round/>
+                      <a:headEnd type="none" w="med" len="med"/>
+                      <a:tailEnd type="none" w="med" len="med"/>
+                    </a:lnT>
+                    <a:lnB w="12700" cap="flat" cmpd="sng" algn="ctr">
+                      <a:solidFill>
+                        <a:schemeClr val="tx1"/>
+                      </a:solidFill>
+                      <a:prstDash val="solid"/>
+                      <a:round/>
+                      <a:headEnd type="none" w="med" len="med"/>
+                      <a:tailEnd type="none" w="med" len="med"/>
+                    </a:lnB>
+                    <a:lnTlToBr w="12700" cmpd="sng">
+                      <a:noFill/>
+                      <a:prstDash val="solid"/>
+                    </a:lnTlToBr>
+                    <a:lnBlToTr w="12700" cmpd="sng">
+                      <a:noFill/>
+                      <a:prstDash val="solid"/>
+                    </a:lnBlToTr>
+                  </a:tcPr>
+                </a:tc>
+                <a:tc>
+                  <a:txBody>
+                    <a:bodyPr/>
+                    <a:lstStyle/>
+                    <a:p>
+                      <a:r>
+                        <a:rPr lang="en-US" sz="2200" dirty="0">
+                          <a:latin typeface="Georgia" panose="02040502050405020303" pitchFamily="18" charset="0"/>
+                        </a:rPr>
+                        <a:t>351</a:t>
+                      </a:r>
+                    </a:p>
+                  </a:txBody>
+                  <a:tcPr>
+                    <a:lnL w="12700" cap="flat" cmpd="sng" algn="ctr">
+                      <a:solidFill>
+                        <a:schemeClr val="tx1"/>
+                      </a:solidFill>
+                      <a:prstDash val="solid"/>
+                      <a:round/>
+                      <a:headEnd type="none" w="med" len="med"/>
+                      <a:tailEnd type="none" w="med" len="med"/>
+                    </a:lnL>
+                    <a:lnR w="12700" cap="flat" cmpd="sng" algn="ctr">
+                      <a:solidFill>
+                        <a:schemeClr val="tx1"/>
+                      </a:solidFill>
+                      <a:prstDash val="solid"/>
+                      <a:round/>
+                      <a:headEnd type="none" w="med" len="med"/>
+                      <a:tailEnd type="none" w="med" len="med"/>
+                    </a:lnR>
+                    <a:lnT w="12700" cap="flat" cmpd="sng" algn="ctr">
+                      <a:solidFill>
+                        <a:schemeClr val="tx1"/>
+                      </a:solidFill>
+                      <a:prstDash val="solid"/>
+                      <a:round/>
+                      <a:headEnd type="none" w="med" len="med"/>
+                      <a:tailEnd type="none" w="med" len="med"/>
+                    </a:lnT>
+                    <a:lnB w="12700" cap="flat" cmpd="sng" algn="ctr">
+                      <a:solidFill>
+                        <a:schemeClr val="tx1"/>
+                      </a:solidFill>
+                      <a:prstDash val="solid"/>
+                      <a:round/>
+                      <a:headEnd type="none" w="med" len="med"/>
+                      <a:tailEnd type="none" w="med" len="med"/>
+                    </a:lnB>
+                    <a:lnTlToBr w="12700" cmpd="sng">
+                      <a:noFill/>
+                      <a:prstDash val="solid"/>
+                    </a:lnTlToBr>
+                    <a:lnBlToTr w="12700" cmpd="sng">
+                      <a:noFill/>
+                      <a:prstDash val="solid"/>
+                    </a:lnBlToTr>
+                  </a:tcPr>
+                </a:tc>
+                <a:extLst>
+                  <a:ext uri="{0D108BD9-81ED-4DB2-BD59-A6C34878D82A}">
+                    <a16:rowId xmlns:a16="http://schemas.microsoft.com/office/drawing/2014/main" val="700323947"/>
+                  </a:ext>
+                </a:extLst>
+              </a:tr>
+            </a:tbl>
+          </a:graphicData>
+        </a:graphic>
+      </p:graphicFrame>
+      <p:sp>
+        <p:nvSpPr>
+          <p:cNvPr id="28" name="TextBox 27">
+            <a:extLst>
+              <a:ext uri="{FF2B5EF4-FFF2-40B4-BE49-F238E27FC236}">
+                <a16:creationId xmlns:a16="http://schemas.microsoft.com/office/drawing/2014/main" id="{3FE0AD6B-E88F-4074-934A-254574325CD2}"/>
+              </a:ext>
+            </a:extLst>
+          </p:cNvPr>
+          <p:cNvSpPr txBox="1"/>
+          <p:nvPr/>
+        </p:nvSpPr>
+        <p:spPr>
+          <a:xfrm>
+            <a:off x="9635060" y="15435911"/>
+            <a:ext cx="13695454" cy="1446550"/>
+          </a:xfrm>
+          <a:prstGeom prst="rect">
+            <a:avLst/>
+          </a:prstGeom>
+          <a:noFill/>
+        </p:spPr>
+        <p:txBody>
+          <a:bodyPr wrap="square" rtlCol="0">
+            <a:spAutoFit/>
+          </a:bodyPr>
+          <a:lstStyle/>
+          <a:p>
+            <a:r>
+              <a:rPr lang="en-US" sz="2200" b="1" dirty="0">
+                <a:latin typeface="Georgia" panose="02040502050405020303" pitchFamily="18" charset="0"/>
+              </a:rPr>
+              <a:t>Performance by Question Type</a:t>
+            </a:r>
+          </a:p>
+          <a:p>
+            <a:r>
+              <a:rPr lang="en-US" sz="2200" dirty="0">
+                <a:latin typeface="Georgia" panose="02040502050405020303" pitchFamily="18" charset="0"/>
+              </a:rPr>
+              <a:t>	Table shows predictions on questions that include or start with the following words</a:t>
+            </a:r>
+          </a:p>
+          <a:p>
+            <a:r>
+              <a:rPr lang="en-US" sz="2200" dirty="0">
+                <a:latin typeface="Georgia" panose="02040502050405020303" pitchFamily="18" charset="0"/>
+              </a:rPr>
+              <a:t>	(e.g. “Who” category contains questions with “whom”, “whose”, etc.) </a:t>
+            </a:r>
+          </a:p>
+          <a:p>
+            <a:r>
+              <a:rPr lang="en-US" sz="2200" dirty="0">
+                <a:latin typeface="Georgia" panose="02040502050405020303" pitchFamily="18" charset="0"/>
+              </a:rPr>
+              <a:t>	(e.g. Questions that include for example “whatever” are not included in the “What” category)</a:t>
+            </a:r>
+          </a:p>
+        </p:txBody>
+      </p:sp>
     </p:spTree>
     <p:extLst>
       <p:ext uri="{BB962C8B-B14F-4D97-AF65-F5344CB8AC3E}">

--- a/Poster.pptx
+++ b/Poster.pptx
@@ -243,7 +243,7 @@
           <a:p>
             <a:fld id="{C96AF28D-0B51-447A-B4E3-DE3013D3E903}" type="datetimeFigureOut">
               <a:rPr lang="en-US" smtClean="0"/>
-              <a:t>3/11/2022</a:t>
+              <a:t>3/12/2022</a:t>
             </a:fld>
             <a:endParaRPr lang="en-US"/>
           </a:p>
@@ -413,7 +413,7 @@
           <a:p>
             <a:fld id="{C96AF28D-0B51-447A-B4E3-DE3013D3E903}" type="datetimeFigureOut">
               <a:rPr lang="en-US" smtClean="0"/>
-              <a:t>3/11/2022</a:t>
+              <a:t>3/12/2022</a:t>
             </a:fld>
             <a:endParaRPr lang="en-US"/>
           </a:p>
@@ -593,7 +593,7 @@
           <a:p>
             <a:fld id="{C96AF28D-0B51-447A-B4E3-DE3013D3E903}" type="datetimeFigureOut">
               <a:rPr lang="en-US" smtClean="0"/>
-              <a:t>3/11/2022</a:t>
+              <a:t>3/12/2022</a:t>
             </a:fld>
             <a:endParaRPr lang="en-US"/>
           </a:p>
@@ -763,7 +763,7 @@
           <a:p>
             <a:fld id="{C96AF28D-0B51-447A-B4E3-DE3013D3E903}" type="datetimeFigureOut">
               <a:rPr lang="en-US" smtClean="0"/>
-              <a:t>3/11/2022</a:t>
+              <a:t>3/12/2022</a:t>
             </a:fld>
             <a:endParaRPr lang="en-US"/>
           </a:p>
@@ -1007,7 +1007,7 @@
           <a:p>
             <a:fld id="{C96AF28D-0B51-447A-B4E3-DE3013D3E903}" type="datetimeFigureOut">
               <a:rPr lang="en-US" smtClean="0"/>
-              <a:t>3/11/2022</a:t>
+              <a:t>3/12/2022</a:t>
             </a:fld>
             <a:endParaRPr lang="en-US"/>
           </a:p>
@@ -1239,7 +1239,7 @@
           <a:p>
             <a:fld id="{C96AF28D-0B51-447A-B4E3-DE3013D3E903}" type="datetimeFigureOut">
               <a:rPr lang="en-US" smtClean="0"/>
-              <a:t>3/11/2022</a:t>
+              <a:t>3/12/2022</a:t>
             </a:fld>
             <a:endParaRPr lang="en-US"/>
           </a:p>
@@ -1606,7 +1606,7 @@
           <a:p>
             <a:fld id="{C96AF28D-0B51-447A-B4E3-DE3013D3E903}" type="datetimeFigureOut">
               <a:rPr lang="en-US" smtClean="0"/>
-              <a:t>3/11/2022</a:t>
+              <a:t>3/12/2022</a:t>
             </a:fld>
             <a:endParaRPr lang="en-US"/>
           </a:p>
@@ -1724,7 +1724,7 @@
           <a:p>
             <a:fld id="{C96AF28D-0B51-447A-B4E3-DE3013D3E903}" type="datetimeFigureOut">
               <a:rPr lang="en-US" smtClean="0"/>
-              <a:t>3/11/2022</a:t>
+              <a:t>3/12/2022</a:t>
             </a:fld>
             <a:endParaRPr lang="en-US"/>
           </a:p>
@@ -1819,7 +1819,7 @@
           <a:p>
             <a:fld id="{C96AF28D-0B51-447A-B4E3-DE3013D3E903}" type="datetimeFigureOut">
               <a:rPr lang="en-US" smtClean="0"/>
-              <a:t>3/11/2022</a:t>
+              <a:t>3/12/2022</a:t>
             </a:fld>
             <a:endParaRPr lang="en-US"/>
           </a:p>
@@ -2096,7 +2096,7 @@
           <a:p>
             <a:fld id="{C96AF28D-0B51-447A-B4E3-DE3013D3E903}" type="datetimeFigureOut">
               <a:rPr lang="en-US" smtClean="0"/>
-              <a:t>3/11/2022</a:t>
+              <a:t>3/12/2022</a:t>
             </a:fld>
             <a:endParaRPr lang="en-US"/>
           </a:p>
@@ -2353,7 +2353,7 @@
           <a:p>
             <a:fld id="{C96AF28D-0B51-447A-B4E3-DE3013D3E903}" type="datetimeFigureOut">
               <a:rPr lang="en-US" smtClean="0"/>
-              <a:t>3/11/2022</a:t>
+              <a:t>3/12/2022</a:t>
             </a:fld>
             <a:endParaRPr lang="en-US"/>
           </a:p>
@@ -2566,7 +2566,7 @@
           <a:p>
             <a:fld id="{C96AF28D-0B51-447A-B4E3-DE3013D3E903}" type="datetimeFigureOut">
               <a:rPr lang="en-US" smtClean="0"/>
-              <a:t>3/11/2022</a:t>
+              <a:t>3/12/2022</a:t>
             </a:fld>
             <a:endParaRPr lang="en-US"/>
           </a:p>
@@ -3994,7 +3994,7 @@
         </p:nvSpPr>
         <p:spPr>
           <a:xfrm>
-            <a:off x="9601200" y="13036550"/>
+            <a:off x="9604983" y="10619324"/>
             <a:ext cx="13716000" cy="838200"/>
           </a:xfrm>
           <a:prstGeom prst="rect">
@@ -4358,13 +4358,13 @@
           <p:nvPr>
             <p:extLst>
               <p:ext uri="{D42A27DB-BD31-4B8C-83A1-F6EECF244321}">
-                <p14:modId xmlns:p14="http://schemas.microsoft.com/office/powerpoint/2010/main" val="2952851001"/>
+                <p14:modId xmlns:p14="http://schemas.microsoft.com/office/powerpoint/2010/main" val="4173626005"/>
               </p:ext>
             </p:extLst>
           </p:nvPr>
         </p:nvGraphicFramePr>
         <p:xfrm>
-          <a:off x="16468725" y="14049055"/>
+          <a:off x="16472508" y="11631829"/>
           <a:ext cx="6871275" cy="1280160"/>
         </p:xfrm>
         <a:graphic>
@@ -8779,7 +8779,7 @@
         </p:nvSpPr>
         <p:spPr>
           <a:xfrm>
-            <a:off x="9601200" y="13949716"/>
+            <a:off x="9604983" y="11532490"/>
             <a:ext cx="6563620" cy="1446550"/>
           </a:xfrm>
           <a:prstGeom prst="rect">
@@ -8847,14 +8847,14 @@
           <p:nvPr>
             <p:extLst>
               <p:ext uri="{D42A27DB-BD31-4B8C-83A1-F6EECF244321}">
-                <p14:modId xmlns:p14="http://schemas.microsoft.com/office/powerpoint/2010/main" val="1609129441"/>
+                <p14:modId xmlns:p14="http://schemas.microsoft.com/office/powerpoint/2010/main" val="1093574051"/>
               </p:ext>
             </p:extLst>
           </p:nvPr>
         </p:nvGraphicFramePr>
         <p:xfrm>
-          <a:off x="9644546" y="16907559"/>
-          <a:ext cx="13716000" cy="1706880"/>
+          <a:off x="9769315" y="14544763"/>
+          <a:ext cx="13595013" cy="1706880"/>
         </p:xfrm>
         <a:graphic>
           <a:graphicData uri="http://schemas.openxmlformats.org/drawingml/2006/table">
@@ -8863,63 +8863,63 @@
                 <a:tableStyleId>{2D5ABB26-0587-4C30-8999-92F81FD0307C}</a:tableStyleId>
               </a:tblPr>
               <a:tblGrid>
-                <a:gridCol w="1524000">
+                <a:gridCol w="1510557">
                   <a:extLst>
                     <a:ext uri="{9D8B030D-6E8A-4147-A177-3AD203B41FA5}">
                       <a16:colId xmlns:a16="http://schemas.microsoft.com/office/drawing/2014/main" val="784418777"/>
                     </a:ext>
                   </a:extLst>
                 </a:gridCol>
-                <a:gridCol w="1524000">
+                <a:gridCol w="1510557">
                   <a:extLst>
                     <a:ext uri="{9D8B030D-6E8A-4147-A177-3AD203B41FA5}">
                       <a16:colId xmlns:a16="http://schemas.microsoft.com/office/drawing/2014/main" val="2707981503"/>
                     </a:ext>
                   </a:extLst>
                 </a:gridCol>
-                <a:gridCol w="1524000">
+                <a:gridCol w="1510557">
                   <a:extLst>
                     <a:ext uri="{9D8B030D-6E8A-4147-A177-3AD203B41FA5}">
                       <a16:colId xmlns:a16="http://schemas.microsoft.com/office/drawing/2014/main" val="1802827141"/>
                     </a:ext>
                   </a:extLst>
                 </a:gridCol>
-                <a:gridCol w="1524000">
+                <a:gridCol w="1510557">
                   <a:extLst>
                     <a:ext uri="{9D8B030D-6E8A-4147-A177-3AD203B41FA5}">
                       <a16:colId xmlns:a16="http://schemas.microsoft.com/office/drawing/2014/main" val="974558136"/>
                     </a:ext>
                   </a:extLst>
                 </a:gridCol>
-                <a:gridCol w="1524000">
+                <a:gridCol w="1510557">
                   <a:extLst>
                     <a:ext uri="{9D8B030D-6E8A-4147-A177-3AD203B41FA5}">
                       <a16:colId xmlns:a16="http://schemas.microsoft.com/office/drawing/2014/main" val="713298794"/>
                     </a:ext>
                   </a:extLst>
                 </a:gridCol>
-                <a:gridCol w="1524000">
+                <a:gridCol w="1510557">
                   <a:extLst>
                     <a:ext uri="{9D8B030D-6E8A-4147-A177-3AD203B41FA5}">
                       <a16:colId xmlns:a16="http://schemas.microsoft.com/office/drawing/2014/main" val="935372238"/>
                     </a:ext>
                   </a:extLst>
                 </a:gridCol>
-                <a:gridCol w="1524000">
+                <a:gridCol w="1510557">
                   <a:extLst>
                     <a:ext uri="{9D8B030D-6E8A-4147-A177-3AD203B41FA5}">
                       <a16:colId xmlns:a16="http://schemas.microsoft.com/office/drawing/2014/main" val="747898254"/>
                     </a:ext>
                   </a:extLst>
                 </a:gridCol>
-                <a:gridCol w="1524000">
+                <a:gridCol w="1510557">
                   <a:extLst>
                     <a:ext uri="{9D8B030D-6E8A-4147-A177-3AD203B41FA5}">
                       <a16:colId xmlns:a16="http://schemas.microsoft.com/office/drawing/2014/main" val="1452036346"/>
                     </a:ext>
                   </a:extLst>
                 </a:gridCol>
-                <a:gridCol w="1524000">
+                <a:gridCol w="1510557">
                   <a:extLst>
                     <a:ext uri="{9D8B030D-6E8A-4147-A177-3AD203B41FA5}">
                       <a16:colId xmlns:a16="http://schemas.microsoft.com/office/drawing/2014/main" val="3375359242"/>
@@ -11202,7 +11202,7 @@
         </p:nvSpPr>
         <p:spPr>
           <a:xfrm>
-            <a:off x="9635060" y="15435911"/>
+            <a:off x="9638843" y="13018685"/>
             <a:ext cx="13695454" cy="1446550"/>
           </a:xfrm>
           <a:prstGeom prst="rect">
@@ -11245,6 +11245,324 @@
                 <a:latin typeface="Georgia" panose="02040502050405020303" pitchFamily="18" charset="0"/>
               </a:rPr>
               <a:t>	(e.g. Questions that include for example “whatever” are not included in the “What” category)</a:t>
+            </a:r>
+          </a:p>
+        </p:txBody>
+      </p:sp>
+      <p:sp>
+        <p:nvSpPr>
+          <p:cNvPr id="4" name="Rectangle: Rounded Corners 3">
+            <a:extLst>
+              <a:ext uri="{FF2B5EF4-FFF2-40B4-BE49-F238E27FC236}">
+                <a16:creationId xmlns:a16="http://schemas.microsoft.com/office/drawing/2014/main" id="{C21F844F-5DE8-4637-BA5A-F3BFCE9624D8}"/>
+              </a:ext>
+            </a:extLst>
+          </p:cNvPr>
+          <p:cNvSpPr/>
+          <p:nvPr/>
+        </p:nvSpPr>
+        <p:spPr>
+          <a:xfrm>
+            <a:off x="12764852" y="14405641"/>
+            <a:ext cx="1328057" cy="1941793"/>
+          </a:xfrm>
+          <a:prstGeom prst="roundRect">
+            <a:avLst/>
+          </a:prstGeom>
+          <a:noFill/>
+          <a:ln w="28575"/>
+        </p:spPr>
+        <p:style>
+          <a:lnRef idx="2">
+            <a:schemeClr val="accent1">
+              <a:shade val="50000"/>
+            </a:schemeClr>
+          </a:lnRef>
+          <a:fillRef idx="1">
+            <a:schemeClr val="accent1"/>
+          </a:fillRef>
+          <a:effectRef idx="0">
+            <a:schemeClr val="accent1"/>
+          </a:effectRef>
+          <a:fontRef idx="minor">
+            <a:schemeClr val="lt1"/>
+          </a:fontRef>
+        </p:style>
+        <p:txBody>
+          <a:bodyPr rtlCol="0" anchor="ctr"/>
+          <a:lstStyle/>
+          <a:p>
+            <a:pPr algn="ctr"/>
+            <a:endParaRPr lang="en-US"/>
+          </a:p>
+        </p:txBody>
+      </p:sp>
+      <p:sp>
+        <p:nvSpPr>
+          <p:cNvPr id="88" name="Rectangle: Rounded Corners 87">
+            <a:extLst>
+              <a:ext uri="{FF2B5EF4-FFF2-40B4-BE49-F238E27FC236}">
+                <a16:creationId xmlns:a16="http://schemas.microsoft.com/office/drawing/2014/main" id="{F31BF99E-4455-47A2-A128-74AD79BEE147}"/>
+              </a:ext>
+            </a:extLst>
+          </p:cNvPr>
+          <p:cNvSpPr/>
+          <p:nvPr/>
+        </p:nvSpPr>
+        <p:spPr>
+          <a:xfrm>
+            <a:off x="18801251" y="14427306"/>
+            <a:ext cx="1328057" cy="1941793"/>
+          </a:xfrm>
+          <a:prstGeom prst="roundRect">
+            <a:avLst/>
+          </a:prstGeom>
+          <a:noFill/>
+          <a:ln w="28575">
+            <a:solidFill>
+              <a:srgbClr val="8C1515"/>
+            </a:solidFill>
+          </a:ln>
+        </p:spPr>
+        <p:style>
+          <a:lnRef idx="2">
+            <a:schemeClr val="accent1">
+              <a:shade val="50000"/>
+            </a:schemeClr>
+          </a:lnRef>
+          <a:fillRef idx="1">
+            <a:schemeClr val="accent1"/>
+          </a:fillRef>
+          <a:effectRef idx="0">
+            <a:schemeClr val="accent1"/>
+          </a:effectRef>
+          <a:fontRef idx="minor">
+            <a:schemeClr val="lt1"/>
+          </a:fontRef>
+        </p:style>
+        <p:txBody>
+          <a:bodyPr rtlCol="0" anchor="ctr"/>
+          <a:lstStyle/>
+          <a:p>
+            <a:pPr algn="ctr"/>
+            <a:endParaRPr lang="en-US"/>
+          </a:p>
+        </p:txBody>
+      </p:sp>
+      <p:sp>
+        <p:nvSpPr>
+          <p:cNvPr id="90" name="TextBox 89">
+            <a:extLst>
+              <a:ext uri="{FF2B5EF4-FFF2-40B4-BE49-F238E27FC236}">
+                <a16:creationId xmlns:a16="http://schemas.microsoft.com/office/drawing/2014/main" id="{0179111E-D779-4EFF-9309-EEB8974210C5}"/>
+              </a:ext>
+            </a:extLst>
+          </p:cNvPr>
+          <p:cNvSpPr txBox="1"/>
+          <p:nvPr/>
+        </p:nvSpPr>
+        <p:spPr>
+          <a:xfrm>
+            <a:off x="9606894" y="16403838"/>
+            <a:ext cx="13695454" cy="4832092"/>
+          </a:xfrm>
+          <a:prstGeom prst="rect">
+            <a:avLst/>
+          </a:prstGeom>
+          <a:noFill/>
+        </p:spPr>
+        <p:txBody>
+          <a:bodyPr wrap="square" rtlCol="0">
+            <a:spAutoFit/>
+          </a:bodyPr>
+          <a:lstStyle/>
+          <a:p>
+            <a:r>
+              <a:rPr lang="en-US" sz="2200" b="1">
+                <a:latin typeface="Georgia" panose="02040502050405020303" pitchFamily="18" charset="0"/>
+              </a:rPr>
+              <a:t>Error Type Examples</a:t>
+            </a:r>
+            <a:endParaRPr lang="en-US" sz="2200" b="1" dirty="0">
+              <a:latin typeface="Georgia" panose="02040502050405020303" pitchFamily="18" charset="0"/>
+            </a:endParaRPr>
+          </a:p>
+          <a:p>
+            <a:pPr marL="914400" lvl="1" indent="-457200">
+              <a:buAutoNum type="arabicPeriod"/>
+            </a:pPr>
+            <a:r>
+              <a:rPr lang="en-US" sz="2200" dirty="0">
+                <a:latin typeface="Georgia" panose="02040502050405020303" pitchFamily="18" charset="0"/>
+              </a:rPr>
+              <a:t>Difficult reading comprehension questions (esp. in “Why” category)</a:t>
+            </a:r>
+          </a:p>
+          <a:p>
+            <a:pPr lvl="1"/>
+            <a:r>
+              <a:rPr lang="en-US" sz="2200" dirty="0">
+                <a:latin typeface="Georgia" panose="02040502050405020303" pitchFamily="18" charset="0"/>
+              </a:rPr>
+              <a:t>	</a:t>
+            </a:r>
+            <a:r>
+              <a:rPr lang="en-US" sz="2200" b="1" dirty="0">
+                <a:latin typeface="Georgia" panose="02040502050405020303" pitchFamily="18" charset="0"/>
+              </a:rPr>
+              <a:t>Q:</a:t>
+            </a:r>
+            <a:r>
+              <a:rPr lang="en-US" sz="2200" dirty="0">
+                <a:latin typeface="Georgia" panose="02040502050405020303" pitchFamily="18" charset="0"/>
+              </a:rPr>
+              <a:t> Why was there a depreciation of the industrialized nations dollars?</a:t>
+            </a:r>
+          </a:p>
+          <a:p>
+            <a:pPr lvl="2"/>
+            <a:r>
+              <a:rPr lang="en-US" sz="2200" b="1" dirty="0">
+                <a:latin typeface="Georgia" panose="02040502050405020303" pitchFamily="18" charset="0"/>
+              </a:rPr>
+              <a:t>C: </a:t>
+            </a:r>
+            <a:r>
+              <a:rPr lang="en-US" sz="2200" dirty="0">
+                <a:latin typeface="Georgia" panose="02040502050405020303" pitchFamily="18" charset="0"/>
+              </a:rPr>
+              <a:t>… Anticipating that currency values would fluctuate unpredictably for a time, the industrialized nations increased their reserves (by expanding their money supplies) in amounts far greater than before. The result was a depreciation of the dollar and other industrialized nations' currencies…</a:t>
+            </a:r>
+          </a:p>
+          <a:p>
+            <a:pPr lvl="1"/>
+            <a:r>
+              <a:rPr lang="en-US" sz="2200" dirty="0">
+                <a:latin typeface="Georgia" panose="02040502050405020303" pitchFamily="18" charset="0"/>
+              </a:rPr>
+              <a:t>	</a:t>
+            </a:r>
+            <a:r>
+              <a:rPr lang="en-US" sz="2200" b="1" dirty="0">
+                <a:latin typeface="Georgia" panose="02040502050405020303" pitchFamily="18" charset="0"/>
+              </a:rPr>
+              <a:t>A: </a:t>
+            </a:r>
+            <a:r>
+              <a:rPr lang="en-US" sz="2200" dirty="0">
+                <a:latin typeface="Georgia" panose="02040502050405020303" pitchFamily="18" charset="0"/>
+              </a:rPr>
+              <a:t>industrialized nations increased their reserves</a:t>
+            </a:r>
+          </a:p>
+          <a:p>
+            <a:pPr lvl="1"/>
+            <a:r>
+              <a:rPr lang="en-US" sz="2200" dirty="0">
+                <a:latin typeface="Georgia" panose="02040502050405020303" pitchFamily="18" charset="0"/>
+              </a:rPr>
+              <a:t>	</a:t>
+            </a:r>
+            <a:r>
+              <a:rPr lang="en-US" sz="2200" b="1" dirty="0">
+                <a:latin typeface="Georgia" panose="02040502050405020303" pitchFamily="18" charset="0"/>
+              </a:rPr>
+              <a:t>P: </a:t>
+            </a:r>
+            <a:r>
+              <a:rPr lang="en-US" sz="2200" dirty="0">
+                <a:latin typeface="Georgia" panose="02040502050405020303" pitchFamily="18" charset="0"/>
+              </a:rPr>
+              <a:t>N/A</a:t>
+            </a:r>
+          </a:p>
+          <a:p>
+            <a:pPr marL="914400" lvl="1" indent="-457200">
+              <a:buAutoNum type="arabicPeriod" startAt="2"/>
+            </a:pPr>
+            <a:r>
+              <a:rPr lang="en-US" sz="2200" dirty="0" err="1">
+                <a:latin typeface="Georgia" panose="02040502050405020303" pitchFamily="18" charset="0"/>
+              </a:rPr>
+              <a:t>Confouding</a:t>
+            </a:r>
+            <a:r>
+              <a:rPr lang="en-US" sz="2200" dirty="0">
+                <a:latin typeface="Georgia" panose="02040502050405020303" pitchFamily="18" charset="0"/>
+              </a:rPr>
+              <a:t> &amp; Proximity of Q&amp;A</a:t>
+            </a:r>
+          </a:p>
+          <a:p>
+            <a:pPr lvl="2"/>
+            <a:r>
+              <a:rPr lang="en-US" sz="2200" b="1" dirty="0">
+                <a:latin typeface="Georgia" panose="02040502050405020303" pitchFamily="18" charset="0"/>
+              </a:rPr>
+              <a:t>Q:</a:t>
+            </a:r>
+            <a:r>
+              <a:rPr lang="en-US" sz="2200" dirty="0">
+                <a:latin typeface="Georgia" panose="02040502050405020303" pitchFamily="18" charset="0"/>
+              </a:rPr>
+              <a:t> What treaty took the place of constitutional treaty? </a:t>
+            </a:r>
+          </a:p>
+          <a:p>
+            <a:pPr lvl="2"/>
+            <a:r>
+              <a:rPr lang="en-US" sz="2200" b="1" dirty="0">
+                <a:latin typeface="Georgia" panose="02040502050405020303" pitchFamily="18" charset="0"/>
+              </a:rPr>
+              <a:t>C:</a:t>
+            </a:r>
+            <a:r>
+              <a:rPr lang="en-US" sz="2200" dirty="0">
+                <a:latin typeface="Georgia" panose="02040502050405020303" pitchFamily="18" charset="0"/>
+              </a:rPr>
+              <a:t> Following the Nice Treaty, there was an attempt to reform the constitutional law of the European Union and make it more transparent; … (40 </a:t>
+            </a:r>
+            <a:r>
+              <a:rPr lang="en-US" altLang="zh-CN" sz="2200" dirty="0">
+                <a:latin typeface="Georgia" panose="02040502050405020303" pitchFamily="18" charset="0"/>
+              </a:rPr>
+              <a:t>words)…</a:t>
+            </a:r>
+            <a:r>
+              <a:rPr lang="en-US" sz="2200" dirty="0">
+                <a:latin typeface="Georgia" panose="02040502050405020303" pitchFamily="18" charset="0"/>
+              </a:rPr>
+              <a:t> Instead, the Lisbon Treaty was enacted…</a:t>
+            </a:r>
+          </a:p>
+          <a:p>
+            <a:pPr lvl="2"/>
+            <a:r>
+              <a:rPr lang="en-US" sz="2200" b="1" dirty="0">
+                <a:latin typeface="Georgia" panose="02040502050405020303" pitchFamily="18" charset="0"/>
+              </a:rPr>
+              <a:t>A: </a:t>
+            </a:r>
+            <a:r>
+              <a:rPr lang="en-US" sz="2200" dirty="0">
+                <a:latin typeface="Georgia" panose="02040502050405020303" pitchFamily="18" charset="0"/>
+              </a:rPr>
+              <a:t>the Lisbon Treaty</a:t>
+            </a:r>
+          </a:p>
+          <a:p>
+            <a:pPr lvl="2"/>
+            <a:r>
+              <a:rPr lang="en-US" sz="2200" b="1" dirty="0">
+                <a:latin typeface="Georgia" panose="02040502050405020303" pitchFamily="18" charset="0"/>
+              </a:rPr>
+              <a:t>P: </a:t>
+            </a:r>
+            <a:r>
+              <a:rPr lang="en-US" sz="2200" dirty="0">
+                <a:latin typeface="Georgia" panose="02040502050405020303" pitchFamily="18" charset="0"/>
+              </a:rPr>
+              <a:t>Nice Treaty</a:t>
             </a:r>
           </a:p>
         </p:txBody>

--- a/Poster.pptx
+++ b/Poster.pptx
@@ -3382,7 +3382,7 @@
         </p:nvSpPr>
         <p:spPr>
           <a:xfrm>
-            <a:off x="24011467" y="16354150"/>
+            <a:off x="24011467" y="18211410"/>
             <a:ext cx="8487834" cy="838200"/>
           </a:xfrm>
           <a:prstGeom prst="rect">
@@ -3435,8 +3435,8 @@
         </p:nvSpPr>
         <p:spPr>
           <a:xfrm>
-            <a:off x="24011467" y="17329937"/>
-            <a:ext cx="8487830" cy="4478149"/>
+            <a:off x="24011467" y="19187197"/>
+            <a:ext cx="8487830" cy="2723823"/>
           </a:xfrm>
           <a:prstGeom prst="rect">
             <a:avLst/>
@@ -3458,7 +3458,7 @@
                 <a:effectLst/>
                 <a:latin typeface="Georgia" panose="02040502050405020303" pitchFamily="18" charset="0"/>
               </a:rPr>
-              <a:t>[1Cs 224n default final project: Building a </a:t>
+              <a:t>[1] </a:t>
             </a:r>
             <a:r>
               <a:rPr lang="en-US" sz="1900" b="0" i="0" dirty="0" err="1">
@@ -3468,7 +3468,7 @@
                 <a:effectLst/>
                 <a:latin typeface="Georgia" panose="02040502050405020303" pitchFamily="18" charset="0"/>
               </a:rPr>
-              <a:t>qa</a:t>
+              <a:t>Minjoon</a:t>
             </a:r>
             <a:r>
               <a:rPr lang="en-US" sz="1900" b="0" i="0" dirty="0">
@@ -3478,7 +3478,7 @@
                 <a:effectLst/>
                 <a:latin typeface="Georgia" panose="02040502050405020303" pitchFamily="18" charset="0"/>
               </a:rPr>
-              <a:t> system (</a:t>
+              <a:t> </a:t>
             </a:r>
             <a:r>
               <a:rPr lang="en-US" sz="1900" b="0" i="0" dirty="0" err="1">
@@ -3488,7 +3488,7 @@
                 <a:effectLst/>
                 <a:latin typeface="Georgia" panose="02040502050405020303" pitchFamily="18" charset="0"/>
               </a:rPr>
-              <a:t>iid</a:t>
+              <a:t>Seo</a:t>
             </a:r>
             <a:r>
               <a:rPr lang="en-US" sz="1900" b="0" i="0" dirty="0">
@@ -3498,7 +3498,87 @@
                 <a:effectLst/>
                 <a:latin typeface="Georgia" panose="02040502050405020303" pitchFamily="18" charset="0"/>
               </a:rPr>
-              <a:t> squad track). http://web.stanford.edu/class/cs224n/project/default-final-project-handout-squad-track.pdf.</a:t>
+              <a:t>, Aniruddha </a:t>
+            </a:r>
+            <a:r>
+              <a:rPr lang="en-US" sz="1900" b="0" i="0" dirty="0" err="1">
+                <a:solidFill>
+                  <a:srgbClr val="5D6879"/>
+                </a:solidFill>
+                <a:effectLst/>
+                <a:latin typeface="Georgia" panose="02040502050405020303" pitchFamily="18" charset="0"/>
+              </a:rPr>
+              <a:t>Kembhavi</a:t>
+            </a:r>
+            <a:r>
+              <a:rPr lang="en-US" sz="1900" b="0" i="0" dirty="0">
+                <a:solidFill>
+                  <a:srgbClr val="5D6879"/>
+                </a:solidFill>
+                <a:effectLst/>
+                <a:latin typeface="Georgia" panose="02040502050405020303" pitchFamily="18" charset="0"/>
+              </a:rPr>
+              <a:t>, Ali Farhadi, and </a:t>
+            </a:r>
+            <a:r>
+              <a:rPr lang="en-US" sz="1900" b="0" i="0" dirty="0" err="1">
+                <a:solidFill>
+                  <a:srgbClr val="5D6879"/>
+                </a:solidFill>
+                <a:effectLst/>
+                <a:latin typeface="Georgia" panose="02040502050405020303" pitchFamily="18" charset="0"/>
+              </a:rPr>
+              <a:t>Hannaneh</a:t>
+            </a:r>
+            <a:r>
+              <a:rPr lang="en-US" sz="1900" b="0" i="0" dirty="0">
+                <a:solidFill>
+                  <a:srgbClr val="5D6879"/>
+                </a:solidFill>
+                <a:effectLst/>
+                <a:latin typeface="Georgia" panose="02040502050405020303" pitchFamily="18" charset="0"/>
+              </a:rPr>
+              <a:t> </a:t>
+            </a:r>
+            <a:r>
+              <a:rPr lang="en-US" sz="1900" b="0" i="0" dirty="0" err="1">
+                <a:solidFill>
+                  <a:srgbClr val="5D6879"/>
+                </a:solidFill>
+                <a:effectLst/>
+                <a:latin typeface="Georgia" panose="02040502050405020303" pitchFamily="18" charset="0"/>
+              </a:rPr>
+              <a:t>Hajishirzi</a:t>
+            </a:r>
+            <a:r>
+              <a:rPr lang="en-US" sz="1900" b="0" i="0" dirty="0">
+                <a:solidFill>
+                  <a:srgbClr val="5D6879"/>
+                </a:solidFill>
+                <a:effectLst/>
+                <a:latin typeface="Georgia" panose="02040502050405020303" pitchFamily="18" charset="0"/>
+              </a:rPr>
+              <a:t>. Bidirectional attention flow for machine comprehension. In </a:t>
+            </a:r>
+            <a:r>
+              <a:rPr lang="en-US" sz="1900" b="0" i="1" dirty="0">
+                <a:solidFill>
+                  <a:srgbClr val="5D6879"/>
+                </a:solidFill>
+                <a:effectLst/>
+                <a:latin typeface="Georgia" panose="02040502050405020303" pitchFamily="18" charset="0"/>
+              </a:rPr>
+              <a:t>Association for Computational Linguistics (ACL),</a:t>
+            </a:r>
+            <a:r>
+              <a:rPr lang="en-US" sz="1900" b="0" i="0" dirty="0">
+                <a:solidFill>
+                  <a:srgbClr val="5D6879"/>
+                </a:solidFill>
+                <a:effectLst/>
+                <a:latin typeface="Georgia" panose="02040502050405020303" pitchFamily="18" charset="0"/>
+              </a:rPr>
+              <a:t> 2017.</a:t>
             </a:r>
             <a:br>
               <a:rPr lang="en-US" sz="1900" b="0" i="0" dirty="0">
@@ -3517,146 +3597,7 @@
                 <a:effectLst/>
                 <a:latin typeface="Georgia" panose="02040502050405020303" pitchFamily="18" charset="0"/>
               </a:rPr>
-              <a:t>[2] </a:t>
-            </a:r>
-            <a:r>
-              <a:rPr lang="en-US" sz="1900" b="0" i="0" dirty="0" err="1">
-                <a:solidFill>
-                  <a:srgbClr val="5D6879"/>
-                </a:solidFill>
-                <a:effectLst/>
-                <a:latin typeface="Georgia" panose="02040502050405020303" pitchFamily="18" charset="0"/>
-              </a:rPr>
-              <a:t>Minjoon</a:t>
-            </a:r>
-            <a:r>
-              <a:rPr lang="en-US" sz="1900" b="0" i="0" dirty="0">
-                <a:solidFill>
-                  <a:srgbClr val="5D6879"/>
-                </a:solidFill>
-                <a:effectLst/>
-                <a:latin typeface="Georgia" panose="02040502050405020303" pitchFamily="18" charset="0"/>
-              </a:rPr>
-              <a:t> </a:t>
-            </a:r>
-            <a:r>
-              <a:rPr lang="en-US" sz="1900" b="0" i="0" dirty="0" err="1">
-                <a:solidFill>
-                  <a:srgbClr val="5D6879"/>
-                </a:solidFill>
-                <a:effectLst/>
-                <a:latin typeface="Georgia" panose="02040502050405020303" pitchFamily="18" charset="0"/>
-              </a:rPr>
-              <a:t>Seo</a:t>
-            </a:r>
-            <a:r>
-              <a:rPr lang="en-US" sz="1900" b="0" i="0" dirty="0">
-                <a:solidFill>
-                  <a:srgbClr val="5D6879"/>
-                </a:solidFill>
-                <a:effectLst/>
-                <a:latin typeface="Georgia" panose="02040502050405020303" pitchFamily="18" charset="0"/>
-              </a:rPr>
-              <a:t>, Aniruddha </a:t>
-            </a:r>
-            <a:r>
-              <a:rPr lang="en-US" sz="1900" b="0" i="0" dirty="0" err="1">
-                <a:solidFill>
-                  <a:srgbClr val="5D6879"/>
-                </a:solidFill>
-                <a:effectLst/>
-                <a:latin typeface="Georgia" panose="02040502050405020303" pitchFamily="18" charset="0"/>
-              </a:rPr>
-              <a:t>Kembhavi</a:t>
-            </a:r>
-            <a:r>
-              <a:rPr lang="en-US" sz="1900" b="0" i="0" dirty="0">
-                <a:solidFill>
-                  <a:srgbClr val="5D6879"/>
-                </a:solidFill>
-                <a:effectLst/>
-                <a:latin typeface="Georgia" panose="02040502050405020303" pitchFamily="18" charset="0"/>
-              </a:rPr>
-              <a:t>, Ali Farhadi, and </a:t>
-            </a:r>
-            <a:r>
-              <a:rPr lang="en-US" sz="1900" b="0" i="0" dirty="0" err="1">
-                <a:solidFill>
-                  <a:srgbClr val="5D6879"/>
-                </a:solidFill>
-                <a:effectLst/>
-                <a:latin typeface="Georgia" panose="02040502050405020303" pitchFamily="18" charset="0"/>
-              </a:rPr>
-              <a:t>Hannaneh</a:t>
-            </a:r>
-            <a:r>
-              <a:rPr lang="en-US" sz="1900" b="0" i="0" dirty="0">
-                <a:solidFill>
-                  <a:srgbClr val="5D6879"/>
-                </a:solidFill>
-                <a:effectLst/>
-                <a:latin typeface="Georgia" panose="02040502050405020303" pitchFamily="18" charset="0"/>
-              </a:rPr>
-              <a:t> </a:t>
-            </a:r>
-            <a:r>
-              <a:rPr lang="en-US" sz="1900" b="0" i="0" dirty="0" err="1">
-                <a:solidFill>
-                  <a:srgbClr val="5D6879"/>
-                </a:solidFill>
-                <a:effectLst/>
-                <a:latin typeface="Georgia" panose="02040502050405020303" pitchFamily="18" charset="0"/>
-              </a:rPr>
-              <a:t>Hajishirzi</a:t>
-            </a:r>
-            <a:r>
-              <a:rPr lang="en-US" sz="1900" b="0" i="0" dirty="0">
-                <a:solidFill>
-                  <a:srgbClr val="5D6879"/>
-                </a:solidFill>
-                <a:effectLst/>
-                <a:latin typeface="Georgia" panose="02040502050405020303" pitchFamily="18" charset="0"/>
-              </a:rPr>
-              <a:t>. Bidirectional attention flow for machine comprehension. In </a:t>
-            </a:r>
-            <a:r>
-              <a:rPr lang="en-US" sz="1900" b="0" i="1" dirty="0">
-                <a:solidFill>
-                  <a:srgbClr val="5D6879"/>
-                </a:solidFill>
-                <a:effectLst/>
-                <a:latin typeface="Georgia" panose="02040502050405020303" pitchFamily="18" charset="0"/>
-              </a:rPr>
-              <a:t>Association for Computational Linguistics (ACL),</a:t>
-            </a:r>
-            <a:r>
-              <a:rPr lang="en-US" sz="1900" b="0" i="0" dirty="0">
-                <a:solidFill>
-                  <a:srgbClr val="5D6879"/>
-                </a:solidFill>
-                <a:effectLst/>
-                <a:latin typeface="Georgia" panose="02040502050405020303" pitchFamily="18" charset="0"/>
-              </a:rPr>
-              <a:t> 2017.</a:t>
-            </a:r>
-            <a:br>
-              <a:rPr lang="en-US" sz="1900" b="0" i="0" dirty="0">
-                <a:solidFill>
-                  <a:srgbClr val="5D6879"/>
-                </a:solidFill>
-                <a:effectLst/>
-                <a:latin typeface="Georgia" panose="02040502050405020303" pitchFamily="18" charset="0"/>
-              </a:rPr>
-            </a:br>
-            <a:r>
-              <a:rPr lang="en-US" sz="1900" b="0" i="0" dirty="0">
-                <a:solidFill>
-                  <a:srgbClr val="5D6879"/>
-                </a:solidFill>
-                <a:effectLst/>
-                <a:latin typeface="Georgia" panose="02040502050405020303" pitchFamily="18" charset="0"/>
-              </a:rPr>
-              <a:t>[3] Adams Wei Yu, David Dohan, Minh-Thang Luong, Rui Zhao, Kai Chen, Mohammad </a:t>
+              <a:t>[2] Adams Wei Yu, David Dohan, Minh-Thang Luong, Rui Zhao, Kai Chen, Mohammad </a:t>
             </a:r>
             <a:r>
               <a:rPr lang="en-US" sz="1900" b="0" i="0" dirty="0" err="1">
@@ -3743,166 +3684,7 @@
                 <a:effectLst/>
                 <a:latin typeface="Georgia" panose="02040502050405020303" pitchFamily="18" charset="0"/>
               </a:rPr>
-              <a:t>[4] Ashish Vaswani, Noam </a:t>
-            </a:r>
-            <a:r>
-              <a:rPr lang="en-US" sz="1900" b="0" i="0" dirty="0" err="1">
-                <a:solidFill>
-                  <a:srgbClr val="5D6879"/>
-                </a:solidFill>
-                <a:effectLst/>
-                <a:latin typeface="Georgia" panose="02040502050405020303" pitchFamily="18" charset="0"/>
-              </a:rPr>
-              <a:t>Shazeer</a:t>
-            </a:r>
-            <a:r>
-              <a:rPr lang="en-US" sz="1900" b="0" i="0" dirty="0">
-                <a:solidFill>
-                  <a:srgbClr val="5D6879"/>
-                </a:solidFill>
-                <a:effectLst/>
-                <a:latin typeface="Georgia" panose="02040502050405020303" pitchFamily="18" charset="0"/>
-              </a:rPr>
-              <a:t>, Niki Parmar, Jakob </a:t>
-            </a:r>
-            <a:r>
-              <a:rPr lang="en-US" sz="1900" b="0" i="0" dirty="0" err="1">
-                <a:solidFill>
-                  <a:srgbClr val="5D6879"/>
-                </a:solidFill>
-                <a:effectLst/>
-                <a:latin typeface="Georgia" panose="02040502050405020303" pitchFamily="18" charset="0"/>
-              </a:rPr>
-              <a:t>Uszkoreit</a:t>
-            </a:r>
-            <a:r>
-              <a:rPr lang="en-US" sz="1900" b="0" i="0" dirty="0">
-                <a:solidFill>
-                  <a:srgbClr val="5D6879"/>
-                </a:solidFill>
-                <a:effectLst/>
-                <a:latin typeface="Georgia" panose="02040502050405020303" pitchFamily="18" charset="0"/>
-              </a:rPr>
-              <a:t>, </a:t>
-            </a:r>
-            <a:r>
-              <a:rPr lang="en-US" sz="1900" b="0" i="0" dirty="0" err="1">
-                <a:solidFill>
-                  <a:srgbClr val="5D6879"/>
-                </a:solidFill>
-                <a:effectLst/>
-                <a:latin typeface="Georgia" panose="02040502050405020303" pitchFamily="18" charset="0"/>
-              </a:rPr>
-              <a:t>Llion</a:t>
-            </a:r>
-            <a:r>
-              <a:rPr lang="en-US" sz="1900" b="0" i="0" dirty="0">
-                <a:solidFill>
-                  <a:srgbClr val="5D6879"/>
-                </a:solidFill>
-                <a:effectLst/>
-                <a:latin typeface="Georgia" panose="02040502050405020303" pitchFamily="18" charset="0"/>
-              </a:rPr>
-              <a:t> Jones, Aidan Gomez, Lukas Kaiser, and </a:t>
-            </a:r>
-            <a:r>
-              <a:rPr lang="en-US" sz="1900" b="0" i="0" dirty="0" err="1">
-                <a:solidFill>
-                  <a:srgbClr val="5D6879"/>
-                </a:solidFill>
-                <a:effectLst/>
-                <a:latin typeface="Georgia" panose="02040502050405020303" pitchFamily="18" charset="0"/>
-              </a:rPr>
-              <a:t>Illia</a:t>
-            </a:r>
-            <a:r>
-              <a:rPr lang="en-US" sz="1900" b="0" i="0" dirty="0">
-                <a:solidFill>
-                  <a:srgbClr val="5D6879"/>
-                </a:solidFill>
-                <a:effectLst/>
-                <a:latin typeface="Georgia" panose="02040502050405020303" pitchFamily="18" charset="0"/>
-              </a:rPr>
-              <a:t> </a:t>
-            </a:r>
-            <a:r>
-              <a:rPr lang="en-US" sz="1900" b="0" i="0" dirty="0" err="1">
-                <a:solidFill>
-                  <a:srgbClr val="5D6879"/>
-                </a:solidFill>
-                <a:effectLst/>
-                <a:latin typeface="Georgia" panose="02040502050405020303" pitchFamily="18" charset="0"/>
-              </a:rPr>
-              <a:t>Polosukhin</a:t>
-            </a:r>
-            <a:r>
-              <a:rPr lang="en-US" sz="1900" b="0" i="0" dirty="0">
-                <a:solidFill>
-                  <a:srgbClr val="5D6879"/>
-                </a:solidFill>
-                <a:effectLst/>
-                <a:latin typeface="Georgia" panose="02040502050405020303" pitchFamily="18" charset="0"/>
-              </a:rPr>
-              <a:t>. "</a:t>
-            </a:r>
-            <a:r>
-              <a:rPr lang="en-US" sz="1900" b="0" i="0" dirty="0" err="1">
-                <a:solidFill>
-                  <a:srgbClr val="5D6879"/>
-                </a:solidFill>
-                <a:effectLst/>
-                <a:latin typeface="Georgia" panose="02040502050405020303" pitchFamily="18" charset="0"/>
-              </a:rPr>
-              <a:t>attnetion</a:t>
-            </a:r>
-            <a:r>
-              <a:rPr lang="en-US" sz="1900" b="0" i="0" dirty="0">
-                <a:solidFill>
-                  <a:srgbClr val="5D6879"/>
-                </a:solidFill>
-                <a:effectLst/>
-                <a:latin typeface="Georgia" panose="02040502050405020303" pitchFamily="18" charset="0"/>
-              </a:rPr>
-              <a:t> is all you need". </a:t>
-            </a:r>
-            <a:r>
-              <a:rPr lang="en-US" sz="1900" b="0" i="1" dirty="0">
-                <a:solidFill>
-                  <a:srgbClr val="5D6879"/>
-                </a:solidFill>
-                <a:effectLst/>
-                <a:latin typeface="Georgia" panose="02040502050405020303" pitchFamily="18" charset="0"/>
-              </a:rPr>
-              <a:t>In Association for Computational Linguistics (ACL), </a:t>
-            </a:r>
-            <a:r>
-              <a:rPr lang="en-US" sz="1900" b="0" dirty="0">
-                <a:solidFill>
-                  <a:srgbClr val="5D6879"/>
-                </a:solidFill>
-                <a:effectLst/>
-                <a:latin typeface="Georgia" panose="02040502050405020303" pitchFamily="18" charset="0"/>
-              </a:rPr>
-              <a:t>2017.</a:t>
-            </a:r>
-            <a:br>
-              <a:rPr lang="en-US" sz="1900" b="0" i="0" dirty="0">
-                <a:solidFill>
-                  <a:srgbClr val="5D6879"/>
-                </a:solidFill>
-                <a:effectLst/>
-                <a:latin typeface="Georgia" panose="02040502050405020303" pitchFamily="18" charset="0"/>
-              </a:rPr>
-            </a:br>
-            <a:r>
-              <a:rPr lang="en-US" sz="1900" b="0" i="0" dirty="0">
-                <a:solidFill>
-                  <a:srgbClr val="5D6879"/>
-                </a:solidFill>
-                <a:effectLst/>
-                <a:latin typeface="Georgia" panose="02040502050405020303" pitchFamily="18" charset="0"/>
-              </a:rPr>
-              <a:t>[5] Wei Wang, Ming Yan, and Chen Wu. Multi-granularity hierarchical attention fusion networks for reading comprehension and question answering. In </a:t>
+              <a:t>[3] Wei Wang, Ming Yan, and Chen Wu. Multi-granularity hierarchical attention fusion networks for reading comprehension and question answering. In </a:t>
             </a:r>
             <a:r>
               <a:rPr lang="en-US" sz="1900" b="0" i="1" dirty="0">
@@ -3994,7 +3776,7 @@
         </p:nvSpPr>
         <p:spPr>
           <a:xfrm>
-            <a:off x="9604983" y="10619324"/>
+            <a:off x="9604983" y="11150259"/>
             <a:ext cx="13716000" cy="838200"/>
           </a:xfrm>
           <a:prstGeom prst="rect">
@@ -4358,13 +4140,13 @@
           <p:nvPr>
             <p:extLst>
               <p:ext uri="{D42A27DB-BD31-4B8C-83A1-F6EECF244321}">
-                <p14:modId xmlns:p14="http://schemas.microsoft.com/office/powerpoint/2010/main" val="4173626005"/>
+                <p14:modId xmlns:p14="http://schemas.microsoft.com/office/powerpoint/2010/main" val="3299354392"/>
               </p:ext>
             </p:extLst>
           </p:nvPr>
         </p:nvGraphicFramePr>
         <p:xfrm>
-          <a:off x="16472508" y="11631829"/>
+          <a:off x="16472508" y="12162764"/>
           <a:ext cx="6871275" cy="1280160"/>
         </p:xfrm>
         <a:graphic>
@@ -4616,7 +4398,7 @@
         </p:nvSpPr>
         <p:spPr>
           <a:xfrm>
-            <a:off x="419099" y="10619324"/>
+            <a:off x="419099" y="10619630"/>
             <a:ext cx="8487833" cy="2800767"/>
           </a:xfrm>
           <a:prstGeom prst="rect">
@@ -4731,22 +4513,13 @@
               </a:spcAft>
             </a:pPr>
             <a:r>
-              <a:rPr lang="en-US" sz="2200" dirty="0" err="1">
-                <a:solidFill>
-                  <a:srgbClr val="000000"/>
-                </a:solidFill>
-                <a:latin typeface="Georgia" panose="02040502050405020303" pitchFamily="18" charset="0"/>
-              </a:rPr>
-              <a:t>Args</a:t>
-            </a:r>
-            <a:r>
               <a:rPr lang="en-US" sz="2200" dirty="0">
                 <a:solidFill>
                   <a:srgbClr val="000000"/>
                 </a:solidFill>
                 <a:latin typeface="Georgia" panose="02040502050405020303" pitchFamily="18" charset="0"/>
               </a:rPr>
-              <a:t>:</a:t>
+              <a:t>Design Specifics:</a:t>
             </a:r>
           </a:p>
           <a:p>
@@ -4765,7 +4538,7 @@
                 </a:solidFill>
                 <a:latin typeface="Georgia" panose="02040502050405020303" pitchFamily="18" charset="0"/>
               </a:rPr>
-              <a:t>	Batch size: 32</a:t>
+              <a:t>	Hidden size: 128</a:t>
             </a:r>
           </a:p>
           <a:p>
@@ -4784,7 +4557,7 @@
                 </a:solidFill>
                 <a:latin typeface="Georgia" panose="02040502050405020303" pitchFamily="18" charset="0"/>
               </a:rPr>
-              <a:t>	Hidden size: 128</a:t>
+              <a:t>	# of Conv in the Contextual Embed Encoder Block: 4</a:t>
             </a:r>
           </a:p>
           <a:p>
@@ -4803,16 +4576,7 @@
                 </a:solidFill>
                 <a:latin typeface="Georgia" panose="02040502050405020303" pitchFamily="18" charset="0"/>
               </a:rPr>
-              <a:t>	</a:t>
-            </a:r>
-            <a:r>
-              <a:rPr lang="en-US" sz="2200" b="1" dirty="0">
-                <a:solidFill>
-                  <a:srgbClr val="000000"/>
-                </a:solidFill>
-                <a:latin typeface="Georgia" panose="02040502050405020303" pitchFamily="18" charset="0"/>
-              </a:rPr>
-              <a:t>Dropout prob: 0.1</a:t>
+              <a:t>	# of Conv in a Stacked Encoder Block: 2</a:t>
             </a:r>
           </a:p>
           <a:p>
@@ -4825,20 +4589,14 @@
               </a:spcAft>
             </a:pPr>
             <a:r>
-              <a:rPr lang="en-US" sz="2200" b="1" dirty="0">
+              <a:rPr lang="en-US" sz="2200" dirty="0">
                 <a:solidFill>
                   <a:srgbClr val="000000"/>
                 </a:solidFill>
                 <a:latin typeface="Georgia" panose="02040502050405020303" pitchFamily="18" charset="0"/>
               </a:rPr>
-              <a:t>	Learning rate: </a:t>
-            </a:r>
-            <a:endParaRPr lang="en-US" sz="2200" dirty="0">
-              <a:solidFill>
-                <a:srgbClr val="000000"/>
-              </a:solidFill>
-              <a:latin typeface="Georgia" panose="02040502050405020303" pitchFamily="18" charset="0"/>
-            </a:endParaRPr>
+              <a:t>	# of heads in Self-attention: 8</a:t>
+            </a:r>
           </a:p>
           <a:p>
             <a:pPr rtl="0">
@@ -4849,12 +4607,15 @@
                 <a:spcPts val="0"/>
               </a:spcAft>
             </a:pPr>
-            <a:endParaRPr lang="en-US" sz="2200" dirty="0">
-              <a:solidFill>
-                <a:srgbClr val="000000"/>
-              </a:solidFill>
-              <a:latin typeface="Georgia" panose="02040502050405020303" pitchFamily="18" charset="0"/>
-            </a:endParaRPr>
+            <a:r>
+              <a:rPr lang="en-US" sz="2200" dirty="0">
+                <a:solidFill>
+                  <a:srgbClr val="000000"/>
+                </a:solidFill>
+                <a:latin typeface="Georgia" panose="02040502050405020303" pitchFamily="18" charset="0"/>
+              </a:rPr>
+              <a:t>	Used a 1d Convolution to decrease input size when necessary</a:t>
+            </a:r>
           </a:p>
         </p:txBody>
       </p:sp>
@@ -4873,9 +4634,9 @@
         <p:grpSpPr>
           <a:xfrm>
             <a:off x="452158" y="13460590"/>
-            <a:ext cx="8528451" cy="8195026"/>
+            <a:ext cx="8380430" cy="8195026"/>
             <a:chOff x="452158" y="13460590"/>
-            <a:chExt cx="8528451" cy="8195026"/>
+            <a:chExt cx="8380430" cy="8195026"/>
           </a:xfrm>
         </p:grpSpPr>
         <p:sp>
@@ -7686,8 +7447,8 @@
           </p:nvSpPr>
           <p:spPr>
             <a:xfrm flipH="1">
-              <a:off x="7248465" y="17084077"/>
-              <a:ext cx="1732144" cy="307777"/>
+              <a:off x="7896165" y="17084077"/>
+              <a:ext cx="822362" cy="317287"/>
             </a:xfrm>
             <a:prstGeom prst="rect">
               <a:avLst/>
@@ -7707,7 +7468,7 @@
                 <a:rPr lang="en-US" sz="1400" dirty="0">
                   <a:latin typeface="Georgia" panose="02040502050405020303" pitchFamily="18" charset="0"/>
                 </a:rPr>
-                <a:t>Repeat 7 times</a:t>
+                <a:t>Repeat</a:t>
               </a:r>
             </a:p>
           </p:txBody>
@@ -8726,7 +8487,7 @@
         </p:nvSpPr>
         <p:spPr>
           <a:xfrm>
-            <a:off x="24011467" y="12021055"/>
+            <a:off x="24011467" y="13057375"/>
             <a:ext cx="8487833" cy="838200"/>
           </a:xfrm>
           <a:prstGeom prst="rect">
@@ -8779,7 +8540,7 @@
         </p:nvSpPr>
         <p:spPr>
           <a:xfrm>
-            <a:off x="9604983" y="11532490"/>
+            <a:off x="9604983" y="12063425"/>
             <a:ext cx="6563620" cy="1446550"/>
           </a:xfrm>
           <a:prstGeom prst="rect">
@@ -8847,13 +8608,13 @@
           <p:nvPr>
             <p:extLst>
               <p:ext uri="{D42A27DB-BD31-4B8C-83A1-F6EECF244321}">
-                <p14:modId xmlns:p14="http://schemas.microsoft.com/office/powerpoint/2010/main" val="1093574051"/>
+                <p14:modId xmlns:p14="http://schemas.microsoft.com/office/powerpoint/2010/main" val="744857822"/>
               </p:ext>
             </p:extLst>
           </p:nvPr>
         </p:nvGraphicFramePr>
         <p:xfrm>
-          <a:off x="9769315" y="14544763"/>
+          <a:off x="9769315" y="15075698"/>
           <a:ext cx="13595013" cy="1706880"/>
         </p:xfrm>
         <a:graphic>
@@ -11202,7 +10963,7 @@
         </p:nvSpPr>
         <p:spPr>
           <a:xfrm>
-            <a:off x="9638843" y="13018685"/>
+            <a:off x="9638843" y="13549620"/>
             <a:ext cx="13695454" cy="1446550"/>
           </a:xfrm>
           <a:prstGeom prst="rect">
@@ -11263,7 +11024,7 @@
         </p:nvSpPr>
         <p:spPr>
           <a:xfrm>
-            <a:off x="12764852" y="14405641"/>
+            <a:off x="12764852" y="14936576"/>
             <a:ext cx="1328057" cy="1941793"/>
           </a:xfrm>
           <a:prstGeom prst="roundRect">
@@ -11311,7 +11072,7 @@
         </p:nvSpPr>
         <p:spPr>
           <a:xfrm>
-            <a:off x="18801251" y="14427306"/>
+            <a:off x="18801251" y="14958241"/>
             <a:ext cx="1328057" cy="1941793"/>
           </a:xfrm>
           <a:prstGeom prst="roundRect">
@@ -11363,7 +11124,7 @@
         </p:nvSpPr>
         <p:spPr>
           <a:xfrm>
-            <a:off x="9606894" y="16403838"/>
+            <a:off x="9606894" y="17039873"/>
             <a:ext cx="13695454" cy="4832092"/>
           </a:xfrm>
           <a:prstGeom prst="rect">
@@ -11378,14 +11139,11 @@
           <a:lstStyle/>
           <a:p>
             <a:r>
-              <a:rPr lang="en-US" sz="2200" b="1">
+              <a:rPr lang="en-US" sz="2200" b="1" dirty="0">
                 <a:latin typeface="Georgia" panose="02040502050405020303" pitchFamily="18" charset="0"/>
               </a:rPr>
               <a:t>Error Type Examples</a:t>
             </a:r>
-            <a:endParaRPr lang="en-US" sz="2200" b="1" dirty="0">
-              <a:latin typeface="Georgia" panose="02040502050405020303" pitchFamily="18" charset="0"/>
-            </a:endParaRPr>
           </a:p>
           <a:p>
             <a:pPr marL="914400" lvl="1" indent="-457200">
@@ -11484,7 +11242,7 @@
               <a:rPr lang="en-US" sz="2200" dirty="0" err="1">
                 <a:latin typeface="Georgia" panose="02040502050405020303" pitchFamily="18" charset="0"/>
               </a:rPr>
-              <a:t>Confouding</a:t>
+              <a:t>Confonuding</a:t>
             </a:r>
             <a:r>
               <a:rPr lang="en-US" sz="2200" dirty="0">
@@ -11564,6 +11322,1608 @@
               </a:rPr>
               <a:t>Nice Treaty</a:t>
             </a:r>
+          </a:p>
+        </p:txBody>
+      </p:sp>
+      <p:grpSp>
+        <p:nvGrpSpPr>
+          <p:cNvPr id="31" name="Group 30">
+            <a:extLst>
+              <a:ext uri="{FF2B5EF4-FFF2-40B4-BE49-F238E27FC236}">
+                <a16:creationId xmlns:a16="http://schemas.microsoft.com/office/drawing/2014/main" id="{1603BA25-02E4-4695-910B-11E29951E5A9}"/>
+              </a:ext>
+            </a:extLst>
+          </p:cNvPr>
+          <p:cNvGrpSpPr/>
+          <p:nvPr/>
+        </p:nvGrpSpPr>
+        <p:grpSpPr>
+          <a:xfrm>
+            <a:off x="23884561" y="4667461"/>
+            <a:ext cx="4461839" cy="3156726"/>
+            <a:chOff x="23884561" y="4583381"/>
+            <a:chExt cx="4461839" cy="3156726"/>
+          </a:xfrm>
+        </p:grpSpPr>
+        <p:pic>
+          <p:nvPicPr>
+            <p:cNvPr id="94" name="Picture 93" descr="Chart&#10;&#10;Description automatically generated">
+              <a:extLst>
+                <a:ext uri="{FF2B5EF4-FFF2-40B4-BE49-F238E27FC236}">
+                  <a16:creationId xmlns:a16="http://schemas.microsoft.com/office/drawing/2014/main" id="{18B5862A-4DA2-4801-AC97-515C01ECF94B}"/>
+                </a:ext>
+              </a:extLst>
+            </p:cNvPr>
+            <p:cNvPicPr>
+              <a:picLocks noChangeAspect="1"/>
+            </p:cNvPicPr>
+            <p:nvPr/>
+          </p:nvPicPr>
+          <p:blipFill rotWithShape="1">
+            <a:blip r:embed="rId3">
+              <a:extLst>
+                <a:ext uri="{28A0092B-C50C-407E-A947-70E740481C1C}">
+                  <a14:useLocalDpi xmlns:a14="http://schemas.microsoft.com/office/drawing/2010/main" val="0"/>
+                </a:ext>
+              </a:extLst>
+            </a:blip>
+            <a:srcRect l="4854" t="6618" r="13559" b="7910"/>
+            <a:stretch/>
+          </p:blipFill>
+          <p:spPr>
+            <a:xfrm>
+              <a:off x="24187331" y="4596051"/>
+              <a:ext cx="3911417" cy="2900762"/>
+            </a:xfrm>
+            <a:prstGeom prst="rect">
+              <a:avLst/>
+            </a:prstGeom>
+          </p:spPr>
+        </p:pic>
+        <p:sp>
+          <p:nvSpPr>
+            <p:cNvPr id="18" name="TextBox 17">
+              <a:extLst>
+                <a:ext uri="{FF2B5EF4-FFF2-40B4-BE49-F238E27FC236}">
+                  <a16:creationId xmlns:a16="http://schemas.microsoft.com/office/drawing/2014/main" id="{2316316C-2C67-4BE4-8D75-9126FD7E301C}"/>
+                </a:ext>
+              </a:extLst>
+            </p:cNvPr>
+            <p:cNvSpPr txBox="1"/>
+            <p:nvPr/>
+          </p:nvSpPr>
+          <p:spPr>
+            <a:xfrm>
+              <a:off x="24116097" y="7432330"/>
+              <a:ext cx="4230303" cy="307777"/>
+            </a:xfrm>
+            <a:prstGeom prst="rect">
+              <a:avLst/>
+            </a:prstGeom>
+            <a:noFill/>
+          </p:spPr>
+          <p:txBody>
+            <a:bodyPr wrap="square" rtlCol="0">
+              <a:spAutoFit/>
+            </a:bodyPr>
+            <a:lstStyle/>
+            <a:p>
+              <a:r>
+                <a:rPr lang="en-US" sz="1400" dirty="0">
+                  <a:latin typeface="Georgia" panose="02040502050405020303" pitchFamily="18" charset="0"/>
+                </a:rPr>
+                <a:t>   0               1e+6	          2e+6	          3e+6            4e+6</a:t>
+              </a:r>
+            </a:p>
+          </p:txBody>
+        </p:sp>
+        <p:sp>
+          <p:nvSpPr>
+            <p:cNvPr id="99" name="TextBox 98">
+              <a:extLst>
+                <a:ext uri="{FF2B5EF4-FFF2-40B4-BE49-F238E27FC236}">
+                  <a16:creationId xmlns:a16="http://schemas.microsoft.com/office/drawing/2014/main" id="{ECA16B04-96D0-4D14-850B-8E8E872B2FF8}"/>
+                </a:ext>
+              </a:extLst>
+            </p:cNvPr>
+            <p:cNvSpPr txBox="1"/>
+            <p:nvPr/>
+          </p:nvSpPr>
+          <p:spPr>
+            <a:xfrm>
+              <a:off x="23884561" y="4583381"/>
+              <a:ext cx="394127" cy="2693045"/>
+            </a:xfrm>
+            <a:prstGeom prst="rect">
+              <a:avLst/>
+            </a:prstGeom>
+            <a:noFill/>
+          </p:spPr>
+          <p:txBody>
+            <a:bodyPr wrap="square" rtlCol="0">
+              <a:spAutoFit/>
+            </a:bodyPr>
+            <a:lstStyle/>
+            <a:p>
+              <a:r>
+                <a:rPr lang="en-US" sz="1300" dirty="0">
+                  <a:latin typeface="Georgia" panose="02040502050405020303" pitchFamily="18" charset="0"/>
+                </a:rPr>
+                <a:t>70</a:t>
+              </a:r>
+            </a:p>
+            <a:p>
+              <a:endParaRPr lang="en-US" sz="1300" dirty="0">
+                <a:latin typeface="Georgia" panose="02040502050405020303" pitchFamily="18" charset="0"/>
+              </a:endParaRPr>
+            </a:p>
+            <a:p>
+              <a:endParaRPr lang="en-US" sz="1300" dirty="0">
+                <a:latin typeface="Georgia" panose="02040502050405020303" pitchFamily="18" charset="0"/>
+              </a:endParaRPr>
+            </a:p>
+            <a:p>
+              <a:r>
+                <a:rPr lang="en-US" sz="1300" dirty="0">
+                  <a:latin typeface="Georgia" panose="02040502050405020303" pitchFamily="18" charset="0"/>
+                </a:rPr>
+                <a:t>65</a:t>
+              </a:r>
+            </a:p>
+            <a:p>
+              <a:endParaRPr lang="en-US" sz="1300" dirty="0">
+                <a:latin typeface="Georgia" panose="02040502050405020303" pitchFamily="18" charset="0"/>
+              </a:endParaRPr>
+            </a:p>
+            <a:p>
+              <a:endParaRPr lang="en-US" sz="1300" dirty="0">
+                <a:latin typeface="Georgia" panose="02040502050405020303" pitchFamily="18" charset="0"/>
+              </a:endParaRPr>
+            </a:p>
+            <a:p>
+              <a:r>
+                <a:rPr lang="en-US" sz="1300" dirty="0">
+                  <a:latin typeface="Georgia" panose="02040502050405020303" pitchFamily="18" charset="0"/>
+                </a:rPr>
+                <a:t>60</a:t>
+              </a:r>
+            </a:p>
+            <a:p>
+              <a:endParaRPr lang="en-US" sz="1300" dirty="0">
+                <a:latin typeface="Georgia" panose="02040502050405020303" pitchFamily="18" charset="0"/>
+              </a:endParaRPr>
+            </a:p>
+            <a:p>
+              <a:endParaRPr lang="en-US" sz="1300" dirty="0">
+                <a:latin typeface="Georgia" panose="02040502050405020303" pitchFamily="18" charset="0"/>
+              </a:endParaRPr>
+            </a:p>
+            <a:p>
+              <a:r>
+                <a:rPr lang="en-US" sz="1300" dirty="0">
+                  <a:latin typeface="Georgia" panose="02040502050405020303" pitchFamily="18" charset="0"/>
+                </a:rPr>
+                <a:t>55</a:t>
+              </a:r>
+            </a:p>
+            <a:p>
+              <a:endParaRPr lang="en-US" sz="1300" dirty="0">
+                <a:latin typeface="Georgia" panose="02040502050405020303" pitchFamily="18" charset="0"/>
+              </a:endParaRPr>
+            </a:p>
+            <a:p>
+              <a:endParaRPr lang="en-US" sz="1300" dirty="0">
+                <a:latin typeface="Georgia" panose="02040502050405020303" pitchFamily="18" charset="0"/>
+              </a:endParaRPr>
+            </a:p>
+            <a:p>
+              <a:r>
+                <a:rPr lang="en-US" sz="1300" dirty="0">
+                  <a:latin typeface="Georgia" panose="02040502050405020303" pitchFamily="18" charset="0"/>
+                </a:rPr>
+                <a:t>50</a:t>
+              </a:r>
+            </a:p>
+          </p:txBody>
+        </p:sp>
+      </p:grpSp>
+      <p:grpSp>
+        <p:nvGrpSpPr>
+          <p:cNvPr id="33" name="Group 32">
+            <a:extLst>
+              <a:ext uri="{FF2B5EF4-FFF2-40B4-BE49-F238E27FC236}">
+                <a16:creationId xmlns:a16="http://schemas.microsoft.com/office/drawing/2014/main" id="{D2593F3A-67BF-48F9-8495-4B638DE05F92}"/>
+              </a:ext>
+            </a:extLst>
+          </p:cNvPr>
+          <p:cNvGrpSpPr/>
+          <p:nvPr/>
+        </p:nvGrpSpPr>
+        <p:grpSpPr>
+          <a:xfrm>
+            <a:off x="28234098" y="4680131"/>
+            <a:ext cx="4265199" cy="3143033"/>
+            <a:chOff x="28234098" y="4596051"/>
+            <a:chExt cx="4265199" cy="3143033"/>
+          </a:xfrm>
+        </p:grpSpPr>
+        <p:pic>
+          <p:nvPicPr>
+            <p:cNvPr id="30" name="Picture 29" descr="Chart&#10;&#10;Description automatically generated">
+              <a:extLst>
+                <a:ext uri="{FF2B5EF4-FFF2-40B4-BE49-F238E27FC236}">
+                  <a16:creationId xmlns:a16="http://schemas.microsoft.com/office/drawing/2014/main" id="{CF469230-E169-4063-AAE7-24498B5614C1}"/>
+                </a:ext>
+              </a:extLst>
+            </p:cNvPr>
+            <p:cNvPicPr>
+              <a:picLocks noChangeAspect="1"/>
+            </p:cNvPicPr>
+            <p:nvPr/>
+          </p:nvPicPr>
+          <p:blipFill rotWithShape="1">
+            <a:blip r:embed="rId4">
+              <a:extLst>
+                <a:ext uri="{28A0092B-C50C-407E-A947-70E740481C1C}">
+                  <a14:useLocalDpi xmlns:a14="http://schemas.microsoft.com/office/drawing/2010/main" val="0"/>
+                </a:ext>
+              </a:extLst>
+            </a:blip>
+            <a:srcRect l="5082" t="6314" r="13182" b="7847"/>
+            <a:stretch/>
+          </p:blipFill>
+          <p:spPr>
+            <a:xfrm>
+              <a:off x="28538648" y="4596051"/>
+              <a:ext cx="3911418" cy="2900762"/>
+            </a:xfrm>
+            <a:prstGeom prst="rect">
+              <a:avLst/>
+            </a:prstGeom>
+          </p:spPr>
+        </p:pic>
+        <p:sp>
+          <p:nvSpPr>
+            <p:cNvPr id="102" name="TextBox 101">
+              <a:extLst>
+                <a:ext uri="{FF2B5EF4-FFF2-40B4-BE49-F238E27FC236}">
+                  <a16:creationId xmlns:a16="http://schemas.microsoft.com/office/drawing/2014/main" id="{0FA3CB42-4EB3-4CC5-B70B-286160CD9B8B}"/>
+                </a:ext>
+              </a:extLst>
+            </p:cNvPr>
+            <p:cNvSpPr txBox="1"/>
+            <p:nvPr/>
+          </p:nvSpPr>
+          <p:spPr>
+            <a:xfrm>
+              <a:off x="28268994" y="7431307"/>
+              <a:ext cx="4230303" cy="307777"/>
+            </a:xfrm>
+            <a:prstGeom prst="rect">
+              <a:avLst/>
+            </a:prstGeom>
+            <a:noFill/>
+          </p:spPr>
+          <p:txBody>
+            <a:bodyPr wrap="square" rtlCol="0">
+              <a:spAutoFit/>
+            </a:bodyPr>
+            <a:lstStyle/>
+            <a:p>
+              <a:r>
+                <a:rPr lang="en-US" sz="1400" dirty="0">
+                  <a:latin typeface="Georgia" panose="02040502050405020303" pitchFamily="18" charset="0"/>
+                </a:rPr>
+                <a:t>       0              1e+6              2e+6           3e+6         4e+6</a:t>
+              </a:r>
+            </a:p>
+          </p:txBody>
+        </p:sp>
+        <p:sp>
+          <p:nvSpPr>
+            <p:cNvPr id="32" name="TextBox 31">
+              <a:extLst>
+                <a:ext uri="{FF2B5EF4-FFF2-40B4-BE49-F238E27FC236}">
+                  <a16:creationId xmlns:a16="http://schemas.microsoft.com/office/drawing/2014/main" id="{441B4F6A-9DF2-480C-BAA3-1B7471B1E1BE}"/>
+                </a:ext>
+              </a:extLst>
+            </p:cNvPr>
+            <p:cNvSpPr txBox="1"/>
+            <p:nvPr/>
+          </p:nvSpPr>
+          <p:spPr>
+            <a:xfrm flipH="1">
+              <a:off x="28237910" y="4812696"/>
+              <a:ext cx="437690" cy="300082"/>
+            </a:xfrm>
+            <a:prstGeom prst="rect">
+              <a:avLst/>
+            </a:prstGeom>
+            <a:noFill/>
+          </p:spPr>
+          <p:txBody>
+            <a:bodyPr wrap="square" rtlCol="0">
+              <a:spAutoFit/>
+            </a:bodyPr>
+            <a:lstStyle/>
+            <a:p>
+              <a:r>
+                <a:rPr lang="en-US" sz="1300" dirty="0">
+                  <a:latin typeface="Georgia" panose="02040502050405020303" pitchFamily="18" charset="0"/>
+                </a:rPr>
+                <a:t>65</a:t>
+              </a:r>
+            </a:p>
+          </p:txBody>
+        </p:sp>
+        <p:sp>
+          <p:nvSpPr>
+            <p:cNvPr id="108" name="TextBox 107">
+              <a:extLst>
+                <a:ext uri="{FF2B5EF4-FFF2-40B4-BE49-F238E27FC236}">
+                  <a16:creationId xmlns:a16="http://schemas.microsoft.com/office/drawing/2014/main" id="{90E88722-0416-4591-A16F-4A3A2578D08C}"/>
+                </a:ext>
+              </a:extLst>
+            </p:cNvPr>
+            <p:cNvSpPr txBox="1"/>
+            <p:nvPr/>
+          </p:nvSpPr>
+          <p:spPr>
+            <a:xfrm flipH="1">
+              <a:off x="28237910" y="5497320"/>
+              <a:ext cx="437690" cy="300082"/>
+            </a:xfrm>
+            <a:prstGeom prst="rect">
+              <a:avLst/>
+            </a:prstGeom>
+            <a:noFill/>
+          </p:spPr>
+          <p:txBody>
+            <a:bodyPr wrap="square" rtlCol="0">
+              <a:spAutoFit/>
+            </a:bodyPr>
+            <a:lstStyle/>
+            <a:p>
+              <a:r>
+                <a:rPr lang="en-US" sz="1300" dirty="0">
+                  <a:latin typeface="Georgia" panose="02040502050405020303" pitchFamily="18" charset="0"/>
+                </a:rPr>
+                <a:t>60</a:t>
+              </a:r>
+            </a:p>
+          </p:txBody>
+        </p:sp>
+        <p:sp>
+          <p:nvSpPr>
+            <p:cNvPr id="109" name="TextBox 108">
+              <a:extLst>
+                <a:ext uri="{FF2B5EF4-FFF2-40B4-BE49-F238E27FC236}">
+                  <a16:creationId xmlns:a16="http://schemas.microsoft.com/office/drawing/2014/main" id="{A5591FB8-45C9-4FCB-A451-3FE4B46E6709}"/>
+                </a:ext>
+              </a:extLst>
+            </p:cNvPr>
+            <p:cNvSpPr txBox="1"/>
+            <p:nvPr/>
+          </p:nvSpPr>
+          <p:spPr>
+            <a:xfrm flipH="1">
+              <a:off x="28234098" y="6119540"/>
+              <a:ext cx="437690" cy="300082"/>
+            </a:xfrm>
+            <a:prstGeom prst="rect">
+              <a:avLst/>
+            </a:prstGeom>
+            <a:noFill/>
+          </p:spPr>
+          <p:txBody>
+            <a:bodyPr wrap="square" rtlCol="0">
+              <a:spAutoFit/>
+            </a:bodyPr>
+            <a:lstStyle/>
+            <a:p>
+              <a:r>
+                <a:rPr lang="en-US" sz="1300" dirty="0">
+                  <a:latin typeface="Georgia" panose="02040502050405020303" pitchFamily="18" charset="0"/>
+                </a:rPr>
+                <a:t>55</a:t>
+              </a:r>
+            </a:p>
+          </p:txBody>
+        </p:sp>
+        <p:sp>
+          <p:nvSpPr>
+            <p:cNvPr id="110" name="TextBox 109">
+              <a:extLst>
+                <a:ext uri="{FF2B5EF4-FFF2-40B4-BE49-F238E27FC236}">
+                  <a16:creationId xmlns:a16="http://schemas.microsoft.com/office/drawing/2014/main" id="{8F9A9D51-9422-4755-AE92-730F21A48DFE}"/>
+                </a:ext>
+              </a:extLst>
+            </p:cNvPr>
+            <p:cNvSpPr txBox="1"/>
+            <p:nvPr/>
+          </p:nvSpPr>
+          <p:spPr>
+            <a:xfrm flipH="1">
+              <a:off x="28234098" y="6820572"/>
+              <a:ext cx="437690" cy="300082"/>
+            </a:xfrm>
+            <a:prstGeom prst="rect">
+              <a:avLst/>
+            </a:prstGeom>
+            <a:noFill/>
+          </p:spPr>
+          <p:txBody>
+            <a:bodyPr wrap="square" rtlCol="0">
+              <a:spAutoFit/>
+            </a:bodyPr>
+            <a:lstStyle/>
+            <a:p>
+              <a:r>
+                <a:rPr lang="en-US" sz="1300" dirty="0">
+                  <a:latin typeface="Georgia" panose="02040502050405020303" pitchFamily="18" charset="0"/>
+                </a:rPr>
+                <a:t>50</a:t>
+              </a:r>
+            </a:p>
+          </p:txBody>
+        </p:sp>
+      </p:grpSp>
+      <p:grpSp>
+        <p:nvGrpSpPr>
+          <p:cNvPr id="37" name="Group 36">
+            <a:extLst>
+              <a:ext uri="{FF2B5EF4-FFF2-40B4-BE49-F238E27FC236}">
+                <a16:creationId xmlns:a16="http://schemas.microsoft.com/office/drawing/2014/main" id="{AE22949E-D825-48A1-8966-85DC7BCEFE7A}"/>
+              </a:ext>
+            </a:extLst>
+          </p:cNvPr>
+          <p:cNvGrpSpPr/>
+          <p:nvPr/>
+        </p:nvGrpSpPr>
+        <p:grpSpPr>
+          <a:xfrm>
+            <a:off x="31000893" y="6685772"/>
+            <a:ext cx="1707179" cy="738664"/>
+            <a:chOff x="31124545" y="6601281"/>
+            <a:chExt cx="1707179" cy="738664"/>
+          </a:xfrm>
+        </p:grpSpPr>
+        <p:pic>
+          <p:nvPicPr>
+            <p:cNvPr id="116" name="Picture 115">
+              <a:extLst>
+                <a:ext uri="{FF2B5EF4-FFF2-40B4-BE49-F238E27FC236}">
+                  <a16:creationId xmlns:a16="http://schemas.microsoft.com/office/drawing/2014/main" id="{A9FE37A1-4EB1-4A51-AF41-A6940A8299CC}"/>
+                </a:ext>
+              </a:extLst>
+            </p:cNvPr>
+            <p:cNvPicPr>
+              <a:picLocks noChangeAspect="1"/>
+            </p:cNvPicPr>
+            <p:nvPr/>
+          </p:nvPicPr>
+          <p:blipFill rotWithShape="1">
+            <a:blip r:embed="rId4">
+              <a:extLst>
+                <a:ext uri="{28A0092B-C50C-407E-A947-70E740481C1C}">
+                  <a14:useLocalDpi xmlns:a14="http://schemas.microsoft.com/office/drawing/2010/main" val="0"/>
+                </a:ext>
+              </a:extLst>
+            </a:blip>
+            <a:srcRect l="88573" t="44195" r="7549" b="41832"/>
+            <a:stretch/>
+          </p:blipFill>
+          <p:spPr>
+            <a:xfrm>
+              <a:off x="31124545" y="6659813"/>
+              <a:ext cx="291210" cy="669169"/>
+            </a:xfrm>
+            <a:prstGeom prst="rect">
+              <a:avLst/>
+            </a:prstGeom>
+          </p:spPr>
+        </p:pic>
+        <p:sp>
+          <p:nvSpPr>
+            <p:cNvPr id="36" name="TextBox 35">
+              <a:extLst>
+                <a:ext uri="{FF2B5EF4-FFF2-40B4-BE49-F238E27FC236}">
+                  <a16:creationId xmlns:a16="http://schemas.microsoft.com/office/drawing/2014/main" id="{1A7D4A4E-AD85-4B7E-BDEF-F2B2BD993DA4}"/>
+                </a:ext>
+              </a:extLst>
+            </p:cNvPr>
+            <p:cNvSpPr txBox="1"/>
+            <p:nvPr/>
+          </p:nvSpPr>
+          <p:spPr>
+            <a:xfrm>
+              <a:off x="31334904" y="6601281"/>
+              <a:ext cx="1496820" cy="738664"/>
+            </a:xfrm>
+            <a:prstGeom prst="rect">
+              <a:avLst/>
+            </a:prstGeom>
+            <a:noFill/>
+          </p:spPr>
+          <p:txBody>
+            <a:bodyPr wrap="square" rtlCol="0">
+              <a:spAutoFit/>
+            </a:bodyPr>
+            <a:lstStyle/>
+            <a:p>
+              <a:r>
+                <a:rPr lang="en-US" sz="1400" dirty="0" err="1">
+                  <a:latin typeface="Georgia" panose="02040502050405020303" pitchFamily="18" charset="0"/>
+                </a:rPr>
+                <a:t>Bidaf</a:t>
+              </a:r>
+              <a:r>
+                <a:rPr lang="en-US" sz="1400" dirty="0">
+                  <a:latin typeface="Georgia" panose="02040502050405020303" pitchFamily="18" charset="0"/>
+                </a:rPr>
+                <a:t> w/ Char</a:t>
+              </a:r>
+            </a:p>
+            <a:p>
+              <a:r>
+                <a:rPr lang="en-US" sz="1400" dirty="0">
+                  <a:latin typeface="Georgia" panose="02040502050405020303" pitchFamily="18" charset="0"/>
+                </a:rPr>
+                <a:t>Baseline</a:t>
+              </a:r>
+            </a:p>
+            <a:p>
+              <a:r>
+                <a:rPr lang="en-US" sz="1400" dirty="0" err="1">
+                  <a:latin typeface="Georgia" panose="02040502050405020303" pitchFamily="18" charset="0"/>
+                </a:rPr>
+                <a:t>QANet</a:t>
+              </a:r>
+              <a:endParaRPr lang="en-US" sz="1400" dirty="0">
+                <a:latin typeface="Georgia" panose="02040502050405020303" pitchFamily="18" charset="0"/>
+              </a:endParaRPr>
+            </a:p>
+          </p:txBody>
+        </p:sp>
+      </p:grpSp>
+      <p:graphicFrame>
+        <p:nvGraphicFramePr>
+          <p:cNvPr id="38" name="Table 38">
+            <a:extLst>
+              <a:ext uri="{FF2B5EF4-FFF2-40B4-BE49-F238E27FC236}">
+                <a16:creationId xmlns:a16="http://schemas.microsoft.com/office/drawing/2014/main" id="{347E9436-430B-4477-8A62-203F3E03D364}"/>
+              </a:ext>
+            </a:extLst>
+          </p:cNvPr>
+          <p:cNvGraphicFramePr>
+            <a:graphicFrameLocks noGrp="1"/>
+          </p:cNvGraphicFramePr>
+          <p:nvPr>
+            <p:extLst>
+              <p:ext uri="{D42A27DB-BD31-4B8C-83A1-F6EECF244321}">
+                <p14:modId xmlns:p14="http://schemas.microsoft.com/office/powerpoint/2010/main" val="3053323528"/>
+              </p:ext>
+            </p:extLst>
+          </p:nvPr>
+        </p:nvGraphicFramePr>
+        <p:xfrm>
+          <a:off x="9622220" y="4513523"/>
+          <a:ext cx="7570076" cy="4319016"/>
+        </p:xfrm>
+        <a:graphic>
+          <a:graphicData uri="http://schemas.openxmlformats.org/drawingml/2006/table">
+            <a:tbl>
+              <a:tblPr firstRow="1" bandRow="1">
+                <a:tableStyleId>{5940675A-B579-460E-94D1-54222C63F5DA}</a:tableStyleId>
+              </a:tblPr>
+              <a:tblGrid>
+                <a:gridCol w="2413438">
+                  <a:extLst>
+                    <a:ext uri="{9D8B030D-6E8A-4147-A177-3AD203B41FA5}">
+                      <a16:colId xmlns:a16="http://schemas.microsoft.com/office/drawing/2014/main" val="941148619"/>
+                    </a:ext>
+                  </a:extLst>
+                </a:gridCol>
+                <a:gridCol w="2413438">
+                  <a:extLst>
+                    <a:ext uri="{9D8B030D-6E8A-4147-A177-3AD203B41FA5}">
+                      <a16:colId xmlns:a16="http://schemas.microsoft.com/office/drawing/2014/main" val="2557878258"/>
+                    </a:ext>
+                  </a:extLst>
+                </a:gridCol>
+                <a:gridCol w="1371600">
+                  <a:extLst>
+                    <a:ext uri="{9D8B030D-6E8A-4147-A177-3AD203B41FA5}">
+                      <a16:colId xmlns:a16="http://schemas.microsoft.com/office/drawing/2014/main" val="640481716"/>
+                    </a:ext>
+                  </a:extLst>
+                </a:gridCol>
+                <a:gridCol w="1371600">
+                  <a:extLst>
+                    <a:ext uri="{9D8B030D-6E8A-4147-A177-3AD203B41FA5}">
+                      <a16:colId xmlns:a16="http://schemas.microsoft.com/office/drawing/2014/main" val="3293780260"/>
+                    </a:ext>
+                  </a:extLst>
+                </a:gridCol>
+              </a:tblGrid>
+              <a:tr h="429768">
+                <a:tc>
+                  <a:txBody>
+                    <a:bodyPr/>
+                    <a:lstStyle/>
+                    <a:p>
+                      <a:r>
+                        <a:rPr lang="en-US" sz="2200" dirty="0">
+                          <a:latin typeface="Georgia" panose="02040502050405020303" pitchFamily="18" charset="0"/>
+                        </a:rPr>
+                        <a:t>Tuned Parameter</a:t>
+                      </a:r>
+                    </a:p>
+                  </a:txBody>
+                  <a:tcPr>
+                    <a:solidFill>
+                      <a:srgbClr val="D3DEF1"/>
+                    </a:solidFill>
+                  </a:tcPr>
+                </a:tc>
+                <a:tc>
+                  <a:txBody>
+                    <a:bodyPr/>
+                    <a:lstStyle/>
+                    <a:p>
+                      <a:r>
+                        <a:rPr lang="en-US" sz="2200" dirty="0">
+                          <a:latin typeface="Georgia" panose="02040502050405020303" pitchFamily="18" charset="0"/>
+                        </a:rPr>
+                        <a:t>Value</a:t>
+                      </a:r>
+                    </a:p>
+                  </a:txBody>
+                  <a:tcPr>
+                    <a:solidFill>
+                      <a:srgbClr val="D3DEF1"/>
+                    </a:solidFill>
+                  </a:tcPr>
+                </a:tc>
+                <a:tc>
+                  <a:txBody>
+                    <a:bodyPr/>
+                    <a:lstStyle/>
+                    <a:p>
+                      <a:r>
+                        <a:rPr lang="en-US" sz="2200" dirty="0">
+                          <a:latin typeface="Georgia" panose="02040502050405020303" pitchFamily="18" charset="0"/>
+                        </a:rPr>
+                        <a:t>F1</a:t>
+                      </a:r>
+                    </a:p>
+                  </a:txBody>
+                  <a:tcPr>
+                    <a:solidFill>
+                      <a:srgbClr val="D3DEF1"/>
+                    </a:solidFill>
+                  </a:tcPr>
+                </a:tc>
+                <a:tc>
+                  <a:txBody>
+                    <a:bodyPr/>
+                    <a:lstStyle/>
+                    <a:p>
+                      <a:r>
+                        <a:rPr lang="en-US" sz="2200" dirty="0">
+                          <a:latin typeface="Georgia" panose="02040502050405020303" pitchFamily="18" charset="0"/>
+                        </a:rPr>
+                        <a:t>EM</a:t>
+                      </a:r>
+                    </a:p>
+                  </a:txBody>
+                  <a:tcPr>
+                    <a:solidFill>
+                      <a:srgbClr val="D3DEF1"/>
+                    </a:solidFill>
+                  </a:tcPr>
+                </a:tc>
+                <a:extLst>
+                  <a:ext uri="{0D108BD9-81ED-4DB2-BD59-A6C34878D82A}">
+                    <a16:rowId xmlns:a16="http://schemas.microsoft.com/office/drawing/2014/main" val="1360807951"/>
+                  </a:ext>
+                </a:extLst>
+              </a:tr>
+              <a:tr h="429768">
+                <a:tc rowSpan="3">
+                  <a:txBody>
+                    <a:bodyPr/>
+                    <a:lstStyle/>
+                    <a:p>
+                      <a:r>
+                        <a:rPr lang="en-US" sz="2200" dirty="0">
+                          <a:latin typeface="Georgia" panose="02040502050405020303" pitchFamily="18" charset="0"/>
+                        </a:rPr>
+                        <a:t>Learning Rate</a:t>
+                      </a:r>
+                    </a:p>
+                  </a:txBody>
+                  <a:tcPr>
+                    <a:solidFill>
+                      <a:srgbClr val="D3DEF1"/>
+                    </a:solidFill>
+                  </a:tcPr>
+                </a:tc>
+                <a:tc>
+                  <a:txBody>
+                    <a:bodyPr/>
+                    <a:lstStyle/>
+                    <a:p>
+                      <a:r>
+                        <a:rPr lang="en-US" sz="2200" dirty="0">
+                          <a:latin typeface="Georgia" panose="02040502050405020303" pitchFamily="18" charset="0"/>
+                        </a:rPr>
+                        <a:t>0.0005</a:t>
+                      </a:r>
+                    </a:p>
+                  </a:txBody>
+                  <a:tcPr/>
+                </a:tc>
+                <a:tc>
+                  <a:txBody>
+                    <a:bodyPr/>
+                    <a:lstStyle/>
+                    <a:p>
+                      <a:endParaRPr lang="en-US" sz="2200" dirty="0">
+                        <a:latin typeface="Georgia" panose="02040502050405020303" pitchFamily="18" charset="0"/>
+                      </a:endParaRPr>
+                    </a:p>
+                  </a:txBody>
+                  <a:tcPr/>
+                </a:tc>
+                <a:tc>
+                  <a:txBody>
+                    <a:bodyPr/>
+                    <a:lstStyle/>
+                    <a:p>
+                      <a:endParaRPr lang="en-US" sz="2200">
+                        <a:latin typeface="Georgia" panose="02040502050405020303" pitchFamily="18" charset="0"/>
+                      </a:endParaRPr>
+                    </a:p>
+                  </a:txBody>
+                  <a:tcPr/>
+                </a:tc>
+                <a:extLst>
+                  <a:ext uri="{0D108BD9-81ED-4DB2-BD59-A6C34878D82A}">
+                    <a16:rowId xmlns:a16="http://schemas.microsoft.com/office/drawing/2014/main" val="511714526"/>
+                  </a:ext>
+                </a:extLst>
+              </a:tr>
+              <a:tr h="429768">
+                <a:tc vMerge="1">
+                  <a:txBody>
+                    <a:bodyPr/>
+                    <a:lstStyle/>
+                    <a:p>
+                      <a:endParaRPr lang="en-US" sz="2200" dirty="0">
+                        <a:latin typeface="Georgia" panose="02040502050405020303" pitchFamily="18" charset="0"/>
+                      </a:endParaRPr>
+                    </a:p>
+                  </a:txBody>
+                  <a:tcPr/>
+                </a:tc>
+                <a:tc>
+                  <a:txBody>
+                    <a:bodyPr/>
+                    <a:lstStyle/>
+                    <a:p>
+                      <a:r>
+                        <a:rPr lang="en-US" sz="2200" b="1" dirty="0">
+                          <a:latin typeface="Georgia" panose="02040502050405020303" pitchFamily="18" charset="0"/>
+                        </a:rPr>
+                        <a:t>0.001</a:t>
+                      </a:r>
+                    </a:p>
+                  </a:txBody>
+                  <a:tcPr/>
+                </a:tc>
+                <a:tc>
+                  <a:txBody>
+                    <a:bodyPr/>
+                    <a:lstStyle/>
+                    <a:p>
+                      <a:endParaRPr lang="en-US" sz="2200" dirty="0">
+                        <a:latin typeface="Georgia" panose="02040502050405020303" pitchFamily="18" charset="0"/>
+                      </a:endParaRPr>
+                    </a:p>
+                  </a:txBody>
+                  <a:tcPr/>
+                </a:tc>
+                <a:tc>
+                  <a:txBody>
+                    <a:bodyPr/>
+                    <a:lstStyle/>
+                    <a:p>
+                      <a:endParaRPr lang="en-US" sz="2200">
+                        <a:latin typeface="Georgia" panose="02040502050405020303" pitchFamily="18" charset="0"/>
+                      </a:endParaRPr>
+                    </a:p>
+                  </a:txBody>
+                  <a:tcPr/>
+                </a:tc>
+                <a:extLst>
+                  <a:ext uri="{0D108BD9-81ED-4DB2-BD59-A6C34878D82A}">
+                    <a16:rowId xmlns:a16="http://schemas.microsoft.com/office/drawing/2014/main" val="3450800244"/>
+                  </a:ext>
+                </a:extLst>
+              </a:tr>
+              <a:tr h="429768">
+                <a:tc vMerge="1">
+                  <a:txBody>
+                    <a:bodyPr/>
+                    <a:lstStyle/>
+                    <a:p>
+                      <a:endParaRPr lang="en-US" sz="2200" dirty="0">
+                        <a:latin typeface="Georgia" panose="02040502050405020303" pitchFamily="18" charset="0"/>
+                      </a:endParaRPr>
+                    </a:p>
+                  </a:txBody>
+                  <a:tcPr/>
+                </a:tc>
+                <a:tc>
+                  <a:txBody>
+                    <a:bodyPr/>
+                    <a:lstStyle/>
+                    <a:p>
+                      <a:r>
+                        <a:rPr lang="en-US" sz="2200" dirty="0">
+                          <a:latin typeface="Georgia" panose="02040502050405020303" pitchFamily="18" charset="0"/>
+                        </a:rPr>
+                        <a:t>0.005</a:t>
+                      </a:r>
+                    </a:p>
+                  </a:txBody>
+                  <a:tcPr/>
+                </a:tc>
+                <a:tc>
+                  <a:txBody>
+                    <a:bodyPr/>
+                    <a:lstStyle/>
+                    <a:p>
+                      <a:endParaRPr lang="en-US" sz="2200" dirty="0">
+                        <a:latin typeface="Georgia" panose="02040502050405020303" pitchFamily="18" charset="0"/>
+                      </a:endParaRPr>
+                    </a:p>
+                  </a:txBody>
+                  <a:tcPr/>
+                </a:tc>
+                <a:tc>
+                  <a:txBody>
+                    <a:bodyPr/>
+                    <a:lstStyle/>
+                    <a:p>
+                      <a:endParaRPr lang="en-US" sz="2200" dirty="0">
+                        <a:latin typeface="Georgia" panose="02040502050405020303" pitchFamily="18" charset="0"/>
+                      </a:endParaRPr>
+                    </a:p>
+                  </a:txBody>
+                  <a:tcPr/>
+                </a:tc>
+                <a:extLst>
+                  <a:ext uri="{0D108BD9-81ED-4DB2-BD59-A6C34878D82A}">
+                    <a16:rowId xmlns:a16="http://schemas.microsoft.com/office/drawing/2014/main" val="2785863823"/>
+                  </a:ext>
+                </a:extLst>
+              </a:tr>
+              <a:tr h="429768">
+                <a:tc rowSpan="3">
+                  <a:txBody>
+                    <a:bodyPr/>
+                    <a:lstStyle/>
+                    <a:p>
+                      <a:r>
+                        <a:rPr lang="en-US" sz="2200" dirty="0">
+                          <a:latin typeface="Georgia" panose="02040502050405020303" pitchFamily="18" charset="0"/>
+                        </a:rPr>
+                        <a:t>Dropout Prob</a:t>
+                      </a:r>
+                    </a:p>
+                  </a:txBody>
+                  <a:tcPr>
+                    <a:solidFill>
+                      <a:srgbClr val="D3DEF1"/>
+                    </a:solidFill>
+                  </a:tcPr>
+                </a:tc>
+                <a:tc>
+                  <a:txBody>
+                    <a:bodyPr/>
+                    <a:lstStyle/>
+                    <a:p>
+                      <a:r>
+                        <a:rPr lang="en-US" sz="2200" dirty="0">
+                          <a:latin typeface="Georgia" panose="02040502050405020303" pitchFamily="18" charset="0"/>
+                        </a:rPr>
+                        <a:t>0.05</a:t>
+                      </a:r>
+                    </a:p>
+                  </a:txBody>
+                  <a:tcPr/>
+                </a:tc>
+                <a:tc>
+                  <a:txBody>
+                    <a:bodyPr/>
+                    <a:lstStyle/>
+                    <a:p>
+                      <a:r>
+                        <a:rPr lang="en-US" sz="2200" dirty="0">
+                          <a:latin typeface="Georgia" panose="02040502050405020303" pitchFamily="18" charset="0"/>
+                        </a:rPr>
+                        <a:t>69.62</a:t>
+                      </a:r>
+                    </a:p>
+                  </a:txBody>
+                  <a:tcPr/>
+                </a:tc>
+                <a:tc>
+                  <a:txBody>
+                    <a:bodyPr/>
+                    <a:lstStyle/>
+                    <a:p>
+                      <a:r>
+                        <a:rPr lang="en-US" sz="2200" dirty="0">
+                          <a:latin typeface="Georgia" panose="02040502050405020303" pitchFamily="18" charset="0"/>
+                        </a:rPr>
+                        <a:t>65.89</a:t>
+                      </a:r>
+                    </a:p>
+                  </a:txBody>
+                  <a:tcPr/>
+                </a:tc>
+                <a:extLst>
+                  <a:ext uri="{0D108BD9-81ED-4DB2-BD59-A6C34878D82A}">
+                    <a16:rowId xmlns:a16="http://schemas.microsoft.com/office/drawing/2014/main" val="1669451286"/>
+                  </a:ext>
+                </a:extLst>
+              </a:tr>
+              <a:tr h="429768">
+                <a:tc vMerge="1">
+                  <a:txBody>
+                    <a:bodyPr/>
+                    <a:lstStyle/>
+                    <a:p>
+                      <a:endParaRPr lang="en-US" sz="2200" dirty="0">
+                        <a:latin typeface="Georgia" panose="02040502050405020303" pitchFamily="18" charset="0"/>
+                      </a:endParaRPr>
+                    </a:p>
+                  </a:txBody>
+                  <a:tcPr/>
+                </a:tc>
+                <a:tc>
+                  <a:txBody>
+                    <a:bodyPr/>
+                    <a:lstStyle/>
+                    <a:p>
+                      <a:r>
+                        <a:rPr lang="en-US" sz="2200" b="1" dirty="0">
+                          <a:latin typeface="Georgia" panose="02040502050405020303" pitchFamily="18" charset="0"/>
+                        </a:rPr>
+                        <a:t>0.1</a:t>
+                      </a:r>
+                    </a:p>
+                  </a:txBody>
+                  <a:tcPr/>
+                </a:tc>
+                <a:tc>
+                  <a:txBody>
+                    <a:bodyPr/>
+                    <a:lstStyle/>
+                    <a:p>
+                      <a:r>
+                        <a:rPr lang="en-US" sz="2200" b="1" dirty="0">
+                          <a:latin typeface="Georgia" panose="02040502050405020303" pitchFamily="18" charset="0"/>
+                        </a:rPr>
+                        <a:t>70.17</a:t>
+                      </a:r>
+                    </a:p>
+                  </a:txBody>
+                  <a:tcPr/>
+                </a:tc>
+                <a:tc>
+                  <a:txBody>
+                    <a:bodyPr/>
+                    <a:lstStyle/>
+                    <a:p>
+                      <a:r>
+                        <a:rPr lang="en-US" sz="2200" b="1" dirty="0">
+                          <a:latin typeface="Georgia" panose="02040502050405020303" pitchFamily="18" charset="0"/>
+                        </a:rPr>
+                        <a:t>66.81</a:t>
+                      </a:r>
+                    </a:p>
+                  </a:txBody>
+                  <a:tcPr/>
+                </a:tc>
+                <a:extLst>
+                  <a:ext uri="{0D108BD9-81ED-4DB2-BD59-A6C34878D82A}">
+                    <a16:rowId xmlns:a16="http://schemas.microsoft.com/office/drawing/2014/main" val="3412200859"/>
+                  </a:ext>
+                </a:extLst>
+              </a:tr>
+              <a:tr h="429768">
+                <a:tc vMerge="1">
+                  <a:txBody>
+                    <a:bodyPr/>
+                    <a:lstStyle/>
+                    <a:p>
+                      <a:endParaRPr lang="en-US" sz="2200" dirty="0">
+                        <a:latin typeface="Georgia" panose="02040502050405020303" pitchFamily="18" charset="0"/>
+                      </a:endParaRPr>
+                    </a:p>
+                  </a:txBody>
+                  <a:tcPr/>
+                </a:tc>
+                <a:tc>
+                  <a:txBody>
+                    <a:bodyPr/>
+                    <a:lstStyle/>
+                    <a:p>
+                      <a:r>
+                        <a:rPr lang="en-US" sz="2200" dirty="0">
+                          <a:latin typeface="Georgia" panose="02040502050405020303" pitchFamily="18" charset="0"/>
+                        </a:rPr>
+                        <a:t>0.2</a:t>
+                      </a:r>
+                    </a:p>
+                  </a:txBody>
+                  <a:tcPr/>
+                </a:tc>
+                <a:tc>
+                  <a:txBody>
+                    <a:bodyPr/>
+                    <a:lstStyle/>
+                    <a:p>
+                      <a:r>
+                        <a:rPr lang="en-US" sz="2200" dirty="0">
+                          <a:latin typeface="Georgia" panose="02040502050405020303" pitchFamily="18" charset="0"/>
+                        </a:rPr>
+                        <a:t>69.17</a:t>
+                      </a:r>
+                    </a:p>
+                  </a:txBody>
+                  <a:tcPr/>
+                </a:tc>
+                <a:tc>
+                  <a:txBody>
+                    <a:bodyPr/>
+                    <a:lstStyle/>
+                    <a:p>
+                      <a:r>
+                        <a:rPr lang="en-US" sz="2200" dirty="0">
+                          <a:latin typeface="Georgia" panose="02040502050405020303" pitchFamily="18" charset="0"/>
+                        </a:rPr>
+                        <a:t>65.82</a:t>
+                      </a:r>
+                    </a:p>
+                  </a:txBody>
+                  <a:tcPr/>
+                </a:tc>
+                <a:extLst>
+                  <a:ext uri="{0D108BD9-81ED-4DB2-BD59-A6C34878D82A}">
+                    <a16:rowId xmlns:a16="http://schemas.microsoft.com/office/drawing/2014/main" val="3229218138"/>
+                  </a:ext>
+                </a:extLst>
+              </a:tr>
+              <a:tr h="429768">
+                <a:tc rowSpan="3">
+                  <a:txBody>
+                    <a:bodyPr/>
+                    <a:lstStyle/>
+                    <a:p>
+                      <a:r>
+                        <a:rPr lang="en-US" sz="2200" dirty="0">
+                          <a:latin typeface="Georgia" panose="02040502050405020303" pitchFamily="18" charset="0"/>
+                        </a:rPr>
+                        <a:t>B</a:t>
+                      </a:r>
+                      <a:r>
+                        <a:rPr lang="en-US" altLang="zh-CN" sz="2200" dirty="0">
+                          <a:latin typeface="Georgia" panose="02040502050405020303" pitchFamily="18" charset="0"/>
+                        </a:rPr>
+                        <a:t>atch size ~ # Repetitions </a:t>
+                      </a:r>
+                      <a:r>
+                        <a:rPr lang="en-US" altLang="zh-CN" sz="1800" dirty="0">
+                          <a:latin typeface="Georgia" panose="02040502050405020303" pitchFamily="18" charset="0"/>
+                        </a:rPr>
+                        <a:t>(of </a:t>
+                      </a:r>
+                      <a:r>
+                        <a:rPr lang="en-US" altLang="zh-CN" sz="1800" dirty="0" err="1">
+                          <a:latin typeface="Georgia" panose="02040502050405020303" pitchFamily="18" charset="0"/>
+                        </a:rPr>
+                        <a:t>Convs</a:t>
+                      </a:r>
+                      <a:r>
+                        <a:rPr lang="en-US" altLang="zh-CN" sz="1800" dirty="0">
+                          <a:latin typeface="Georgia" panose="02040502050405020303" pitchFamily="18" charset="0"/>
+                        </a:rPr>
+                        <a:t> in an encoder block,</a:t>
+                      </a:r>
+                      <a:r>
+                        <a:rPr lang="zh-CN" altLang="en-US" sz="1800" dirty="0">
+                          <a:latin typeface="Georgia" panose="02040502050405020303" pitchFamily="18" charset="0"/>
+                        </a:rPr>
+                        <a:t> </a:t>
+                      </a:r>
+                      <a:r>
+                        <a:rPr lang="en-US" altLang="zh-CN" sz="1800" dirty="0">
+                          <a:latin typeface="Georgia" panose="02040502050405020303" pitchFamily="18" charset="0"/>
+                        </a:rPr>
+                        <a:t>see</a:t>
+                      </a:r>
+                      <a:r>
+                        <a:rPr lang="zh-CN" altLang="en-US" sz="1800" dirty="0">
+                          <a:latin typeface="Georgia" panose="02040502050405020303" pitchFamily="18" charset="0"/>
+                        </a:rPr>
+                        <a:t> </a:t>
+                      </a:r>
+                      <a:r>
+                        <a:rPr lang="en-US" altLang="zh-CN" sz="1800" dirty="0">
+                          <a:latin typeface="Georgia" panose="02040502050405020303" pitchFamily="18" charset="0"/>
+                        </a:rPr>
+                        <a:t>fig. 1)</a:t>
+                      </a:r>
+                      <a:endParaRPr lang="en-US" sz="1800" dirty="0">
+                        <a:latin typeface="Georgia" panose="02040502050405020303" pitchFamily="18" charset="0"/>
+                      </a:endParaRPr>
+                    </a:p>
+                  </a:txBody>
+                  <a:tcPr>
+                    <a:solidFill>
+                      <a:srgbClr val="D3DEF1"/>
+                    </a:solidFill>
+                  </a:tcPr>
+                </a:tc>
+                <a:tc>
+                  <a:txBody>
+                    <a:bodyPr/>
+                    <a:lstStyle/>
+                    <a:p>
+                      <a:r>
+                        <a:rPr lang="en-US" sz="2200" dirty="0">
+                          <a:latin typeface="Georgia" panose="02040502050405020303" pitchFamily="18" charset="0"/>
+                        </a:rPr>
+                        <a:t>#Rep = 7, B = 30</a:t>
+                      </a:r>
+                    </a:p>
+                  </a:txBody>
+                  <a:tcPr/>
+                </a:tc>
+                <a:tc>
+                  <a:txBody>
+                    <a:bodyPr/>
+                    <a:lstStyle/>
+                    <a:p>
+                      <a:endParaRPr lang="en-US" sz="2200" dirty="0">
+                        <a:latin typeface="Georgia" panose="02040502050405020303" pitchFamily="18" charset="0"/>
+                      </a:endParaRPr>
+                    </a:p>
+                  </a:txBody>
+                  <a:tcPr/>
+                </a:tc>
+                <a:tc>
+                  <a:txBody>
+                    <a:bodyPr/>
+                    <a:lstStyle/>
+                    <a:p>
+                      <a:endParaRPr lang="en-US" sz="2200" dirty="0">
+                        <a:latin typeface="Georgia" panose="02040502050405020303" pitchFamily="18" charset="0"/>
+                      </a:endParaRPr>
+                    </a:p>
+                  </a:txBody>
+                  <a:tcPr/>
+                </a:tc>
+                <a:extLst>
+                  <a:ext uri="{0D108BD9-81ED-4DB2-BD59-A6C34878D82A}">
+                    <a16:rowId xmlns:a16="http://schemas.microsoft.com/office/drawing/2014/main" val="1970475897"/>
+                  </a:ext>
+                </a:extLst>
+              </a:tr>
+              <a:tr h="429768">
+                <a:tc vMerge="1">
+                  <a:txBody>
+                    <a:bodyPr/>
+                    <a:lstStyle/>
+                    <a:p>
+                      <a:endParaRPr lang="en-US" sz="2200" dirty="0">
+                        <a:latin typeface="Georgia" panose="02040502050405020303" pitchFamily="18" charset="0"/>
+                      </a:endParaRPr>
+                    </a:p>
+                  </a:txBody>
+                  <a:tcPr/>
+                </a:tc>
+                <a:tc>
+                  <a:txBody>
+                    <a:bodyPr/>
+                    <a:lstStyle/>
+                    <a:p>
+                      <a:r>
+                        <a:rPr lang="en-US" sz="2200" dirty="0">
+                          <a:latin typeface="Georgia" panose="02040502050405020303" pitchFamily="18" charset="0"/>
+                        </a:rPr>
+                        <a:t>#Rep = 5, B = 40</a:t>
+                      </a:r>
+                    </a:p>
+                  </a:txBody>
+                  <a:tcPr/>
+                </a:tc>
+                <a:tc>
+                  <a:txBody>
+                    <a:bodyPr/>
+                    <a:lstStyle/>
+                    <a:p>
+                      <a:endParaRPr lang="en-US" sz="2200" dirty="0">
+                        <a:latin typeface="Georgia" panose="02040502050405020303" pitchFamily="18" charset="0"/>
+                      </a:endParaRPr>
+                    </a:p>
+                  </a:txBody>
+                  <a:tcPr/>
+                </a:tc>
+                <a:tc>
+                  <a:txBody>
+                    <a:bodyPr/>
+                    <a:lstStyle/>
+                    <a:p>
+                      <a:endParaRPr lang="en-US" sz="2200" dirty="0">
+                        <a:latin typeface="Georgia" panose="02040502050405020303" pitchFamily="18" charset="0"/>
+                      </a:endParaRPr>
+                    </a:p>
+                  </a:txBody>
+                  <a:tcPr/>
+                </a:tc>
+                <a:extLst>
+                  <a:ext uri="{0D108BD9-81ED-4DB2-BD59-A6C34878D82A}">
+                    <a16:rowId xmlns:a16="http://schemas.microsoft.com/office/drawing/2014/main" val="2672301600"/>
+                  </a:ext>
+                </a:extLst>
+              </a:tr>
+              <a:tr h="429768">
+                <a:tc vMerge="1">
+                  <a:txBody>
+                    <a:bodyPr/>
+                    <a:lstStyle/>
+                    <a:p>
+                      <a:endParaRPr lang="en-US" sz="2200" dirty="0">
+                        <a:latin typeface="Georgia" panose="02040502050405020303" pitchFamily="18" charset="0"/>
+                      </a:endParaRPr>
+                    </a:p>
+                  </a:txBody>
+                  <a:tcPr/>
+                </a:tc>
+                <a:tc>
+                  <a:txBody>
+                    <a:bodyPr/>
+                    <a:lstStyle/>
+                    <a:p>
+                      <a:r>
+                        <a:rPr lang="en-US" sz="2200" dirty="0">
+                          <a:latin typeface="Georgia" panose="02040502050405020303" pitchFamily="18" charset="0"/>
+                        </a:rPr>
+                        <a:t>#Rep = 4, B = 48</a:t>
+                      </a:r>
+                    </a:p>
+                  </a:txBody>
+                  <a:tcPr/>
+                </a:tc>
+                <a:tc>
+                  <a:txBody>
+                    <a:bodyPr/>
+                    <a:lstStyle/>
+                    <a:p>
+                      <a:r>
+                        <a:rPr lang="en-US" sz="2200" dirty="0">
+                          <a:latin typeface="Georgia" panose="02040502050405020303" pitchFamily="18" charset="0"/>
+                        </a:rPr>
+                        <a:t>70.17</a:t>
+                      </a:r>
+                    </a:p>
+                  </a:txBody>
+                  <a:tcPr/>
+                </a:tc>
+                <a:tc>
+                  <a:txBody>
+                    <a:bodyPr/>
+                    <a:lstStyle/>
+                    <a:p>
+                      <a:r>
+                        <a:rPr lang="en-US" sz="2200" dirty="0">
+                          <a:latin typeface="Georgia" panose="02040502050405020303" pitchFamily="18" charset="0"/>
+                        </a:rPr>
+                        <a:t>66.83</a:t>
+                      </a:r>
+                    </a:p>
+                  </a:txBody>
+                  <a:tcPr/>
+                </a:tc>
+                <a:extLst>
+                  <a:ext uri="{0D108BD9-81ED-4DB2-BD59-A6C34878D82A}">
+                    <a16:rowId xmlns:a16="http://schemas.microsoft.com/office/drawing/2014/main" val="390069978"/>
+                  </a:ext>
+                </a:extLst>
+              </a:tr>
+            </a:tbl>
+          </a:graphicData>
+        </a:graphic>
+      </p:graphicFrame>
+      <p:sp>
+        <p:nvSpPr>
+          <p:cNvPr id="40" name="TextBox 39">
+            <a:extLst>
+              <a:ext uri="{FF2B5EF4-FFF2-40B4-BE49-F238E27FC236}">
+                <a16:creationId xmlns:a16="http://schemas.microsoft.com/office/drawing/2014/main" id="{158155A4-AC1D-4727-A721-EC1E09BD39F7}"/>
+              </a:ext>
+            </a:extLst>
+          </p:cNvPr>
+          <p:cNvSpPr txBox="1"/>
+          <p:nvPr/>
+        </p:nvSpPr>
+        <p:spPr>
+          <a:xfrm>
+            <a:off x="6057472" y="21534082"/>
+            <a:ext cx="2627584" cy="369332"/>
+          </a:xfrm>
+          <a:prstGeom prst="rect">
+            <a:avLst/>
+          </a:prstGeom>
+          <a:noFill/>
+        </p:spPr>
+        <p:txBody>
+          <a:bodyPr wrap="square" rtlCol="0">
+            <a:spAutoFit/>
+          </a:bodyPr>
+          <a:lstStyle/>
+          <a:p>
+            <a:r>
+              <a:rPr lang="en-US" b="1" dirty="0"/>
+              <a:t>Figure 1.</a:t>
+            </a:r>
+            <a:r>
+              <a:rPr lang="en-US" dirty="0"/>
+              <a:t> </a:t>
+            </a:r>
+            <a:r>
+              <a:rPr lang="en-US" dirty="0" err="1"/>
+              <a:t>QANet</a:t>
+            </a:r>
+            <a:r>
+              <a:rPr lang="en-US" dirty="0"/>
+              <a:t> Diagram</a:t>
+            </a:r>
+          </a:p>
+        </p:txBody>
+      </p:sp>
+      <p:sp>
+        <p:nvSpPr>
+          <p:cNvPr id="41" name="TextBox 40">
+            <a:extLst>
+              <a:ext uri="{FF2B5EF4-FFF2-40B4-BE49-F238E27FC236}">
+                <a16:creationId xmlns:a16="http://schemas.microsoft.com/office/drawing/2014/main" id="{256F47B6-33C0-4DED-9E5E-F0EA2903E7DF}"/>
+              </a:ext>
+            </a:extLst>
+          </p:cNvPr>
+          <p:cNvSpPr txBox="1"/>
+          <p:nvPr/>
+        </p:nvSpPr>
+        <p:spPr>
+          <a:xfrm>
+            <a:off x="21581631" y="13486551"/>
+            <a:ext cx="1735569" cy="369332"/>
+          </a:xfrm>
+          <a:prstGeom prst="rect">
+            <a:avLst/>
+          </a:prstGeom>
+          <a:noFill/>
+        </p:spPr>
+        <p:txBody>
+          <a:bodyPr wrap="square" rtlCol="0">
+            <a:spAutoFit/>
+          </a:bodyPr>
+          <a:lstStyle/>
+          <a:p>
+            <a:r>
+              <a:rPr lang="en-US" b="1" dirty="0">
+                <a:latin typeface="Georgia" panose="02040502050405020303" pitchFamily="18" charset="0"/>
+              </a:rPr>
+              <a:t>Table 1. </a:t>
+            </a:r>
+            <a:r>
+              <a:rPr lang="en-US" dirty="0" err="1">
+                <a:latin typeface="Georgia" panose="02040502050405020303" pitchFamily="18" charset="0"/>
+              </a:rPr>
+              <a:t>AvNA</a:t>
+            </a:r>
+            <a:endParaRPr lang="en-US" dirty="0">
+              <a:latin typeface="Georgia" panose="02040502050405020303" pitchFamily="18" charset="0"/>
+            </a:endParaRPr>
+          </a:p>
+        </p:txBody>
+      </p:sp>
+      <p:sp>
+        <p:nvSpPr>
+          <p:cNvPr id="124" name="TextBox 123">
+            <a:extLst>
+              <a:ext uri="{FF2B5EF4-FFF2-40B4-BE49-F238E27FC236}">
+                <a16:creationId xmlns:a16="http://schemas.microsoft.com/office/drawing/2014/main" id="{AC98E057-D1CF-4B27-A2A3-3F27464001ED}"/>
+              </a:ext>
+            </a:extLst>
+          </p:cNvPr>
+          <p:cNvSpPr txBox="1"/>
+          <p:nvPr/>
+        </p:nvSpPr>
+        <p:spPr>
+          <a:xfrm>
+            <a:off x="19454648" y="16864576"/>
+            <a:ext cx="3910155" cy="369332"/>
+          </a:xfrm>
+          <a:prstGeom prst="rect">
+            <a:avLst/>
+          </a:prstGeom>
+          <a:noFill/>
+        </p:spPr>
+        <p:txBody>
+          <a:bodyPr wrap="square" rtlCol="0">
+            <a:spAutoFit/>
+          </a:bodyPr>
+          <a:lstStyle/>
+          <a:p>
+            <a:r>
+              <a:rPr lang="en-US" b="1" dirty="0">
+                <a:latin typeface="Georgia" panose="02040502050405020303" pitchFamily="18" charset="0"/>
+              </a:rPr>
+              <a:t>      Table 2. </a:t>
+            </a:r>
+            <a:r>
+              <a:rPr lang="en-US" dirty="0">
+                <a:latin typeface="Georgia" panose="02040502050405020303" pitchFamily="18" charset="0"/>
+              </a:rPr>
+              <a:t>Performance by Q Type</a:t>
+            </a:r>
+          </a:p>
+        </p:txBody>
+      </p:sp>
+      <p:sp>
+        <p:nvSpPr>
+          <p:cNvPr id="42" name="TextBox 41">
+            <a:extLst>
+              <a:ext uri="{FF2B5EF4-FFF2-40B4-BE49-F238E27FC236}">
+                <a16:creationId xmlns:a16="http://schemas.microsoft.com/office/drawing/2014/main" id="{F1027EFF-E699-4301-A97E-E93376E16421}"/>
+              </a:ext>
+            </a:extLst>
+          </p:cNvPr>
+          <p:cNvSpPr txBox="1"/>
+          <p:nvPr/>
+        </p:nvSpPr>
+        <p:spPr>
+          <a:xfrm>
+            <a:off x="25634975" y="4423549"/>
+            <a:ext cx="1524000" cy="369332"/>
+          </a:xfrm>
+          <a:prstGeom prst="rect">
+            <a:avLst/>
+          </a:prstGeom>
+          <a:noFill/>
+        </p:spPr>
+        <p:txBody>
+          <a:bodyPr wrap="square" rtlCol="0">
+            <a:spAutoFit/>
+          </a:bodyPr>
+          <a:lstStyle/>
+          <a:p>
+            <a:r>
+              <a:rPr lang="en-US" dirty="0">
+                <a:latin typeface="Georgia" panose="02040502050405020303" pitchFamily="18" charset="0"/>
+              </a:rPr>
+              <a:t>F1 Score</a:t>
+            </a:r>
+          </a:p>
+        </p:txBody>
+      </p:sp>
+      <p:sp>
+        <p:nvSpPr>
+          <p:cNvPr id="126" name="TextBox 125">
+            <a:extLst>
+              <a:ext uri="{FF2B5EF4-FFF2-40B4-BE49-F238E27FC236}">
+                <a16:creationId xmlns:a16="http://schemas.microsoft.com/office/drawing/2014/main" id="{E5D20448-E7CF-4F6D-9853-08A2737CEE59}"/>
+              </a:ext>
+            </a:extLst>
+          </p:cNvPr>
+          <p:cNvSpPr txBox="1"/>
+          <p:nvPr/>
+        </p:nvSpPr>
+        <p:spPr>
+          <a:xfrm>
+            <a:off x="29909730" y="4423549"/>
+            <a:ext cx="1524000" cy="369332"/>
+          </a:xfrm>
+          <a:prstGeom prst="rect">
+            <a:avLst/>
+          </a:prstGeom>
+          <a:noFill/>
+        </p:spPr>
+        <p:txBody>
+          <a:bodyPr wrap="square" rtlCol="0">
+            <a:spAutoFit/>
+          </a:bodyPr>
+          <a:lstStyle/>
+          <a:p>
+            <a:r>
+              <a:rPr lang="en-US" dirty="0">
+                <a:latin typeface="Georgia" panose="02040502050405020303" pitchFamily="18" charset="0"/>
+              </a:rPr>
+              <a:t>EM Score</a:t>
+            </a:r>
+          </a:p>
+        </p:txBody>
+      </p:sp>
+      <p:sp>
+        <p:nvSpPr>
+          <p:cNvPr id="43" name="TextBox 42">
+            <a:extLst>
+              <a:ext uri="{FF2B5EF4-FFF2-40B4-BE49-F238E27FC236}">
+                <a16:creationId xmlns:a16="http://schemas.microsoft.com/office/drawing/2014/main" id="{9FEA6BD8-980B-468E-8DA7-17D4B3579A59}"/>
+              </a:ext>
+            </a:extLst>
+          </p:cNvPr>
+          <p:cNvSpPr txBox="1"/>
+          <p:nvPr/>
+        </p:nvSpPr>
+        <p:spPr>
+          <a:xfrm>
+            <a:off x="24187331" y="8369300"/>
+            <a:ext cx="8262735" cy="769441"/>
+          </a:xfrm>
+          <a:prstGeom prst="rect">
+            <a:avLst/>
+          </a:prstGeom>
+          <a:noFill/>
+        </p:spPr>
+        <p:txBody>
+          <a:bodyPr wrap="square" rtlCol="0">
+            <a:spAutoFit/>
+          </a:bodyPr>
+          <a:lstStyle/>
+          <a:p>
+            <a:r>
+              <a:rPr lang="en-US" sz="2200" dirty="0">
+                <a:latin typeface="Georgia" panose="02040502050405020303" pitchFamily="18" charset="0"/>
+              </a:rPr>
+              <a:t>The final model?? Description…….</a:t>
+            </a:r>
+          </a:p>
+          <a:p>
+            <a:r>
+              <a:rPr lang="en-US" sz="2200" dirty="0">
+                <a:latin typeface="Georgia" panose="02040502050405020303" pitchFamily="18" charset="0"/>
+              </a:rPr>
+              <a:t>Comparison with baseline and </a:t>
+            </a:r>
+            <a:r>
+              <a:rPr lang="en-US" sz="2200" dirty="0" err="1">
+                <a:latin typeface="Georgia" panose="02040502050405020303" pitchFamily="18" charset="0"/>
+              </a:rPr>
+              <a:t>bidaf</a:t>
+            </a:r>
+            <a:r>
+              <a:rPr lang="en-US" sz="2200" dirty="0">
+                <a:latin typeface="Georgia" panose="02040502050405020303" pitchFamily="18" charset="0"/>
+              </a:rPr>
+              <a:t> w</a:t>
+            </a:r>
+            <a:r>
+              <a:rPr lang="en-US" sz="2200">
+                <a:latin typeface="Georgia" panose="02040502050405020303" pitchFamily="18" charset="0"/>
+              </a:rPr>
+              <a:t>/Char</a:t>
+            </a:r>
+            <a:endParaRPr lang="en-US" sz="2200" dirty="0">
+              <a:latin typeface="Georgia" panose="02040502050405020303" pitchFamily="18" charset="0"/>
+            </a:endParaRPr>
           </a:p>
         </p:txBody>
       </p:sp>

--- a/Poster.pptx
+++ b/Poster.pptx
@@ -11901,7 +11901,7 @@
           <p:nvPr>
             <p:extLst>
               <p:ext uri="{D42A27DB-BD31-4B8C-83A1-F6EECF244321}">
-                <p14:modId xmlns:p14="http://schemas.microsoft.com/office/powerpoint/2010/main" val="3053323528"/>
+                <p14:modId xmlns:p14="http://schemas.microsoft.com/office/powerpoint/2010/main" val="1786697283"/>
               </p:ext>
             </p:extLst>
           </p:nvPr>
@@ -12116,7 +12116,7 @@
                         <a:rPr lang="en-US" sz="2200" b="1" dirty="0">
                           <a:latin typeface="Georgia" panose="02040502050405020303" pitchFamily="18" charset="0"/>
                         </a:rPr>
-                        <a:t>0.001</a:t>
+                        <a:t>0.001*</a:t>
                       </a:r>
                     </a:p>
                   </a:txBody>
@@ -12303,7 +12303,7 @@
                         <a:rPr lang="en-US" sz="2200" b="1" dirty="0">
                           <a:latin typeface="Georgia" panose="02040502050405020303" pitchFamily="18" charset="0"/>
                         </a:rPr>
-                        <a:t>0.1</a:t>
+                        <a:t>0.1*</a:t>
                       </a:r>
                     </a:p>
                   </a:txBody>
@@ -12489,7 +12489,7 @@
                         <a:rPr lang="en-US" sz="2200" dirty="0">
                           <a:latin typeface="Georgia" panose="02040502050405020303" pitchFamily="18" charset="0"/>
                         </a:rPr>
-                        <a:t>#Rep = 7, B = 30</a:t>
+                        <a:t>#Rep = 7, B = 30*</a:t>
                       </a:r>
                     </a:p>
                   </a:txBody>
@@ -12500,9 +12500,12 @@
                     <a:bodyPr/>
                     <a:lstStyle/>
                     <a:p>
-                      <a:endParaRPr lang="en-US" sz="2200" dirty="0">
-                        <a:latin typeface="Georgia" panose="02040502050405020303" pitchFamily="18" charset="0"/>
-                      </a:endParaRPr>
+                      <a:r>
+                        <a:rPr lang="en-US" sz="2200" dirty="0">
+                          <a:latin typeface="Georgia" panose="02040502050405020303" pitchFamily="18" charset="0"/>
+                        </a:rPr>
+                        <a:t>70.17</a:t>
+                      </a:r>
                     </a:p>
                   </a:txBody>
                   <a:tcPr/>
@@ -12512,9 +12515,12 @@
                     <a:bodyPr/>
                     <a:lstStyle/>
                     <a:p>
-                      <a:endParaRPr lang="en-US" sz="2200" dirty="0">
-                        <a:latin typeface="Georgia" panose="02040502050405020303" pitchFamily="18" charset="0"/>
-                      </a:endParaRPr>
+                      <a:r>
+                        <a:rPr lang="en-US" sz="2200" dirty="0">
+                          <a:latin typeface="Georgia" panose="02040502050405020303" pitchFamily="18" charset="0"/>
+                        </a:rPr>
+                        <a:t>66.81</a:t>
+                      </a:r>
                     </a:p>
                   </a:txBody>
                   <a:tcPr/>
@@ -12712,8 +12718,8 @@
         </p:nvSpPr>
         <p:spPr>
           <a:xfrm>
-            <a:off x="21581631" y="13486551"/>
-            <a:ext cx="1735569" cy="369332"/>
+            <a:off x="21526501" y="13486551"/>
+            <a:ext cx="1790700" cy="369332"/>
           </a:xfrm>
           <a:prstGeom prst="rect">
             <a:avLst/>
@@ -12730,7 +12736,7 @@
               <a:rPr lang="en-US" b="1" dirty="0">
                 <a:latin typeface="Georgia" panose="02040502050405020303" pitchFamily="18" charset="0"/>
               </a:rPr>
-              <a:t>Table 1. </a:t>
+              <a:t>Table 2. </a:t>
             </a:r>
             <a:r>
               <a:rPr lang="en-US" dirty="0" err="1">
@@ -12776,7 +12782,7 @@
               <a:rPr lang="en-US" b="1" dirty="0">
                 <a:latin typeface="Georgia" panose="02040502050405020303" pitchFamily="18" charset="0"/>
               </a:rPr>
-              <a:t>      Table 2. </a:t>
+              <a:t>      Table 3. </a:t>
             </a:r>
             <a:r>
               <a:rPr lang="en-US" dirty="0">
@@ -12913,17 +12919,96 @@
               <a:rPr lang="en-US" sz="2200" dirty="0">
                 <a:latin typeface="Georgia" panose="02040502050405020303" pitchFamily="18" charset="0"/>
               </a:rPr>
-              <a:t> w</a:t>
-            </a:r>
-            <a:r>
-              <a:rPr lang="en-US" sz="2200">
-                <a:latin typeface="Georgia" panose="02040502050405020303" pitchFamily="18" charset="0"/>
-              </a:rPr>
-              <a:t>/Char</a:t>
-            </a:r>
-            <a:endParaRPr lang="en-US" sz="2200" dirty="0">
-              <a:latin typeface="Georgia" panose="02040502050405020303" pitchFamily="18" charset="0"/>
-            </a:endParaRPr>
+              <a:t> w/Char</a:t>
+            </a:r>
+          </a:p>
+        </p:txBody>
+      </p:sp>
+      <p:sp>
+        <p:nvSpPr>
+          <p:cNvPr id="44" name="TextBox 43">
+            <a:extLst>
+              <a:ext uri="{FF2B5EF4-FFF2-40B4-BE49-F238E27FC236}">
+                <a16:creationId xmlns:a16="http://schemas.microsoft.com/office/drawing/2014/main" id="{9DD3AE71-E9C9-4EBE-9B22-1A6EA8B65399}"/>
+              </a:ext>
+            </a:extLst>
+          </p:cNvPr>
+          <p:cNvSpPr txBox="1"/>
+          <p:nvPr/>
+        </p:nvSpPr>
+        <p:spPr>
+          <a:xfrm>
+            <a:off x="9626600" y="9083312"/>
+            <a:ext cx="7565696" cy="1785104"/>
+          </a:xfrm>
+          <a:prstGeom prst="rect">
+            <a:avLst/>
+          </a:prstGeom>
+          <a:noFill/>
+        </p:spPr>
+        <p:txBody>
+          <a:bodyPr wrap="square" rtlCol="0">
+            <a:spAutoFit/>
+          </a:bodyPr>
+          <a:lstStyle/>
+          <a:p>
+            <a:r>
+              <a:rPr lang="en-US" sz="2200" dirty="0">
+                <a:latin typeface="Georgia" panose="02040502050405020303" pitchFamily="18" charset="0"/>
+              </a:rPr>
+              <a:t>*Default training param. </a:t>
+            </a:r>
+          </a:p>
+          <a:p>
+            <a:r>
+              <a:rPr lang="en-US" sz="2200" dirty="0">
+                <a:latin typeface="Georgia" panose="02040502050405020303" pitchFamily="18" charset="0"/>
+              </a:rPr>
+              <a:t>Note: due to time constraint, tuning was done in sequence. We started with learning rate, used the best learning rate to tune on dropout probability, and used the best learning rate and dropout probability to tune batch size and repetitions. </a:t>
+            </a:r>
+          </a:p>
+        </p:txBody>
+      </p:sp>
+      <p:sp>
+        <p:nvSpPr>
+          <p:cNvPr id="129" name="TextBox 128">
+            <a:extLst>
+              <a:ext uri="{FF2B5EF4-FFF2-40B4-BE49-F238E27FC236}">
+                <a16:creationId xmlns:a16="http://schemas.microsoft.com/office/drawing/2014/main" id="{2BA41BC4-1CEA-4402-B7C5-1B0E6D22FE35}"/>
+              </a:ext>
+            </a:extLst>
+          </p:cNvPr>
+          <p:cNvSpPr txBox="1"/>
+          <p:nvPr/>
+        </p:nvSpPr>
+        <p:spPr>
+          <a:xfrm>
+            <a:off x="14198601" y="8862289"/>
+            <a:ext cx="2993696" cy="369332"/>
+          </a:xfrm>
+          <a:prstGeom prst="rect">
+            <a:avLst/>
+          </a:prstGeom>
+          <a:noFill/>
+        </p:spPr>
+        <p:txBody>
+          <a:bodyPr wrap="square" rtlCol="0">
+            <a:spAutoFit/>
+          </a:bodyPr>
+          <a:lstStyle/>
+          <a:p>
+            <a:r>
+              <a:rPr lang="en-US" b="1" dirty="0">
+                <a:latin typeface="Georgia" panose="02040502050405020303" pitchFamily="18" charset="0"/>
+              </a:rPr>
+              <a:t>Table 1. </a:t>
+            </a:r>
+            <a:r>
+              <a:rPr lang="en-US" dirty="0">
+                <a:latin typeface="Georgia" panose="02040502050405020303" pitchFamily="18" charset="0"/>
+              </a:rPr>
+              <a:t>Parameter Tuning</a:t>
+            </a:r>
           </a:p>
         </p:txBody>
       </p:sp>

--- a/Poster.pptx
+++ b/Poster.pptx
@@ -3776,7 +3776,7 @@
         </p:nvSpPr>
         <p:spPr>
           <a:xfrm>
-            <a:off x="9604983" y="11150259"/>
+            <a:off x="9604983" y="11112159"/>
             <a:ext cx="13716000" cy="838200"/>
           </a:xfrm>
           <a:prstGeom prst="rect">
@@ -4140,13 +4140,13 @@
           <p:nvPr>
             <p:extLst>
               <p:ext uri="{D42A27DB-BD31-4B8C-83A1-F6EECF244321}">
-                <p14:modId xmlns:p14="http://schemas.microsoft.com/office/powerpoint/2010/main" val="3299354392"/>
+                <p14:modId xmlns:p14="http://schemas.microsoft.com/office/powerpoint/2010/main" val="3784159273"/>
               </p:ext>
             </p:extLst>
           </p:nvPr>
         </p:nvGraphicFramePr>
         <p:xfrm>
-          <a:off x="16472508" y="12162764"/>
+          <a:off x="16472508" y="12124664"/>
           <a:ext cx="6871275" cy="1280160"/>
         </p:xfrm>
         <a:graphic>
@@ -8521,7 +8521,7 @@
               <a:rPr lang="en-US" sz="4000" dirty="0">
                 <a:latin typeface="Georgia" panose="02040502050405020303" pitchFamily="18" charset="0"/>
               </a:rPr>
-              <a:t>   Future Works</a:t>
+              <a:t>   Future Work</a:t>
             </a:r>
           </a:p>
         </p:txBody>
@@ -8540,7 +8540,7 @@
         </p:nvSpPr>
         <p:spPr>
           <a:xfrm>
-            <a:off x="9604983" y="12063425"/>
+            <a:off x="9604983" y="12025325"/>
             <a:ext cx="6563620" cy="1446550"/>
           </a:xfrm>
           <a:prstGeom prst="rect">
@@ -8608,13 +8608,13 @@
           <p:nvPr>
             <p:extLst>
               <p:ext uri="{D42A27DB-BD31-4B8C-83A1-F6EECF244321}">
-                <p14:modId xmlns:p14="http://schemas.microsoft.com/office/powerpoint/2010/main" val="744857822"/>
+                <p14:modId xmlns:p14="http://schemas.microsoft.com/office/powerpoint/2010/main" val="4027371242"/>
               </p:ext>
             </p:extLst>
           </p:nvPr>
         </p:nvGraphicFramePr>
         <p:xfrm>
-          <a:off x="9769315" y="15075698"/>
+          <a:off x="9769315" y="15037598"/>
           <a:ext cx="13595013" cy="1706880"/>
         </p:xfrm>
         <a:graphic>
@@ -10963,7 +10963,7 @@
         </p:nvSpPr>
         <p:spPr>
           <a:xfrm>
-            <a:off x="9638843" y="13549620"/>
+            <a:off x="9638843" y="13511520"/>
             <a:ext cx="13695454" cy="1446550"/>
           </a:xfrm>
           <a:prstGeom prst="rect">
@@ -11024,7 +11024,7 @@
         </p:nvSpPr>
         <p:spPr>
           <a:xfrm>
-            <a:off x="12764852" y="14936576"/>
+            <a:off x="12764852" y="14898476"/>
             <a:ext cx="1328057" cy="1941793"/>
           </a:xfrm>
           <a:prstGeom prst="roundRect">
@@ -11072,7 +11072,7 @@
         </p:nvSpPr>
         <p:spPr>
           <a:xfrm>
-            <a:off x="18801251" y="14958241"/>
+            <a:off x="18801251" y="14920141"/>
             <a:ext cx="1328057" cy="1941793"/>
           </a:xfrm>
           <a:prstGeom prst="roundRect">
@@ -11124,7 +11124,7 @@
         </p:nvSpPr>
         <p:spPr>
           <a:xfrm>
-            <a:off x="9606894" y="17039873"/>
+            <a:off x="9606894" y="17001773"/>
             <a:ext cx="13695454" cy="4832092"/>
           </a:xfrm>
           <a:prstGeom prst="rect">
@@ -11901,7 +11901,7 @@
           <p:nvPr>
             <p:extLst>
               <p:ext uri="{D42A27DB-BD31-4B8C-83A1-F6EECF244321}">
-                <p14:modId xmlns:p14="http://schemas.microsoft.com/office/powerpoint/2010/main" val="1786697283"/>
+                <p14:modId xmlns:p14="http://schemas.microsoft.com/office/powerpoint/2010/main" val="1176680530"/>
               </p:ext>
             </p:extLst>
           </p:nvPr>
@@ -12127,9 +12127,12 @@
                     <a:bodyPr/>
                     <a:lstStyle/>
                     <a:p>
-                      <a:endParaRPr lang="en-US" sz="2200" dirty="0">
-                        <a:latin typeface="Georgia" panose="02040502050405020303" pitchFamily="18" charset="0"/>
-                      </a:endParaRPr>
+                      <a:r>
+                        <a:rPr lang="en-US" sz="2200" dirty="0">
+                          <a:latin typeface="Georgia" panose="02040502050405020303" pitchFamily="18" charset="0"/>
+                        </a:rPr>
+                        <a:t>69.17</a:t>
+                      </a:r>
                     </a:p>
                   </a:txBody>
                   <a:tcPr/>
@@ -12139,9 +12142,12 @@
                     <a:bodyPr/>
                     <a:lstStyle/>
                     <a:p>
-                      <a:endParaRPr lang="en-US" sz="2200">
-                        <a:latin typeface="Georgia" panose="02040502050405020303" pitchFamily="18" charset="0"/>
-                      </a:endParaRPr>
+                      <a:r>
+                        <a:rPr lang="en-US" sz="2200" dirty="0">
+                          <a:latin typeface="Georgia" panose="02040502050405020303" pitchFamily="18" charset="0"/>
+                        </a:rPr>
+                        <a:t>66.82</a:t>
+                      </a:r>
                     </a:p>
                   </a:txBody>
                   <a:tcPr/>
@@ -12185,9 +12191,12 @@
                     <a:bodyPr/>
                     <a:lstStyle/>
                     <a:p>
-                      <a:endParaRPr lang="en-US" sz="2200" dirty="0">
-                        <a:latin typeface="Georgia" panose="02040502050405020303" pitchFamily="18" charset="0"/>
-                      </a:endParaRPr>
+                      <a:r>
+                        <a:rPr lang="en-US" sz="2200" dirty="0">
+                          <a:latin typeface="Georgia" panose="02040502050405020303" pitchFamily="18" charset="0"/>
+                        </a:rPr>
+                        <a:t>52.19</a:t>
+                      </a:r>
                     </a:p>
                   </a:txBody>
                   <a:tcPr/>
@@ -12197,9 +12206,12 @@
                     <a:bodyPr/>
                     <a:lstStyle/>
                     <a:p>
-                      <a:endParaRPr lang="en-US" sz="2200" dirty="0">
-                        <a:latin typeface="Georgia" panose="02040502050405020303" pitchFamily="18" charset="0"/>
-                      </a:endParaRPr>
+                      <a:r>
+                        <a:rPr lang="en-US" sz="2200" dirty="0">
+                          <a:latin typeface="Georgia" panose="02040502050405020303" pitchFamily="18" charset="0"/>
+                        </a:rPr>
+                        <a:t>52.19</a:t>
+                      </a:r>
                     </a:p>
                   </a:txBody>
                   <a:tcPr/>
@@ -12718,7 +12730,7 @@
         </p:nvSpPr>
         <p:spPr>
           <a:xfrm>
-            <a:off x="21526501" y="13486551"/>
+            <a:off x="21526501" y="13448451"/>
             <a:ext cx="1790700" cy="369332"/>
           </a:xfrm>
           <a:prstGeom prst="rect">
@@ -12764,7 +12776,7 @@
         </p:nvSpPr>
         <p:spPr>
           <a:xfrm>
-            <a:off x="19454648" y="16864576"/>
+            <a:off x="19454648" y="16826476"/>
             <a:ext cx="3910155" cy="369332"/>
           </a:xfrm>
           <a:prstGeom prst="rect">
@@ -12926,51 +12938,6 @@
       </p:sp>
       <p:sp>
         <p:nvSpPr>
-          <p:cNvPr id="44" name="TextBox 43">
-            <a:extLst>
-              <a:ext uri="{FF2B5EF4-FFF2-40B4-BE49-F238E27FC236}">
-                <a16:creationId xmlns:a16="http://schemas.microsoft.com/office/drawing/2014/main" id="{9DD3AE71-E9C9-4EBE-9B22-1A6EA8B65399}"/>
-              </a:ext>
-            </a:extLst>
-          </p:cNvPr>
-          <p:cNvSpPr txBox="1"/>
-          <p:nvPr/>
-        </p:nvSpPr>
-        <p:spPr>
-          <a:xfrm>
-            <a:off x="9626600" y="9083312"/>
-            <a:ext cx="7565696" cy="1785104"/>
-          </a:xfrm>
-          <a:prstGeom prst="rect">
-            <a:avLst/>
-          </a:prstGeom>
-          <a:noFill/>
-        </p:spPr>
-        <p:txBody>
-          <a:bodyPr wrap="square" rtlCol="0">
-            <a:spAutoFit/>
-          </a:bodyPr>
-          <a:lstStyle/>
-          <a:p>
-            <a:r>
-              <a:rPr lang="en-US" sz="2200" dirty="0">
-                <a:latin typeface="Georgia" panose="02040502050405020303" pitchFamily="18" charset="0"/>
-              </a:rPr>
-              <a:t>*Default training param. </a:t>
-            </a:r>
-          </a:p>
-          <a:p>
-            <a:r>
-              <a:rPr lang="en-US" sz="2200" dirty="0">
-                <a:latin typeface="Georgia" panose="02040502050405020303" pitchFamily="18" charset="0"/>
-              </a:rPr>
-              <a:t>Note: due to time constraint, tuning was done in sequence. We started with learning rate, used the best learning rate to tune on dropout probability, and used the best learning rate and dropout probability to tune batch size and repetitions. </a:t>
-            </a:r>
-          </a:p>
-        </p:txBody>
-      </p:sp>
-      <p:sp>
-        <p:nvSpPr>
           <p:cNvPr id="129" name="TextBox 128">
             <a:extLst>
               <a:ext uri="{FF2B5EF4-FFF2-40B4-BE49-F238E27FC236}">
@@ -12983,8 +12950,8 @@
         </p:nvSpPr>
         <p:spPr>
           <a:xfrm>
-            <a:off x="14198601" y="8862289"/>
-            <a:ext cx="2993696" cy="369332"/>
+            <a:off x="11544299" y="8862289"/>
+            <a:ext cx="5647997" cy="369332"/>
           </a:xfrm>
           <a:prstGeom prst="rect">
             <a:avLst/>
@@ -13007,7 +12974,449 @@
               <a:rPr lang="en-US" dirty="0">
                 <a:latin typeface="Georgia" panose="02040502050405020303" pitchFamily="18" charset="0"/>
               </a:rPr>
-              <a:t>Parameter Tuning</a:t>
+              <a:t>Parameter Tuning (*Default training param)</a:t>
+            </a:r>
+          </a:p>
+        </p:txBody>
+      </p:sp>
+      <p:sp>
+        <p:nvSpPr>
+          <p:cNvPr id="45" name="Oval 44">
+            <a:extLst>
+              <a:ext uri="{FF2B5EF4-FFF2-40B4-BE49-F238E27FC236}">
+                <a16:creationId xmlns:a16="http://schemas.microsoft.com/office/drawing/2014/main" id="{14488D7F-F5F8-45B6-9047-AF89D16B83CA}"/>
+              </a:ext>
+            </a:extLst>
+          </p:cNvPr>
+          <p:cNvSpPr/>
+          <p:nvPr/>
+        </p:nvSpPr>
+        <p:spPr>
+          <a:xfrm>
+            <a:off x="17626599" y="5057348"/>
+            <a:ext cx="1916932" cy="790834"/>
+          </a:xfrm>
+          <a:prstGeom prst="ellipse">
+            <a:avLst/>
+          </a:prstGeom>
+          <a:solidFill>
+            <a:srgbClr val="DD9D4F"/>
+          </a:solidFill>
+        </p:spPr>
+        <p:style>
+          <a:lnRef idx="2">
+            <a:schemeClr val="accent1">
+              <a:shade val="50000"/>
+            </a:schemeClr>
+          </a:lnRef>
+          <a:fillRef idx="1">
+            <a:schemeClr val="accent1"/>
+          </a:fillRef>
+          <a:effectRef idx="0">
+            <a:schemeClr val="accent1"/>
+          </a:effectRef>
+          <a:fontRef idx="minor">
+            <a:schemeClr val="lt1"/>
+          </a:fontRef>
+        </p:style>
+        <p:txBody>
+          <a:bodyPr rtlCol="0" anchor="ctr"/>
+          <a:lstStyle/>
+          <a:p>
+            <a:pPr algn="ctr"/>
+            <a:r>
+              <a:rPr lang="en-US" sz="2000" dirty="0">
+                <a:latin typeface="Georgia" panose="02040502050405020303" pitchFamily="18" charset="0"/>
+              </a:rPr>
+              <a:t>Learning Rate</a:t>
+            </a:r>
+          </a:p>
+        </p:txBody>
+      </p:sp>
+      <p:sp>
+        <p:nvSpPr>
+          <p:cNvPr id="131" name="Oval 130">
+            <a:extLst>
+              <a:ext uri="{FF2B5EF4-FFF2-40B4-BE49-F238E27FC236}">
+                <a16:creationId xmlns:a16="http://schemas.microsoft.com/office/drawing/2014/main" id="{6B35AD20-4B35-43DB-9FBD-17F2D8E900CE}"/>
+              </a:ext>
+            </a:extLst>
+          </p:cNvPr>
+          <p:cNvSpPr/>
+          <p:nvPr/>
+        </p:nvSpPr>
+        <p:spPr>
+          <a:xfrm>
+            <a:off x="19166693" y="5762131"/>
+            <a:ext cx="1916932" cy="790835"/>
+          </a:xfrm>
+          <a:prstGeom prst="ellipse">
+            <a:avLst/>
+          </a:prstGeom>
+          <a:solidFill>
+            <a:srgbClr val="DD9D4F"/>
+          </a:solidFill>
+        </p:spPr>
+        <p:style>
+          <a:lnRef idx="2">
+            <a:schemeClr val="accent1">
+              <a:shade val="50000"/>
+            </a:schemeClr>
+          </a:lnRef>
+          <a:fillRef idx="1">
+            <a:schemeClr val="accent1"/>
+          </a:fillRef>
+          <a:effectRef idx="0">
+            <a:schemeClr val="accent1"/>
+          </a:effectRef>
+          <a:fontRef idx="minor">
+            <a:schemeClr val="lt1"/>
+          </a:fontRef>
+        </p:style>
+        <p:txBody>
+          <a:bodyPr rtlCol="0" anchor="ctr"/>
+          <a:lstStyle/>
+          <a:p>
+            <a:pPr algn="ctr"/>
+            <a:r>
+              <a:rPr lang="en-US" sz="2000" dirty="0">
+                <a:latin typeface="Georgia" panose="02040502050405020303" pitchFamily="18" charset="0"/>
+              </a:rPr>
+              <a:t>Dropout Prob</a:t>
+            </a:r>
+          </a:p>
+        </p:txBody>
+      </p:sp>
+      <p:sp>
+        <p:nvSpPr>
+          <p:cNvPr id="132" name="Oval 131">
+            <a:extLst>
+              <a:ext uri="{FF2B5EF4-FFF2-40B4-BE49-F238E27FC236}">
+                <a16:creationId xmlns:a16="http://schemas.microsoft.com/office/drawing/2014/main" id="{7648CF64-DD3E-4A4B-907B-FFB2E2DB62A5}"/>
+              </a:ext>
+            </a:extLst>
+          </p:cNvPr>
+          <p:cNvSpPr/>
+          <p:nvPr/>
+        </p:nvSpPr>
+        <p:spPr>
+          <a:xfrm>
+            <a:off x="20803077" y="6538466"/>
+            <a:ext cx="1916932" cy="790835"/>
+          </a:xfrm>
+          <a:prstGeom prst="ellipse">
+            <a:avLst/>
+          </a:prstGeom>
+          <a:solidFill>
+            <a:srgbClr val="DD9D4F"/>
+          </a:solidFill>
+        </p:spPr>
+        <p:style>
+          <a:lnRef idx="2">
+            <a:schemeClr val="accent1">
+              <a:shade val="50000"/>
+            </a:schemeClr>
+          </a:lnRef>
+          <a:fillRef idx="1">
+            <a:schemeClr val="accent1"/>
+          </a:fillRef>
+          <a:effectRef idx="0">
+            <a:schemeClr val="accent1"/>
+          </a:effectRef>
+          <a:fontRef idx="minor">
+            <a:schemeClr val="lt1"/>
+          </a:fontRef>
+        </p:style>
+        <p:txBody>
+          <a:bodyPr rtlCol="0" anchor="ctr"/>
+          <a:lstStyle/>
+          <a:p>
+            <a:pPr algn="ctr"/>
+            <a:r>
+              <a:rPr lang="en-US" sz="2000" dirty="0">
+                <a:latin typeface="Georgia" panose="02040502050405020303" pitchFamily="18" charset="0"/>
+              </a:rPr>
+              <a:t>Batch Size ~ Rep</a:t>
+            </a:r>
+          </a:p>
+        </p:txBody>
+      </p:sp>
+      <p:sp>
+        <p:nvSpPr>
+          <p:cNvPr id="46" name="TextBox 45">
+            <a:extLst>
+              <a:ext uri="{FF2B5EF4-FFF2-40B4-BE49-F238E27FC236}">
+                <a16:creationId xmlns:a16="http://schemas.microsoft.com/office/drawing/2014/main" id="{1B01E0CB-7406-4FB8-B8B9-36E94696A4EE}"/>
+              </a:ext>
+            </a:extLst>
+          </p:cNvPr>
+          <p:cNvSpPr txBox="1"/>
+          <p:nvPr/>
+        </p:nvSpPr>
+        <p:spPr>
+          <a:xfrm>
+            <a:off x="17508731" y="4519765"/>
+            <a:ext cx="5436057" cy="430887"/>
+          </a:xfrm>
+          <a:prstGeom prst="rect">
+            <a:avLst/>
+          </a:prstGeom>
+          <a:noFill/>
+        </p:spPr>
+        <p:txBody>
+          <a:bodyPr wrap="square" rtlCol="0">
+            <a:spAutoFit/>
+          </a:bodyPr>
+          <a:lstStyle/>
+          <a:p>
+            <a:r>
+              <a:rPr lang="en-US" sz="2200" dirty="0">
+                <a:latin typeface="Georgia" panose="02040502050405020303" pitchFamily="18" charset="0"/>
+              </a:rPr>
+              <a:t>Tuning Sequence (due to time constraint)</a:t>
+            </a:r>
+          </a:p>
+        </p:txBody>
+      </p:sp>
+      <p:cxnSp>
+        <p:nvCxnSpPr>
+          <p:cNvPr id="48" name="Connector: Curved 47">
+            <a:extLst>
+              <a:ext uri="{FF2B5EF4-FFF2-40B4-BE49-F238E27FC236}">
+                <a16:creationId xmlns:a16="http://schemas.microsoft.com/office/drawing/2014/main" id="{A3CCDC7B-3D22-4318-BFE5-763818259C1D}"/>
+              </a:ext>
+            </a:extLst>
+          </p:cNvPr>
+          <p:cNvCxnSpPr>
+            <a:cxnSpLocks/>
+            <a:stCxn id="45" idx="6"/>
+            <a:endCxn id="131" idx="0"/>
+          </p:cNvCxnSpPr>
+          <p:nvPr/>
+        </p:nvCxnSpPr>
+        <p:spPr>
+          <a:xfrm>
+            <a:off x="19543531" y="5452765"/>
+            <a:ext cx="581628" cy="309366"/>
+          </a:xfrm>
+          <a:prstGeom prst="curvedConnector2">
+            <a:avLst/>
+          </a:prstGeom>
+          <a:ln>
+            <a:tailEnd type="triangle"/>
+          </a:ln>
+        </p:spPr>
+        <p:style>
+          <a:lnRef idx="1">
+            <a:schemeClr val="dk1"/>
+          </a:lnRef>
+          <a:fillRef idx="0">
+            <a:schemeClr val="dk1"/>
+          </a:fillRef>
+          <a:effectRef idx="0">
+            <a:schemeClr val="dk1"/>
+          </a:effectRef>
+          <a:fontRef idx="minor">
+            <a:schemeClr val="tx1"/>
+          </a:fontRef>
+        </p:style>
+      </p:cxnSp>
+      <p:sp>
+        <p:nvSpPr>
+          <p:cNvPr id="49" name="TextBox 48">
+            <a:extLst>
+              <a:ext uri="{FF2B5EF4-FFF2-40B4-BE49-F238E27FC236}">
+                <a16:creationId xmlns:a16="http://schemas.microsoft.com/office/drawing/2014/main" id="{570AECEA-8696-4821-A153-C574872C11E2}"/>
+              </a:ext>
+            </a:extLst>
+          </p:cNvPr>
+          <p:cNvSpPr txBox="1"/>
+          <p:nvPr/>
+        </p:nvSpPr>
+        <p:spPr>
+          <a:xfrm>
+            <a:off x="19794550" y="5189592"/>
+            <a:ext cx="1973250" cy="400110"/>
+          </a:xfrm>
+          <a:prstGeom prst="rect">
+            <a:avLst/>
+          </a:prstGeom>
+          <a:noFill/>
+        </p:spPr>
+        <p:txBody>
+          <a:bodyPr wrap="square" rtlCol="0">
+            <a:spAutoFit/>
+          </a:bodyPr>
+          <a:lstStyle/>
+          <a:p>
+            <a:r>
+              <a:rPr lang="en-US" sz="2000" dirty="0">
+                <a:latin typeface="Georgia" panose="02040502050405020303" pitchFamily="18" charset="0"/>
+              </a:rPr>
+              <a:t>Best LR Param</a:t>
+            </a:r>
+          </a:p>
+        </p:txBody>
+      </p:sp>
+      <p:cxnSp>
+        <p:nvCxnSpPr>
+          <p:cNvPr id="53" name="Connector: Curved 52">
+            <a:extLst>
+              <a:ext uri="{FF2B5EF4-FFF2-40B4-BE49-F238E27FC236}">
+                <a16:creationId xmlns:a16="http://schemas.microsoft.com/office/drawing/2014/main" id="{B9C36591-B605-449C-848E-0DC66F886D7C}"/>
+              </a:ext>
+            </a:extLst>
+          </p:cNvPr>
+          <p:cNvCxnSpPr>
+            <a:cxnSpLocks/>
+            <a:stCxn id="131" idx="6"/>
+            <a:endCxn id="132" idx="0"/>
+          </p:cNvCxnSpPr>
+          <p:nvPr/>
+        </p:nvCxnSpPr>
+        <p:spPr>
+          <a:xfrm>
+            <a:off x="21083625" y="6157549"/>
+            <a:ext cx="677918" cy="380917"/>
+          </a:xfrm>
+          <a:prstGeom prst="curvedConnector2">
+            <a:avLst/>
+          </a:prstGeom>
+          <a:ln>
+            <a:tailEnd type="triangle"/>
+          </a:ln>
+        </p:spPr>
+        <p:style>
+          <a:lnRef idx="1">
+            <a:schemeClr val="dk1"/>
+          </a:lnRef>
+          <a:fillRef idx="0">
+            <a:schemeClr val="dk1"/>
+          </a:fillRef>
+          <a:effectRef idx="0">
+            <a:schemeClr val="dk1"/>
+          </a:effectRef>
+          <a:fontRef idx="minor">
+            <a:schemeClr val="tx1"/>
+          </a:fontRef>
+        </p:style>
+      </p:cxnSp>
+      <p:sp>
+        <p:nvSpPr>
+          <p:cNvPr id="159" name="TextBox 158">
+            <a:extLst>
+              <a:ext uri="{FF2B5EF4-FFF2-40B4-BE49-F238E27FC236}">
+                <a16:creationId xmlns:a16="http://schemas.microsoft.com/office/drawing/2014/main" id="{EDFC89A4-CF8B-497F-8B13-4E88081968BF}"/>
+              </a:ext>
+            </a:extLst>
+          </p:cNvPr>
+          <p:cNvSpPr txBox="1"/>
+          <p:nvPr/>
+        </p:nvSpPr>
+        <p:spPr>
+          <a:xfrm>
+            <a:off x="21524848" y="5733895"/>
+            <a:ext cx="1716152" cy="646331"/>
+          </a:xfrm>
+          <a:prstGeom prst="rect">
+            <a:avLst/>
+          </a:prstGeom>
+          <a:noFill/>
+        </p:spPr>
+        <p:txBody>
+          <a:bodyPr wrap="square">
+            <a:spAutoFit/>
+          </a:bodyPr>
+          <a:lstStyle/>
+          <a:p>
+            <a:r>
+              <a:rPr lang="en-US" sz="1800" dirty="0">
+                <a:latin typeface="Georgia" panose="02040502050405020303" pitchFamily="18" charset="0"/>
+              </a:rPr>
+              <a:t>Best </a:t>
+            </a:r>
+            <a:r>
+              <a:rPr lang="en-US" sz="1800" dirty="0" err="1">
+                <a:latin typeface="Georgia" panose="02040502050405020303" pitchFamily="18" charset="0"/>
+              </a:rPr>
+              <a:t>LR+Drop</a:t>
+            </a:r>
+            <a:r>
+              <a:rPr lang="en-US" sz="1800" dirty="0">
+                <a:latin typeface="Georgia" panose="02040502050405020303" pitchFamily="18" charset="0"/>
+              </a:rPr>
+              <a:t> Params</a:t>
+            </a:r>
+            <a:endParaRPr lang="en-US" dirty="0"/>
+          </a:p>
+        </p:txBody>
+      </p:sp>
+      <p:sp>
+        <p:nvSpPr>
+          <p:cNvPr id="81" name="TextBox 80">
+            <a:extLst>
+              <a:ext uri="{FF2B5EF4-FFF2-40B4-BE49-F238E27FC236}">
+                <a16:creationId xmlns:a16="http://schemas.microsoft.com/office/drawing/2014/main" id="{A51F8B56-7929-424B-8A42-76851125A131}"/>
+              </a:ext>
+            </a:extLst>
+          </p:cNvPr>
+          <p:cNvSpPr txBox="1"/>
+          <p:nvPr/>
+        </p:nvSpPr>
+        <p:spPr>
+          <a:xfrm>
+            <a:off x="24011466" y="14112539"/>
+            <a:ext cx="8487829" cy="3139321"/>
+          </a:xfrm>
+          <a:prstGeom prst="rect">
+            <a:avLst/>
+          </a:prstGeom>
+          <a:noFill/>
+        </p:spPr>
+        <p:txBody>
+          <a:bodyPr wrap="square" rtlCol="0">
+            <a:spAutoFit/>
+          </a:bodyPr>
+          <a:lstStyle/>
+          <a:p>
+            <a:r>
+              <a:rPr lang="en-US" sz="2200" dirty="0">
+                <a:latin typeface="Georgia" panose="02040502050405020303" pitchFamily="18" charset="0"/>
+              </a:rPr>
+              <a:t>Due to time and compute limitations, there is still room for improvement. These include:</a:t>
+            </a:r>
+          </a:p>
+          <a:p>
+            <a:pPr marL="457200" indent="-457200">
+              <a:buAutoNum type="arabicPeriod"/>
+            </a:pPr>
+            <a:r>
+              <a:rPr lang="en-US" sz="2200" dirty="0">
+                <a:latin typeface="Georgia" panose="02040502050405020303" pitchFamily="18" charset="0"/>
+              </a:rPr>
+              <a:t>Using a more fine-grained grid search for hyper-parameter tuning</a:t>
+            </a:r>
+          </a:p>
+          <a:p>
+            <a:pPr marL="457200" indent="-457200">
+              <a:buAutoNum type="arabicPeriod"/>
+            </a:pPr>
+            <a:r>
+              <a:rPr lang="en-US" sz="2200" dirty="0">
+                <a:latin typeface="Georgia" panose="02040502050405020303" pitchFamily="18" charset="0"/>
+              </a:rPr>
+              <a:t>Testing model architecture improvements such as including attention-fusion networks (Wang et al. 2018) within the transformer encoder blocks.</a:t>
+            </a:r>
+          </a:p>
+          <a:p>
+            <a:pPr marL="457200" indent="-457200">
+              <a:buAutoNum type="arabicPeriod"/>
+            </a:pPr>
+            <a:r>
+              <a:rPr lang="en-US" sz="2200" dirty="0">
+                <a:latin typeface="Georgia" panose="02040502050405020303" pitchFamily="18" charset="0"/>
+              </a:rPr>
+              <a:t>Using data augmentation strategies such as back-translation to boost model performance</a:t>
             </a:r>
           </a:p>
         </p:txBody>

--- a/Poster.pptx
+++ b/Poster.pptx
@@ -12893,8 +12893,8 @@
         </p:nvSpPr>
         <p:spPr>
           <a:xfrm>
-            <a:off x="24187331" y="8369300"/>
-            <a:ext cx="8262735" cy="769441"/>
+            <a:off x="24236560" y="7823164"/>
+            <a:ext cx="8262735" cy="5170646"/>
           </a:xfrm>
           <a:prstGeom prst="rect">
             <a:avLst/>
@@ -12911,27 +12911,149 @@
               <a:rPr lang="en-US" sz="2200" dirty="0">
                 <a:latin typeface="Georgia" panose="02040502050405020303" pitchFamily="18" charset="0"/>
               </a:rPr>
-              <a:t>The final model?? Description…….</a:t>
-            </a:r>
-          </a:p>
-          <a:p>
+              <a:t>The best performing model is the </a:t>
+            </a:r>
+            <a:r>
+              <a:rPr lang="en-US" sz="2200" dirty="0" err="1">
+                <a:latin typeface="Georgia" panose="02040502050405020303" pitchFamily="18" charset="0"/>
+              </a:rPr>
+              <a:t>QANet</a:t>
+            </a:r>
             <a:r>
               <a:rPr lang="en-US" sz="2200" dirty="0">
                 <a:latin typeface="Georgia" panose="02040502050405020303" pitchFamily="18" charset="0"/>
               </a:rPr>
-              <a:t>Comparison with baseline and </a:t>
+              <a:t> model:</a:t>
+            </a:r>
+          </a:p>
+          <a:p>
+            <a:pPr marL="914400" lvl="1" indent="-457200">
+              <a:buFont typeface="Arial" panose="020B0604020202020204" pitchFamily="34" charset="0"/>
+              <a:buChar char="•"/>
+            </a:pPr>
+            <a:r>
+              <a:rPr lang="en-US" sz="2200" dirty="0">
+                <a:latin typeface="Georgia" panose="02040502050405020303" pitchFamily="18" charset="0"/>
+              </a:rPr>
+              <a:t>Achieves an F1 score of 70.17 and EM score of 66.81 on </a:t>
             </a:r>
             <a:r>
               <a:rPr lang="en-US" sz="2200" dirty="0" err="1">
                 <a:latin typeface="Georgia" panose="02040502050405020303" pitchFamily="18" charset="0"/>
               </a:rPr>
-              <a:t>bidaf</a:t>
+              <a:t>SQuAD</a:t>
             </a:r>
             <a:r>
               <a:rPr lang="en-US" sz="2200" dirty="0">
                 <a:latin typeface="Georgia" panose="02040502050405020303" pitchFamily="18" charset="0"/>
               </a:rPr>
-              <a:t> w/Char</a:t>
+              <a:t> v2.0. </a:t>
+            </a:r>
+          </a:p>
+          <a:p>
+            <a:pPr marL="914400" lvl="1" indent="-457200">
+              <a:buFont typeface="Arial" panose="020B0604020202020204" pitchFamily="34" charset="0"/>
+              <a:buChar char="•"/>
+            </a:pPr>
+            <a:r>
+              <a:rPr lang="en-US" sz="2200" dirty="0">
+                <a:latin typeface="Georgia" panose="02040502050405020303" pitchFamily="18" charset="0"/>
+              </a:rPr>
+              <a:t>+9/+8 on F1/EM over the baseline</a:t>
+            </a:r>
+          </a:p>
+          <a:p>
+            <a:pPr marL="914400" lvl="1" indent="-457200">
+              <a:buFont typeface="Arial" panose="020B0604020202020204" pitchFamily="34" charset="0"/>
+              <a:buChar char="•"/>
+            </a:pPr>
+            <a:r>
+              <a:rPr lang="en-US" sz="2200" dirty="0">
+                <a:latin typeface="Georgia" panose="02040502050405020303" pitchFamily="18" charset="0"/>
+              </a:rPr>
+              <a:t>+6/+3 on F1/EM over the </a:t>
+            </a:r>
+            <a:r>
+              <a:rPr lang="en-US" sz="2200" dirty="0" err="1">
+                <a:latin typeface="Georgia" panose="02040502050405020303" pitchFamily="18" charset="0"/>
+              </a:rPr>
+              <a:t>BiDAF</a:t>
+            </a:r>
+            <a:r>
+              <a:rPr lang="en-US" sz="2200" dirty="0">
+                <a:latin typeface="Georgia" panose="02040502050405020303" pitchFamily="18" charset="0"/>
+              </a:rPr>
+              <a:t> w/ Char</a:t>
+            </a:r>
+          </a:p>
+          <a:p>
+            <a:r>
+              <a:rPr lang="en-US" sz="2200" dirty="0">
+                <a:latin typeface="Georgia" panose="02040502050405020303" pitchFamily="18" charset="0"/>
+              </a:rPr>
+              <a:t>Some clear best performing hyperparameters:</a:t>
+            </a:r>
+          </a:p>
+          <a:p>
+            <a:pPr marL="914400" lvl="1" indent="-457200">
+              <a:buFont typeface="Arial" panose="020B0604020202020204" pitchFamily="34" charset="0"/>
+              <a:buChar char="•"/>
+            </a:pPr>
+            <a:r>
+              <a:rPr lang="en-US" sz="2200" dirty="0">
+                <a:latin typeface="Georgia" panose="02040502050405020303" pitchFamily="18" charset="0"/>
+              </a:rPr>
+              <a:t>LR = 0.001 does not overshoot minima</a:t>
+            </a:r>
+          </a:p>
+          <a:p>
+            <a:pPr marL="914400" lvl="1" indent="-457200">
+              <a:buFont typeface="Arial" panose="020B0604020202020204" pitchFamily="34" charset="0"/>
+              <a:buChar char="•"/>
+            </a:pPr>
+            <a:r>
+              <a:rPr lang="en-US" sz="2200" dirty="0" err="1">
+                <a:latin typeface="Georgia" panose="02040502050405020303" pitchFamily="18" charset="0"/>
+              </a:rPr>
+              <a:t>pDrop</a:t>
+            </a:r>
+            <a:r>
+              <a:rPr lang="en-US" sz="2200" dirty="0">
+                <a:latin typeface="Georgia" panose="02040502050405020303" pitchFamily="18" charset="0"/>
+              </a:rPr>
+              <a:t> = 0.1 much more consistent results</a:t>
+            </a:r>
+          </a:p>
+          <a:p>
+            <a:r>
+              <a:rPr lang="en-US" sz="2200" dirty="0">
+                <a:latin typeface="Georgia" panose="02040502050405020303" pitchFamily="18" charset="0"/>
+              </a:rPr>
+              <a:t>Some tradeoff in architecture:</a:t>
+            </a:r>
+          </a:p>
+          <a:p>
+            <a:pPr marL="800100" lvl="1" indent="-342900">
+              <a:buFont typeface="Arial" panose="020B0604020202020204" pitchFamily="34" charset="0"/>
+              <a:buChar char="•"/>
+            </a:pPr>
+            <a:r>
+              <a:rPr lang="en-US" sz="2200" dirty="0">
+                <a:latin typeface="Georgia" panose="02040502050405020303" pitchFamily="18" charset="0"/>
+              </a:rPr>
+              <a:t>Reducing the number of encoder blocks from 7-&gt;4 and increasing the batch size cut the training time from ~10 hours to ~6 hours. </a:t>
+            </a:r>
+          </a:p>
+          <a:p>
+            <a:pPr marL="800100" lvl="1" indent="-342900">
+              <a:buFont typeface="Arial" panose="020B0604020202020204" pitchFamily="34" charset="0"/>
+              <a:buChar char="•"/>
+            </a:pPr>
+            <a:r>
+              <a:rPr lang="en-US" sz="2200" dirty="0">
+                <a:latin typeface="Georgia" panose="02040502050405020303" pitchFamily="18" charset="0"/>
+              </a:rPr>
+              <a:t>Only minor decrease in performance, suggesting that decreasing the number of blocks could be useful if faced with limited compute resources.</a:t>
             </a:r>
           </a:p>
         </p:txBody>
@@ -13366,7 +13488,7 @@
         <p:spPr>
           <a:xfrm>
             <a:off x="24011466" y="14112539"/>
-            <a:ext cx="8487829" cy="3139321"/>
+            <a:ext cx="8487829" cy="3816429"/>
           </a:xfrm>
           <a:prstGeom prst="rect">
             <a:avLst/>
@@ -13417,6 +13539,35 @@
                 <a:latin typeface="Georgia" panose="02040502050405020303" pitchFamily="18" charset="0"/>
               </a:rPr>
               <a:t>Using data augmentation strategies such as back-translation to boost model performance</a:t>
+            </a:r>
+          </a:p>
+          <a:p>
+            <a:pPr marL="457200" indent="-457200">
+              <a:buAutoNum type="arabicPeriod"/>
+            </a:pPr>
+            <a:r>
+              <a:rPr lang="en-US" sz="2200" dirty="0" err="1">
+                <a:latin typeface="Georgia" panose="02040502050405020303" pitchFamily="18" charset="0"/>
+              </a:rPr>
+              <a:t>Ensembling</a:t>
+            </a:r>
+            <a:r>
+              <a:rPr lang="en-US" sz="2200" dirty="0">
+                <a:latin typeface="Georgia" panose="02040502050405020303" pitchFamily="18" charset="0"/>
+              </a:rPr>
+              <a:t> the </a:t>
+            </a:r>
+            <a:r>
+              <a:rPr lang="en-US" sz="2200" dirty="0" err="1">
+                <a:latin typeface="Georgia" panose="02040502050405020303" pitchFamily="18" charset="0"/>
+              </a:rPr>
+              <a:t>QANet</a:t>
+            </a:r>
+            <a:r>
+              <a:rPr lang="en-US" sz="2200" dirty="0">
+                <a:latin typeface="Georgia" panose="02040502050405020303" pitchFamily="18" charset="0"/>
+              </a:rPr>
+              <a:t> models together by averaging the output probabilities</a:t>
             </a:r>
           </a:p>
         </p:txBody>

--- a/Poster.pptx
+++ b/Poster.pptx
@@ -2985,7 +2985,7 @@
         </p:nvSpPr>
         <p:spPr>
           <a:xfrm>
-            <a:off x="419100" y="3520017"/>
+            <a:off x="419099" y="3411644"/>
             <a:ext cx="8487833" cy="838200"/>
           </a:xfrm>
           <a:prstGeom prst="rect">
@@ -3038,7 +3038,7 @@
         </p:nvSpPr>
         <p:spPr>
           <a:xfrm>
-            <a:off x="0" y="-16933"/>
+            <a:off x="0" y="0"/>
             <a:ext cx="32937450" cy="3155701"/>
           </a:xfrm>
           <a:prstGeom prst="rect">
@@ -3307,7 +3307,7 @@
         </p:blipFill>
         <p:spPr>
           <a:xfrm>
-            <a:off x="773890" y="141112"/>
+            <a:off x="280270" y="217383"/>
             <a:ext cx="2753286" cy="2753286"/>
           </a:xfrm>
           <a:prstGeom prst="rect">
@@ -3329,7 +3329,7 @@
         </p:nvSpPr>
         <p:spPr>
           <a:xfrm>
-            <a:off x="9601200" y="3503084"/>
+            <a:off x="9601200" y="3411644"/>
             <a:ext cx="13716000" cy="838200"/>
           </a:xfrm>
           <a:prstGeom prst="rect">
@@ -3382,7 +3382,7 @@
         </p:nvSpPr>
         <p:spPr>
           <a:xfrm>
-            <a:off x="24011467" y="18211410"/>
+            <a:off x="24011467" y="18314050"/>
             <a:ext cx="8487834" cy="838200"/>
           </a:xfrm>
           <a:prstGeom prst="rect">
@@ -3723,7 +3723,7 @@
         </p:nvSpPr>
         <p:spPr>
           <a:xfrm>
-            <a:off x="24011467" y="3503084"/>
+            <a:off x="24011467" y="3411644"/>
             <a:ext cx="8487833" cy="838200"/>
           </a:xfrm>
           <a:prstGeom prst="rect">
@@ -3776,7 +3776,7 @@
         </p:nvSpPr>
         <p:spPr>
           <a:xfrm>
-            <a:off x="9604983" y="11112159"/>
+            <a:off x="9604983" y="11353460"/>
             <a:ext cx="13716000" cy="838200"/>
           </a:xfrm>
           <a:prstGeom prst="rect">
@@ -3944,7 +3944,7 @@
               <a:rPr lang="en-US" altLang="zh-CN" sz="2200" dirty="0">
                 <a:latin typeface="Georgia" panose="02040502050405020303" pitchFamily="18" charset="0"/>
               </a:rPr>
-              <a:t> 2.0, which contains 141,934 crowd-sourced questions of Wikipedia articles. 129,941 of those will be used as train set, about 6000 as dev set and another 6000 as test set.</a:t>
+              <a:t> 2.0, which contains 141,934 crowd-sourced questions of Wikipedia articles. 129,941 of those are used as train set, about 6000 as dev set and another 6000 as test set.</a:t>
             </a:r>
           </a:p>
           <a:p>
@@ -4140,13 +4140,13 @@
           <p:nvPr>
             <p:extLst>
               <p:ext uri="{D42A27DB-BD31-4B8C-83A1-F6EECF244321}">
-                <p14:modId xmlns:p14="http://schemas.microsoft.com/office/powerpoint/2010/main" val="3784159273"/>
+                <p14:modId xmlns:p14="http://schemas.microsoft.com/office/powerpoint/2010/main" val="2398968167"/>
               </p:ext>
             </p:extLst>
           </p:nvPr>
         </p:nvGraphicFramePr>
         <p:xfrm>
-          <a:off x="16472508" y="12124664"/>
+          <a:off x="16472508" y="12332098"/>
           <a:ext cx="6871275" cy="1280160"/>
         </p:xfrm>
         <a:graphic>
@@ -8487,7 +8487,7 @@
         </p:nvSpPr>
         <p:spPr>
           <a:xfrm>
-            <a:off x="24011467" y="13057375"/>
+            <a:off x="24011467" y="13466686"/>
             <a:ext cx="8487833" cy="838200"/>
           </a:xfrm>
           <a:prstGeom prst="rect">
@@ -8540,7 +8540,7 @@
         </p:nvSpPr>
         <p:spPr>
           <a:xfrm>
-            <a:off x="9604983" y="12025325"/>
+            <a:off x="9604983" y="12232759"/>
             <a:ext cx="6563620" cy="1446550"/>
           </a:xfrm>
           <a:prstGeom prst="rect">
@@ -8608,14 +8608,14 @@
           <p:nvPr>
             <p:extLst>
               <p:ext uri="{D42A27DB-BD31-4B8C-83A1-F6EECF244321}">
-                <p14:modId xmlns:p14="http://schemas.microsoft.com/office/powerpoint/2010/main" val="4027371242"/>
+                <p14:modId xmlns:p14="http://schemas.microsoft.com/office/powerpoint/2010/main" val="102182061"/>
               </p:ext>
             </p:extLst>
           </p:nvPr>
         </p:nvGraphicFramePr>
         <p:xfrm>
-          <a:off x="9769315" y="15037598"/>
-          <a:ext cx="13595013" cy="1706880"/>
+          <a:off x="9769315" y="15188587"/>
+          <a:ext cx="13535185" cy="1706880"/>
         </p:xfrm>
         <a:graphic>
           <a:graphicData uri="http://schemas.openxmlformats.org/drawingml/2006/table">
@@ -8680,7 +8680,7 @@
                     </a:ext>
                   </a:extLst>
                 </a:gridCol>
-                <a:gridCol w="1510557">
+                <a:gridCol w="1450729">
                   <a:extLst>
                     <a:ext uri="{9D8B030D-6E8A-4147-A177-3AD203B41FA5}">
                       <a16:colId xmlns:a16="http://schemas.microsoft.com/office/drawing/2014/main" val="3375359242"/>
@@ -10963,7 +10963,7 @@
         </p:nvSpPr>
         <p:spPr>
           <a:xfrm>
-            <a:off x="9638843" y="13511520"/>
+            <a:off x="9638843" y="13662509"/>
             <a:ext cx="13695454" cy="1446550"/>
           </a:xfrm>
           <a:prstGeom prst="rect">
@@ -11024,7 +11024,7 @@
         </p:nvSpPr>
         <p:spPr>
           <a:xfrm>
-            <a:off x="12764852" y="14898476"/>
+            <a:off x="12764852" y="15049465"/>
             <a:ext cx="1328057" cy="1941793"/>
           </a:xfrm>
           <a:prstGeom prst="roundRect">
@@ -11072,7 +11072,7 @@
         </p:nvSpPr>
         <p:spPr>
           <a:xfrm>
-            <a:off x="18801251" y="14920141"/>
+            <a:off x="18801251" y="15071130"/>
             <a:ext cx="1328057" cy="1941793"/>
           </a:xfrm>
           <a:prstGeom prst="roundRect">
@@ -11124,7 +11124,7 @@
         </p:nvSpPr>
         <p:spPr>
           <a:xfrm>
-            <a:off x="9606894" y="17001773"/>
+            <a:off x="9606894" y="17038462"/>
             <a:ext cx="13695454" cy="4832092"/>
           </a:xfrm>
           <a:prstGeom prst="rect">
@@ -11189,7 +11189,31 @@
               <a:rPr lang="en-US" sz="2200" dirty="0">
                 <a:latin typeface="Georgia" panose="02040502050405020303" pitchFamily="18" charset="0"/>
               </a:rPr>
-              <a:t>… Anticipating that currency values would fluctuate unpredictably for a time, the industrialized nations increased their reserves (by expanding their money supplies) in amounts far greater than before. The result was a depreciation of the dollar and other industrialized nations' currencies…</a:t>
+              <a:t>… Anticipating that currency values would fluctuate unpredictably for a time, </a:t>
+            </a:r>
+            <a:r>
+              <a:rPr lang="en-US" sz="2200" u="sng" dirty="0">
+                <a:latin typeface="Georgia" panose="02040502050405020303" pitchFamily="18" charset="0"/>
+              </a:rPr>
+              <a:t>the industrialized nations increased their reserves </a:t>
+            </a:r>
+            <a:r>
+              <a:rPr lang="en-US" sz="2200" dirty="0">
+                <a:latin typeface="Georgia" panose="02040502050405020303" pitchFamily="18" charset="0"/>
+              </a:rPr>
+              <a:t>(by expanding their money supplies) in amounts far greater than before. </a:t>
+            </a:r>
+            <a:r>
+              <a:rPr lang="en-US" sz="2200" u="sng" dirty="0">
+                <a:latin typeface="Georgia" panose="02040502050405020303" pitchFamily="18" charset="0"/>
+              </a:rPr>
+              <a:t>The result was a depreciation of the dollar </a:t>
+            </a:r>
+            <a:r>
+              <a:rPr lang="en-US" sz="2200" dirty="0">
+                <a:latin typeface="Georgia" panose="02040502050405020303" pitchFamily="18" charset="0"/>
+              </a:rPr>
+              <a:t>and other industrialized nations' currencies…</a:t>
             </a:r>
           </a:p>
           <a:p>
@@ -11239,16 +11263,10 @@
               <a:buAutoNum type="arabicPeriod" startAt="2"/>
             </a:pPr>
             <a:r>
-              <a:rPr lang="en-US" sz="2200" dirty="0" err="1">
-                <a:latin typeface="Georgia" panose="02040502050405020303" pitchFamily="18" charset="0"/>
-              </a:rPr>
-              <a:t>Confonuding</a:t>
-            </a:r>
-            <a:r>
               <a:rPr lang="en-US" sz="2200" dirty="0">
                 <a:latin typeface="Georgia" panose="02040502050405020303" pitchFamily="18" charset="0"/>
               </a:rPr>
-              <a:t> &amp; Proximity of Q&amp;A</a:t>
+              <a:t>Confounding &amp; Proximity of Q&amp;A</a:t>
             </a:r>
           </a:p>
           <a:p>
@@ -11278,7 +11296,31 @@
               <a:rPr lang="en-US" sz="2200" dirty="0">
                 <a:latin typeface="Georgia" panose="02040502050405020303" pitchFamily="18" charset="0"/>
               </a:rPr>
-              <a:t> Following the Nice Treaty, there was an attempt to reform the constitutional law of the European Union and make it more transparent; … (40 </a:t>
+              <a:t> Following </a:t>
+            </a:r>
+            <a:r>
+              <a:rPr lang="en-US" sz="2200" u="sng" dirty="0">
+                <a:latin typeface="Georgia" panose="02040502050405020303" pitchFamily="18" charset="0"/>
+              </a:rPr>
+              <a:t>the Nice Treaty</a:t>
+            </a:r>
+            <a:r>
+              <a:rPr lang="en-US" sz="2200" dirty="0">
+                <a:latin typeface="Georgia" panose="02040502050405020303" pitchFamily="18" charset="0"/>
+              </a:rPr>
+              <a:t>, there was an attempt </a:t>
+            </a:r>
+            <a:r>
+              <a:rPr lang="en-US" sz="2200" u="sng" dirty="0">
+                <a:latin typeface="Georgia" panose="02040502050405020303" pitchFamily="18" charset="0"/>
+              </a:rPr>
+              <a:t>to reform the constitutional law</a:t>
+            </a:r>
+            <a:r>
+              <a:rPr lang="en-US" sz="2200" dirty="0">
+                <a:latin typeface="Georgia" panose="02040502050405020303" pitchFamily="18" charset="0"/>
+              </a:rPr>
+              <a:t> of the European Union and make it more transparent; … (40 </a:t>
             </a:r>
             <a:r>
               <a:rPr lang="en-US" altLang="zh-CN" sz="2200" dirty="0">
@@ -11290,7 +11332,19 @@
               <a:rPr lang="en-US" sz="2200" dirty="0">
                 <a:latin typeface="Georgia" panose="02040502050405020303" pitchFamily="18" charset="0"/>
               </a:rPr>
-              <a:t> Instead, the Lisbon Treaty was enacted…</a:t>
+              <a:t> Instead, </a:t>
+            </a:r>
+            <a:r>
+              <a:rPr lang="en-US" sz="2200" u="sng" dirty="0">
+                <a:latin typeface="Georgia" panose="02040502050405020303" pitchFamily="18" charset="0"/>
+              </a:rPr>
+              <a:t>the Lisbon Treaty </a:t>
+            </a:r>
+            <a:r>
+              <a:rPr lang="en-US" sz="2200" dirty="0">
+                <a:latin typeface="Georgia" panose="02040502050405020303" pitchFamily="18" charset="0"/>
+              </a:rPr>
+              <a:t>was enacted…</a:t>
             </a:r>
           </a:p>
           <a:p>
@@ -11339,7 +11393,7 @@
         </p:nvGrpSpPr>
         <p:grpSpPr>
           <a:xfrm>
-            <a:off x="23884561" y="4667461"/>
+            <a:off x="23884561" y="4564820"/>
             <a:ext cx="4461839" cy="3156726"/>
             <a:chOff x="23884561" y="4583381"/>
             <a:chExt cx="4461839" cy="3156726"/>
@@ -11541,7 +11595,7 @@
         </p:nvGrpSpPr>
         <p:grpSpPr>
           <a:xfrm>
-            <a:off x="28234098" y="4680131"/>
+            <a:off x="28234098" y="4577490"/>
             <a:ext cx="4265199" cy="3143033"/>
             <a:chOff x="28234098" y="4596051"/>
             <a:chExt cx="4265199" cy="3143033"/>
@@ -11782,7 +11836,7 @@
         </p:nvGrpSpPr>
         <p:grpSpPr>
           <a:xfrm>
-            <a:off x="31000893" y="6685772"/>
+            <a:off x="31000893" y="6583131"/>
             <a:ext cx="1707179" cy="738664"/>
             <a:chOff x="31124545" y="6601281"/>
             <a:chExt cx="1707179" cy="738664"/>
@@ -11901,14 +11955,14 @@
           <p:nvPr>
             <p:extLst>
               <p:ext uri="{D42A27DB-BD31-4B8C-83A1-F6EECF244321}">
-                <p14:modId xmlns:p14="http://schemas.microsoft.com/office/powerpoint/2010/main" val="1176680530"/>
+                <p14:modId xmlns:p14="http://schemas.microsoft.com/office/powerpoint/2010/main" val="1105238000"/>
               </p:ext>
             </p:extLst>
           </p:nvPr>
         </p:nvGraphicFramePr>
         <p:xfrm>
-          <a:off x="9622220" y="4513523"/>
-          <a:ext cx="7570076" cy="4319016"/>
+          <a:off x="16138123" y="4444024"/>
+          <a:ext cx="7162800" cy="4319016"/>
         </p:xfrm>
         <a:graphic>
           <a:graphicData uri="http://schemas.openxmlformats.org/drawingml/2006/table">
@@ -11917,28 +11971,28 @@
                 <a:tableStyleId>{5940675A-B579-460E-94D1-54222C63F5DA}</a:tableStyleId>
               </a:tblPr>
               <a:tblGrid>
-                <a:gridCol w="2413438">
+                <a:gridCol w="2377440">
                   <a:extLst>
                     <a:ext uri="{9D8B030D-6E8A-4147-A177-3AD203B41FA5}">
                       <a16:colId xmlns:a16="http://schemas.microsoft.com/office/drawing/2014/main" val="941148619"/>
                     </a:ext>
                   </a:extLst>
                 </a:gridCol>
-                <a:gridCol w="2413438">
+                <a:gridCol w="2499360">
                   <a:extLst>
                     <a:ext uri="{9D8B030D-6E8A-4147-A177-3AD203B41FA5}">
                       <a16:colId xmlns:a16="http://schemas.microsoft.com/office/drawing/2014/main" val="2557878258"/>
                     </a:ext>
                   </a:extLst>
                 </a:gridCol>
-                <a:gridCol w="1371600">
+                <a:gridCol w="1143000">
                   <a:extLst>
                     <a:ext uri="{9D8B030D-6E8A-4147-A177-3AD203B41FA5}">
                       <a16:colId xmlns:a16="http://schemas.microsoft.com/office/drawing/2014/main" val="640481716"/>
                     </a:ext>
                   </a:extLst>
                 </a:gridCol>
-                <a:gridCol w="1371600">
+                <a:gridCol w="1143000">
                   <a:extLst>
                     <a:ext uri="{9D8B030D-6E8A-4147-A177-3AD203B41FA5}">
                       <a16:colId xmlns:a16="http://schemas.microsoft.com/office/drawing/2014/main" val="3293780260"/>
@@ -12576,9 +12630,12 @@
                     <a:bodyPr/>
                     <a:lstStyle/>
                     <a:p>
-                      <a:endParaRPr lang="en-US" sz="2200" dirty="0">
-                        <a:latin typeface="Georgia" panose="02040502050405020303" pitchFamily="18" charset="0"/>
-                      </a:endParaRPr>
+                      <a:r>
+                        <a:rPr lang="en-US" sz="2200" dirty="0">
+                          <a:latin typeface="Georgia" panose="02040502050405020303" pitchFamily="18" charset="0"/>
+                        </a:rPr>
+                        <a:t>68.39</a:t>
+                      </a:r>
                     </a:p>
                   </a:txBody>
                   <a:tcPr/>
@@ -12588,9 +12645,12 @@
                     <a:bodyPr/>
                     <a:lstStyle/>
                     <a:p>
-                      <a:endParaRPr lang="en-US" sz="2200" dirty="0">
-                        <a:latin typeface="Georgia" panose="02040502050405020303" pitchFamily="18" charset="0"/>
-                      </a:endParaRPr>
+                      <a:r>
+                        <a:rPr lang="en-US" sz="2200" dirty="0">
+                          <a:latin typeface="Georgia" panose="02040502050405020303" pitchFamily="18" charset="0"/>
+                        </a:rPr>
+                        <a:t>64.86</a:t>
+                      </a:r>
                     </a:p>
                   </a:txBody>
                   <a:tcPr/>
@@ -12683,8 +12743,8 @@
         </p:nvSpPr>
         <p:spPr>
           <a:xfrm>
-            <a:off x="6057472" y="21534082"/>
-            <a:ext cx="2627584" cy="369332"/>
+            <a:off x="5621867" y="21534082"/>
+            <a:ext cx="3063189" cy="369332"/>
           </a:xfrm>
           <a:prstGeom prst="rect">
             <a:avLst/>
@@ -12698,19 +12758,27 @@
           <a:lstStyle/>
           <a:p>
             <a:r>
-              <a:rPr lang="en-US" b="1" dirty="0"/>
-              <a:t>Figure 1.</a:t>
-            </a:r>
-            <a:r>
-              <a:rPr lang="en-US" dirty="0"/>
+              <a:rPr lang="en-US" b="1" dirty="0">
+                <a:latin typeface="Georgia" panose="02040502050405020303" pitchFamily="18" charset="0"/>
+              </a:rPr>
+              <a:t>        Fig 1.</a:t>
+            </a:r>
+            <a:r>
+              <a:rPr lang="en-US" dirty="0">
+                <a:latin typeface="Georgia" panose="02040502050405020303" pitchFamily="18" charset="0"/>
+              </a:rPr>
               <a:t> </a:t>
             </a:r>
             <a:r>
-              <a:rPr lang="en-US" dirty="0" err="1"/>
+              <a:rPr lang="en-US" dirty="0" err="1">
+                <a:latin typeface="Georgia" panose="02040502050405020303" pitchFamily="18" charset="0"/>
+              </a:rPr>
               <a:t>QANet</a:t>
             </a:r>
             <a:r>
-              <a:rPr lang="en-US" dirty="0"/>
+              <a:rPr lang="en-US" dirty="0">
+                <a:latin typeface="Georgia" panose="02040502050405020303" pitchFamily="18" charset="0"/>
+              </a:rPr>
               <a:t> Diagram</a:t>
             </a:r>
           </a:p>
@@ -12730,7 +12798,7 @@
         </p:nvSpPr>
         <p:spPr>
           <a:xfrm>
-            <a:off x="21526501" y="13448451"/>
+            <a:off x="21526501" y="13655885"/>
             <a:ext cx="1790700" cy="369332"/>
           </a:xfrm>
           <a:prstGeom prst="rect">
@@ -12776,7 +12844,7 @@
         </p:nvSpPr>
         <p:spPr>
           <a:xfrm>
-            <a:off x="19454648" y="16826476"/>
+            <a:off x="19454648" y="16977465"/>
             <a:ext cx="3910155" cy="369332"/>
           </a:xfrm>
           <a:prstGeom prst="rect">
@@ -12819,7 +12887,7 @@
         </p:nvSpPr>
         <p:spPr>
           <a:xfrm>
-            <a:off x="25634975" y="4423549"/>
+            <a:off x="25646668" y="4320908"/>
             <a:ext cx="1524000" cy="369332"/>
           </a:xfrm>
           <a:prstGeom prst="rect">
@@ -12856,7 +12924,7 @@
         </p:nvSpPr>
         <p:spPr>
           <a:xfrm>
-            <a:off x="29909730" y="4423549"/>
+            <a:off x="29909730" y="4320908"/>
             <a:ext cx="1524000" cy="369332"/>
           </a:xfrm>
           <a:prstGeom prst="rect">
@@ -12893,7 +12961,7 @@
         </p:nvSpPr>
         <p:spPr>
           <a:xfrm>
-            <a:off x="24236560" y="7823164"/>
+            <a:off x="24236560" y="8244289"/>
             <a:ext cx="8262735" cy="5170646"/>
           </a:xfrm>
           <a:prstGeom prst="rect">
@@ -13072,7 +13140,7 @@
         </p:nvSpPr>
         <p:spPr>
           <a:xfrm>
-            <a:off x="11544299" y="8862289"/>
+            <a:off x="17697172" y="8789102"/>
             <a:ext cx="5647997" cy="369332"/>
           </a:xfrm>
           <a:prstGeom prst="rect">
@@ -13115,7 +13183,7 @@
         </p:nvSpPr>
         <p:spPr>
           <a:xfrm>
-            <a:off x="17626599" y="5057348"/>
+            <a:off x="16177341" y="9448424"/>
             <a:ext cx="1916932" cy="790834"/>
           </a:xfrm>
           <a:prstGeom prst="ellipse">
@@ -13169,7 +13237,7 @@
         </p:nvSpPr>
         <p:spPr>
           <a:xfrm>
-            <a:off x="19166693" y="5762131"/>
+            <a:off x="18807135" y="9443054"/>
             <a:ext cx="1916932" cy="790835"/>
           </a:xfrm>
           <a:prstGeom prst="ellipse">
@@ -13223,7 +13291,7 @@
         </p:nvSpPr>
         <p:spPr>
           <a:xfrm>
-            <a:off x="20803077" y="6538466"/>
+            <a:off x="21383235" y="9450270"/>
             <a:ext cx="1916932" cy="790835"/>
           </a:xfrm>
           <a:prstGeom prst="ellipse">
@@ -13277,8 +13345,8 @@
         </p:nvSpPr>
         <p:spPr>
           <a:xfrm>
-            <a:off x="17508731" y="4519765"/>
-            <a:ext cx="5436057" cy="430887"/>
+            <a:off x="18253573" y="10832747"/>
+            <a:ext cx="5108574" cy="369332"/>
           </a:xfrm>
           <a:prstGeom prst="rect">
             <a:avLst/>
@@ -13292,7 +13360,13 @@
           <a:lstStyle/>
           <a:p>
             <a:r>
-              <a:rPr lang="en-US" sz="2200" dirty="0">
+              <a:rPr lang="en-US" b="1" dirty="0">
+                <a:latin typeface="Georgia" panose="02040502050405020303" pitchFamily="18" charset="0"/>
+              </a:rPr>
+              <a:t>Fig 4. </a:t>
+            </a:r>
+            <a:r>
+              <a:rPr lang="en-US" dirty="0">
                 <a:latin typeface="Georgia" panose="02040502050405020303" pitchFamily="18" charset="0"/>
               </a:rPr>
               <a:t>Tuning Sequence (due to time constraint)</a:t>
@@ -13312,17 +13386,20 @@
           <p:cNvCxnSpPr>
             <a:cxnSpLocks/>
             <a:stCxn id="45" idx="6"/>
-            <a:endCxn id="131" idx="0"/>
+            <a:endCxn id="131" idx="4"/>
           </p:cNvCxnSpPr>
           <p:nvPr/>
         </p:nvCxnSpPr>
         <p:spPr>
           <a:xfrm>
-            <a:off x="19543531" y="5452765"/>
-            <a:ext cx="581628" cy="309366"/>
+            <a:off x="18094273" y="9843841"/>
+            <a:ext cx="1671328" cy="390048"/>
           </a:xfrm>
-          <a:prstGeom prst="curvedConnector2">
-            <a:avLst/>
+          <a:prstGeom prst="curvedConnector4">
+            <a:avLst>
+              <a:gd name="adj1" fmla="val 21326"/>
+              <a:gd name="adj2" fmla="val 158608"/>
+            </a:avLst>
           </a:prstGeom>
           <a:ln>
             <a:tailEnd type="triangle"/>
@@ -13357,7 +13434,7 @@
         </p:nvSpPr>
         <p:spPr>
           <a:xfrm>
-            <a:off x="19794550" y="5189592"/>
+            <a:off x="17445323" y="10420238"/>
             <a:ext cx="1973250" cy="400110"/>
           </a:xfrm>
           <a:prstGeom prst="rect">
@@ -13392,17 +13469,20 @@
           <p:cNvCxnSpPr>
             <a:cxnSpLocks/>
             <a:stCxn id="131" idx="6"/>
-            <a:endCxn id="132" idx="0"/>
+            <a:endCxn id="132" idx="4"/>
           </p:cNvCxnSpPr>
           <p:nvPr/>
         </p:nvCxnSpPr>
         <p:spPr>
           <a:xfrm>
-            <a:off x="21083625" y="6157549"/>
-            <a:ext cx="677918" cy="380917"/>
+            <a:off x="20724067" y="9838472"/>
+            <a:ext cx="1617634" cy="402633"/>
           </a:xfrm>
-          <a:prstGeom prst="curvedConnector2">
-            <a:avLst/>
+          <a:prstGeom prst="curvedConnector4">
+            <a:avLst>
+              <a:gd name="adj1" fmla="val 20374"/>
+              <a:gd name="adj2" fmla="val 156776"/>
+            </a:avLst>
           </a:prstGeom>
           <a:ln>
             <a:tailEnd type="triangle"/>
@@ -13437,8 +13517,8 @@
         </p:nvSpPr>
         <p:spPr>
           <a:xfrm>
-            <a:off x="21524848" y="5733895"/>
-            <a:ext cx="1716152" cy="646331"/>
+            <a:off x="19909324" y="10436804"/>
+            <a:ext cx="2874294" cy="400110"/>
           </a:xfrm>
           <a:prstGeom prst="rect">
             <a:avLst/>
@@ -13452,24 +13532,24 @@
           <a:lstStyle/>
           <a:p>
             <a:r>
-              <a:rPr lang="en-US" sz="1800" dirty="0">
+              <a:rPr lang="en-US" sz="2000" dirty="0">
                 <a:latin typeface="Georgia" panose="02040502050405020303" pitchFamily="18" charset="0"/>
               </a:rPr>
               <a:t>Best </a:t>
             </a:r>
             <a:r>
-              <a:rPr lang="en-US" sz="1800" dirty="0" err="1">
+              <a:rPr lang="en-US" sz="2000" dirty="0" err="1">
                 <a:latin typeface="Georgia" panose="02040502050405020303" pitchFamily="18" charset="0"/>
               </a:rPr>
               <a:t>LR+Drop</a:t>
             </a:r>
             <a:r>
-              <a:rPr lang="en-US" sz="1800" dirty="0">
+              <a:rPr lang="en-US" sz="2000" dirty="0">
                 <a:latin typeface="Georgia" panose="02040502050405020303" pitchFamily="18" charset="0"/>
               </a:rPr>
               <a:t> Params</a:t>
             </a:r>
-            <a:endParaRPr lang="en-US" dirty="0"/>
+            <a:endParaRPr lang="en-US" sz="2000" dirty="0"/>
           </a:p>
         </p:txBody>
       </p:sp>
@@ -13487,7 +13567,7 @@
         </p:nvSpPr>
         <p:spPr>
           <a:xfrm>
-            <a:off x="24011466" y="14112539"/>
+            <a:off x="24011466" y="14407550"/>
             <a:ext cx="8487829" cy="3816429"/>
           </a:xfrm>
           <a:prstGeom prst="rect">
@@ -13568,6 +13648,1223 @@
                 <a:latin typeface="Georgia" panose="02040502050405020303" pitchFamily="18" charset="0"/>
               </a:rPr>
               <a:t> models together by averaging the output probabilities</a:t>
+            </a:r>
+          </a:p>
+        </p:txBody>
+      </p:sp>
+      <p:sp>
+        <p:nvSpPr>
+          <p:cNvPr id="62" name="TextBox 61">
+            <a:extLst>
+              <a:ext uri="{FF2B5EF4-FFF2-40B4-BE49-F238E27FC236}">
+                <a16:creationId xmlns:a16="http://schemas.microsoft.com/office/drawing/2014/main" id="{1DE8072D-4C06-4893-91C4-D504BD99C48D}"/>
+              </a:ext>
+            </a:extLst>
+          </p:cNvPr>
+          <p:cNvSpPr txBox="1"/>
+          <p:nvPr/>
+        </p:nvSpPr>
+        <p:spPr>
+          <a:xfrm>
+            <a:off x="23622756" y="479146"/>
+            <a:ext cx="8827310" cy="1384995"/>
+          </a:xfrm>
+          <a:prstGeom prst="rect">
+            <a:avLst/>
+          </a:prstGeom>
+          <a:noFill/>
+        </p:spPr>
+        <p:txBody>
+          <a:bodyPr wrap="square" rtlCol="0">
+            <a:spAutoFit/>
+          </a:bodyPr>
+          <a:lstStyle/>
+          <a:p>
+            <a:pPr algn="r"/>
+            <a:r>
+              <a:rPr lang="en-US" sz="4400" dirty="0">
+                <a:solidFill>
+                  <a:schemeClr val="bg1"/>
+                </a:solidFill>
+                <a:latin typeface="Georgia" panose="02040502050405020303" pitchFamily="18" charset="0"/>
+              </a:rPr>
+              <a:t>CS224n: NLP with Deep Learning </a:t>
+            </a:r>
+          </a:p>
+          <a:p>
+            <a:pPr algn="r"/>
+            <a:r>
+              <a:rPr lang="en-US" sz="4000" dirty="0">
+                <a:solidFill>
+                  <a:schemeClr val="bg1"/>
+                </a:solidFill>
+                <a:latin typeface="Georgia" panose="02040502050405020303" pitchFamily="18" charset="0"/>
+              </a:rPr>
+              <a:t>Poster Presentation, Winter 2022</a:t>
+            </a:r>
+          </a:p>
+        </p:txBody>
+      </p:sp>
+      <p:grpSp>
+        <p:nvGrpSpPr>
+          <p:cNvPr id="76" name="Group 75">
+            <a:extLst>
+              <a:ext uri="{FF2B5EF4-FFF2-40B4-BE49-F238E27FC236}">
+                <a16:creationId xmlns:a16="http://schemas.microsoft.com/office/drawing/2014/main" id="{BD45C525-CCC4-45A7-B88D-72CD59523F63}"/>
+              </a:ext>
+            </a:extLst>
+          </p:cNvPr>
+          <p:cNvGrpSpPr/>
+          <p:nvPr/>
+        </p:nvGrpSpPr>
+        <p:grpSpPr>
+          <a:xfrm>
+            <a:off x="10892501" y="7801551"/>
+            <a:ext cx="4725739" cy="3281082"/>
+            <a:chOff x="10016773" y="4642462"/>
+            <a:chExt cx="4725739" cy="3281082"/>
+          </a:xfrm>
+        </p:grpSpPr>
+        <p:grpSp>
+          <p:nvGrpSpPr>
+            <p:cNvPr id="74" name="Group 73">
+              <a:extLst>
+                <a:ext uri="{FF2B5EF4-FFF2-40B4-BE49-F238E27FC236}">
+                  <a16:creationId xmlns:a16="http://schemas.microsoft.com/office/drawing/2014/main" id="{3618FF7C-ADA4-4482-A2BD-89F0F2C78DAA}"/>
+                </a:ext>
+              </a:extLst>
+            </p:cNvPr>
+            <p:cNvGrpSpPr/>
+            <p:nvPr/>
+          </p:nvGrpSpPr>
+          <p:grpSpPr>
+            <a:xfrm>
+              <a:off x="10307128" y="4642462"/>
+              <a:ext cx="4435384" cy="3281082"/>
+              <a:chOff x="10307128" y="4642462"/>
+              <a:chExt cx="4435384" cy="3281082"/>
+            </a:xfrm>
+          </p:grpSpPr>
+          <p:pic>
+            <p:nvPicPr>
+              <p:cNvPr id="64" name="Picture 63" descr="Chart, scatter chart&#10;&#10;Description automatically generated">
+                <a:extLst>
+                  <a:ext uri="{FF2B5EF4-FFF2-40B4-BE49-F238E27FC236}">
+                    <a16:creationId xmlns:a16="http://schemas.microsoft.com/office/drawing/2014/main" id="{06EF8F45-A90B-4855-8AE4-7664A020D78F}"/>
+                  </a:ext>
+                </a:extLst>
+              </p:cNvPr>
+              <p:cNvPicPr>
+                <a:picLocks noChangeAspect="1"/>
+              </p:cNvPicPr>
+              <p:nvPr/>
+            </p:nvPicPr>
+            <p:blipFill rotWithShape="1">
+              <a:blip r:embed="rId5">
+                <a:extLst>
+                  <a:ext uri="{28A0092B-C50C-407E-A947-70E740481C1C}">
+                    <a14:useLocalDpi xmlns:a14="http://schemas.microsoft.com/office/drawing/2010/main" val="0"/>
+                  </a:ext>
+                </a:extLst>
+              </a:blip>
+              <a:srcRect l="4728" t="6358" r="19119" b="7008"/>
+              <a:stretch/>
+            </p:blipFill>
+            <p:spPr>
+              <a:xfrm>
+                <a:off x="10617600" y="4651171"/>
+                <a:ext cx="3962638" cy="2875346"/>
+              </a:xfrm>
+              <a:prstGeom prst="rect">
+                <a:avLst/>
+              </a:prstGeom>
+            </p:spPr>
+          </p:pic>
+          <p:sp>
+            <p:nvSpPr>
+              <p:cNvPr id="65" name="TextBox 64">
+                <a:extLst>
+                  <a:ext uri="{FF2B5EF4-FFF2-40B4-BE49-F238E27FC236}">
+                    <a16:creationId xmlns:a16="http://schemas.microsoft.com/office/drawing/2014/main" id="{503A79CA-BE85-4297-A2A0-2C85877DCCA6}"/>
+                  </a:ext>
+                </a:extLst>
+              </p:cNvPr>
+              <p:cNvSpPr txBox="1"/>
+              <p:nvPr/>
+            </p:nvSpPr>
+            <p:spPr>
+              <a:xfrm>
+                <a:off x="10307128" y="4642462"/>
+                <a:ext cx="720652" cy="300082"/>
+              </a:xfrm>
+              <a:prstGeom prst="rect">
+                <a:avLst/>
+              </a:prstGeom>
+              <a:noFill/>
+            </p:spPr>
+            <p:txBody>
+              <a:bodyPr wrap="square" rtlCol="0">
+                <a:spAutoFit/>
+              </a:bodyPr>
+              <a:lstStyle/>
+              <a:p>
+                <a:r>
+                  <a:rPr lang="en-US" sz="1300" dirty="0">
+                    <a:latin typeface="Georgia" panose="02040502050405020303" pitchFamily="18" charset="0"/>
+                  </a:rPr>
+                  <a:t>70</a:t>
+                </a:r>
+              </a:p>
+            </p:txBody>
+          </p:sp>
+          <p:sp>
+            <p:nvSpPr>
+              <p:cNvPr id="149" name="TextBox 148">
+                <a:extLst>
+                  <a:ext uri="{FF2B5EF4-FFF2-40B4-BE49-F238E27FC236}">
+                    <a16:creationId xmlns:a16="http://schemas.microsoft.com/office/drawing/2014/main" id="{E4ED8724-E8BD-4CD1-AF28-E7AE97943362}"/>
+                  </a:ext>
+                </a:extLst>
+              </p:cNvPr>
+              <p:cNvSpPr txBox="1"/>
+              <p:nvPr/>
+            </p:nvSpPr>
+            <p:spPr>
+              <a:xfrm>
+                <a:off x="10307128" y="5253948"/>
+                <a:ext cx="720652" cy="300082"/>
+              </a:xfrm>
+              <a:prstGeom prst="rect">
+                <a:avLst/>
+              </a:prstGeom>
+              <a:noFill/>
+            </p:spPr>
+            <p:txBody>
+              <a:bodyPr wrap="square" rtlCol="0">
+                <a:spAutoFit/>
+              </a:bodyPr>
+              <a:lstStyle/>
+              <a:p>
+                <a:r>
+                  <a:rPr lang="en-US" sz="1300" dirty="0">
+                    <a:latin typeface="Georgia" panose="02040502050405020303" pitchFamily="18" charset="0"/>
+                  </a:rPr>
+                  <a:t>65</a:t>
+                </a:r>
+              </a:p>
+            </p:txBody>
+          </p:sp>
+          <p:sp>
+            <p:nvSpPr>
+              <p:cNvPr id="150" name="TextBox 149">
+                <a:extLst>
+                  <a:ext uri="{FF2B5EF4-FFF2-40B4-BE49-F238E27FC236}">
+                    <a16:creationId xmlns:a16="http://schemas.microsoft.com/office/drawing/2014/main" id="{761D46EA-C00D-4F01-9515-F763D5FEDB90}"/>
+                  </a:ext>
+                </a:extLst>
+              </p:cNvPr>
+              <p:cNvSpPr txBox="1"/>
+              <p:nvPr/>
+            </p:nvSpPr>
+            <p:spPr>
+              <a:xfrm>
+                <a:off x="10307128" y="5938803"/>
+                <a:ext cx="720652" cy="300082"/>
+              </a:xfrm>
+              <a:prstGeom prst="rect">
+                <a:avLst/>
+              </a:prstGeom>
+              <a:noFill/>
+            </p:spPr>
+            <p:txBody>
+              <a:bodyPr wrap="square" rtlCol="0">
+                <a:spAutoFit/>
+              </a:bodyPr>
+              <a:lstStyle/>
+              <a:p>
+                <a:r>
+                  <a:rPr lang="en-US" sz="1300" dirty="0">
+                    <a:latin typeface="Georgia" panose="02040502050405020303" pitchFamily="18" charset="0"/>
+                  </a:rPr>
+                  <a:t>60</a:t>
+                </a:r>
+              </a:p>
+            </p:txBody>
+          </p:sp>
+          <p:sp>
+            <p:nvSpPr>
+              <p:cNvPr id="151" name="TextBox 150">
+                <a:extLst>
+                  <a:ext uri="{FF2B5EF4-FFF2-40B4-BE49-F238E27FC236}">
+                    <a16:creationId xmlns:a16="http://schemas.microsoft.com/office/drawing/2014/main" id="{122DA172-2284-49DB-8585-EECA296CE6A3}"/>
+                  </a:ext>
+                </a:extLst>
+              </p:cNvPr>
+              <p:cNvSpPr txBox="1"/>
+              <p:nvPr/>
+            </p:nvSpPr>
+            <p:spPr>
+              <a:xfrm>
+                <a:off x="10307128" y="6562825"/>
+                <a:ext cx="720652" cy="300082"/>
+              </a:xfrm>
+              <a:prstGeom prst="rect">
+                <a:avLst/>
+              </a:prstGeom>
+              <a:noFill/>
+            </p:spPr>
+            <p:txBody>
+              <a:bodyPr wrap="square" rtlCol="0">
+                <a:spAutoFit/>
+              </a:bodyPr>
+              <a:lstStyle/>
+              <a:p>
+                <a:r>
+                  <a:rPr lang="en-US" sz="1300" dirty="0">
+                    <a:latin typeface="Georgia" panose="02040502050405020303" pitchFamily="18" charset="0"/>
+                  </a:rPr>
+                  <a:t>55</a:t>
+                </a:r>
+              </a:p>
+            </p:txBody>
+          </p:sp>
+          <p:sp>
+            <p:nvSpPr>
+              <p:cNvPr id="152" name="TextBox 151">
+                <a:extLst>
+                  <a:ext uri="{FF2B5EF4-FFF2-40B4-BE49-F238E27FC236}">
+                    <a16:creationId xmlns:a16="http://schemas.microsoft.com/office/drawing/2014/main" id="{EA2FA2CD-2439-4759-A05B-D1836D956A56}"/>
+                  </a:ext>
+                </a:extLst>
+              </p:cNvPr>
+              <p:cNvSpPr txBox="1"/>
+              <p:nvPr/>
+            </p:nvSpPr>
+            <p:spPr>
+              <a:xfrm>
+                <a:off x="10307128" y="7226435"/>
+                <a:ext cx="720652" cy="300082"/>
+              </a:xfrm>
+              <a:prstGeom prst="rect">
+                <a:avLst/>
+              </a:prstGeom>
+              <a:noFill/>
+            </p:spPr>
+            <p:txBody>
+              <a:bodyPr wrap="square" rtlCol="0">
+                <a:spAutoFit/>
+              </a:bodyPr>
+              <a:lstStyle/>
+              <a:p>
+                <a:r>
+                  <a:rPr lang="en-US" sz="1300" dirty="0">
+                    <a:latin typeface="Georgia" panose="02040502050405020303" pitchFamily="18" charset="0"/>
+                  </a:rPr>
+                  <a:t>50</a:t>
+                </a:r>
+              </a:p>
+            </p:txBody>
+          </p:sp>
+          <p:sp>
+            <p:nvSpPr>
+              <p:cNvPr id="66" name="TextBox 65">
+                <a:extLst>
+                  <a:ext uri="{FF2B5EF4-FFF2-40B4-BE49-F238E27FC236}">
+                    <a16:creationId xmlns:a16="http://schemas.microsoft.com/office/drawing/2014/main" id="{30A30B87-9D39-42EB-8249-52CBF79D1603}"/>
+                  </a:ext>
+                </a:extLst>
+              </p:cNvPr>
+              <p:cNvSpPr txBox="1"/>
+              <p:nvPr/>
+            </p:nvSpPr>
+            <p:spPr>
+              <a:xfrm>
+                <a:off x="10530479" y="7431101"/>
+                <a:ext cx="4212033" cy="492443"/>
+              </a:xfrm>
+              <a:prstGeom prst="rect">
+                <a:avLst/>
+              </a:prstGeom>
+              <a:noFill/>
+            </p:spPr>
+            <p:txBody>
+              <a:bodyPr wrap="square" rtlCol="0">
+                <a:spAutoFit/>
+              </a:bodyPr>
+              <a:lstStyle/>
+              <a:p>
+                <a:r>
+                  <a:rPr lang="en-US" sz="1300" dirty="0">
+                    <a:latin typeface="Georgia" panose="02040502050405020303" pitchFamily="18" charset="0"/>
+                  </a:rPr>
+                  <a:t>   0.0		  2.5		  5.0	  	 7.5		10.0</a:t>
+                </a:r>
+              </a:p>
+              <a:p>
+                <a:pPr algn="ctr"/>
+                <a:r>
+                  <a:rPr lang="en-US" sz="1300" dirty="0">
+                    <a:latin typeface="Georgia" panose="02040502050405020303" pitchFamily="18" charset="0"/>
+                  </a:rPr>
+                  <a:t>Relative Training Time (</a:t>
+                </a:r>
+                <a:r>
+                  <a:rPr lang="en-US" sz="1300" dirty="0" err="1">
+                    <a:latin typeface="Georgia" panose="02040502050405020303" pitchFamily="18" charset="0"/>
+                  </a:rPr>
+                  <a:t>hrs</a:t>
+                </a:r>
+                <a:r>
+                  <a:rPr lang="en-US" sz="1300" dirty="0">
+                    <a:latin typeface="Georgia" panose="02040502050405020303" pitchFamily="18" charset="0"/>
+                  </a:rPr>
+                  <a:t>)</a:t>
+                </a:r>
+              </a:p>
+            </p:txBody>
+          </p:sp>
+          <p:grpSp>
+            <p:nvGrpSpPr>
+              <p:cNvPr id="73" name="Group 72">
+                <a:extLst>
+                  <a:ext uri="{FF2B5EF4-FFF2-40B4-BE49-F238E27FC236}">
+                    <a16:creationId xmlns:a16="http://schemas.microsoft.com/office/drawing/2014/main" id="{5AA4F39D-EB15-4DFA-B733-3FCBF1ED26F9}"/>
+                  </a:ext>
+                </a:extLst>
+              </p:cNvPr>
+              <p:cNvGrpSpPr/>
+              <p:nvPr/>
+            </p:nvGrpSpPr>
+            <p:grpSpPr>
+              <a:xfrm>
+                <a:off x="13193592" y="6599135"/>
+                <a:ext cx="1247309" cy="692497"/>
+                <a:chOff x="13319516" y="6414422"/>
+                <a:chExt cx="1247309" cy="692497"/>
+              </a:xfrm>
+            </p:grpSpPr>
+            <p:pic>
+              <p:nvPicPr>
+                <p:cNvPr id="167" name="Picture 166" descr="Chart, scatter chart&#10;&#10;Description automatically generated">
+                  <a:extLst>
+                    <a:ext uri="{FF2B5EF4-FFF2-40B4-BE49-F238E27FC236}">
+                      <a16:creationId xmlns:a16="http://schemas.microsoft.com/office/drawing/2014/main" id="{55238FEF-FD13-4107-A37B-B353782DFB50}"/>
+                    </a:ext>
+                  </a:extLst>
+                </p:cNvPr>
+                <p:cNvPicPr>
+                  <a:picLocks noChangeAspect="1"/>
+                </p:cNvPicPr>
+                <p:nvPr/>
+              </p:nvPicPr>
+              <p:blipFill rotWithShape="1">
+                <a:blip r:embed="rId5">
+                  <a:clrChange>
+                    <a:clrFrom>
+                      <a:srgbClr val="FFFFFF"/>
+                    </a:clrFrom>
+                    <a:clrTo>
+                      <a:srgbClr val="FFFFFF">
+                        <a:alpha val="0"/>
+                      </a:srgbClr>
+                    </a:clrTo>
+                  </a:clrChange>
+                  <a:extLst>
+                    <a:ext uri="{28A0092B-C50C-407E-A947-70E740481C1C}">
+                      <a14:useLocalDpi xmlns:a14="http://schemas.microsoft.com/office/drawing/2010/main" val="0"/>
+                    </a:ext>
+                  </a:extLst>
+                </a:blip>
+                <a:srcRect l="83630" t="44480" r="12995" b="43544"/>
+                <a:stretch/>
+              </p:blipFill>
+              <p:spPr>
+                <a:xfrm>
+                  <a:off x="13319516" y="6428844"/>
+                  <a:ext cx="278675" cy="630919"/>
+                </a:xfrm>
+                <a:prstGeom prst="rect">
+                  <a:avLst/>
+                </a:prstGeom>
+              </p:spPr>
+            </p:pic>
+            <p:sp>
+              <p:nvSpPr>
+                <p:cNvPr id="72" name="TextBox 71">
+                  <a:extLst>
+                    <a:ext uri="{FF2B5EF4-FFF2-40B4-BE49-F238E27FC236}">
+                      <a16:creationId xmlns:a16="http://schemas.microsoft.com/office/drawing/2014/main" id="{F100A753-BD79-40BD-B9D8-92BE22220A05}"/>
+                    </a:ext>
+                  </a:extLst>
+                </p:cNvPr>
+                <p:cNvSpPr txBox="1"/>
+                <p:nvPr/>
+              </p:nvSpPr>
+              <p:spPr>
+                <a:xfrm>
+                  <a:off x="13504742" y="6414422"/>
+                  <a:ext cx="1062083" cy="692497"/>
+                </a:xfrm>
+                <a:prstGeom prst="rect">
+                  <a:avLst/>
+                </a:prstGeom>
+                <a:noFill/>
+              </p:spPr>
+              <p:txBody>
+                <a:bodyPr wrap="square" rtlCol="0">
+                  <a:spAutoFit/>
+                </a:bodyPr>
+                <a:lstStyle/>
+                <a:p>
+                  <a:r>
+                    <a:rPr lang="en-US" sz="1300" dirty="0">
+                      <a:latin typeface="Georgia" panose="02040502050405020303" pitchFamily="18" charset="0"/>
+                    </a:rPr>
+                    <a:t>Rep 7, B 30</a:t>
+                  </a:r>
+                </a:p>
+                <a:p>
+                  <a:r>
+                    <a:rPr lang="en-US" sz="1300" dirty="0">
+                      <a:latin typeface="Georgia" panose="02040502050405020303" pitchFamily="18" charset="0"/>
+                    </a:rPr>
+                    <a:t>Rep 5, B 40</a:t>
+                  </a:r>
+                </a:p>
+                <a:p>
+                  <a:r>
+                    <a:rPr lang="en-US" sz="1300" dirty="0">
+                      <a:latin typeface="Georgia" panose="02040502050405020303" pitchFamily="18" charset="0"/>
+                    </a:rPr>
+                    <a:t>Rep 4, B 48</a:t>
+                  </a:r>
+                </a:p>
+              </p:txBody>
+            </p:sp>
+          </p:grpSp>
+        </p:grpSp>
+        <p:sp>
+          <p:nvSpPr>
+            <p:cNvPr id="156" name="TextBox 155">
+              <a:extLst>
+                <a:ext uri="{FF2B5EF4-FFF2-40B4-BE49-F238E27FC236}">
+                  <a16:creationId xmlns:a16="http://schemas.microsoft.com/office/drawing/2014/main" id="{ADBC6C46-B4E2-4B94-B864-AEE631140633}"/>
+                </a:ext>
+              </a:extLst>
+            </p:cNvPr>
+            <p:cNvSpPr txBox="1"/>
+            <p:nvPr/>
+          </p:nvSpPr>
+          <p:spPr>
+            <a:xfrm>
+              <a:off x="10016773" y="4976061"/>
+              <a:ext cx="415498" cy="1563162"/>
+            </a:xfrm>
+            <a:prstGeom prst="rect">
+              <a:avLst/>
+            </a:prstGeom>
+            <a:noFill/>
+          </p:spPr>
+          <p:txBody>
+            <a:bodyPr vert="vert270" wrap="square" rtlCol="0">
+              <a:spAutoFit/>
+            </a:bodyPr>
+            <a:lstStyle/>
+            <a:p>
+              <a:r>
+                <a:rPr lang="en-US" sz="1500" dirty="0">
+                  <a:latin typeface="Georgia" panose="02040502050405020303" pitchFamily="18" charset="0"/>
+                </a:rPr>
+                <a:t>F1 Score</a:t>
+              </a:r>
+            </a:p>
+          </p:txBody>
+        </p:sp>
+      </p:grpSp>
+      <p:grpSp>
+        <p:nvGrpSpPr>
+          <p:cNvPr id="86" name="Group 85">
+            <a:extLst>
+              <a:ext uri="{FF2B5EF4-FFF2-40B4-BE49-F238E27FC236}">
+                <a16:creationId xmlns:a16="http://schemas.microsoft.com/office/drawing/2014/main" id="{0ABC3776-FB2E-44E8-A7AA-A0F63BD2BC82}"/>
+              </a:ext>
+            </a:extLst>
+          </p:cNvPr>
+          <p:cNvGrpSpPr/>
+          <p:nvPr/>
+        </p:nvGrpSpPr>
+        <p:grpSpPr>
+          <a:xfrm>
+            <a:off x="10865294" y="4358369"/>
+            <a:ext cx="4650150" cy="3248329"/>
+            <a:chOff x="10208819" y="8047577"/>
+            <a:chExt cx="4650150" cy="3248329"/>
+          </a:xfrm>
+        </p:grpSpPr>
+        <p:grpSp>
+          <p:nvGrpSpPr>
+            <p:cNvPr id="82" name="Group 81">
+              <a:extLst>
+                <a:ext uri="{FF2B5EF4-FFF2-40B4-BE49-F238E27FC236}">
+                  <a16:creationId xmlns:a16="http://schemas.microsoft.com/office/drawing/2014/main" id="{DB279A4C-B040-4216-994B-4465CA352B93}"/>
+                </a:ext>
+              </a:extLst>
+            </p:cNvPr>
+            <p:cNvGrpSpPr/>
+            <p:nvPr/>
+          </p:nvGrpSpPr>
+          <p:grpSpPr>
+            <a:xfrm>
+              <a:off x="10208819" y="8047577"/>
+              <a:ext cx="4650150" cy="3248329"/>
+              <a:chOff x="10189769" y="7742773"/>
+              <a:chExt cx="4650150" cy="3248329"/>
+            </a:xfrm>
+          </p:grpSpPr>
+          <p:grpSp>
+            <p:nvGrpSpPr>
+              <p:cNvPr id="79" name="Group 78">
+                <a:extLst>
+                  <a:ext uri="{FF2B5EF4-FFF2-40B4-BE49-F238E27FC236}">
+                    <a16:creationId xmlns:a16="http://schemas.microsoft.com/office/drawing/2014/main" id="{270EC5E9-22F5-4906-A10D-436ADE442242}"/>
+                  </a:ext>
+                </a:extLst>
+              </p:cNvPr>
+              <p:cNvGrpSpPr/>
+              <p:nvPr/>
+            </p:nvGrpSpPr>
+            <p:grpSpPr>
+              <a:xfrm>
+                <a:off x="10627886" y="7866575"/>
+                <a:ext cx="4212033" cy="3124527"/>
+                <a:chOff x="10627886" y="7866575"/>
+                <a:chExt cx="4212033" cy="3124527"/>
+              </a:xfrm>
+            </p:grpSpPr>
+            <p:pic>
+              <p:nvPicPr>
+                <p:cNvPr id="78" name="Picture 77" descr="Chart, line chart&#10;&#10;Description automatically generated">
+                  <a:extLst>
+                    <a:ext uri="{FF2B5EF4-FFF2-40B4-BE49-F238E27FC236}">
+                      <a16:creationId xmlns:a16="http://schemas.microsoft.com/office/drawing/2014/main" id="{C7B7A14B-44FE-40B9-8DEA-B6BB0DF22717}"/>
+                    </a:ext>
+                  </a:extLst>
+                </p:cNvPr>
+                <p:cNvPicPr>
+                  <a:picLocks noChangeAspect="1"/>
+                </p:cNvPicPr>
+                <p:nvPr/>
+              </p:nvPicPr>
+              <p:blipFill rotWithShape="1">
+                <a:blip r:embed="rId6">
+                  <a:extLst>
+                    <a:ext uri="{28A0092B-C50C-407E-A947-70E740481C1C}">
+                      <a14:useLocalDpi xmlns:a14="http://schemas.microsoft.com/office/drawing/2010/main" val="0"/>
+                    </a:ext>
+                  </a:extLst>
+                </a:blip>
+                <a:srcRect l="4952" t="6438" r="13839" b="6617"/>
+                <a:stretch/>
+              </p:blipFill>
+              <p:spPr>
+                <a:xfrm>
+                  <a:off x="10805593" y="7866575"/>
+                  <a:ext cx="3974563" cy="2714171"/>
+                </a:xfrm>
+                <a:prstGeom prst="rect">
+                  <a:avLst/>
+                </a:prstGeom>
+              </p:spPr>
+            </p:pic>
+            <p:sp>
+              <p:nvSpPr>
+                <p:cNvPr id="201" name="TextBox 200">
+                  <a:extLst>
+                    <a:ext uri="{FF2B5EF4-FFF2-40B4-BE49-F238E27FC236}">
+                      <a16:creationId xmlns:a16="http://schemas.microsoft.com/office/drawing/2014/main" id="{80D533E9-9E4F-4CB9-AC26-7EBA2206761A}"/>
+                    </a:ext>
+                  </a:extLst>
+                </p:cNvPr>
+                <p:cNvSpPr txBox="1"/>
+                <p:nvPr/>
+              </p:nvSpPr>
+              <p:spPr>
+                <a:xfrm>
+                  <a:off x="10627886" y="10498659"/>
+                  <a:ext cx="4212033" cy="492443"/>
+                </a:xfrm>
+                <a:prstGeom prst="rect">
+                  <a:avLst/>
+                </a:prstGeom>
+                <a:noFill/>
+              </p:spPr>
+              <p:txBody>
+                <a:bodyPr wrap="square" rtlCol="0">
+                  <a:spAutoFit/>
+                </a:bodyPr>
+                <a:lstStyle/>
+                <a:p>
+                  <a:r>
+                    <a:rPr lang="en-US" sz="1300" dirty="0">
+                      <a:latin typeface="Georgia" panose="02040502050405020303" pitchFamily="18" charset="0"/>
+                    </a:rPr>
+                    <a:t>     0		      1e+6		2e+6	  	     3e+6</a:t>
+                  </a:r>
+                </a:p>
+                <a:p>
+                  <a:pPr algn="ctr"/>
+                  <a:r>
+                    <a:rPr lang="en-US" sz="1300" dirty="0">
+                      <a:latin typeface="Georgia" panose="02040502050405020303" pitchFamily="18" charset="0"/>
+                    </a:rPr>
+                    <a:t>Steps</a:t>
+                  </a:r>
+                </a:p>
+              </p:txBody>
+            </p:sp>
+          </p:grpSp>
+          <p:grpSp>
+            <p:nvGrpSpPr>
+              <p:cNvPr id="80" name="Group 79">
+                <a:extLst>
+                  <a:ext uri="{FF2B5EF4-FFF2-40B4-BE49-F238E27FC236}">
+                    <a16:creationId xmlns:a16="http://schemas.microsoft.com/office/drawing/2014/main" id="{81870F6E-9E2B-4903-B07C-06FDAE3A7CC5}"/>
+                  </a:ext>
+                </a:extLst>
+              </p:cNvPr>
+              <p:cNvGrpSpPr/>
+              <p:nvPr/>
+            </p:nvGrpSpPr>
+            <p:grpSpPr>
+              <a:xfrm>
+                <a:off x="10189769" y="7742773"/>
+                <a:ext cx="1040828" cy="2858523"/>
+                <a:chOff x="10189769" y="7742773"/>
+                <a:chExt cx="1040828" cy="2858523"/>
+              </a:xfrm>
+            </p:grpSpPr>
+            <p:sp>
+              <p:nvSpPr>
+                <p:cNvPr id="204" name="TextBox 203">
+                  <a:extLst>
+                    <a:ext uri="{FF2B5EF4-FFF2-40B4-BE49-F238E27FC236}">
+                      <a16:creationId xmlns:a16="http://schemas.microsoft.com/office/drawing/2014/main" id="{902C2B7F-9815-44FE-A293-EDC6136CC22C}"/>
+                    </a:ext>
+                  </a:extLst>
+                </p:cNvPr>
+                <p:cNvSpPr txBox="1"/>
+                <p:nvPr/>
+              </p:nvSpPr>
+              <p:spPr>
+                <a:xfrm>
+                  <a:off x="10509945" y="7742773"/>
+                  <a:ext cx="720652" cy="292388"/>
+                </a:xfrm>
+                <a:prstGeom prst="rect">
+                  <a:avLst/>
+                </a:prstGeom>
+                <a:noFill/>
+              </p:spPr>
+              <p:txBody>
+                <a:bodyPr wrap="square" rtlCol="0">
+                  <a:spAutoFit/>
+                </a:bodyPr>
+                <a:lstStyle/>
+                <a:p>
+                  <a:r>
+                    <a:rPr lang="en-US" sz="1300" dirty="0">
+                      <a:latin typeface="Georgia" panose="02040502050405020303" pitchFamily="18" charset="0"/>
+                    </a:rPr>
+                    <a:t>70</a:t>
+                  </a:r>
+                </a:p>
+              </p:txBody>
+            </p:sp>
+            <p:sp>
+              <p:nvSpPr>
+                <p:cNvPr id="205" name="TextBox 204">
+                  <a:extLst>
+                    <a:ext uri="{FF2B5EF4-FFF2-40B4-BE49-F238E27FC236}">
+                      <a16:creationId xmlns:a16="http://schemas.microsoft.com/office/drawing/2014/main" id="{C925525D-285F-4772-B605-990FE23C248A}"/>
+                    </a:ext>
+                  </a:extLst>
+                </p:cNvPr>
+                <p:cNvSpPr txBox="1"/>
+                <p:nvPr/>
+              </p:nvSpPr>
+              <p:spPr>
+                <a:xfrm>
+                  <a:off x="10509945" y="8262049"/>
+                  <a:ext cx="720652" cy="292388"/>
+                </a:xfrm>
+                <a:prstGeom prst="rect">
+                  <a:avLst/>
+                </a:prstGeom>
+                <a:noFill/>
+              </p:spPr>
+              <p:txBody>
+                <a:bodyPr wrap="square" rtlCol="0">
+                  <a:spAutoFit/>
+                </a:bodyPr>
+                <a:lstStyle/>
+                <a:p>
+                  <a:r>
+                    <a:rPr lang="en-US" sz="1300" dirty="0">
+                      <a:latin typeface="Georgia" panose="02040502050405020303" pitchFamily="18" charset="0"/>
+                    </a:rPr>
+                    <a:t>65</a:t>
+                  </a:r>
+                </a:p>
+              </p:txBody>
+            </p:sp>
+            <p:sp>
+              <p:nvSpPr>
+                <p:cNvPr id="206" name="TextBox 205">
+                  <a:extLst>
+                    <a:ext uri="{FF2B5EF4-FFF2-40B4-BE49-F238E27FC236}">
+                      <a16:creationId xmlns:a16="http://schemas.microsoft.com/office/drawing/2014/main" id="{B4E61160-E223-4602-B3BD-3B2FF154A88A}"/>
+                    </a:ext>
+                  </a:extLst>
+                </p:cNvPr>
+                <p:cNvSpPr txBox="1"/>
+                <p:nvPr/>
+              </p:nvSpPr>
+              <p:spPr>
+                <a:xfrm>
+                  <a:off x="10509945" y="8779465"/>
+                  <a:ext cx="720652" cy="292388"/>
+                </a:xfrm>
+                <a:prstGeom prst="rect">
+                  <a:avLst/>
+                </a:prstGeom>
+                <a:noFill/>
+              </p:spPr>
+              <p:txBody>
+                <a:bodyPr wrap="square" rtlCol="0">
+                  <a:spAutoFit/>
+                </a:bodyPr>
+                <a:lstStyle/>
+                <a:p>
+                  <a:r>
+                    <a:rPr lang="en-US" sz="1300" dirty="0">
+                      <a:latin typeface="Georgia" panose="02040502050405020303" pitchFamily="18" charset="0"/>
+                    </a:rPr>
+                    <a:t>60</a:t>
+                  </a:r>
+                </a:p>
+              </p:txBody>
+            </p:sp>
+            <p:sp>
+              <p:nvSpPr>
+                <p:cNvPr id="207" name="TextBox 206">
+                  <a:extLst>
+                    <a:ext uri="{FF2B5EF4-FFF2-40B4-BE49-F238E27FC236}">
+                      <a16:creationId xmlns:a16="http://schemas.microsoft.com/office/drawing/2014/main" id="{32A0E5B5-0607-41F5-A634-2FE1B5BBB225}"/>
+                    </a:ext>
+                  </a:extLst>
+                </p:cNvPr>
+                <p:cNvSpPr txBox="1"/>
+                <p:nvPr/>
+              </p:nvSpPr>
+              <p:spPr>
+                <a:xfrm>
+                  <a:off x="10504663" y="9296881"/>
+                  <a:ext cx="720652" cy="292388"/>
+                </a:xfrm>
+                <a:prstGeom prst="rect">
+                  <a:avLst/>
+                </a:prstGeom>
+                <a:noFill/>
+              </p:spPr>
+              <p:txBody>
+                <a:bodyPr wrap="square" rtlCol="0">
+                  <a:spAutoFit/>
+                </a:bodyPr>
+                <a:lstStyle/>
+                <a:p>
+                  <a:r>
+                    <a:rPr lang="en-US" sz="1300" dirty="0">
+                      <a:latin typeface="Georgia" panose="02040502050405020303" pitchFamily="18" charset="0"/>
+                    </a:rPr>
+                    <a:t>55</a:t>
+                  </a:r>
+                </a:p>
+              </p:txBody>
+            </p:sp>
+            <p:sp>
+              <p:nvSpPr>
+                <p:cNvPr id="208" name="TextBox 207">
+                  <a:extLst>
+                    <a:ext uri="{FF2B5EF4-FFF2-40B4-BE49-F238E27FC236}">
+                      <a16:creationId xmlns:a16="http://schemas.microsoft.com/office/drawing/2014/main" id="{49565D33-8B6D-4584-9FEB-49CD6C33ED26}"/>
+                    </a:ext>
+                  </a:extLst>
+                </p:cNvPr>
+                <p:cNvSpPr txBox="1"/>
+                <p:nvPr/>
+              </p:nvSpPr>
+              <p:spPr>
+                <a:xfrm>
+                  <a:off x="10504663" y="9793521"/>
+                  <a:ext cx="720652" cy="292388"/>
+                </a:xfrm>
+                <a:prstGeom prst="rect">
+                  <a:avLst/>
+                </a:prstGeom>
+                <a:noFill/>
+              </p:spPr>
+              <p:txBody>
+                <a:bodyPr wrap="square" rtlCol="0">
+                  <a:spAutoFit/>
+                </a:bodyPr>
+                <a:lstStyle/>
+                <a:p>
+                  <a:r>
+                    <a:rPr lang="en-US" sz="1300" dirty="0">
+                      <a:latin typeface="Georgia" panose="02040502050405020303" pitchFamily="18" charset="0"/>
+                    </a:rPr>
+                    <a:t>50</a:t>
+                  </a:r>
+                </a:p>
+              </p:txBody>
+            </p:sp>
+            <p:sp>
+              <p:nvSpPr>
+                <p:cNvPr id="209" name="TextBox 208">
+                  <a:extLst>
+                    <a:ext uri="{FF2B5EF4-FFF2-40B4-BE49-F238E27FC236}">
+                      <a16:creationId xmlns:a16="http://schemas.microsoft.com/office/drawing/2014/main" id="{01252105-3FE5-4DC5-BD34-F5F61B19A0F6}"/>
+                    </a:ext>
+                  </a:extLst>
+                </p:cNvPr>
+                <p:cNvSpPr txBox="1"/>
+                <p:nvPr/>
+              </p:nvSpPr>
+              <p:spPr>
+                <a:xfrm>
+                  <a:off x="10508127" y="10308908"/>
+                  <a:ext cx="720652" cy="292388"/>
+                </a:xfrm>
+                <a:prstGeom prst="rect">
+                  <a:avLst/>
+                </a:prstGeom>
+                <a:noFill/>
+              </p:spPr>
+              <p:txBody>
+                <a:bodyPr wrap="square" rtlCol="0">
+                  <a:spAutoFit/>
+                </a:bodyPr>
+                <a:lstStyle/>
+                <a:p>
+                  <a:r>
+                    <a:rPr lang="en-US" sz="1300" dirty="0">
+                      <a:latin typeface="Georgia" panose="02040502050405020303" pitchFamily="18" charset="0"/>
+                    </a:rPr>
+                    <a:t>45</a:t>
+                  </a:r>
+                </a:p>
+              </p:txBody>
+            </p:sp>
+            <p:sp>
+              <p:nvSpPr>
+                <p:cNvPr id="210" name="TextBox 209">
+                  <a:extLst>
+                    <a:ext uri="{FF2B5EF4-FFF2-40B4-BE49-F238E27FC236}">
+                      <a16:creationId xmlns:a16="http://schemas.microsoft.com/office/drawing/2014/main" id="{6463D64B-410A-41C4-B28D-1076E87F4EDE}"/>
+                    </a:ext>
+                  </a:extLst>
+                </p:cNvPr>
+                <p:cNvSpPr txBox="1"/>
+                <p:nvPr/>
+              </p:nvSpPr>
+              <p:spPr>
+                <a:xfrm>
+                  <a:off x="10189769" y="8049180"/>
+                  <a:ext cx="415498" cy="1563162"/>
+                </a:xfrm>
+                <a:prstGeom prst="rect">
+                  <a:avLst/>
+                </a:prstGeom>
+                <a:noFill/>
+              </p:spPr>
+              <p:txBody>
+                <a:bodyPr vert="vert270" wrap="square" rtlCol="0">
+                  <a:spAutoFit/>
+                </a:bodyPr>
+                <a:lstStyle/>
+                <a:p>
+                  <a:r>
+                    <a:rPr lang="en-US" sz="1500" dirty="0">
+                      <a:latin typeface="Georgia" panose="02040502050405020303" pitchFamily="18" charset="0"/>
+                    </a:rPr>
+                    <a:t>F1 Score</a:t>
+                  </a:r>
+                </a:p>
+              </p:txBody>
+            </p:sp>
+          </p:grpSp>
+        </p:grpSp>
+        <p:grpSp>
+          <p:nvGrpSpPr>
+            <p:cNvPr id="85" name="Group 84">
+              <a:extLst>
+                <a:ext uri="{FF2B5EF4-FFF2-40B4-BE49-F238E27FC236}">
+                  <a16:creationId xmlns:a16="http://schemas.microsoft.com/office/drawing/2014/main" id="{0AEA5C43-0C64-49D6-A542-20D86133DF43}"/>
+                </a:ext>
+              </a:extLst>
+            </p:cNvPr>
+            <p:cNvGrpSpPr/>
+            <p:nvPr/>
+          </p:nvGrpSpPr>
+          <p:grpSpPr>
+            <a:xfrm>
+              <a:off x="13519105" y="9142200"/>
+              <a:ext cx="1256594" cy="692497"/>
+              <a:chOff x="13428879" y="9117085"/>
+              <a:chExt cx="1256594" cy="692497"/>
+            </a:xfrm>
+          </p:grpSpPr>
+          <p:pic>
+            <p:nvPicPr>
+              <p:cNvPr id="84" name="Picture 83" descr="Chart, line chart&#10;&#10;Description automatically generated">
+                <a:extLst>
+                  <a:ext uri="{FF2B5EF4-FFF2-40B4-BE49-F238E27FC236}">
+                    <a16:creationId xmlns:a16="http://schemas.microsoft.com/office/drawing/2014/main" id="{41234D28-EF2D-4ED3-8FDC-C01587909AD7}"/>
+                  </a:ext>
+                </a:extLst>
+              </p:cNvPr>
+              <p:cNvPicPr>
+                <a:picLocks noChangeAspect="1"/>
+              </p:cNvPicPr>
+              <p:nvPr/>
+            </p:nvPicPr>
+            <p:blipFill rotWithShape="1">
+              <a:blip r:embed="rId6">
+                <a:extLst>
+                  <a:ext uri="{28A0092B-C50C-407E-A947-70E740481C1C}">
+                    <a14:useLocalDpi xmlns:a14="http://schemas.microsoft.com/office/drawing/2010/main" val="0"/>
+                  </a:ext>
+                </a:extLst>
+              </a:blip>
+              <a:srcRect l="88615" t="44155" r="7802" b="42459"/>
+              <a:stretch/>
+            </p:blipFill>
+            <p:spPr>
+              <a:xfrm>
+                <a:off x="13428879" y="9137889"/>
+                <a:ext cx="265033" cy="631492"/>
+              </a:xfrm>
+              <a:prstGeom prst="rect">
+                <a:avLst/>
+              </a:prstGeom>
+            </p:spPr>
+          </p:pic>
+          <p:sp>
+            <p:nvSpPr>
+              <p:cNvPr id="273" name="TextBox 272">
+                <a:extLst>
+                  <a:ext uri="{FF2B5EF4-FFF2-40B4-BE49-F238E27FC236}">
+                    <a16:creationId xmlns:a16="http://schemas.microsoft.com/office/drawing/2014/main" id="{E489FFA6-9CD7-4F17-97F8-8C7A6C472DF8}"/>
+                  </a:ext>
+                </a:extLst>
+              </p:cNvPr>
+              <p:cNvSpPr txBox="1"/>
+              <p:nvPr/>
+            </p:nvSpPr>
+            <p:spPr>
+              <a:xfrm>
+                <a:off x="13623390" y="9117085"/>
+                <a:ext cx="1062083" cy="692497"/>
+              </a:xfrm>
+              <a:prstGeom prst="rect">
+                <a:avLst/>
+              </a:prstGeom>
+              <a:noFill/>
+            </p:spPr>
+            <p:txBody>
+              <a:bodyPr wrap="square" rtlCol="0">
+                <a:spAutoFit/>
+              </a:bodyPr>
+              <a:lstStyle/>
+              <a:p>
+                <a:r>
+                  <a:rPr lang="en-US" sz="1300" dirty="0">
+                    <a:latin typeface="Georgia" panose="02040502050405020303" pitchFamily="18" charset="0"/>
+                  </a:rPr>
+                  <a:t>LR 0.005</a:t>
+                </a:r>
+              </a:p>
+              <a:p>
+                <a:r>
+                  <a:rPr lang="en-US" sz="1300" dirty="0">
+                    <a:latin typeface="Georgia" panose="02040502050405020303" pitchFamily="18" charset="0"/>
+                  </a:rPr>
+                  <a:t>LR 0.001</a:t>
+                </a:r>
+              </a:p>
+              <a:p>
+                <a:r>
+                  <a:rPr lang="en-US" sz="1300" dirty="0">
+                    <a:latin typeface="Georgia" panose="02040502050405020303" pitchFamily="18" charset="0"/>
+                  </a:rPr>
+                  <a:t>LR 0.0005</a:t>
+                </a:r>
+              </a:p>
+            </p:txBody>
+          </p:sp>
+        </p:grpSp>
+      </p:grpSp>
+      <p:sp>
+        <p:nvSpPr>
+          <p:cNvPr id="274" name="TextBox 273">
+            <a:extLst>
+              <a:ext uri="{FF2B5EF4-FFF2-40B4-BE49-F238E27FC236}">
+                <a16:creationId xmlns:a16="http://schemas.microsoft.com/office/drawing/2014/main" id="{B3AA37AA-CFD9-4D4A-98C6-4A464FAD8656}"/>
+              </a:ext>
+            </a:extLst>
+          </p:cNvPr>
+          <p:cNvSpPr txBox="1"/>
+          <p:nvPr/>
+        </p:nvSpPr>
+        <p:spPr>
+          <a:xfrm>
+            <a:off x="9727660" y="9218703"/>
+            <a:ext cx="1221991" cy="2062103"/>
+          </a:xfrm>
+          <a:prstGeom prst="rect">
+            <a:avLst/>
+          </a:prstGeom>
+          <a:noFill/>
+        </p:spPr>
+        <p:txBody>
+          <a:bodyPr wrap="square" rtlCol="0">
+            <a:spAutoFit/>
+          </a:bodyPr>
+          <a:lstStyle/>
+          <a:p>
+            <a:pPr algn="r"/>
+            <a:r>
+              <a:rPr lang="en-US" sz="1600" b="1" dirty="0">
+                <a:latin typeface="Georgia" panose="02040502050405020303" pitchFamily="18" charset="0"/>
+              </a:rPr>
+              <a:t>Fig 3.</a:t>
+            </a:r>
+            <a:r>
+              <a:rPr lang="en-US" sz="1600" dirty="0">
+                <a:latin typeface="Georgia" panose="02040502050405020303" pitchFamily="18" charset="0"/>
+              </a:rPr>
+              <a:t> F1 scores </a:t>
+            </a:r>
+            <a:r>
+              <a:rPr lang="en-US" altLang="zh-CN" sz="1600" dirty="0">
+                <a:latin typeface="Georgia" panose="02040502050405020303" pitchFamily="18" charset="0"/>
+              </a:rPr>
+              <a:t>vs.</a:t>
+            </a:r>
+            <a:r>
+              <a:rPr lang="en-US" sz="1600" dirty="0">
+                <a:latin typeface="Georgia" panose="02040502050405020303" pitchFamily="18" charset="0"/>
+              </a:rPr>
+              <a:t> Training Time </a:t>
+            </a:r>
+          </a:p>
+          <a:p>
+            <a:pPr algn="r"/>
+            <a:r>
+              <a:rPr lang="en-US" sz="1600" dirty="0">
+                <a:latin typeface="Georgia" panose="02040502050405020303" pitchFamily="18" charset="0"/>
+              </a:rPr>
+              <a:t>with different Reps and Batch sizes </a:t>
+            </a:r>
+            <a:endParaRPr lang="en-US" sz="1600" b="1" dirty="0">
+              <a:latin typeface="Georgia" panose="02040502050405020303" pitchFamily="18" charset="0"/>
+            </a:endParaRPr>
+          </a:p>
+        </p:txBody>
+      </p:sp>
+      <p:sp>
+        <p:nvSpPr>
+          <p:cNvPr id="275" name="TextBox 274">
+            <a:extLst>
+              <a:ext uri="{FF2B5EF4-FFF2-40B4-BE49-F238E27FC236}">
+                <a16:creationId xmlns:a16="http://schemas.microsoft.com/office/drawing/2014/main" id="{5E64905D-C4A1-47F9-A6EC-05FDF35F1BB0}"/>
+              </a:ext>
+            </a:extLst>
+          </p:cNvPr>
+          <p:cNvSpPr txBox="1"/>
+          <p:nvPr/>
+        </p:nvSpPr>
+        <p:spPr>
+          <a:xfrm>
+            <a:off x="9669443" y="6360203"/>
+            <a:ext cx="1273657" cy="1400383"/>
+          </a:xfrm>
+          <a:prstGeom prst="rect">
+            <a:avLst/>
+          </a:prstGeom>
+          <a:noFill/>
+        </p:spPr>
+        <p:txBody>
+          <a:bodyPr wrap="square" rtlCol="0">
+            <a:spAutoFit/>
+          </a:bodyPr>
+          <a:lstStyle/>
+          <a:p>
+            <a:pPr algn="r"/>
+            <a:r>
+              <a:rPr lang="en-US" sz="1700" b="1" dirty="0">
+                <a:latin typeface="Georgia" panose="02040502050405020303" pitchFamily="18" charset="0"/>
+              </a:rPr>
+              <a:t>Fig 2. </a:t>
+            </a:r>
+            <a:r>
+              <a:rPr lang="en-US" sz="1700" dirty="0">
+                <a:latin typeface="Georgia" panose="02040502050405020303" pitchFamily="18" charset="0"/>
+              </a:rPr>
+              <a:t>F1 scores with different Learning Rates</a:t>
+            </a:r>
+          </a:p>
+        </p:txBody>
+      </p:sp>
+      <p:sp>
+        <p:nvSpPr>
+          <p:cNvPr id="277" name="TextBox 276">
+            <a:extLst>
+              <a:ext uri="{FF2B5EF4-FFF2-40B4-BE49-F238E27FC236}">
+                <a16:creationId xmlns:a16="http://schemas.microsoft.com/office/drawing/2014/main" id="{F40FB2A2-82E0-4690-9F48-DCDEA43517B0}"/>
+              </a:ext>
+            </a:extLst>
+          </p:cNvPr>
+          <p:cNvSpPr txBox="1"/>
+          <p:nvPr/>
+        </p:nvSpPr>
+        <p:spPr>
+          <a:xfrm>
+            <a:off x="26937478" y="7711234"/>
+            <a:ext cx="5512588" cy="369332"/>
+          </a:xfrm>
+          <a:prstGeom prst="rect">
+            <a:avLst/>
+          </a:prstGeom>
+          <a:noFill/>
+        </p:spPr>
+        <p:txBody>
+          <a:bodyPr wrap="square" rtlCol="0">
+            <a:spAutoFit/>
+          </a:bodyPr>
+          <a:lstStyle/>
+          <a:p>
+            <a:r>
+              <a:rPr lang="en-US" b="1" dirty="0">
+                <a:latin typeface="Georgia" panose="02040502050405020303" pitchFamily="18" charset="0"/>
+              </a:rPr>
+              <a:t>Fig 5. </a:t>
+            </a:r>
+            <a:r>
+              <a:rPr lang="en-US" dirty="0">
+                <a:latin typeface="Georgia" panose="02040502050405020303" pitchFamily="18" charset="0"/>
+              </a:rPr>
+              <a:t>F1 and EM of three different models vs. Steps</a:t>
             </a:r>
           </a:p>
         </p:txBody>

--- a/Poster.pptx
+++ b/Poster.pptx
@@ -3038,7 +3038,7 @@
         </p:nvSpPr>
         <p:spPr>
           <a:xfrm>
-            <a:off x="0" y="0"/>
+            <a:off x="0" y="-152400"/>
             <a:ext cx="32937450" cy="3155701"/>
           </a:xfrm>
           <a:prstGeom prst="rect">
@@ -11955,7 +11955,7 @@
           <p:nvPr>
             <p:extLst>
               <p:ext uri="{D42A27DB-BD31-4B8C-83A1-F6EECF244321}">
-                <p14:modId xmlns:p14="http://schemas.microsoft.com/office/powerpoint/2010/main" val="1105238000"/>
+                <p14:modId xmlns:p14="http://schemas.microsoft.com/office/powerpoint/2010/main" val="867327553"/>
               </p:ext>
             </p:extLst>
           </p:nvPr>
@@ -12123,9 +12123,12 @@
                     <a:bodyPr/>
                     <a:lstStyle/>
                     <a:p>
-                      <a:endParaRPr lang="en-US" sz="2200" dirty="0">
-                        <a:latin typeface="Georgia" panose="02040502050405020303" pitchFamily="18" charset="0"/>
-                      </a:endParaRPr>
+                      <a:r>
+                        <a:rPr lang="en-US" sz="2200" dirty="0">
+                          <a:latin typeface="Georgia" panose="02040502050405020303" pitchFamily="18" charset="0"/>
+                        </a:rPr>
+                        <a:t>67.29</a:t>
+                      </a:r>
                     </a:p>
                   </a:txBody>
                   <a:tcPr/>
@@ -12135,9 +12138,12 @@
                     <a:bodyPr/>
                     <a:lstStyle/>
                     <a:p>
-                      <a:endParaRPr lang="en-US" sz="2200">
-                        <a:latin typeface="Georgia" panose="02040502050405020303" pitchFamily="18" charset="0"/>
-                      </a:endParaRPr>
+                      <a:r>
+                        <a:rPr lang="en-US" sz="2200" dirty="0">
+                          <a:latin typeface="Georgia" panose="02040502050405020303" pitchFamily="18" charset="0"/>
+                        </a:rPr>
+                        <a:t>64.02</a:t>
+                      </a:r>
                     </a:p>
                   </a:txBody>
                   <a:tcPr/>

--- a/Poster.pptx
+++ b/Poster.pptx
@@ -2985,7 +2985,7 @@
         </p:nvSpPr>
         <p:spPr>
           <a:xfrm>
-            <a:off x="419099" y="3411644"/>
+            <a:off x="419099" y="3259244"/>
             <a:ext cx="8487833" cy="838200"/>
           </a:xfrm>
           <a:prstGeom prst="rect">
@@ -3329,7 +3329,7 @@
         </p:nvSpPr>
         <p:spPr>
           <a:xfrm>
-            <a:off x="9601200" y="3411644"/>
+            <a:off x="9601200" y="3259244"/>
             <a:ext cx="13716000" cy="838200"/>
           </a:xfrm>
           <a:prstGeom prst="rect">
@@ -3382,7 +3382,7 @@
         </p:nvSpPr>
         <p:spPr>
           <a:xfrm>
-            <a:off x="24011467" y="18314050"/>
+            <a:off x="24011467" y="18161650"/>
             <a:ext cx="8487834" cy="838200"/>
           </a:xfrm>
           <a:prstGeom prst="rect">
@@ -3435,7 +3435,7 @@
         </p:nvSpPr>
         <p:spPr>
           <a:xfrm>
-            <a:off x="24011467" y="19187197"/>
+            <a:off x="24011467" y="19034797"/>
             <a:ext cx="8487830" cy="2723823"/>
           </a:xfrm>
           <a:prstGeom prst="rect">
@@ -3723,7 +3723,7 @@
         </p:nvSpPr>
         <p:spPr>
           <a:xfrm>
-            <a:off x="24011467" y="3411644"/>
+            <a:off x="24011467" y="3259244"/>
             <a:ext cx="8487833" cy="838200"/>
           </a:xfrm>
           <a:prstGeom prst="rect">
@@ -3776,7 +3776,7 @@
         </p:nvSpPr>
         <p:spPr>
           <a:xfrm>
-            <a:off x="9604983" y="11353460"/>
+            <a:off x="9604983" y="11201060"/>
             <a:ext cx="13716000" cy="838200"/>
           </a:xfrm>
           <a:prstGeom prst="rect">
@@ -3829,7 +3829,7 @@
         </p:nvSpPr>
         <p:spPr>
           <a:xfrm>
-            <a:off x="419099" y="9709878"/>
+            <a:off x="419099" y="9557478"/>
             <a:ext cx="8487833" cy="838200"/>
           </a:xfrm>
           <a:prstGeom prst="rect">
@@ -3882,7 +3882,7 @@
         </p:nvSpPr>
         <p:spPr>
           <a:xfrm>
-            <a:off x="419099" y="4490038"/>
+            <a:off x="419099" y="4337638"/>
             <a:ext cx="8487833" cy="5170646"/>
           </a:xfrm>
           <a:prstGeom prst="rect">
@@ -4140,13 +4140,13 @@
           <p:nvPr>
             <p:extLst>
               <p:ext uri="{D42A27DB-BD31-4B8C-83A1-F6EECF244321}">
-                <p14:modId xmlns:p14="http://schemas.microsoft.com/office/powerpoint/2010/main" val="2398968167"/>
+                <p14:modId xmlns:p14="http://schemas.microsoft.com/office/powerpoint/2010/main" val="3651417651"/>
               </p:ext>
             </p:extLst>
           </p:nvPr>
         </p:nvGraphicFramePr>
         <p:xfrm>
-          <a:off x="16472508" y="12332098"/>
+          <a:off x="16472508" y="12179698"/>
           <a:ext cx="6871275" cy="1280160"/>
         </p:xfrm>
         <a:graphic>
@@ -4398,7 +4398,7 @@
         </p:nvSpPr>
         <p:spPr>
           <a:xfrm>
-            <a:off x="419099" y="10619630"/>
+            <a:off x="419099" y="10467230"/>
             <a:ext cx="8487833" cy="2800767"/>
           </a:xfrm>
           <a:prstGeom prst="rect">
@@ -4633,7 +4633,7 @@
         </p:nvGrpSpPr>
         <p:grpSpPr>
           <a:xfrm>
-            <a:off x="452158" y="13460590"/>
+            <a:off x="452158" y="13308190"/>
             <a:ext cx="8380430" cy="8195026"/>
             <a:chOff x="452158" y="13460590"/>
             <a:chExt cx="8380430" cy="8195026"/>
@@ -7313,14 +7313,11 @@
             <a:p>
               <a:pPr algn="ctr"/>
               <a:r>
-                <a:rPr lang="en-US" sz="1700" dirty="0" err="1">
+                <a:rPr lang="en-US" sz="1700" dirty="0">
                   <a:latin typeface="Georgia" panose="02040502050405020303" pitchFamily="18" charset="0"/>
                 </a:rPr>
-                <a:t>Layernorm</a:t>
+                <a:t>Layer Norm</a:t>
               </a:r>
-              <a:endParaRPr lang="en-US" sz="1700" dirty="0">
-                <a:latin typeface="Georgia" panose="02040502050405020303" pitchFamily="18" charset="0"/>
-              </a:endParaRPr>
             </a:p>
           </p:txBody>
         </p:sp>
@@ -8487,7 +8484,7 @@
         </p:nvSpPr>
         <p:spPr>
           <a:xfrm>
-            <a:off x="24011467" y="13466686"/>
+            <a:off x="24011467" y="13314286"/>
             <a:ext cx="8487833" cy="838200"/>
           </a:xfrm>
           <a:prstGeom prst="rect">
@@ -8540,7 +8537,7 @@
         </p:nvSpPr>
         <p:spPr>
           <a:xfrm>
-            <a:off x="9604983" y="12232759"/>
+            <a:off x="9604983" y="12080359"/>
             <a:ext cx="6563620" cy="1446550"/>
           </a:xfrm>
           <a:prstGeom prst="rect">
@@ -8608,13 +8605,13 @@
           <p:nvPr>
             <p:extLst>
               <p:ext uri="{D42A27DB-BD31-4B8C-83A1-F6EECF244321}">
-                <p14:modId xmlns:p14="http://schemas.microsoft.com/office/powerpoint/2010/main" val="102182061"/>
+                <p14:modId xmlns:p14="http://schemas.microsoft.com/office/powerpoint/2010/main" val="2677132029"/>
               </p:ext>
             </p:extLst>
           </p:nvPr>
         </p:nvGraphicFramePr>
         <p:xfrm>
-          <a:off x="9769315" y="15188587"/>
+          <a:off x="9769315" y="15036187"/>
           <a:ext cx="13535185" cy="1706880"/>
         </p:xfrm>
         <a:graphic>
@@ -10963,7 +10960,7 @@
         </p:nvSpPr>
         <p:spPr>
           <a:xfrm>
-            <a:off x="9638843" y="13662509"/>
+            <a:off x="9638843" y="13510109"/>
             <a:ext cx="13695454" cy="1446550"/>
           </a:xfrm>
           <a:prstGeom prst="rect">
@@ -11024,7 +11021,7 @@
         </p:nvSpPr>
         <p:spPr>
           <a:xfrm>
-            <a:off x="12764852" y="15049465"/>
+            <a:off x="12764852" y="14897065"/>
             <a:ext cx="1328057" cy="1941793"/>
           </a:xfrm>
           <a:prstGeom prst="roundRect">
@@ -11072,7 +11069,7 @@
         </p:nvSpPr>
         <p:spPr>
           <a:xfrm>
-            <a:off x="18801251" y="15071130"/>
+            <a:off x="18801251" y="14918730"/>
             <a:ext cx="1328057" cy="1941793"/>
           </a:xfrm>
           <a:prstGeom prst="roundRect">
@@ -11124,7 +11121,7 @@
         </p:nvSpPr>
         <p:spPr>
           <a:xfrm>
-            <a:off x="9606894" y="17038462"/>
+            <a:off x="9606894" y="16886062"/>
             <a:ext cx="13695454" cy="4832092"/>
           </a:xfrm>
           <a:prstGeom prst="rect">
@@ -11393,7 +11390,7 @@
         </p:nvGrpSpPr>
         <p:grpSpPr>
           <a:xfrm>
-            <a:off x="23884561" y="4564820"/>
+            <a:off x="23884561" y="4412420"/>
             <a:ext cx="4461839" cy="3156726"/>
             <a:chOff x="23884561" y="4583381"/>
             <a:chExt cx="4461839" cy="3156726"/>
@@ -11595,7 +11592,7 @@
         </p:nvGrpSpPr>
         <p:grpSpPr>
           <a:xfrm>
-            <a:off x="28234098" y="4577490"/>
+            <a:off x="28234098" y="4425090"/>
             <a:ext cx="4265199" cy="3143033"/>
             <a:chOff x="28234098" y="4596051"/>
             <a:chExt cx="4265199" cy="3143033"/>
@@ -11836,7 +11833,7 @@
         </p:nvGrpSpPr>
         <p:grpSpPr>
           <a:xfrm>
-            <a:off x="31000893" y="6583131"/>
+            <a:off x="31000893" y="6430731"/>
             <a:ext cx="1707179" cy="738664"/>
             <a:chOff x="31124545" y="6601281"/>
             <a:chExt cx="1707179" cy="738664"/>
@@ -11955,14 +11952,14 @@
           <p:nvPr>
             <p:extLst>
               <p:ext uri="{D42A27DB-BD31-4B8C-83A1-F6EECF244321}">
-                <p14:modId xmlns:p14="http://schemas.microsoft.com/office/powerpoint/2010/main" val="867327553"/>
+                <p14:modId xmlns:p14="http://schemas.microsoft.com/office/powerpoint/2010/main" val="2097748082"/>
               </p:ext>
             </p:extLst>
           </p:nvPr>
         </p:nvGraphicFramePr>
         <p:xfrm>
-          <a:off x="16138123" y="4444024"/>
-          <a:ext cx="7162800" cy="4319016"/>
+          <a:off x="16138123" y="4291624"/>
+          <a:ext cx="7162800" cy="4297680"/>
         </p:xfrm>
         <a:graphic>
           <a:graphicData uri="http://schemas.openxmlformats.org/drawingml/2006/table">
@@ -12497,37 +12494,13 @@
                         <a:rPr lang="en-US" altLang="zh-CN" sz="2200" dirty="0">
                           <a:latin typeface="Georgia" panose="02040502050405020303" pitchFamily="18" charset="0"/>
                         </a:rPr>
-                        <a:t>atch size ~ # Repetitions </a:t>
+                        <a:t>atch size ~ # of Stacked Encoder Blocks </a:t>
                       </a:r>
                       <a:r>
                         <a:rPr lang="en-US" altLang="zh-CN" sz="1800" dirty="0">
                           <a:latin typeface="Georgia" panose="02040502050405020303" pitchFamily="18" charset="0"/>
                         </a:rPr>
-                        <a:t>(of </a:t>
-                      </a:r>
-                      <a:r>
-                        <a:rPr lang="en-US" altLang="zh-CN" sz="1800" dirty="0" err="1">
-                          <a:latin typeface="Georgia" panose="02040502050405020303" pitchFamily="18" charset="0"/>
-                        </a:rPr>
-                        <a:t>Convs</a:t>
-                      </a:r>
-                      <a:r>
-                        <a:rPr lang="en-US" altLang="zh-CN" sz="1800" dirty="0">
-                          <a:latin typeface="Georgia" panose="02040502050405020303" pitchFamily="18" charset="0"/>
-                        </a:rPr>
-                        <a:t> in an encoder block,</a:t>
-                      </a:r>
-                      <a:r>
-                        <a:rPr lang="zh-CN" altLang="en-US" sz="1800" dirty="0">
-                          <a:latin typeface="Georgia" panose="02040502050405020303" pitchFamily="18" charset="0"/>
-                        </a:rPr>
-                        <a:t> </a:t>
-                      </a:r>
-                      <a:r>
-                        <a:rPr lang="en-US" altLang="zh-CN" sz="1800" dirty="0">
-                          <a:latin typeface="Georgia" panose="02040502050405020303" pitchFamily="18" charset="0"/>
-                        </a:rPr>
-                        <a:t>see</a:t>
+                        <a:t>(see</a:t>
                       </a:r>
                       <a:r>
                         <a:rPr lang="zh-CN" altLang="en-US" sz="1800" dirty="0">
@@ -12749,7 +12722,7 @@
         </p:nvSpPr>
         <p:spPr>
           <a:xfrm>
-            <a:off x="5621867" y="21534082"/>
+            <a:off x="5621867" y="21248332"/>
             <a:ext cx="3063189" cy="369332"/>
           </a:xfrm>
           <a:prstGeom prst="rect">
@@ -12804,7 +12777,7 @@
         </p:nvSpPr>
         <p:spPr>
           <a:xfrm>
-            <a:off x="21526501" y="13655885"/>
+            <a:off x="21526501" y="13503485"/>
             <a:ext cx="1790700" cy="369332"/>
           </a:xfrm>
           <a:prstGeom prst="rect">
@@ -12850,7 +12823,7 @@
         </p:nvSpPr>
         <p:spPr>
           <a:xfrm>
-            <a:off x="19454648" y="16977465"/>
+            <a:off x="19454648" y="16825065"/>
             <a:ext cx="3910155" cy="369332"/>
           </a:xfrm>
           <a:prstGeom prst="rect">
@@ -12893,7 +12866,7 @@
         </p:nvSpPr>
         <p:spPr>
           <a:xfrm>
-            <a:off x="25646668" y="4320908"/>
+            <a:off x="25646668" y="4168508"/>
             <a:ext cx="1524000" cy="369332"/>
           </a:xfrm>
           <a:prstGeom prst="rect">
@@ -12930,7 +12903,7 @@
         </p:nvSpPr>
         <p:spPr>
           <a:xfrm>
-            <a:off x="29909730" y="4320908"/>
+            <a:off x="29909730" y="4168508"/>
             <a:ext cx="1524000" cy="369332"/>
           </a:xfrm>
           <a:prstGeom prst="rect">
@@ -12967,7 +12940,7 @@
         </p:nvSpPr>
         <p:spPr>
           <a:xfrm>
-            <a:off x="24236560" y="8244289"/>
+            <a:off x="24236560" y="8091889"/>
             <a:ext cx="8262735" cy="5170646"/>
           </a:xfrm>
           <a:prstGeom prst="rect">
@@ -13115,7 +13088,7 @@
               <a:rPr lang="en-US" sz="2200" dirty="0">
                 <a:latin typeface="Georgia" panose="02040502050405020303" pitchFamily="18" charset="0"/>
               </a:rPr>
-              <a:t>Reducing the number of encoder blocks from 7-&gt;4 and increasing the batch size cut the training time from ~10 hours to ~6 hours. </a:t>
+              <a:t>Reducing the number of stacked encoder blocks from 7-&gt;4 and increasing the batch size cut the training time from ~10 hours to ~6 hours. </a:t>
             </a:r>
           </a:p>
           <a:p>
@@ -13146,7 +13119,7 @@
         </p:nvSpPr>
         <p:spPr>
           <a:xfrm>
-            <a:off x="17697172" y="8789102"/>
+            <a:off x="17697172" y="8636702"/>
             <a:ext cx="5647997" cy="369332"/>
           </a:xfrm>
           <a:prstGeom prst="rect">
@@ -13189,7 +13162,7 @@
         </p:nvSpPr>
         <p:spPr>
           <a:xfrm>
-            <a:off x="16177341" y="9448424"/>
+            <a:off x="16177341" y="9296024"/>
             <a:ext cx="1916932" cy="790834"/>
           </a:xfrm>
           <a:prstGeom prst="ellipse">
@@ -13243,7 +13216,7 @@
         </p:nvSpPr>
         <p:spPr>
           <a:xfrm>
-            <a:off x="18807135" y="9443054"/>
+            <a:off x="18807135" y="9290654"/>
             <a:ext cx="1916932" cy="790835"/>
           </a:xfrm>
           <a:prstGeom prst="ellipse">
@@ -13297,7 +13270,7 @@
         </p:nvSpPr>
         <p:spPr>
           <a:xfrm>
-            <a:off x="21383235" y="9450270"/>
+            <a:off x="21383235" y="9297870"/>
             <a:ext cx="1916932" cy="790835"/>
           </a:xfrm>
           <a:prstGeom prst="ellipse">
@@ -13351,7 +13324,7 @@
         </p:nvSpPr>
         <p:spPr>
           <a:xfrm>
-            <a:off x="18253573" y="10832747"/>
+            <a:off x="18253573" y="10680347"/>
             <a:ext cx="5108574" cy="369332"/>
           </a:xfrm>
           <a:prstGeom prst="rect">
@@ -13398,7 +13371,7 @@
         </p:nvCxnSpPr>
         <p:spPr>
           <a:xfrm>
-            <a:off x="18094273" y="9843841"/>
+            <a:off x="18094273" y="9691441"/>
             <a:ext cx="1671328" cy="390048"/>
           </a:xfrm>
           <a:prstGeom prst="curvedConnector4">
@@ -13440,7 +13413,7 @@
         </p:nvSpPr>
         <p:spPr>
           <a:xfrm>
-            <a:off x="17445323" y="10420238"/>
+            <a:off x="17445323" y="10267838"/>
             <a:ext cx="1973250" cy="400110"/>
           </a:xfrm>
           <a:prstGeom prst="rect">
@@ -13481,7 +13454,7 @@
         </p:nvCxnSpPr>
         <p:spPr>
           <a:xfrm>
-            <a:off x="20724067" y="9838472"/>
+            <a:off x="20724067" y="9686072"/>
             <a:ext cx="1617634" cy="402633"/>
           </a:xfrm>
           <a:prstGeom prst="curvedConnector4">
@@ -13523,7 +13496,7 @@
         </p:nvSpPr>
         <p:spPr>
           <a:xfrm>
-            <a:off x="19909324" y="10436804"/>
+            <a:off x="19909324" y="10284404"/>
             <a:ext cx="2874294" cy="400110"/>
           </a:xfrm>
           <a:prstGeom prst="rect">
@@ -13573,7 +13546,7 @@
         </p:nvSpPr>
         <p:spPr>
           <a:xfrm>
-            <a:off x="24011466" y="14407550"/>
+            <a:off x="24011466" y="14255150"/>
             <a:ext cx="8487829" cy="3816429"/>
           </a:xfrm>
           <a:prstGeom prst="rect">
@@ -13725,7 +13698,7 @@
         </p:nvGrpSpPr>
         <p:grpSpPr>
           <a:xfrm>
-            <a:off x="10892501" y="7801551"/>
+            <a:off x="10892501" y="7649151"/>
             <a:ext cx="4725739" cy="3281082"/>
             <a:chOff x="10016773" y="4642462"/>
             <a:chExt cx="4725739" cy="3281082"/>
@@ -14201,7 +14174,7 @@
         </p:nvGrpSpPr>
         <p:grpSpPr>
           <a:xfrm>
-            <a:off x="10865294" y="4358369"/>
+            <a:off x="10865294" y="4205969"/>
             <a:ext cx="4650150" cy="3248329"/>
             <a:chOff x="10208819" y="8047577"/>
             <a:chExt cx="4650150" cy="3248329"/>
@@ -14734,7 +14707,7 @@
         </p:nvSpPr>
         <p:spPr>
           <a:xfrm>
-            <a:off x="9727660" y="9218703"/>
+            <a:off x="9727660" y="9066303"/>
             <a:ext cx="1221991" cy="2062103"/>
           </a:xfrm>
           <a:prstGeom prst="rect">
@@ -14780,7 +14753,7 @@
               <a:rPr lang="en-US" sz="1600" dirty="0">
                 <a:latin typeface="Georgia" panose="02040502050405020303" pitchFamily="18" charset="0"/>
               </a:rPr>
-              <a:t>with different Reps and Batch sizes </a:t>
+              <a:t>with different # Blocks and Batch sizes </a:t>
             </a:r>
             <a:endParaRPr lang="en-US" sz="1600" b="1" dirty="0">
               <a:latin typeface="Georgia" panose="02040502050405020303" pitchFamily="18" charset="0"/>
@@ -14802,7 +14775,7 @@
         </p:nvSpPr>
         <p:spPr>
           <a:xfrm>
-            <a:off x="9669443" y="6360203"/>
+            <a:off x="9669443" y="6207803"/>
             <a:ext cx="1273657" cy="1400383"/>
           </a:xfrm>
           <a:prstGeom prst="rect">
@@ -14846,7 +14819,7 @@
         </p:nvSpPr>
         <p:spPr>
           <a:xfrm>
-            <a:off x="26937478" y="7711234"/>
+            <a:off x="26937478" y="7558834"/>
             <a:ext cx="5512588" cy="369332"/>
           </a:xfrm>
           <a:prstGeom prst="rect">
